--- a/Dissertation/Dissertation Defense/Dissertation Defense.pptx
+++ b/Dissertation/Dissertation Defense/Dissertation Defense.pptx
@@ -23,7 +23,43 @@
     <p:sldId id="303" r:id="rId17"/>
     <p:sldId id="304" r:id="rId18"/>
     <p:sldId id="305" r:id="rId19"/>
-    <p:sldId id="291" r:id="rId20"/>
+    <p:sldId id="306" r:id="rId20"/>
+    <p:sldId id="307" r:id="rId21"/>
+    <p:sldId id="308" r:id="rId22"/>
+    <p:sldId id="309" r:id="rId23"/>
+    <p:sldId id="310" r:id="rId24"/>
+    <p:sldId id="311" r:id="rId25"/>
+    <p:sldId id="312" r:id="rId26"/>
+    <p:sldId id="314" r:id="rId27"/>
+    <p:sldId id="313" r:id="rId28"/>
+    <p:sldId id="316" r:id="rId29"/>
+    <p:sldId id="317" r:id="rId30"/>
+    <p:sldId id="318" r:id="rId31"/>
+    <p:sldId id="319" r:id="rId32"/>
+    <p:sldId id="320" r:id="rId33"/>
+    <p:sldId id="321" r:id="rId34"/>
+    <p:sldId id="322" r:id="rId35"/>
+    <p:sldId id="323" r:id="rId36"/>
+    <p:sldId id="324" r:id="rId37"/>
+    <p:sldId id="315" r:id="rId38"/>
+    <p:sldId id="325" r:id="rId39"/>
+    <p:sldId id="332" r:id="rId40"/>
+    <p:sldId id="326" r:id="rId41"/>
+    <p:sldId id="327" r:id="rId42"/>
+    <p:sldId id="328" r:id="rId43"/>
+    <p:sldId id="329" r:id="rId44"/>
+    <p:sldId id="330" r:id="rId45"/>
+    <p:sldId id="331" r:id="rId46"/>
+    <p:sldId id="333" r:id="rId47"/>
+    <p:sldId id="334" r:id="rId48"/>
+    <p:sldId id="335" r:id="rId49"/>
+    <p:sldId id="336" r:id="rId50"/>
+    <p:sldId id="340" r:id="rId51"/>
+    <p:sldId id="342" r:id="rId52"/>
+    <p:sldId id="339" r:id="rId53"/>
+    <p:sldId id="338" r:id="rId54"/>
+    <p:sldId id="341" r:id="rId55"/>
+    <p:sldId id="291" r:id="rId56"/>
   </p:sldIdLst>
   <p:sldSz cx="9144000" cy="6858000" type="screen4x3"/>
   <p:notesSz cx="6858000" cy="9144000"/>
@@ -330,7 +366,7 @@
             <a:fld id="{786423F5-F636-4F8D-8C93-CA00FBEE23CC}" type="datetimeFigureOut">
               <a:rPr lang="en-US" smtClean="0"/>
               <a:pPr/>
-              <a:t>10/29/2016</a:t>
+              <a:t>10/31/2016</a:t>
             </a:fld>
             <a:endParaRPr lang="en-US"/>
           </a:p>
@@ -542,7 +578,7 @@
             <a:fld id="{786423F5-F636-4F8D-8C93-CA00FBEE23CC}" type="datetimeFigureOut">
               <a:rPr lang="en-US" smtClean="0"/>
               <a:pPr/>
-              <a:t>10/29/2016</a:t>
+              <a:t>10/31/2016</a:t>
             </a:fld>
             <a:endParaRPr lang="en-US"/>
           </a:p>
@@ -709,7 +745,7 @@
             <a:fld id="{786423F5-F636-4F8D-8C93-CA00FBEE23CC}" type="datetimeFigureOut">
               <a:rPr lang="en-US" smtClean="0"/>
               <a:pPr/>
-              <a:t>10/29/2016</a:t>
+              <a:t>10/31/2016</a:t>
             </a:fld>
             <a:endParaRPr lang="en-US"/>
           </a:p>
@@ -994,7 +1030,7 @@
             <a:fld id="{786423F5-F636-4F8D-8C93-CA00FBEE23CC}" type="datetimeFigureOut">
               <a:rPr lang="en-US" smtClean="0"/>
               <a:pPr/>
-              <a:t>10/29/2016</a:t>
+              <a:t>10/31/2016</a:t>
             </a:fld>
             <a:endParaRPr lang="en-US"/>
           </a:p>
@@ -1462,7 +1498,7 @@
             <a:fld id="{786423F5-F636-4F8D-8C93-CA00FBEE23CC}" type="datetimeFigureOut">
               <a:rPr lang="en-US" smtClean="0"/>
               <a:pPr/>
-              <a:t>10/29/2016</a:t>
+              <a:t>10/31/2016</a:t>
             </a:fld>
             <a:endParaRPr lang="en-US"/>
           </a:p>
@@ -1612,7 +1648,7 @@
             <a:fld id="{786423F5-F636-4F8D-8C93-CA00FBEE23CC}" type="datetimeFigureOut">
               <a:rPr lang="en-US" smtClean="0"/>
               <a:pPr/>
-              <a:t>10/29/2016</a:t>
+              <a:t>10/31/2016</a:t>
             </a:fld>
             <a:endParaRPr lang="en-US"/>
           </a:p>
@@ -1704,7 +1740,7 @@
             <a:fld id="{786423F5-F636-4F8D-8C93-CA00FBEE23CC}" type="datetimeFigureOut">
               <a:rPr lang="en-US" smtClean="0"/>
               <a:pPr/>
-              <a:t>10/29/2016</a:t>
+              <a:t>10/31/2016</a:t>
             </a:fld>
             <a:endParaRPr lang="en-US"/>
           </a:p>
@@ -1980,7 +2016,7 @@
             <a:fld id="{786423F5-F636-4F8D-8C93-CA00FBEE23CC}" type="datetimeFigureOut">
               <a:rPr lang="en-US" smtClean="0"/>
               <a:pPr/>
-              <a:t>10/29/2016</a:t>
+              <a:t>10/31/2016</a:t>
             </a:fld>
             <a:endParaRPr lang="en-US"/>
           </a:p>
@@ -2287,7 +2323,7 @@
             <a:fld id="{786423F5-F636-4F8D-8C93-CA00FBEE23CC}" type="datetimeFigureOut">
               <a:rPr lang="en-US" smtClean="0"/>
               <a:pPr/>
-              <a:t>10/29/2016</a:t>
+              <a:t>10/31/2016</a:t>
             </a:fld>
             <a:endParaRPr lang="en-US"/>
           </a:p>
@@ -2454,7 +2490,7 @@
             <a:fld id="{786423F5-F636-4F8D-8C93-CA00FBEE23CC}" type="datetimeFigureOut">
               <a:rPr lang="en-US" smtClean="0"/>
               <a:pPr/>
-              <a:t>10/29/2016</a:t>
+              <a:t>10/31/2016</a:t>
             </a:fld>
             <a:endParaRPr lang="en-US"/>
           </a:p>
@@ -2754,7 +2790,7 @@
             <a:fld id="{786423F5-F636-4F8D-8C93-CA00FBEE23CC}" type="datetimeFigureOut">
               <a:rPr lang="en-US" smtClean="0"/>
               <a:pPr/>
-              <a:t>10/29/2016</a:t>
+              <a:t>10/31/2016</a:t>
             </a:fld>
             <a:endParaRPr lang="en-US"/>
           </a:p>
@@ -3460,8 +3496,8 @@
           </a:p>
         </p:txBody>
       </p:sp>
-      <mc:AlternateContent xmlns:mc="http://schemas.openxmlformats.org/markup-compatibility/2006">
-        <mc:Choice xmlns:a14="http://schemas.microsoft.com/office/drawing/2010/main" Requires="a14">
+      <mc:AlternateContent xmlns:mc="http://schemas.openxmlformats.org/markup-compatibility/2006" xmlns:a14="http://schemas.microsoft.com/office/drawing/2010/main">
+        <mc:Choice Requires="a14">
           <p:sp>
             <p:nvSpPr>
               <p:cNvPr id="3" name="Content Placeholder 2"/>
@@ -3738,12 +3774,11 @@
                   <a:rPr lang="en-US" sz="2400" dirty="0"/>
                   <a:t> - Injection current – set to 5fC </a:t>
                 </a:r>
-                <a:endParaRPr lang="en-US" sz="2400" dirty="0"/>
               </a:p>
             </p:txBody>
           </p:sp>
         </mc:Choice>
-        <mc:Fallback>
+        <mc:Fallback xmlns="">
           <p:sp>
             <p:nvSpPr>
               <p:cNvPr id="3" name="Content Placeholder 2"/>
@@ -5673,6 +5708,13 @@
   <p:clrMapOvr>
     <a:masterClrMapping/>
   </p:clrMapOvr>
+  <p:timing>
+    <p:tnLst>
+      <p:par>
+        <p:cTn id="1" dur="indefinite" restart="never" nodeType="tmRoot"/>
+      </p:par>
+    </p:tnLst>
+  </p:timing>
 </p:sld>
 </file>
 
@@ -5708,7 +5750,12 @@
           <a:bodyPr/>
           <a:lstStyle/>
           <a:p>
-            <a:endParaRPr lang="en-US"/>
+            <a:pPr algn="ctr"/>
+            <a:r>
+              <a:rPr lang="en-US" dirty="0" smtClean="0"/>
+              <a:t>TNU Block Latch</a:t>
+            </a:r>
+            <a:endParaRPr lang="en-US" dirty="0"/>
           </a:p>
         </p:txBody>
       </p:sp>
@@ -5722,15 +5769,114 @@
             <p:ph idx="1"/>
           </p:nvPr>
         </p:nvSpPr>
-        <p:spPr/>
+        <p:spPr>
+          <a:xfrm>
+            <a:off x="457200" y="1600200"/>
+            <a:ext cx="5105400" cy="4876800"/>
+          </a:xfrm>
+        </p:spPr>
         <p:txBody>
           <a:bodyPr/>
           <a:lstStyle/>
           <a:p>
-            <a:endParaRPr lang="en-US"/>
-          </a:p>
-        </p:txBody>
-      </p:sp>
+            <a:r>
+              <a:rPr lang="en-US" dirty="0" smtClean="0"/>
+              <a:t>Uses block latch as a basis</a:t>
+            </a:r>
+          </a:p>
+          <a:p>
+            <a:r>
+              <a:rPr lang="en-US" dirty="0" smtClean="0"/>
+              <a:t>Has 4 cross-connected blocks</a:t>
+            </a:r>
+          </a:p>
+          <a:p>
+            <a:r>
+              <a:rPr lang="en-US" dirty="0" smtClean="0"/>
+              <a:t>Is not TNU tolerant by default</a:t>
+            </a:r>
+          </a:p>
+          <a:p>
+            <a:r>
+              <a:rPr lang="en-US" dirty="0" smtClean="0"/>
+              <a:t>Additional C-elements added as in HRDNUT</a:t>
+            </a:r>
+          </a:p>
+          <a:p>
+            <a:r>
+              <a:rPr lang="en-US" dirty="0" smtClean="0"/>
+              <a:t>Has 36 transistors</a:t>
+            </a:r>
+          </a:p>
+          <a:p>
+            <a:r>
+              <a:rPr lang="en-US" dirty="0" smtClean="0"/>
+              <a:t>Requires a 35% transistor overhead compared to HRDNUT</a:t>
+            </a:r>
+            <a:endParaRPr lang="en-US" dirty="0"/>
+          </a:p>
+        </p:txBody>
+      </p:sp>
+      <p:sp>
+        <p:nvSpPr>
+          <p:cNvPr id="6" name="TextBox 5"/>
+          <p:cNvSpPr txBox="1"/>
+          <p:nvPr/>
+        </p:nvSpPr>
+        <p:spPr>
+          <a:xfrm>
+            <a:off x="7010400" y="1447560"/>
+            <a:ext cx="1905000" cy="369332"/>
+          </a:xfrm>
+          <a:prstGeom prst="rect">
+            <a:avLst/>
+          </a:prstGeom>
+          <a:noFill/>
+        </p:spPr>
+        <p:txBody>
+          <a:bodyPr wrap="square" rtlCol="0">
+            <a:spAutoFit/>
+          </a:bodyPr>
+          <a:lstStyle/>
+          <a:p>
+            <a:r>
+              <a:rPr lang="en-US" dirty="0" smtClean="0"/>
+              <a:t>TNU block latch</a:t>
+            </a:r>
+            <a:endParaRPr lang="en-US" dirty="0"/>
+          </a:p>
+        </p:txBody>
+      </p:sp>
+      <p:pic>
+        <p:nvPicPr>
+          <p:cNvPr id="8" name="Picture 7"/>
+          <p:cNvPicPr>
+            <a:picLocks noChangeAspect="1"/>
+          </p:cNvPicPr>
+          <p:nvPr/>
+        </p:nvPicPr>
+        <p:blipFill>
+          <a:blip r:embed="rId2" cstate="print">
+            <a:extLst>
+              <a:ext uri="{28A0092B-C50C-407E-A947-70E740481C1C}">
+                <a14:useLocalDpi xmlns:a14="http://schemas.microsoft.com/office/drawing/2010/main" val="0"/>
+              </a:ext>
+            </a:extLst>
+          </a:blip>
+          <a:stretch>
+            <a:fillRect/>
+          </a:stretch>
+        </p:blipFill>
+        <p:spPr>
+          <a:xfrm>
+            <a:off x="5840186" y="1295400"/>
+            <a:ext cx="1981200" cy="5386898"/>
+          </a:xfrm>
+          <a:prstGeom prst="rect">
+            <a:avLst/>
+          </a:prstGeom>
+        </p:spPr>
+      </p:pic>
     </p:spTree>
     <p:extLst>
       <p:ext uri="{BB962C8B-B14F-4D97-AF65-F5344CB8AC3E}">
@@ -5741,6 +5887,13 @@
   <p:clrMapOvr>
     <a:masterClrMapping/>
   </p:clrMapOvr>
+  <p:timing>
+    <p:tnLst>
+      <p:par>
+        <p:cTn id="1" dur="indefinite" restart="never" nodeType="tmRoot"/>
+      </p:par>
+    </p:tnLst>
+  </p:timing>
 </p:sld>
 </file>
 
@@ -5779,7 +5932,7 @@
             <a:pPr algn="ctr"/>
             <a:r>
               <a:rPr lang="en-US" dirty="0" smtClean="0"/>
-              <a:t>Conclusion</a:t>
+              <a:t>TNU Tolerant Latch</a:t>
             </a:r>
             <a:endParaRPr lang="en-US" dirty="0"/>
           </a:p>
@@ -5795,59 +5948,37 @@
             <p:ph idx="1"/>
           </p:nvPr>
         </p:nvSpPr>
-        <p:spPr/>
+        <p:spPr>
+          <a:xfrm>
+            <a:off x="457200" y="1600200"/>
+            <a:ext cx="4419600" cy="4876800"/>
+          </a:xfrm>
+        </p:spPr>
         <p:txBody>
           <a:bodyPr/>
           <a:lstStyle/>
           <a:p>
             <a:r>
               <a:rPr lang="en-US" dirty="0" smtClean="0"/>
-              <a:t>Soft errors are a concern in circuit design</a:t>
-            </a:r>
-          </a:p>
-          <a:p>
-            <a:r>
-              <a:rPr lang="en-US" dirty="0" smtClean="0"/>
-              <a:t>New circuit designs and simulation tools are required to handle increasing error rate</a:t>
-            </a:r>
-          </a:p>
-          <a:p>
-            <a:r>
-              <a:rPr lang="en-US" dirty="0" smtClean="0"/>
-              <a:t>For the dissertation the following are proposed</a:t>
-            </a:r>
-          </a:p>
-          <a:p>
-            <a:pPr lvl="1"/>
-            <a:r>
-              <a:rPr lang="en-US" dirty="0" smtClean="0"/>
-              <a:t>A DNU tolerant latch suitable for clock gating</a:t>
-            </a:r>
-          </a:p>
-          <a:p>
-            <a:pPr lvl="1"/>
-            <a:r>
-              <a:rPr lang="en-US" smtClean="0"/>
-              <a:t>A simulation </a:t>
-            </a:r>
-            <a:r>
-              <a:rPr lang="en-US" dirty="0" smtClean="0"/>
-              <a:t>tool </a:t>
-            </a:r>
-            <a:r>
-              <a:rPr lang="en-US" smtClean="0"/>
-              <a:t>that calculates </a:t>
-            </a:r>
-            <a:r>
-              <a:rPr lang="en-US" dirty="0" smtClean="0"/>
-              <a:t>the SER using BDDs and an accurate electrical masking model</a:t>
-            </a:r>
-          </a:p>
-          <a:p>
-            <a:pPr lvl="1"/>
-            <a:r>
-              <a:rPr lang="en-US" dirty="0" smtClean="0"/>
-              <a:t>An accurate equivalent circuit model for determining the pulse shape</a:t>
+              <a:t>Block latch was modified to provide tolerance</a:t>
+            </a:r>
+          </a:p>
+          <a:p>
+            <a:r>
+              <a:rPr lang="en-US" dirty="0" smtClean="0"/>
+              <a:t>Has 84 total transistors</a:t>
+            </a:r>
+          </a:p>
+          <a:p>
+            <a:r>
+              <a:rPr lang="en-US" dirty="0" smtClean="0"/>
+              <a:t>Is SNU and DNU robust since it is based on HRDNUT</a:t>
+            </a:r>
+          </a:p>
+          <a:p>
+            <a:r>
+              <a:rPr lang="en-US" dirty="0" smtClean="0"/>
+              <a:t>Shows promise as TNU robust</a:t>
             </a:r>
           </a:p>
           <a:p>
@@ -5855,10 +5986,40 @@
           </a:p>
         </p:txBody>
       </p:sp>
+      <p:pic>
+        <p:nvPicPr>
+          <p:cNvPr id="6" name="Picture 5"/>
+          <p:cNvPicPr>
+            <a:picLocks noChangeAspect="1"/>
+          </p:cNvPicPr>
+          <p:nvPr/>
+        </p:nvPicPr>
+        <p:blipFill>
+          <a:blip r:embed="rId2" cstate="print">
+            <a:extLst>
+              <a:ext uri="{28A0092B-C50C-407E-A947-70E740481C1C}">
+                <a14:useLocalDpi xmlns:a14="http://schemas.microsoft.com/office/drawing/2010/main" val="0"/>
+              </a:ext>
+            </a:extLst>
+          </a:blip>
+          <a:stretch>
+            <a:fillRect/>
+          </a:stretch>
+        </p:blipFill>
+        <p:spPr>
+          <a:xfrm>
+            <a:off x="5334000" y="1295400"/>
+            <a:ext cx="3638318" cy="5410200"/>
+          </a:xfrm>
+          <a:prstGeom prst="rect">
+            <a:avLst/>
+          </a:prstGeom>
+        </p:spPr>
+      </p:pic>
     </p:spTree>
     <p:extLst>
       <p:ext uri="{BB962C8B-B14F-4D97-AF65-F5344CB8AC3E}">
-        <p14:creationId xmlns:p14="http://schemas.microsoft.com/office/powerpoint/2010/main" val="495113176"/>
+        <p14:creationId xmlns:p14="http://schemas.microsoft.com/office/powerpoint/2010/main" val="2216249590"/>
       </p:ext>
     </p:extLst>
   </p:cSld>
@@ -5982,6 +6143,1980 @@
 </p:sld>
 </file>
 
+<file path=ppt/slides/slide20.xml><?xml version="1.0" encoding="utf-8"?>
+<p:sld xmlns:a="http://schemas.openxmlformats.org/drawingml/2006/main" xmlns:r="http://schemas.openxmlformats.org/officeDocument/2006/relationships" xmlns:p="http://schemas.openxmlformats.org/presentationml/2006/main">
+  <p:cSld>
+    <p:spTree>
+      <p:nvGrpSpPr>
+        <p:cNvPr id="1" name=""/>
+        <p:cNvGrpSpPr/>
+        <p:nvPr/>
+      </p:nvGrpSpPr>
+      <p:grpSpPr>
+        <a:xfrm>
+          <a:off x="0" y="0"/>
+          <a:ext cx="0" cy="0"/>
+          <a:chOff x="0" y="0"/>
+          <a:chExt cx="0" cy="0"/>
+        </a:xfrm>
+      </p:grpSpPr>
+      <p:sp>
+        <p:nvSpPr>
+          <p:cNvPr id="2" name="Title 1"/>
+          <p:cNvSpPr>
+            <a:spLocks noGrp="1"/>
+          </p:cNvSpPr>
+          <p:nvPr>
+            <p:ph type="title"/>
+          </p:nvPr>
+        </p:nvSpPr>
+        <p:spPr/>
+        <p:txBody>
+          <a:bodyPr/>
+          <a:lstStyle/>
+          <a:p>
+            <a:pPr algn="ctr"/>
+            <a:r>
+              <a:rPr lang="en-US" dirty="0" smtClean="0"/>
+              <a:t>TNU Latch Normal Mode</a:t>
+            </a:r>
+            <a:endParaRPr lang="en-US" dirty="0"/>
+          </a:p>
+        </p:txBody>
+      </p:sp>
+      <p:sp>
+        <p:nvSpPr>
+          <p:cNvPr id="3" name="Content Placeholder 2"/>
+          <p:cNvSpPr>
+            <a:spLocks noGrp="1"/>
+          </p:cNvSpPr>
+          <p:nvPr>
+            <p:ph idx="1"/>
+          </p:nvPr>
+        </p:nvSpPr>
+        <p:spPr>
+          <a:xfrm>
+            <a:off x="457200" y="1600200"/>
+            <a:ext cx="4648200" cy="4876800"/>
+          </a:xfrm>
+        </p:spPr>
+        <p:txBody>
+          <a:bodyPr/>
+          <a:lstStyle/>
+          <a:p>
+            <a:r>
+              <a:rPr lang="en-US" dirty="0" smtClean="0"/>
+              <a:t>Transparent Mode</a:t>
+            </a:r>
+          </a:p>
+          <a:p>
+            <a:pPr lvl="1"/>
+            <a:r>
+              <a:rPr lang="en-US" dirty="0" smtClean="0"/>
+              <a:t>4 pass gates are activated</a:t>
+            </a:r>
+          </a:p>
+          <a:p>
+            <a:pPr lvl="1"/>
+            <a:r>
+              <a:rPr lang="en-US" dirty="0" smtClean="0"/>
+              <a:t>Transistors connect to CLK and CLKB set </a:t>
+            </a:r>
+            <a:r>
+              <a:rPr lang="en-US" i="1" dirty="0" smtClean="0"/>
+              <a:t>n1</a:t>
+            </a:r>
+            <a:r>
+              <a:rPr lang="en-US" dirty="0" smtClean="0"/>
+              <a:t> and </a:t>
+            </a:r>
+            <a:r>
+              <a:rPr lang="en-US" i="1" dirty="0" smtClean="0"/>
+              <a:t>n4</a:t>
+            </a:r>
+            <a:r>
+              <a:rPr lang="en-US" dirty="0" smtClean="0"/>
+              <a:t> to high impedance</a:t>
+            </a:r>
+          </a:p>
+          <a:p>
+            <a:pPr lvl="1"/>
+            <a:r>
+              <a:rPr lang="en-US" i="1" dirty="0"/>
+              <a:t>n</a:t>
+            </a:r>
+            <a:r>
+              <a:rPr lang="en-US" i="1" dirty="0" smtClean="0"/>
+              <a:t>5</a:t>
+            </a:r>
+            <a:r>
+              <a:rPr lang="en-US" dirty="0" smtClean="0"/>
+              <a:t> and </a:t>
+            </a:r>
+            <a:r>
+              <a:rPr lang="en-US" i="1" dirty="0" smtClean="0"/>
+              <a:t>n6</a:t>
+            </a:r>
+            <a:r>
+              <a:rPr lang="en-US" dirty="0" smtClean="0"/>
+              <a:t> are loaded with data through the pass gates</a:t>
+            </a:r>
+          </a:p>
+          <a:p>
+            <a:r>
+              <a:rPr lang="en-US" dirty="0" smtClean="0"/>
+              <a:t>Hold Mode</a:t>
+            </a:r>
+          </a:p>
+          <a:p>
+            <a:pPr lvl="1"/>
+            <a:r>
+              <a:rPr lang="en-US" dirty="0" smtClean="0"/>
+              <a:t>Pass gates are deactivated</a:t>
+            </a:r>
+          </a:p>
+          <a:p>
+            <a:pPr lvl="1"/>
+            <a:r>
+              <a:rPr lang="en-US" dirty="0" smtClean="0"/>
+              <a:t>Data is held in the latch</a:t>
+            </a:r>
+          </a:p>
+          <a:p>
+            <a:pPr lvl="1"/>
+            <a:r>
+              <a:rPr lang="en-US" dirty="0" smtClean="0"/>
+              <a:t>Data loop shown in red</a:t>
+            </a:r>
+            <a:endParaRPr lang="en-US" dirty="0"/>
+          </a:p>
+        </p:txBody>
+      </p:sp>
+      <p:pic>
+        <p:nvPicPr>
+          <p:cNvPr id="7" name="Picture 6"/>
+          <p:cNvPicPr>
+            <a:picLocks noChangeAspect="1"/>
+          </p:cNvPicPr>
+          <p:nvPr/>
+        </p:nvPicPr>
+        <p:blipFill>
+          <a:blip r:embed="rId2" cstate="print">
+            <a:extLst>
+              <a:ext uri="{28A0092B-C50C-407E-A947-70E740481C1C}">
+                <a14:useLocalDpi xmlns:a14="http://schemas.microsoft.com/office/drawing/2010/main" val="0"/>
+              </a:ext>
+            </a:extLst>
+          </a:blip>
+          <a:stretch>
+            <a:fillRect/>
+          </a:stretch>
+        </p:blipFill>
+        <p:spPr>
+          <a:xfrm>
+            <a:off x="5257800" y="1295400"/>
+            <a:ext cx="3657600" cy="5399902"/>
+          </a:xfrm>
+          <a:prstGeom prst="rect">
+            <a:avLst/>
+          </a:prstGeom>
+        </p:spPr>
+      </p:pic>
+    </p:spTree>
+    <p:extLst>
+      <p:ext uri="{BB962C8B-B14F-4D97-AF65-F5344CB8AC3E}">
+        <p14:creationId xmlns:p14="http://schemas.microsoft.com/office/powerpoint/2010/main" val="3683835205"/>
+      </p:ext>
+    </p:extLst>
+  </p:cSld>
+  <p:clrMapOvr>
+    <a:masterClrMapping/>
+  </p:clrMapOvr>
+  <p:timing>
+    <p:tnLst>
+      <p:par>
+        <p:cTn id="1" dur="indefinite" restart="never" nodeType="tmRoot"/>
+      </p:par>
+    </p:tnLst>
+  </p:timing>
+</p:sld>
+</file>
+
+<file path=ppt/slides/slide21.xml><?xml version="1.0" encoding="utf-8"?>
+<p:sld xmlns:a="http://schemas.openxmlformats.org/drawingml/2006/main" xmlns:r="http://schemas.openxmlformats.org/officeDocument/2006/relationships" xmlns:p="http://schemas.openxmlformats.org/presentationml/2006/main">
+  <p:cSld>
+    <p:spTree>
+      <p:nvGrpSpPr>
+        <p:cNvPr id="1" name=""/>
+        <p:cNvGrpSpPr/>
+        <p:nvPr/>
+      </p:nvGrpSpPr>
+      <p:grpSpPr>
+        <a:xfrm>
+          <a:off x="0" y="0"/>
+          <a:ext cx="0" cy="0"/>
+          <a:chOff x="0" y="0"/>
+          <a:chExt cx="0" cy="0"/>
+        </a:xfrm>
+      </p:grpSpPr>
+      <p:sp>
+        <p:nvSpPr>
+          <p:cNvPr id="2" name="Title 1"/>
+          <p:cNvSpPr>
+            <a:spLocks noGrp="1"/>
+          </p:cNvSpPr>
+          <p:nvPr>
+            <p:ph type="title"/>
+          </p:nvPr>
+        </p:nvSpPr>
+        <p:spPr/>
+        <p:txBody>
+          <a:bodyPr/>
+          <a:lstStyle/>
+          <a:p>
+            <a:pPr algn="ctr"/>
+            <a:r>
+              <a:rPr lang="en-US" dirty="0" smtClean="0"/>
+              <a:t>Latch During a TNU</a:t>
+            </a:r>
+            <a:endParaRPr lang="en-US" dirty="0"/>
+          </a:p>
+        </p:txBody>
+      </p:sp>
+      <p:sp>
+        <p:nvSpPr>
+          <p:cNvPr id="3" name="Content Placeholder 2"/>
+          <p:cNvSpPr>
+            <a:spLocks noGrp="1"/>
+          </p:cNvSpPr>
+          <p:nvPr>
+            <p:ph idx="1"/>
+          </p:nvPr>
+        </p:nvSpPr>
+        <p:spPr>
+          <a:xfrm>
+            <a:off x="457200" y="1600200"/>
+            <a:ext cx="5029200" cy="4876800"/>
+          </a:xfrm>
+        </p:spPr>
+        <p:txBody>
+          <a:bodyPr/>
+          <a:lstStyle/>
+          <a:p>
+            <a:r>
+              <a:rPr lang="en-US" dirty="0" smtClean="0"/>
+              <a:t>Assume a TNU occurs on </a:t>
+            </a:r>
+            <a:r>
+              <a:rPr lang="en-US" i="1" dirty="0" smtClean="0"/>
+              <a:t>out</a:t>
+            </a:r>
+            <a:r>
+              <a:rPr lang="en-US" dirty="0" smtClean="0"/>
+              <a:t>, </a:t>
+            </a:r>
+            <a:r>
+              <a:rPr lang="en-US" i="1" dirty="0" smtClean="0"/>
+              <a:t>n5</a:t>
+            </a:r>
+            <a:r>
+              <a:rPr lang="en-US" dirty="0" smtClean="0"/>
+              <a:t> and </a:t>
+            </a:r>
+            <a:r>
+              <a:rPr lang="en-US" i="1" dirty="0" smtClean="0"/>
+              <a:t>n6</a:t>
+            </a:r>
+          </a:p>
+          <a:p>
+            <a:r>
+              <a:rPr lang="en-US" dirty="0" smtClean="0"/>
+              <a:t>Transient on </a:t>
+            </a:r>
+            <a:r>
+              <a:rPr lang="en-US" i="1" dirty="0" smtClean="0"/>
+              <a:t>n5</a:t>
+            </a:r>
+            <a:endParaRPr lang="en-US" dirty="0" smtClean="0"/>
+          </a:p>
+          <a:p>
+            <a:pPr lvl="1"/>
+            <a:r>
+              <a:rPr lang="en-US" dirty="0" smtClean="0"/>
+              <a:t>Arrives at </a:t>
+            </a:r>
+            <a:r>
+              <a:rPr lang="en-US" i="1" dirty="0"/>
+              <a:t>C1</a:t>
+            </a:r>
+            <a:r>
+              <a:rPr lang="en-US" dirty="0"/>
+              <a:t>, </a:t>
+            </a:r>
+            <a:r>
+              <a:rPr lang="en-US" i="1" dirty="0"/>
+              <a:t>C3</a:t>
+            </a:r>
+            <a:r>
+              <a:rPr lang="en-US" dirty="0"/>
+              <a:t>, </a:t>
+            </a:r>
+            <a:r>
+              <a:rPr lang="en-US" i="1" dirty="0"/>
+              <a:t>C4</a:t>
+            </a:r>
+            <a:r>
+              <a:rPr lang="en-US" dirty="0"/>
+              <a:t> and </a:t>
+            </a:r>
+            <a:r>
+              <a:rPr lang="en-US" i="1" dirty="0" smtClean="0"/>
+              <a:t>C9</a:t>
+            </a:r>
+            <a:endParaRPr lang="en-US" dirty="0" smtClean="0"/>
+          </a:p>
+          <a:p>
+            <a:r>
+              <a:rPr lang="en-US" dirty="0" smtClean="0"/>
+              <a:t>Transient on </a:t>
+            </a:r>
+            <a:r>
+              <a:rPr lang="en-US" i="1" dirty="0" smtClean="0"/>
+              <a:t>n6</a:t>
+            </a:r>
+            <a:endParaRPr lang="en-US" dirty="0" smtClean="0"/>
+          </a:p>
+          <a:p>
+            <a:pPr lvl="1"/>
+            <a:r>
+              <a:rPr lang="en-US" dirty="0" smtClean="0"/>
+              <a:t>Arrives at </a:t>
+            </a:r>
+            <a:r>
+              <a:rPr lang="en-US" i="1" dirty="0"/>
+              <a:t>C1</a:t>
+            </a:r>
+            <a:r>
+              <a:rPr lang="en-US" dirty="0"/>
+              <a:t>, </a:t>
+            </a:r>
+            <a:r>
+              <a:rPr lang="en-US" i="1" dirty="0"/>
+              <a:t>C2</a:t>
+            </a:r>
+            <a:r>
+              <a:rPr lang="en-US" dirty="0"/>
+              <a:t>, </a:t>
+            </a:r>
+            <a:r>
+              <a:rPr lang="en-US" i="1" dirty="0"/>
+              <a:t>C4</a:t>
+            </a:r>
+            <a:r>
+              <a:rPr lang="en-US" dirty="0"/>
+              <a:t> and </a:t>
+            </a:r>
+            <a:r>
+              <a:rPr lang="en-US" i="1" dirty="0"/>
+              <a:t>C8</a:t>
+            </a:r>
+            <a:endParaRPr lang="en-US" dirty="0" smtClean="0"/>
+          </a:p>
+          <a:p>
+            <a:r>
+              <a:rPr lang="en-US" dirty="0" smtClean="0"/>
+              <a:t>Transient on </a:t>
+            </a:r>
+            <a:r>
+              <a:rPr lang="en-US" i="1" dirty="0" smtClean="0"/>
+              <a:t>out</a:t>
+            </a:r>
+            <a:endParaRPr lang="en-US" dirty="0" smtClean="0"/>
+          </a:p>
+          <a:p>
+            <a:pPr lvl="1"/>
+            <a:r>
+              <a:rPr lang="en-US" dirty="0" smtClean="0"/>
+              <a:t>Arrives at </a:t>
+            </a:r>
+            <a:r>
+              <a:rPr lang="en-US" i="1" dirty="0" smtClean="0"/>
+              <a:t>C5 </a:t>
+            </a:r>
+            <a:r>
+              <a:rPr lang="en-US" dirty="0" smtClean="0"/>
+              <a:t>and </a:t>
+            </a:r>
+            <a:r>
+              <a:rPr lang="en-US" i="1" dirty="0" smtClean="0"/>
+              <a:t>C6</a:t>
+            </a:r>
+            <a:endParaRPr lang="en-US" dirty="0" smtClean="0"/>
+          </a:p>
+          <a:p>
+            <a:r>
+              <a:rPr lang="en-US" i="1" dirty="0" smtClean="0"/>
+              <a:t>out </a:t>
+            </a:r>
+            <a:r>
+              <a:rPr lang="en-US" dirty="0" smtClean="0"/>
+              <a:t>fully recovers </a:t>
+            </a:r>
+          </a:p>
+          <a:p>
+            <a:r>
+              <a:rPr lang="en-US" i="1" dirty="0" smtClean="0"/>
+              <a:t>C5 </a:t>
+            </a:r>
+            <a:r>
+              <a:rPr lang="en-US" dirty="0" smtClean="0"/>
+              <a:t>and </a:t>
+            </a:r>
+            <a:r>
+              <a:rPr lang="en-US" i="1" dirty="0" smtClean="0"/>
+              <a:t>C6 </a:t>
+            </a:r>
+            <a:r>
+              <a:rPr lang="en-US" dirty="0" smtClean="0"/>
+              <a:t>drive </a:t>
+            </a:r>
+            <a:r>
+              <a:rPr lang="en-US" i="1" dirty="0" smtClean="0"/>
+              <a:t>n5</a:t>
+            </a:r>
+            <a:r>
+              <a:rPr lang="en-US" dirty="0" smtClean="0"/>
+              <a:t> and </a:t>
+            </a:r>
+            <a:r>
+              <a:rPr lang="en-US" i="1" dirty="0" smtClean="0"/>
+              <a:t>n6</a:t>
+            </a:r>
+            <a:r>
+              <a:rPr lang="en-US" dirty="0" smtClean="0"/>
+              <a:t> to correct value</a:t>
+            </a:r>
+            <a:endParaRPr lang="en-US" i="1" dirty="0"/>
+          </a:p>
+        </p:txBody>
+      </p:sp>
+      <p:pic>
+        <p:nvPicPr>
+          <p:cNvPr id="5" name="Picture 4"/>
+          <p:cNvPicPr>
+            <a:picLocks noChangeAspect="1"/>
+          </p:cNvPicPr>
+          <p:nvPr/>
+        </p:nvPicPr>
+        <p:blipFill>
+          <a:blip r:embed="rId2" cstate="print">
+            <a:extLst>
+              <a:ext uri="{28A0092B-C50C-407E-A947-70E740481C1C}">
+                <a14:useLocalDpi xmlns:a14="http://schemas.microsoft.com/office/drawing/2010/main" val="0"/>
+              </a:ext>
+            </a:extLst>
+          </a:blip>
+          <a:stretch>
+            <a:fillRect/>
+          </a:stretch>
+        </p:blipFill>
+        <p:spPr>
+          <a:xfrm>
+            <a:off x="5486400" y="1295400"/>
+            <a:ext cx="3633651" cy="5364545"/>
+          </a:xfrm>
+          <a:prstGeom prst="rect">
+            <a:avLst/>
+          </a:prstGeom>
+        </p:spPr>
+      </p:pic>
+    </p:spTree>
+    <p:extLst>
+      <p:ext uri="{BB962C8B-B14F-4D97-AF65-F5344CB8AC3E}">
+        <p14:creationId xmlns:p14="http://schemas.microsoft.com/office/powerpoint/2010/main" val="4162077087"/>
+      </p:ext>
+    </p:extLst>
+  </p:cSld>
+  <p:clrMapOvr>
+    <a:masterClrMapping/>
+  </p:clrMapOvr>
+  <p:timing>
+    <p:tnLst>
+      <p:par>
+        <p:cTn id="1" dur="indefinite" restart="never" nodeType="tmRoot"/>
+      </p:par>
+    </p:tnLst>
+  </p:timing>
+</p:sld>
+</file>
+
+<file path=ppt/slides/slide22.xml><?xml version="1.0" encoding="utf-8"?>
+<p:sld xmlns:a="http://schemas.openxmlformats.org/drawingml/2006/main" xmlns:r="http://schemas.openxmlformats.org/officeDocument/2006/relationships" xmlns:p="http://schemas.openxmlformats.org/presentationml/2006/main">
+  <p:cSld>
+    <p:spTree>
+      <p:nvGrpSpPr>
+        <p:cNvPr id="1" name=""/>
+        <p:cNvGrpSpPr/>
+        <p:nvPr/>
+      </p:nvGrpSpPr>
+      <p:grpSpPr>
+        <a:xfrm>
+          <a:off x="0" y="0"/>
+          <a:ext cx="0" cy="0"/>
+          <a:chOff x="0" y="0"/>
+          <a:chExt cx="0" cy="0"/>
+        </a:xfrm>
+      </p:grpSpPr>
+      <p:sp>
+        <p:nvSpPr>
+          <p:cNvPr id="2" name="Title 1"/>
+          <p:cNvSpPr>
+            <a:spLocks noGrp="1"/>
+          </p:cNvSpPr>
+          <p:nvPr>
+            <p:ph type="title"/>
+          </p:nvPr>
+        </p:nvSpPr>
+        <p:spPr/>
+        <p:txBody>
+          <a:bodyPr/>
+          <a:lstStyle/>
+          <a:p>
+            <a:pPr algn="ctr"/>
+            <a:r>
+              <a:rPr lang="en-US" dirty="0" smtClean="0"/>
+              <a:t>TNU Latch Implemented</a:t>
+            </a:r>
+            <a:endParaRPr lang="en-US" dirty="0"/>
+          </a:p>
+        </p:txBody>
+      </p:sp>
+      <p:sp>
+        <p:nvSpPr>
+          <p:cNvPr id="3" name="Content Placeholder 2"/>
+          <p:cNvSpPr>
+            <a:spLocks noGrp="1"/>
+          </p:cNvSpPr>
+          <p:nvPr>
+            <p:ph idx="1"/>
+          </p:nvPr>
+        </p:nvSpPr>
+        <p:spPr/>
+        <p:txBody>
+          <a:bodyPr/>
+          <a:lstStyle/>
+          <a:p>
+            <a:r>
+              <a:rPr lang="en-US" dirty="0" smtClean="0"/>
+              <a:t>Implemented in HSPICE using the 32nm PTM library</a:t>
+            </a:r>
+          </a:p>
+          <a:p>
+            <a:r>
+              <a:rPr lang="en-US" dirty="0" smtClean="0"/>
+              <a:t>All transistor widths set to minimum </a:t>
+            </a:r>
+          </a:p>
+          <a:p>
+            <a:pPr lvl="1"/>
+            <a:r>
+              <a:rPr lang="en-US" dirty="0" smtClean="0"/>
+              <a:t>NMOS – 40nm</a:t>
+            </a:r>
+          </a:p>
+          <a:p>
+            <a:pPr lvl="1"/>
+            <a:r>
+              <a:rPr lang="en-US" dirty="0" smtClean="0"/>
+              <a:t>PMOS – 80nm</a:t>
+            </a:r>
+          </a:p>
+          <a:p>
+            <a:r>
+              <a:rPr lang="en-US" dirty="0" smtClean="0"/>
+              <a:t>Device operated at 1Ghz and 1.05V </a:t>
+            </a:r>
+            <a:endParaRPr lang="en-US" dirty="0"/>
+          </a:p>
+          <a:p>
+            <a:pPr lvl="1"/>
+            <a:r>
+              <a:rPr lang="en-US" dirty="0" smtClean="0"/>
+              <a:t>Average Power – 4.09 µW</a:t>
+            </a:r>
+          </a:p>
+          <a:p>
+            <a:pPr lvl="1"/>
+            <a:r>
+              <a:rPr lang="en-US" dirty="0" smtClean="0"/>
+              <a:t>Unit Sized Transistors (UST) – 129</a:t>
+            </a:r>
+          </a:p>
+          <a:p>
+            <a:pPr lvl="1"/>
+            <a:r>
+              <a:rPr lang="en-US" dirty="0" smtClean="0"/>
+              <a:t>Delay – 2.77 </a:t>
+            </a:r>
+            <a:r>
+              <a:rPr lang="en-US" dirty="0" err="1" smtClean="0"/>
+              <a:t>ps</a:t>
+            </a:r>
+            <a:r>
+              <a:rPr lang="en-US" dirty="0" smtClean="0"/>
+              <a:t> </a:t>
+            </a:r>
+          </a:p>
+          <a:p>
+            <a:r>
+              <a:rPr lang="en-US" dirty="0" smtClean="0"/>
+              <a:t>Consumes 60% more power with double area and delay overheads</a:t>
+            </a:r>
+          </a:p>
+          <a:p>
+            <a:pPr lvl="1"/>
+            <a:endParaRPr lang="en-US" dirty="0"/>
+          </a:p>
+        </p:txBody>
+      </p:sp>
+    </p:spTree>
+    <p:extLst>
+      <p:ext uri="{BB962C8B-B14F-4D97-AF65-F5344CB8AC3E}">
+        <p14:creationId xmlns:p14="http://schemas.microsoft.com/office/powerpoint/2010/main" val="199501518"/>
+      </p:ext>
+    </p:extLst>
+  </p:cSld>
+  <p:clrMapOvr>
+    <a:masterClrMapping/>
+  </p:clrMapOvr>
+</p:sld>
+</file>
+
+<file path=ppt/slides/slide23.xml><?xml version="1.0" encoding="utf-8"?>
+<p:sld xmlns:a="http://schemas.openxmlformats.org/drawingml/2006/main" xmlns:r="http://schemas.openxmlformats.org/officeDocument/2006/relationships" xmlns:p="http://schemas.openxmlformats.org/presentationml/2006/main">
+  <p:cSld>
+    <p:spTree>
+      <p:nvGrpSpPr>
+        <p:cNvPr id="1" name=""/>
+        <p:cNvGrpSpPr/>
+        <p:nvPr/>
+      </p:nvGrpSpPr>
+      <p:grpSpPr>
+        <a:xfrm>
+          <a:off x="0" y="0"/>
+          <a:ext cx="0" cy="0"/>
+          <a:chOff x="0" y="0"/>
+          <a:chExt cx="0" cy="0"/>
+        </a:xfrm>
+      </p:grpSpPr>
+      <p:sp>
+        <p:nvSpPr>
+          <p:cNvPr id="2" name="Title 1"/>
+          <p:cNvSpPr>
+            <a:spLocks noGrp="1"/>
+          </p:cNvSpPr>
+          <p:nvPr>
+            <p:ph type="title"/>
+          </p:nvPr>
+        </p:nvSpPr>
+        <p:spPr/>
+        <p:txBody>
+          <a:bodyPr/>
+          <a:lstStyle/>
+          <a:p>
+            <a:pPr algn="ctr"/>
+            <a:r>
+              <a:rPr lang="en-US" dirty="0" smtClean="0"/>
+              <a:t>General Design Rules</a:t>
+            </a:r>
+            <a:endParaRPr lang="en-US" dirty="0"/>
+          </a:p>
+        </p:txBody>
+      </p:sp>
+      <p:sp>
+        <p:nvSpPr>
+          <p:cNvPr id="3" name="Content Placeholder 2"/>
+          <p:cNvSpPr>
+            <a:spLocks noGrp="1"/>
+          </p:cNvSpPr>
+          <p:nvPr>
+            <p:ph idx="1"/>
+          </p:nvPr>
+        </p:nvSpPr>
+        <p:spPr/>
+        <p:txBody>
+          <a:bodyPr/>
+          <a:lstStyle/>
+          <a:p>
+            <a:r>
+              <a:rPr lang="en-US" dirty="0" smtClean="0"/>
+              <a:t>A latch tolerating </a:t>
+            </a:r>
+            <a:r>
+              <a:rPr lang="en-US" i="1" dirty="0" smtClean="0"/>
+              <a:t>n</a:t>
+            </a:r>
+            <a:r>
+              <a:rPr lang="en-US" dirty="0" smtClean="0"/>
+              <a:t> error require </a:t>
+            </a:r>
+            <a:r>
+              <a:rPr lang="en-US" i="1" dirty="0" smtClean="0"/>
+              <a:t>n+1</a:t>
+            </a:r>
+            <a:r>
+              <a:rPr lang="en-US" dirty="0" smtClean="0"/>
+              <a:t> blocks</a:t>
+            </a:r>
+          </a:p>
+          <a:p>
+            <a:r>
+              <a:rPr lang="en-US" dirty="0" smtClean="0"/>
+              <a:t>Each block has at least one Muller c-element with </a:t>
+            </a:r>
+            <a:r>
+              <a:rPr lang="en-US" i="1" dirty="0" smtClean="0"/>
+              <a:t>n</a:t>
+            </a:r>
+            <a:r>
+              <a:rPr lang="en-US" dirty="0" smtClean="0"/>
+              <a:t> inputs</a:t>
+            </a:r>
+          </a:p>
+          <a:p>
+            <a:r>
+              <a:rPr lang="en-US" dirty="0" smtClean="0"/>
+              <a:t>At least one block with two Muller c-elements with </a:t>
+            </a:r>
+            <a:r>
+              <a:rPr lang="en-US" i="1" dirty="0" smtClean="0"/>
+              <a:t>n</a:t>
+            </a:r>
+            <a:r>
+              <a:rPr lang="en-US" dirty="0" smtClean="0"/>
+              <a:t> inputs</a:t>
+            </a:r>
+          </a:p>
+          <a:p>
+            <a:r>
+              <a:rPr lang="en-US" dirty="0" smtClean="0"/>
+              <a:t>No device should drive itself</a:t>
+            </a:r>
+          </a:p>
+          <a:p>
+            <a:r>
+              <a:rPr lang="en-US" dirty="0" smtClean="0"/>
+              <a:t>Intermediary Muller c-elements must be inserted between the blocks and output</a:t>
+            </a:r>
+          </a:p>
+          <a:p>
+            <a:r>
+              <a:rPr lang="en-US" dirty="0" smtClean="0"/>
+              <a:t>Output must be used in the circuit</a:t>
+            </a:r>
+          </a:p>
+          <a:p>
+            <a:r>
+              <a:rPr lang="en-US" i="1" dirty="0"/>
+              <a:t>n</a:t>
+            </a:r>
+            <a:r>
+              <a:rPr lang="en-US" i="1" dirty="0" smtClean="0"/>
+              <a:t>+1 </a:t>
+            </a:r>
+            <a:r>
+              <a:rPr lang="en-US" dirty="0" smtClean="0"/>
+              <a:t>nodes must be driven to load data</a:t>
+            </a:r>
+          </a:p>
+          <a:p>
+            <a:r>
+              <a:rPr lang="en-US" dirty="0" smtClean="0"/>
+              <a:t>At least one node must be driven to high impedance during transparent mode</a:t>
+            </a:r>
+            <a:endParaRPr lang="en-US" dirty="0"/>
+          </a:p>
+        </p:txBody>
+      </p:sp>
+    </p:spTree>
+    <p:extLst>
+      <p:ext uri="{BB962C8B-B14F-4D97-AF65-F5344CB8AC3E}">
+        <p14:creationId xmlns:p14="http://schemas.microsoft.com/office/powerpoint/2010/main" val="2039509534"/>
+      </p:ext>
+    </p:extLst>
+  </p:cSld>
+  <p:clrMapOvr>
+    <a:masterClrMapping/>
+  </p:clrMapOvr>
+</p:sld>
+</file>
+
+<file path=ppt/slides/slide24.xml><?xml version="1.0" encoding="utf-8"?>
+<p:sld xmlns:a="http://schemas.openxmlformats.org/drawingml/2006/main" xmlns:r="http://schemas.openxmlformats.org/officeDocument/2006/relationships" xmlns:p="http://schemas.openxmlformats.org/presentationml/2006/main">
+  <p:cSld>
+    <p:spTree>
+      <p:nvGrpSpPr>
+        <p:cNvPr id="1" name=""/>
+        <p:cNvGrpSpPr/>
+        <p:nvPr/>
+      </p:nvGrpSpPr>
+      <p:grpSpPr>
+        <a:xfrm>
+          <a:off x="0" y="0"/>
+          <a:ext cx="0" cy="0"/>
+          <a:chOff x="0" y="0"/>
+          <a:chExt cx="0" cy="0"/>
+        </a:xfrm>
+      </p:grpSpPr>
+      <p:sp>
+        <p:nvSpPr>
+          <p:cNvPr id="2" name="Title 1"/>
+          <p:cNvSpPr>
+            <a:spLocks noGrp="1"/>
+          </p:cNvSpPr>
+          <p:nvPr>
+            <p:ph type="title"/>
+          </p:nvPr>
+        </p:nvSpPr>
+        <p:spPr/>
+        <p:txBody>
+          <a:bodyPr/>
+          <a:lstStyle/>
+          <a:p>
+            <a:pPr algn="ctr"/>
+            <a:r>
+              <a:rPr lang="en-US" dirty="0" smtClean="0"/>
+              <a:t>Transient Pulse Filtering</a:t>
+            </a:r>
+            <a:endParaRPr lang="en-US" dirty="0"/>
+          </a:p>
+        </p:txBody>
+      </p:sp>
+      <p:sp>
+        <p:nvSpPr>
+          <p:cNvPr id="3" name="Content Placeholder 2"/>
+          <p:cNvSpPr>
+            <a:spLocks noGrp="1"/>
+          </p:cNvSpPr>
+          <p:nvPr>
+            <p:ph idx="1"/>
+          </p:nvPr>
+        </p:nvSpPr>
+        <p:spPr>
+          <a:xfrm>
+            <a:off x="457200" y="1600200"/>
+            <a:ext cx="4267200" cy="4876800"/>
+          </a:xfrm>
+        </p:spPr>
+        <p:txBody>
+          <a:bodyPr>
+            <a:normAutofit lnSpcReduction="10000"/>
+          </a:bodyPr>
+          <a:lstStyle/>
+          <a:p>
+            <a:r>
+              <a:rPr lang="en-US" dirty="0" smtClean="0"/>
+              <a:t>Pulses arriving on the input can be filtered</a:t>
+            </a:r>
+          </a:p>
+          <a:p>
+            <a:r>
+              <a:rPr lang="en-US" dirty="0" smtClean="0"/>
+              <a:t>Existing design uses a delay element</a:t>
+            </a:r>
+          </a:p>
+          <a:p>
+            <a:r>
+              <a:rPr lang="en-US" dirty="0" smtClean="0"/>
+              <a:t>Operation</a:t>
+            </a:r>
+          </a:p>
+          <a:p>
+            <a:pPr lvl="1"/>
+            <a:r>
+              <a:rPr lang="en-US" dirty="0" smtClean="0"/>
+              <a:t>Pulse arrives on </a:t>
+            </a:r>
+            <a:r>
+              <a:rPr lang="en-US" i="1" dirty="0" smtClean="0"/>
+              <a:t>In</a:t>
+            </a:r>
+            <a:endParaRPr lang="en-US" dirty="0" smtClean="0"/>
+          </a:p>
+          <a:p>
+            <a:pPr lvl="1"/>
+            <a:r>
+              <a:rPr lang="en-US" dirty="0" smtClean="0"/>
+              <a:t>Propagates directly to </a:t>
+            </a:r>
+            <a:r>
+              <a:rPr lang="en-US" i="1" dirty="0" smtClean="0"/>
+              <a:t>out1</a:t>
+            </a:r>
+            <a:endParaRPr lang="en-US" dirty="0" smtClean="0"/>
+          </a:p>
+          <a:p>
+            <a:pPr lvl="1"/>
+            <a:r>
+              <a:rPr lang="en-US" dirty="0" smtClean="0"/>
+              <a:t>Is delayed to </a:t>
+            </a:r>
+            <a:r>
+              <a:rPr lang="en-US" i="1" dirty="0" smtClean="0"/>
+              <a:t>out2</a:t>
+            </a:r>
+            <a:endParaRPr lang="en-US" dirty="0" smtClean="0"/>
+          </a:p>
+          <a:p>
+            <a:pPr lvl="1"/>
+            <a:r>
+              <a:rPr lang="en-US" dirty="0" smtClean="0"/>
+              <a:t>No overlap – no error</a:t>
+            </a:r>
+          </a:p>
+          <a:p>
+            <a:r>
+              <a:rPr lang="en-US" dirty="0" smtClean="0"/>
+              <a:t>Vulnerable to error during filtering stage</a:t>
+            </a:r>
+          </a:p>
+          <a:p>
+            <a:pPr lvl="1"/>
+            <a:r>
+              <a:rPr lang="en-US" dirty="0"/>
+              <a:t>P</a:t>
+            </a:r>
+            <a:r>
+              <a:rPr lang="en-US" dirty="0" smtClean="0"/>
+              <a:t>ulse can be generated at the delay element</a:t>
+            </a:r>
+            <a:endParaRPr lang="en-US" dirty="0"/>
+          </a:p>
+        </p:txBody>
+      </p:sp>
+      <p:pic>
+        <p:nvPicPr>
+          <p:cNvPr id="4" name="Picture 3"/>
+          <p:cNvPicPr>
+            <a:picLocks noChangeAspect="1"/>
+          </p:cNvPicPr>
+          <p:nvPr/>
+        </p:nvPicPr>
+        <p:blipFill>
+          <a:blip r:embed="rId2">
+            <a:extLst>
+              <a:ext uri="{28A0092B-C50C-407E-A947-70E740481C1C}">
+                <a14:useLocalDpi xmlns:a14="http://schemas.microsoft.com/office/drawing/2010/main" val="0"/>
+              </a:ext>
+            </a:extLst>
+          </a:blip>
+          <a:stretch>
+            <a:fillRect/>
+          </a:stretch>
+        </p:blipFill>
+        <p:spPr>
+          <a:xfrm>
+            <a:off x="4572000" y="2057400"/>
+            <a:ext cx="4280039" cy="1981200"/>
+          </a:xfrm>
+          <a:prstGeom prst="rect">
+            <a:avLst/>
+          </a:prstGeom>
+        </p:spPr>
+      </p:pic>
+      <p:sp>
+        <p:nvSpPr>
+          <p:cNvPr id="5" name="TextBox 4"/>
+          <p:cNvSpPr txBox="1"/>
+          <p:nvPr/>
+        </p:nvSpPr>
+        <p:spPr>
+          <a:xfrm>
+            <a:off x="5645219" y="4202668"/>
+            <a:ext cx="2133600" cy="369332"/>
+          </a:xfrm>
+          <a:prstGeom prst="rect">
+            <a:avLst/>
+          </a:prstGeom>
+          <a:noFill/>
+        </p:spPr>
+        <p:txBody>
+          <a:bodyPr wrap="square" rtlCol="0">
+            <a:spAutoFit/>
+          </a:bodyPr>
+          <a:lstStyle/>
+          <a:p>
+            <a:r>
+              <a:rPr lang="en-US" dirty="0" smtClean="0"/>
+              <a:t>Pulse Filter Circuit</a:t>
+            </a:r>
+            <a:endParaRPr lang="en-US" dirty="0"/>
+          </a:p>
+        </p:txBody>
+      </p:sp>
+    </p:spTree>
+    <p:extLst>
+      <p:ext uri="{BB962C8B-B14F-4D97-AF65-F5344CB8AC3E}">
+        <p14:creationId xmlns:p14="http://schemas.microsoft.com/office/powerpoint/2010/main" val="271976002"/>
+      </p:ext>
+    </p:extLst>
+  </p:cSld>
+  <p:clrMapOvr>
+    <a:masterClrMapping/>
+  </p:clrMapOvr>
+</p:sld>
+</file>
+
+<file path=ppt/slides/slide25.xml><?xml version="1.0" encoding="utf-8"?>
+<p:sld xmlns:a="http://schemas.openxmlformats.org/drawingml/2006/main" xmlns:r="http://schemas.openxmlformats.org/officeDocument/2006/relationships" xmlns:p="http://schemas.openxmlformats.org/presentationml/2006/main">
+  <p:cSld>
+    <p:spTree>
+      <p:nvGrpSpPr>
+        <p:cNvPr id="1" name=""/>
+        <p:cNvGrpSpPr/>
+        <p:nvPr/>
+      </p:nvGrpSpPr>
+      <p:grpSpPr>
+        <a:xfrm>
+          <a:off x="0" y="0"/>
+          <a:ext cx="0" cy="0"/>
+          <a:chOff x="0" y="0"/>
+          <a:chExt cx="0" cy="0"/>
+        </a:xfrm>
+      </p:grpSpPr>
+      <p:sp>
+        <p:nvSpPr>
+          <p:cNvPr id="2" name="Title 1"/>
+          <p:cNvSpPr>
+            <a:spLocks noGrp="1"/>
+          </p:cNvSpPr>
+          <p:nvPr>
+            <p:ph type="title"/>
+          </p:nvPr>
+        </p:nvSpPr>
+        <p:spPr/>
+        <p:txBody>
+          <a:bodyPr/>
+          <a:lstStyle/>
+          <a:p>
+            <a:pPr algn="ctr"/>
+            <a:r>
+              <a:rPr lang="en-US" dirty="0" smtClean="0"/>
+              <a:t>Enhanced Filter Circuit</a:t>
+            </a:r>
+            <a:endParaRPr lang="en-US" dirty="0"/>
+          </a:p>
+        </p:txBody>
+      </p:sp>
+      <p:sp>
+        <p:nvSpPr>
+          <p:cNvPr id="3" name="Content Placeholder 2"/>
+          <p:cNvSpPr>
+            <a:spLocks noGrp="1"/>
+          </p:cNvSpPr>
+          <p:nvPr>
+            <p:ph idx="1"/>
+          </p:nvPr>
+        </p:nvSpPr>
+        <p:spPr>
+          <a:xfrm>
+            <a:off x="457200" y="1600200"/>
+            <a:ext cx="4572000" cy="4876800"/>
+          </a:xfrm>
+        </p:spPr>
+        <p:txBody>
+          <a:bodyPr/>
+          <a:lstStyle/>
+          <a:p>
+            <a:r>
+              <a:rPr lang="en-US" dirty="0" smtClean="0"/>
+              <a:t>Additional delay element is added</a:t>
+            </a:r>
+          </a:p>
+          <a:p>
+            <a:r>
+              <a:rPr lang="en-US" dirty="0" smtClean="0"/>
+              <a:t>Has twice the delay</a:t>
+            </a:r>
+          </a:p>
+          <a:p>
+            <a:r>
+              <a:rPr lang="en-US" dirty="0" smtClean="0"/>
+              <a:t>Assume a single error on </a:t>
+            </a:r>
+            <a:r>
+              <a:rPr lang="en-US" i="1" dirty="0" smtClean="0"/>
+              <a:t>out2</a:t>
+            </a:r>
+          </a:p>
+          <a:p>
+            <a:pPr lvl="1"/>
+            <a:r>
+              <a:rPr lang="en-US" i="1" dirty="0"/>
+              <a:t>o</a:t>
+            </a:r>
+            <a:r>
+              <a:rPr lang="en-US" i="1" dirty="0" smtClean="0"/>
+              <a:t>ut1</a:t>
+            </a:r>
+            <a:r>
+              <a:rPr lang="en-US" dirty="0" smtClean="0"/>
+              <a:t> and </a:t>
+            </a:r>
+            <a:r>
+              <a:rPr lang="en-US" i="1" dirty="0" smtClean="0"/>
+              <a:t>out2 </a:t>
+            </a:r>
+            <a:r>
+              <a:rPr lang="en-US" dirty="0" smtClean="0"/>
+              <a:t>overlap</a:t>
+            </a:r>
+          </a:p>
+          <a:p>
+            <a:pPr lvl="1"/>
+            <a:r>
+              <a:rPr lang="en-US" i="1" dirty="0" smtClean="0"/>
+              <a:t>out3</a:t>
+            </a:r>
+            <a:r>
+              <a:rPr lang="en-US" dirty="0" smtClean="0"/>
+              <a:t> has no error, input transient filtered</a:t>
+            </a:r>
+          </a:p>
+          <a:p>
+            <a:r>
+              <a:rPr lang="en-US" dirty="0" smtClean="0"/>
+              <a:t>Implement in HSPICE with 32nm PTM library</a:t>
+            </a:r>
+          </a:p>
+          <a:p>
+            <a:pPr lvl="1"/>
+            <a:r>
+              <a:rPr lang="en-US" dirty="0" smtClean="0"/>
+              <a:t>Power consumption – 3.15 µW</a:t>
+            </a:r>
+          </a:p>
+          <a:p>
+            <a:pPr lvl="1"/>
+            <a:r>
+              <a:rPr lang="en-US" dirty="0" smtClean="0"/>
+              <a:t>Delay – 40 </a:t>
+            </a:r>
+            <a:r>
+              <a:rPr lang="en-US" dirty="0" err="1" smtClean="0"/>
+              <a:t>ps</a:t>
+            </a:r>
+            <a:endParaRPr lang="en-US" dirty="0" smtClean="0"/>
+          </a:p>
+          <a:p>
+            <a:pPr lvl="2"/>
+            <a:r>
+              <a:rPr lang="en-US" dirty="0" smtClean="0"/>
+              <a:t>Is 2*delay</a:t>
+            </a:r>
+            <a:endParaRPr lang="en-US" dirty="0"/>
+          </a:p>
+        </p:txBody>
+      </p:sp>
+      <p:pic>
+        <p:nvPicPr>
+          <p:cNvPr id="4" name="Picture 3"/>
+          <p:cNvPicPr>
+            <a:picLocks noChangeAspect="1"/>
+          </p:cNvPicPr>
+          <p:nvPr/>
+        </p:nvPicPr>
+        <p:blipFill>
+          <a:blip r:embed="rId2">
+            <a:extLst>
+              <a:ext uri="{28A0092B-C50C-407E-A947-70E740481C1C}">
+                <a14:useLocalDpi xmlns:a14="http://schemas.microsoft.com/office/drawing/2010/main" val="0"/>
+              </a:ext>
+            </a:extLst>
+          </a:blip>
+          <a:stretch>
+            <a:fillRect/>
+          </a:stretch>
+        </p:blipFill>
+        <p:spPr>
+          <a:xfrm>
+            <a:off x="4876800" y="1524000"/>
+            <a:ext cx="4096089" cy="2895600"/>
+          </a:xfrm>
+          <a:prstGeom prst="rect">
+            <a:avLst/>
+          </a:prstGeom>
+        </p:spPr>
+      </p:pic>
+      <p:sp>
+        <p:nvSpPr>
+          <p:cNvPr id="5" name="TextBox 4"/>
+          <p:cNvSpPr txBox="1"/>
+          <p:nvPr/>
+        </p:nvSpPr>
+        <p:spPr>
+          <a:xfrm>
+            <a:off x="5715000" y="4572000"/>
+            <a:ext cx="2667000" cy="369332"/>
+          </a:xfrm>
+          <a:prstGeom prst="rect">
+            <a:avLst/>
+          </a:prstGeom>
+          <a:noFill/>
+        </p:spPr>
+        <p:txBody>
+          <a:bodyPr wrap="square" rtlCol="0">
+            <a:spAutoFit/>
+          </a:bodyPr>
+          <a:lstStyle/>
+          <a:p>
+            <a:r>
+              <a:rPr lang="en-US" dirty="0" smtClean="0"/>
+              <a:t>Enhanced Filter Circuit</a:t>
+            </a:r>
+            <a:endParaRPr lang="en-US" dirty="0"/>
+          </a:p>
+        </p:txBody>
+      </p:sp>
+    </p:spTree>
+    <p:extLst>
+      <p:ext uri="{BB962C8B-B14F-4D97-AF65-F5344CB8AC3E}">
+        <p14:creationId xmlns:p14="http://schemas.microsoft.com/office/powerpoint/2010/main" val="571200598"/>
+      </p:ext>
+    </p:extLst>
+  </p:cSld>
+  <p:clrMapOvr>
+    <a:masterClrMapping/>
+  </p:clrMapOvr>
+</p:sld>
+</file>
+
+<file path=ppt/slides/slide26.xml><?xml version="1.0" encoding="utf-8"?>
+<p:sld xmlns:a="http://schemas.openxmlformats.org/drawingml/2006/main" xmlns:r="http://schemas.openxmlformats.org/officeDocument/2006/relationships" xmlns:p="http://schemas.openxmlformats.org/presentationml/2006/main">
+  <p:cSld>
+    <p:spTree>
+      <p:nvGrpSpPr>
+        <p:cNvPr id="1" name=""/>
+        <p:cNvGrpSpPr/>
+        <p:nvPr/>
+      </p:nvGrpSpPr>
+      <p:grpSpPr>
+        <a:xfrm>
+          <a:off x="0" y="0"/>
+          <a:ext cx="0" cy="0"/>
+          <a:chOff x="0" y="0"/>
+          <a:chExt cx="0" cy="0"/>
+        </a:xfrm>
+      </p:grpSpPr>
+      <p:sp>
+        <p:nvSpPr>
+          <p:cNvPr id="3" name="Title 2"/>
+          <p:cNvSpPr>
+            <a:spLocks noGrp="1"/>
+          </p:cNvSpPr>
+          <p:nvPr>
+            <p:ph type="title"/>
+          </p:nvPr>
+        </p:nvSpPr>
+        <p:spPr/>
+        <p:txBody>
+          <a:bodyPr/>
+          <a:lstStyle/>
+          <a:p>
+            <a:pPr algn="ctr"/>
+            <a:r>
+              <a:rPr lang="en-US" dirty="0" smtClean="0"/>
+              <a:t>Outline</a:t>
+            </a:r>
+            <a:endParaRPr lang="en-US" dirty="0"/>
+          </a:p>
+        </p:txBody>
+      </p:sp>
+      <p:sp>
+        <p:nvSpPr>
+          <p:cNvPr id="2" name="Content Placeholder 1"/>
+          <p:cNvSpPr>
+            <a:spLocks noGrp="1"/>
+          </p:cNvSpPr>
+          <p:nvPr>
+            <p:ph idx="1"/>
+          </p:nvPr>
+        </p:nvSpPr>
+        <p:spPr/>
+        <p:txBody>
+          <a:bodyPr/>
+          <a:lstStyle/>
+          <a:p>
+            <a:r>
+              <a:rPr lang="en-US" dirty="0" smtClean="0"/>
+              <a:t>Introduction</a:t>
+            </a:r>
+          </a:p>
+          <a:p>
+            <a:r>
+              <a:rPr lang="en-US" dirty="0" smtClean="0"/>
+              <a:t>Robust Latch for Multiple Node Upsets</a:t>
+            </a:r>
+          </a:p>
+          <a:p>
+            <a:r>
+              <a:rPr lang="en-US" b="1" dirty="0" smtClean="0">
+                <a:solidFill>
+                  <a:srgbClr val="FF0000"/>
+                </a:solidFill>
+              </a:rPr>
+              <a:t>Analytical Approximation Model for Multiple Transients</a:t>
+            </a:r>
+          </a:p>
+          <a:p>
+            <a:r>
+              <a:rPr lang="en-US" dirty="0" smtClean="0"/>
+              <a:t>Accurate Soft Error Simulation Using Partitioning</a:t>
+            </a:r>
+          </a:p>
+          <a:p>
+            <a:r>
+              <a:rPr lang="en-US" dirty="0" smtClean="0"/>
+              <a:t>Conclusion</a:t>
+            </a:r>
+          </a:p>
+        </p:txBody>
+      </p:sp>
+    </p:spTree>
+    <p:extLst>
+      <p:ext uri="{BB962C8B-B14F-4D97-AF65-F5344CB8AC3E}">
+        <p14:creationId xmlns:p14="http://schemas.microsoft.com/office/powerpoint/2010/main" val="2359374344"/>
+      </p:ext>
+    </p:extLst>
+  </p:cSld>
+  <p:clrMapOvr>
+    <a:masterClrMapping/>
+  </p:clrMapOvr>
+  <p:timing>
+    <p:tnLst>
+      <p:par>
+        <p:cTn id="1" dur="indefinite" restart="never" nodeType="tmRoot"/>
+      </p:par>
+    </p:tnLst>
+  </p:timing>
+</p:sld>
+</file>
+
+<file path=ppt/slides/slide27.xml><?xml version="1.0" encoding="utf-8"?>
+<p:sld xmlns:a="http://schemas.openxmlformats.org/drawingml/2006/main" xmlns:r="http://schemas.openxmlformats.org/officeDocument/2006/relationships" xmlns:p="http://schemas.openxmlformats.org/presentationml/2006/main">
+  <p:cSld>
+    <p:spTree>
+      <p:nvGrpSpPr>
+        <p:cNvPr id="1" name=""/>
+        <p:cNvGrpSpPr/>
+        <p:nvPr/>
+      </p:nvGrpSpPr>
+      <p:grpSpPr>
+        <a:xfrm>
+          <a:off x="0" y="0"/>
+          <a:ext cx="0" cy="0"/>
+          <a:chOff x="0" y="0"/>
+          <a:chExt cx="0" cy="0"/>
+        </a:xfrm>
+      </p:grpSpPr>
+      <p:sp>
+        <p:nvSpPr>
+          <p:cNvPr id="2" name="Title 1"/>
+          <p:cNvSpPr>
+            <a:spLocks noGrp="1"/>
+          </p:cNvSpPr>
+          <p:nvPr>
+            <p:ph type="title"/>
+          </p:nvPr>
+        </p:nvSpPr>
+        <p:spPr/>
+        <p:txBody>
+          <a:bodyPr/>
+          <a:lstStyle/>
+          <a:p>
+            <a:pPr algn="ctr"/>
+            <a:r>
+              <a:rPr lang="en-US" dirty="0" smtClean="0"/>
+              <a:t>Analytical Approximation Model</a:t>
+            </a:r>
+            <a:endParaRPr lang="en-US" dirty="0"/>
+          </a:p>
+        </p:txBody>
+      </p:sp>
+      <p:sp>
+        <p:nvSpPr>
+          <p:cNvPr id="3" name="Content Placeholder 2"/>
+          <p:cNvSpPr>
+            <a:spLocks noGrp="1"/>
+          </p:cNvSpPr>
+          <p:nvPr>
+            <p:ph idx="1"/>
+          </p:nvPr>
+        </p:nvSpPr>
+        <p:spPr>
+          <a:xfrm>
+            <a:off x="457200" y="1600200"/>
+            <a:ext cx="5410200" cy="4876800"/>
+          </a:xfrm>
+        </p:spPr>
+        <p:txBody>
+          <a:bodyPr>
+            <a:normAutofit lnSpcReduction="10000"/>
+          </a:bodyPr>
+          <a:lstStyle/>
+          <a:p>
+            <a:r>
+              <a:rPr lang="en-US" dirty="0" smtClean="0"/>
+              <a:t>Proposed model calculates the output pulse shape at a gate</a:t>
+            </a:r>
+          </a:p>
+          <a:p>
+            <a:r>
+              <a:rPr lang="en-US" dirty="0" smtClean="0"/>
+              <a:t>Problems with existing methods</a:t>
+            </a:r>
+          </a:p>
+          <a:p>
+            <a:pPr lvl="1"/>
+            <a:r>
+              <a:rPr lang="en-US" dirty="0" smtClean="0"/>
+              <a:t>Simple – Trapezoidal and square approximation</a:t>
+            </a:r>
+          </a:p>
+          <a:p>
+            <a:pPr lvl="2"/>
+            <a:r>
+              <a:rPr lang="en-US" dirty="0" smtClean="0"/>
+              <a:t>A transient pulse does not take these shapes</a:t>
+            </a:r>
+          </a:p>
+          <a:p>
+            <a:pPr lvl="1"/>
+            <a:r>
+              <a:rPr lang="en-US" dirty="0" smtClean="0"/>
+              <a:t>Can only consider a single transient on the input</a:t>
+            </a:r>
+          </a:p>
+          <a:p>
+            <a:pPr lvl="2"/>
+            <a:r>
+              <a:rPr lang="en-US" dirty="0" smtClean="0"/>
+              <a:t>Decrease in feature size has led to more pulses</a:t>
+            </a:r>
+          </a:p>
+          <a:p>
+            <a:pPr lvl="2"/>
+            <a:r>
+              <a:rPr lang="en-US" dirty="0" smtClean="0"/>
+              <a:t>More pulses – more errors on gates inputs</a:t>
+            </a:r>
+          </a:p>
+          <a:p>
+            <a:r>
+              <a:rPr lang="en-US" dirty="0" smtClean="0"/>
+              <a:t>Proposed model can consider multiple input pulses accurately</a:t>
+            </a:r>
+          </a:p>
+          <a:p>
+            <a:pPr lvl="1"/>
+            <a:endParaRPr lang="en-US" dirty="0" smtClean="0"/>
+          </a:p>
+          <a:p>
+            <a:pPr lvl="1"/>
+            <a:endParaRPr lang="en-US" dirty="0"/>
+          </a:p>
+        </p:txBody>
+      </p:sp>
+      <p:pic>
+        <p:nvPicPr>
+          <p:cNvPr id="4" name="Picture 3"/>
+          <p:cNvPicPr>
+            <a:picLocks noChangeAspect="1"/>
+          </p:cNvPicPr>
+          <p:nvPr/>
+        </p:nvPicPr>
+        <p:blipFill>
+          <a:blip r:embed="rId2">
+            <a:extLst>
+              <a:ext uri="{28A0092B-C50C-407E-A947-70E740481C1C}">
+                <a14:useLocalDpi xmlns:a14="http://schemas.microsoft.com/office/drawing/2010/main" val="0"/>
+              </a:ext>
+            </a:extLst>
+          </a:blip>
+          <a:stretch>
+            <a:fillRect/>
+          </a:stretch>
+        </p:blipFill>
+        <p:spPr>
+          <a:xfrm>
+            <a:off x="5655825" y="1828800"/>
+            <a:ext cx="3479466" cy="2609600"/>
+          </a:xfrm>
+          <a:prstGeom prst="rect">
+            <a:avLst/>
+          </a:prstGeom>
+        </p:spPr>
+      </p:pic>
+      <p:sp>
+        <p:nvSpPr>
+          <p:cNvPr id="5" name="TextBox 4"/>
+          <p:cNvSpPr txBox="1"/>
+          <p:nvPr/>
+        </p:nvSpPr>
+        <p:spPr>
+          <a:xfrm>
+            <a:off x="5867400" y="4482334"/>
+            <a:ext cx="3657600" cy="369332"/>
+          </a:xfrm>
+          <a:prstGeom prst="rect">
+            <a:avLst/>
+          </a:prstGeom>
+          <a:noFill/>
+        </p:spPr>
+        <p:txBody>
+          <a:bodyPr wrap="square" rtlCol="0">
+            <a:spAutoFit/>
+          </a:bodyPr>
+          <a:lstStyle/>
+          <a:p>
+            <a:r>
+              <a:rPr lang="en-US" dirty="0" smtClean="0"/>
+              <a:t>Actual Transient Pulse Shape</a:t>
+            </a:r>
+            <a:endParaRPr lang="en-US" dirty="0"/>
+          </a:p>
+        </p:txBody>
+      </p:sp>
+    </p:spTree>
+    <p:extLst>
+      <p:ext uri="{BB962C8B-B14F-4D97-AF65-F5344CB8AC3E}">
+        <p14:creationId xmlns:p14="http://schemas.microsoft.com/office/powerpoint/2010/main" val="284788393"/>
+      </p:ext>
+    </p:extLst>
+  </p:cSld>
+  <p:clrMapOvr>
+    <a:masterClrMapping/>
+  </p:clrMapOvr>
+</p:sld>
+</file>
+
+<file path=ppt/slides/slide28.xml><?xml version="1.0" encoding="utf-8"?>
+<p:sld xmlns:a="http://schemas.openxmlformats.org/drawingml/2006/main" xmlns:r="http://schemas.openxmlformats.org/officeDocument/2006/relationships" xmlns:p="http://schemas.openxmlformats.org/presentationml/2006/main">
+  <p:cSld>
+    <p:spTree>
+      <p:nvGrpSpPr>
+        <p:cNvPr id="1" name=""/>
+        <p:cNvGrpSpPr/>
+        <p:nvPr/>
+      </p:nvGrpSpPr>
+      <p:grpSpPr>
+        <a:xfrm>
+          <a:off x="0" y="0"/>
+          <a:ext cx="0" cy="0"/>
+          <a:chOff x="0" y="0"/>
+          <a:chExt cx="0" cy="0"/>
+        </a:xfrm>
+      </p:grpSpPr>
+      <p:sp>
+        <p:nvSpPr>
+          <p:cNvPr id="2" name="Title 1"/>
+          <p:cNvSpPr>
+            <a:spLocks noGrp="1"/>
+          </p:cNvSpPr>
+          <p:nvPr>
+            <p:ph type="title"/>
+          </p:nvPr>
+        </p:nvSpPr>
+        <p:spPr/>
+        <p:txBody>
+          <a:bodyPr/>
+          <a:lstStyle/>
+          <a:p>
+            <a:pPr algn="ctr"/>
+            <a:r>
+              <a:rPr lang="en-US" dirty="0" smtClean="0"/>
+              <a:t>Analytical Approximation Model</a:t>
+            </a:r>
+            <a:endParaRPr lang="en-US" dirty="0"/>
+          </a:p>
+        </p:txBody>
+      </p:sp>
+      <p:sp>
+        <p:nvSpPr>
+          <p:cNvPr id="3" name="Content Placeholder 2"/>
+          <p:cNvSpPr>
+            <a:spLocks noGrp="1"/>
+          </p:cNvSpPr>
+          <p:nvPr>
+            <p:ph idx="1"/>
+          </p:nvPr>
+        </p:nvSpPr>
+        <p:spPr>
+          <a:xfrm>
+            <a:off x="457200" y="1600200"/>
+            <a:ext cx="8305800" cy="4876800"/>
+          </a:xfrm>
+        </p:spPr>
+        <p:txBody>
+          <a:bodyPr/>
+          <a:lstStyle/>
+          <a:p>
+            <a:r>
+              <a:rPr lang="en-US" dirty="0" smtClean="0"/>
+              <a:t>Based on an existing method for a single pulse</a:t>
+            </a:r>
+          </a:p>
+          <a:p>
+            <a:r>
+              <a:rPr lang="en-US" dirty="0" smtClean="0"/>
+              <a:t>Does not fit using a predetermined shape</a:t>
+            </a:r>
+          </a:p>
+          <a:p>
+            <a:r>
+              <a:rPr lang="en-US" dirty="0" smtClean="0"/>
+              <a:t>Approximates voltage by iterating over time</a:t>
+            </a:r>
+          </a:p>
+          <a:p>
+            <a:r>
+              <a:rPr lang="en-US" dirty="0" smtClean="0"/>
+              <a:t>Uses look up tables for the transistor current</a:t>
+            </a:r>
+          </a:p>
+          <a:p>
+            <a:r>
+              <a:rPr lang="en-US" dirty="0" smtClean="0"/>
+              <a:t>Uses static Miller and load capacitances</a:t>
+            </a:r>
+          </a:p>
+          <a:p>
+            <a:r>
+              <a:rPr lang="en-US" dirty="0" smtClean="0"/>
+              <a:t>Can consider multiple pulses on inputs </a:t>
+            </a:r>
+          </a:p>
+          <a:p>
+            <a:r>
+              <a:rPr lang="en-US" dirty="0" smtClean="0"/>
+              <a:t>Most accurate existing method for multiple pulses</a:t>
+            </a:r>
+            <a:endParaRPr lang="en-US" dirty="0"/>
+          </a:p>
+        </p:txBody>
+      </p:sp>
+      <p:pic>
+        <p:nvPicPr>
+          <p:cNvPr id="4" name="Picture 3"/>
+          <p:cNvPicPr>
+            <a:picLocks noChangeAspect="1"/>
+          </p:cNvPicPr>
+          <p:nvPr/>
+        </p:nvPicPr>
+        <p:blipFill>
+          <a:blip r:embed="rId2" cstate="print">
+            <a:extLst>
+              <a:ext uri="{28A0092B-C50C-407E-A947-70E740481C1C}">
+                <a14:useLocalDpi xmlns:a14="http://schemas.microsoft.com/office/drawing/2010/main" val="0"/>
+              </a:ext>
+            </a:extLst>
+          </a:blip>
+          <a:stretch>
+            <a:fillRect/>
+          </a:stretch>
+        </p:blipFill>
+        <p:spPr>
+          <a:xfrm>
+            <a:off x="1446711" y="4800600"/>
+            <a:ext cx="3200400" cy="1600201"/>
+          </a:xfrm>
+          <a:prstGeom prst="rect">
+            <a:avLst/>
+          </a:prstGeom>
+        </p:spPr>
+      </p:pic>
+      <p:sp>
+        <p:nvSpPr>
+          <p:cNvPr id="5" name="TextBox 4"/>
+          <p:cNvSpPr txBox="1"/>
+          <p:nvPr/>
+        </p:nvSpPr>
+        <p:spPr>
+          <a:xfrm>
+            <a:off x="3505200" y="6019800"/>
+            <a:ext cx="2590800" cy="646331"/>
+          </a:xfrm>
+          <a:prstGeom prst="rect">
+            <a:avLst/>
+          </a:prstGeom>
+          <a:noFill/>
+        </p:spPr>
+        <p:txBody>
+          <a:bodyPr wrap="square" rtlCol="0">
+            <a:spAutoFit/>
+          </a:bodyPr>
+          <a:lstStyle/>
+          <a:p>
+            <a:r>
+              <a:rPr lang="en-US" dirty="0" smtClean="0"/>
+              <a:t>Multiple Transient Pulses on Gate Input</a:t>
+            </a:r>
+            <a:endParaRPr lang="en-US" dirty="0"/>
+          </a:p>
+        </p:txBody>
+      </p:sp>
+    </p:spTree>
+    <p:extLst>
+      <p:ext uri="{BB962C8B-B14F-4D97-AF65-F5344CB8AC3E}">
+        <p14:creationId xmlns:p14="http://schemas.microsoft.com/office/powerpoint/2010/main" val="3283401012"/>
+      </p:ext>
+    </p:extLst>
+  </p:cSld>
+  <p:clrMapOvr>
+    <a:masterClrMapping/>
+  </p:clrMapOvr>
+  <p:timing>
+    <p:tnLst>
+      <p:par>
+        <p:cTn id="1" dur="indefinite" restart="never" nodeType="tmRoot"/>
+      </p:par>
+    </p:tnLst>
+  </p:timing>
+</p:sld>
+</file>
+
+<file path=ppt/slides/slide29.xml><?xml version="1.0" encoding="utf-8"?>
+<p:sld xmlns:a="http://schemas.openxmlformats.org/drawingml/2006/main" xmlns:r="http://schemas.openxmlformats.org/officeDocument/2006/relationships" xmlns:p="http://schemas.openxmlformats.org/presentationml/2006/main">
+  <p:cSld>
+    <p:spTree>
+      <p:nvGrpSpPr>
+        <p:cNvPr id="1" name=""/>
+        <p:cNvGrpSpPr/>
+        <p:nvPr/>
+      </p:nvGrpSpPr>
+      <p:grpSpPr>
+        <a:xfrm>
+          <a:off x="0" y="0"/>
+          <a:ext cx="0" cy="0"/>
+          <a:chOff x="0" y="0"/>
+          <a:chExt cx="0" cy="0"/>
+        </a:xfrm>
+      </p:grpSpPr>
+      <p:sp>
+        <p:nvSpPr>
+          <p:cNvPr id="2" name="Title 1"/>
+          <p:cNvSpPr>
+            <a:spLocks noGrp="1"/>
+          </p:cNvSpPr>
+          <p:nvPr>
+            <p:ph type="title"/>
+          </p:nvPr>
+        </p:nvSpPr>
+        <p:spPr/>
+        <p:txBody>
+          <a:bodyPr/>
+          <a:lstStyle/>
+          <a:p>
+            <a:pPr algn="ctr"/>
+            <a:r>
+              <a:rPr lang="en-US" dirty="0" smtClean="0"/>
+              <a:t>Gate Model</a:t>
+            </a:r>
+            <a:endParaRPr lang="en-US" dirty="0"/>
+          </a:p>
+        </p:txBody>
+      </p:sp>
+      <p:sp>
+        <p:nvSpPr>
+          <p:cNvPr id="3" name="Content Placeholder 2"/>
+          <p:cNvSpPr>
+            <a:spLocks noGrp="1"/>
+          </p:cNvSpPr>
+          <p:nvPr>
+            <p:ph idx="1"/>
+          </p:nvPr>
+        </p:nvSpPr>
+        <p:spPr>
+          <a:xfrm>
+            <a:off x="457200" y="1600200"/>
+            <a:ext cx="8534400" cy="4876800"/>
+          </a:xfrm>
+        </p:spPr>
+        <p:txBody>
+          <a:bodyPr/>
+          <a:lstStyle/>
+          <a:p>
+            <a:r>
+              <a:rPr lang="en-US" dirty="0" smtClean="0"/>
+              <a:t>Transistors represented with Miller capacitor between gate and drain</a:t>
+            </a:r>
+          </a:p>
+          <a:p>
+            <a:r>
+              <a:rPr lang="en-US" dirty="0" smtClean="0"/>
+              <a:t>Miller capacitance considers coupling </a:t>
+            </a:r>
+          </a:p>
+          <a:p>
+            <a:r>
+              <a:rPr lang="en-US" dirty="0" smtClean="0"/>
+              <a:t>Each transistor represented as a current source</a:t>
+            </a:r>
+          </a:p>
+          <a:p>
+            <a:pPr lvl="1"/>
+            <a:r>
+              <a:rPr lang="en-US" dirty="0" smtClean="0"/>
+              <a:t>Current source is the V</a:t>
+            </a:r>
+            <a:r>
+              <a:rPr lang="en-US" baseline="-25000" dirty="0" smtClean="0"/>
+              <a:t>DS</a:t>
+            </a:r>
+            <a:r>
+              <a:rPr lang="en-US" dirty="0" smtClean="0"/>
+              <a:t> voltage</a:t>
+            </a:r>
+          </a:p>
+          <a:p>
+            <a:r>
+              <a:rPr lang="en-US" dirty="0" smtClean="0"/>
+              <a:t>Can convert a gate to equivalent circuit for analysis</a:t>
+            </a:r>
+          </a:p>
+          <a:p>
+            <a:endParaRPr lang="en-US" dirty="0"/>
+          </a:p>
+        </p:txBody>
+      </p:sp>
+      <p:pic>
+        <p:nvPicPr>
+          <p:cNvPr id="8" name="Picture 7"/>
+          <p:cNvPicPr>
+            <a:picLocks noChangeAspect="1"/>
+          </p:cNvPicPr>
+          <p:nvPr/>
+        </p:nvPicPr>
+        <p:blipFill>
+          <a:blip r:embed="rId2"/>
+          <a:stretch>
+            <a:fillRect/>
+          </a:stretch>
+        </p:blipFill>
+        <p:spPr>
+          <a:xfrm>
+            <a:off x="4495800" y="4022193"/>
+            <a:ext cx="4383959" cy="2150007"/>
+          </a:xfrm>
+          <a:prstGeom prst="rect">
+            <a:avLst/>
+          </a:prstGeom>
+        </p:spPr>
+      </p:pic>
+      <p:pic>
+        <p:nvPicPr>
+          <p:cNvPr id="9" name="Picture 8"/>
+          <p:cNvPicPr>
+            <a:picLocks noChangeAspect="1"/>
+          </p:cNvPicPr>
+          <p:nvPr/>
+        </p:nvPicPr>
+        <p:blipFill>
+          <a:blip r:embed="rId3"/>
+          <a:stretch>
+            <a:fillRect/>
+          </a:stretch>
+        </p:blipFill>
+        <p:spPr>
+          <a:xfrm>
+            <a:off x="457200" y="4191000"/>
+            <a:ext cx="3535800" cy="1981200"/>
+          </a:xfrm>
+          <a:prstGeom prst="rect">
+            <a:avLst/>
+          </a:prstGeom>
+        </p:spPr>
+      </p:pic>
+      <p:sp>
+        <p:nvSpPr>
+          <p:cNvPr id="10" name="TextBox 9"/>
+          <p:cNvSpPr txBox="1"/>
+          <p:nvPr/>
+        </p:nvSpPr>
+        <p:spPr>
+          <a:xfrm>
+            <a:off x="1447800" y="6172200"/>
+            <a:ext cx="1905000" cy="369332"/>
+          </a:xfrm>
+          <a:prstGeom prst="rect">
+            <a:avLst/>
+          </a:prstGeom>
+          <a:noFill/>
+        </p:spPr>
+        <p:txBody>
+          <a:bodyPr wrap="square" rtlCol="0">
+            <a:spAutoFit/>
+          </a:bodyPr>
+          <a:lstStyle/>
+          <a:p>
+            <a:r>
+              <a:rPr lang="en-US" dirty="0" smtClean="0"/>
+              <a:t>Transistor Model</a:t>
+            </a:r>
+            <a:endParaRPr lang="en-US" dirty="0"/>
+          </a:p>
+        </p:txBody>
+      </p:sp>
+      <p:sp>
+        <p:nvSpPr>
+          <p:cNvPr id="11" name="TextBox 10"/>
+          <p:cNvSpPr txBox="1"/>
+          <p:nvPr/>
+        </p:nvSpPr>
+        <p:spPr>
+          <a:xfrm>
+            <a:off x="4876800" y="6183868"/>
+            <a:ext cx="1905000" cy="369332"/>
+          </a:xfrm>
+          <a:prstGeom prst="rect">
+            <a:avLst/>
+          </a:prstGeom>
+          <a:noFill/>
+        </p:spPr>
+        <p:txBody>
+          <a:bodyPr wrap="square" rtlCol="0">
+            <a:spAutoFit/>
+          </a:bodyPr>
+          <a:lstStyle/>
+          <a:p>
+            <a:r>
+              <a:rPr lang="en-US" dirty="0" smtClean="0"/>
+              <a:t>Converted Gate</a:t>
+            </a:r>
+            <a:endParaRPr lang="en-US" dirty="0"/>
+          </a:p>
+        </p:txBody>
+      </p:sp>
+    </p:spTree>
+    <p:extLst>
+      <p:ext uri="{BB962C8B-B14F-4D97-AF65-F5344CB8AC3E}">
+        <p14:creationId xmlns:p14="http://schemas.microsoft.com/office/powerpoint/2010/main" val="2071419114"/>
+      </p:ext>
+    </p:extLst>
+  </p:cSld>
+  <p:clrMapOvr>
+    <a:masterClrMapping/>
+  </p:clrMapOvr>
+  <p:timing>
+    <p:tnLst>
+      <p:par>
+        <p:cTn id="1" dur="indefinite" restart="never" nodeType="tmRoot"/>
+      </p:par>
+    </p:tnLst>
+  </p:timing>
+</p:sld>
+</file>
+
 <file path=ppt/slides/slide3.xml><?xml version="1.0" encoding="utf-8"?>
 <p:sld xmlns:a="http://schemas.openxmlformats.org/drawingml/2006/main" xmlns:r="http://schemas.openxmlformats.org/officeDocument/2006/relationships" xmlns:p="http://schemas.openxmlformats.org/presentationml/2006/main">
   <p:cSld>
@@ -6119,6 +8254,3025 @@
     <p:extLst>
       <p:ext uri="{BB962C8B-B14F-4D97-AF65-F5344CB8AC3E}">
         <p14:creationId xmlns:p14="http://schemas.microsoft.com/office/powerpoint/2010/main" val="2431433252"/>
+      </p:ext>
+    </p:extLst>
+  </p:cSld>
+  <p:clrMapOvr>
+    <a:masterClrMapping/>
+  </p:clrMapOvr>
+  <p:timing>
+    <p:tnLst>
+      <p:par>
+        <p:cTn id="1" dur="indefinite" restart="never" nodeType="tmRoot"/>
+      </p:par>
+    </p:tnLst>
+  </p:timing>
+</p:sld>
+</file>
+
+<file path=ppt/slides/slide30.xml><?xml version="1.0" encoding="utf-8"?>
+<p:sld xmlns:a="http://schemas.openxmlformats.org/drawingml/2006/main" xmlns:r="http://schemas.openxmlformats.org/officeDocument/2006/relationships" xmlns:p="http://schemas.openxmlformats.org/presentationml/2006/main">
+  <p:cSld>
+    <p:spTree>
+      <p:nvGrpSpPr>
+        <p:cNvPr id="1" name=""/>
+        <p:cNvGrpSpPr/>
+        <p:nvPr/>
+      </p:nvGrpSpPr>
+      <p:grpSpPr>
+        <a:xfrm>
+          <a:off x="0" y="0"/>
+          <a:ext cx="0" cy="0"/>
+          <a:chOff x="0" y="0"/>
+          <a:chExt cx="0" cy="0"/>
+        </a:xfrm>
+      </p:grpSpPr>
+      <p:sp>
+        <p:nvSpPr>
+          <p:cNvPr id="2" name="Title 1"/>
+          <p:cNvSpPr>
+            <a:spLocks noGrp="1"/>
+          </p:cNvSpPr>
+          <p:nvPr>
+            <p:ph type="title"/>
+          </p:nvPr>
+        </p:nvSpPr>
+        <p:spPr/>
+        <p:txBody>
+          <a:bodyPr/>
+          <a:lstStyle/>
+          <a:p>
+            <a:pPr algn="ctr"/>
+            <a:r>
+              <a:rPr lang="en-US" dirty="0" smtClean="0"/>
+              <a:t>Derivation of Equation</a:t>
+            </a:r>
+            <a:endParaRPr lang="en-US" dirty="0"/>
+          </a:p>
+        </p:txBody>
+      </p:sp>
+      <mc:AlternateContent xmlns:mc="http://schemas.openxmlformats.org/markup-compatibility/2006">
+        <mc:Choice xmlns:a14="http://schemas.microsoft.com/office/drawing/2010/main" Requires="a14">
+          <p:sp>
+            <p:nvSpPr>
+              <p:cNvPr id="3" name="Content Placeholder 2"/>
+              <p:cNvSpPr>
+                <a:spLocks noGrp="1"/>
+              </p:cNvSpPr>
+              <p:nvPr>
+                <p:ph idx="1"/>
+              </p:nvPr>
+            </p:nvSpPr>
+            <p:spPr>
+              <a:xfrm>
+                <a:off x="457199" y="1600200"/>
+                <a:ext cx="5604877" cy="4876800"/>
+              </a:xfrm>
+            </p:spPr>
+            <p:txBody>
+              <a:bodyPr>
+                <a:normAutofit fontScale="92500"/>
+              </a:bodyPr>
+              <a:lstStyle/>
+              <a:p>
+                <a:r>
+                  <a:rPr lang="en-US" dirty="0" smtClean="0"/>
+                  <a:t>Any gate can be considered using a generalized model</a:t>
+                </a:r>
+              </a:p>
+              <a:p>
+                <a:r>
+                  <a:rPr lang="en-US" dirty="0" smtClean="0"/>
+                  <a:t>KCL at node Vout</a:t>
+                </a:r>
+              </a:p>
+              <a:p>
+                <a:pPr lvl="1"/>
+                <a14:m>
+                  <m:oMath xmlns:m="http://schemas.openxmlformats.org/officeDocument/2006/math">
+                    <m:sSub>
+                      <m:sSubPr>
+                        <m:ctrlPr>
+                          <a:rPr lang="en-US" i="1" cap="small"/>
+                        </m:ctrlPr>
+                      </m:sSubPr>
+                      <m:e>
+                        <m:r>
+                          <a:rPr lang="en-US" i="1"/>
+                          <m:t>𝐼</m:t>
+                        </m:r>
+                      </m:e>
+                      <m:sub>
+                        <m:r>
+                          <a:rPr lang="en-US" i="1"/>
+                          <m:t>𝑝𝑢</m:t>
+                        </m:r>
+                      </m:sub>
+                    </m:sSub>
+                    <m:r>
+                      <a:rPr lang="en-US" i="1"/>
+                      <m:t>=</m:t>
+                    </m:r>
+                    <m:sSub>
+                      <m:sSubPr>
+                        <m:ctrlPr>
+                          <a:rPr lang="en-US" i="1" cap="small"/>
+                        </m:ctrlPr>
+                      </m:sSubPr>
+                      <m:e>
+                        <m:r>
+                          <a:rPr lang="en-US" i="1"/>
+                          <m:t>𝐼</m:t>
+                        </m:r>
+                      </m:e>
+                      <m:sub>
+                        <m:r>
+                          <a:rPr lang="en-US" i="1"/>
+                          <m:t>𝑝𝑑</m:t>
+                        </m:r>
+                      </m:sub>
+                    </m:sSub>
+                    <m:r>
+                      <a:rPr lang="en-US" i="1"/>
+                      <m:t>+</m:t>
+                    </m:r>
+                    <m:sSub>
+                      <m:sSubPr>
+                        <m:ctrlPr>
+                          <a:rPr lang="en-US" i="1" cap="small"/>
+                        </m:ctrlPr>
+                      </m:sSubPr>
+                      <m:e>
+                        <m:r>
+                          <a:rPr lang="en-US" i="1"/>
+                          <m:t>𝐼</m:t>
+                        </m:r>
+                      </m:e>
+                      <m:sub>
+                        <m:r>
+                          <a:rPr lang="en-US" i="1"/>
+                          <m:t>𝐿</m:t>
+                        </m:r>
+                      </m:sub>
+                    </m:sSub>
+                    <m:r>
+                      <a:rPr lang="en-US" i="1"/>
+                      <m:t>+</m:t>
+                    </m:r>
+                    <m:nary>
+                      <m:naryPr>
+                        <m:chr m:val="∑"/>
+                        <m:limLoc m:val="undOvr"/>
+                        <m:ctrlPr>
+                          <a:rPr lang="en-US" i="1" cap="small"/>
+                        </m:ctrlPr>
+                      </m:naryPr>
+                      <m:sub>
+                        <m:r>
+                          <a:rPr lang="en-US" i="1"/>
+                          <m:t>𝑖</m:t>
+                        </m:r>
+                        <m:r>
+                          <a:rPr lang="en-US" i="1"/>
+                          <m:t>=1</m:t>
+                        </m:r>
+                      </m:sub>
+                      <m:sup>
+                        <m:r>
+                          <a:rPr lang="en-US" i="1"/>
+                          <m:t>𝑁</m:t>
+                        </m:r>
+                      </m:sup>
+                      <m:e>
+                        <m:sSub>
+                          <m:sSubPr>
+                            <m:ctrlPr>
+                              <a:rPr lang="en-US" i="1" cap="small"/>
+                            </m:ctrlPr>
+                          </m:sSubPr>
+                          <m:e>
+                            <m:r>
+                              <a:rPr lang="en-US" i="1"/>
+                              <m:t>𝐼</m:t>
+                            </m:r>
+                          </m:e>
+                          <m:sub>
+                            <m:sSub>
+                              <m:sSubPr>
+                                <m:ctrlPr>
+                                  <a:rPr lang="en-US" i="1" cap="small"/>
+                                </m:ctrlPr>
+                              </m:sSubPr>
+                              <m:e>
+                                <m:r>
+                                  <a:rPr lang="en-US" i="1"/>
+                                  <m:t>𝑚𝑢</m:t>
+                                </m:r>
+                              </m:e>
+                              <m:sub>
+                                <m:r>
+                                  <a:rPr lang="en-US" i="1"/>
+                                  <m:t>𝑖</m:t>
+                                </m:r>
+                              </m:sub>
+                            </m:sSub>
+                          </m:sub>
+                        </m:sSub>
+                      </m:e>
+                    </m:nary>
+                    <m:r>
+                      <a:rPr lang="en-US" i="1"/>
+                      <m:t>+</m:t>
+                    </m:r>
+                    <m:nary>
+                      <m:naryPr>
+                        <m:chr m:val="∑"/>
+                        <m:limLoc m:val="undOvr"/>
+                        <m:ctrlPr>
+                          <a:rPr lang="en-US" i="1" cap="small"/>
+                        </m:ctrlPr>
+                      </m:naryPr>
+                      <m:sub>
+                        <m:r>
+                          <a:rPr lang="en-US" i="1"/>
+                          <m:t>𝑖</m:t>
+                        </m:r>
+                        <m:r>
+                          <a:rPr lang="en-US" i="1"/>
+                          <m:t>=1</m:t>
+                        </m:r>
+                      </m:sub>
+                      <m:sup>
+                        <m:r>
+                          <a:rPr lang="en-US" i="1"/>
+                          <m:t>𝑁</m:t>
+                        </m:r>
+                      </m:sup>
+                      <m:e>
+                        <m:sSub>
+                          <m:sSubPr>
+                            <m:ctrlPr>
+                              <a:rPr lang="en-US" i="1" cap="small"/>
+                            </m:ctrlPr>
+                          </m:sSubPr>
+                          <m:e>
+                            <m:r>
+                              <a:rPr lang="en-US" i="1"/>
+                              <m:t>𝐼</m:t>
+                            </m:r>
+                          </m:e>
+                          <m:sub>
+                            <m:sSub>
+                              <m:sSubPr>
+                                <m:ctrlPr>
+                                  <a:rPr lang="en-US" i="1" cap="small"/>
+                                </m:ctrlPr>
+                              </m:sSubPr>
+                              <m:e>
+                                <m:r>
+                                  <a:rPr lang="en-US" i="1"/>
+                                  <m:t>𝑚𝑑</m:t>
+                                </m:r>
+                              </m:e>
+                              <m:sub>
+                                <m:r>
+                                  <a:rPr lang="en-US" i="1"/>
+                                  <m:t>𝑖</m:t>
+                                </m:r>
+                              </m:sub>
+                            </m:sSub>
+                          </m:sub>
+                        </m:sSub>
+                      </m:e>
+                    </m:nary>
+                  </m:oMath>
+                </a14:m>
+                <a:endParaRPr lang="en-US" dirty="0" smtClean="0"/>
+              </a:p>
+              <a:p>
+                <a:r>
+                  <a:rPr lang="en-US" dirty="0" smtClean="0"/>
+                  <a:t>Current through Miller capacitor</a:t>
+                </a:r>
+              </a:p>
+              <a:p>
+                <a:pPr lvl="1"/>
+                <a14:m>
+                  <m:oMath xmlns:m="http://schemas.openxmlformats.org/officeDocument/2006/math">
+                    <m:sSub>
+                      <m:sSubPr>
+                        <m:ctrlPr>
+                          <a:rPr lang="en-US" i="1"/>
+                        </m:ctrlPr>
+                      </m:sSubPr>
+                      <m:e>
+                        <m:r>
+                          <a:rPr lang="en-US" i="1"/>
+                          <m:t>𝐼</m:t>
+                        </m:r>
+                      </m:e>
+                      <m:sub>
+                        <m:sSub>
+                          <m:sSubPr>
+                            <m:ctrlPr>
+                              <a:rPr lang="en-US" i="1"/>
+                            </m:ctrlPr>
+                          </m:sSubPr>
+                          <m:e>
+                            <m:r>
+                              <a:rPr lang="en-US" i="1"/>
+                              <m:t>𝑚</m:t>
+                            </m:r>
+                          </m:e>
+                          <m:sub>
+                            <m:r>
+                              <a:rPr lang="en-US" i="1"/>
+                              <m:t>𝑖</m:t>
+                            </m:r>
+                          </m:sub>
+                        </m:sSub>
+                      </m:sub>
+                    </m:sSub>
+                    <m:r>
+                      <a:rPr lang="en-US" i="1"/>
+                      <m:t>=</m:t>
+                    </m:r>
+                    <m:f>
+                      <m:fPr>
+                        <m:ctrlPr>
+                          <a:rPr lang="en-US" i="1"/>
+                        </m:ctrlPr>
+                      </m:fPr>
+                      <m:num>
+                        <m:d>
+                          <m:dPr>
+                            <m:begChr m:val="["/>
+                            <m:endChr m:val="]"/>
+                            <m:ctrlPr>
+                              <a:rPr lang="en-US" i="1"/>
+                            </m:ctrlPr>
+                          </m:dPr>
+                          <m:e>
+                            <m:sSub>
+                              <m:sSubPr>
+                                <m:ctrlPr>
+                                  <a:rPr lang="en-US" i="1"/>
+                                </m:ctrlPr>
+                              </m:sSubPr>
+                              <m:e>
+                                <m:r>
+                                  <a:rPr lang="en-US" i="1"/>
+                                  <m:t>∆</m:t>
+                                </m:r>
+                                <m:r>
+                                  <a:rPr lang="en-US" i="1"/>
+                                  <m:t>𝑉</m:t>
+                                </m:r>
+                              </m:e>
+                              <m:sub>
+                                <m:r>
+                                  <a:rPr lang="en-US" i="1"/>
+                                  <m:t>𝑜𝑢𝑡</m:t>
+                                </m:r>
+                              </m:sub>
+                            </m:sSub>
+                            <m:r>
+                              <a:rPr lang="en-US" i="1"/>
+                              <m:t>−</m:t>
+                            </m:r>
+                            <m:sSub>
+                              <m:sSubPr>
+                                <m:ctrlPr>
+                                  <a:rPr lang="en-US" i="1"/>
+                                </m:ctrlPr>
+                              </m:sSubPr>
+                              <m:e>
+                                <m:r>
+                                  <a:rPr lang="en-US" i="1"/>
+                                  <m:t>∆</m:t>
+                                </m:r>
+                                <m:r>
+                                  <a:rPr lang="en-US" i="1"/>
+                                  <m:t>𝑉</m:t>
+                                </m:r>
+                              </m:e>
+                              <m:sub>
+                                <m:sSub>
+                                  <m:sSubPr>
+                                    <m:ctrlPr>
+                                      <a:rPr lang="en-US" i="1"/>
+                                    </m:ctrlPr>
+                                  </m:sSubPr>
+                                  <m:e>
+                                    <m:r>
+                                      <a:rPr lang="en-US" i="1"/>
+                                      <m:t>𝐺</m:t>
+                                    </m:r>
+                                  </m:e>
+                                  <m:sub>
+                                    <m:r>
+                                      <a:rPr lang="en-US" i="1"/>
+                                      <m:t>𝑖</m:t>
+                                    </m:r>
+                                  </m:sub>
+                                </m:sSub>
+                              </m:sub>
+                            </m:sSub>
+                          </m:e>
+                        </m:d>
+                        <m:sSub>
+                          <m:sSubPr>
+                            <m:ctrlPr>
+                              <a:rPr lang="en-US" i="1"/>
+                            </m:ctrlPr>
+                          </m:sSubPr>
+                          <m:e>
+                            <m:r>
+                              <a:rPr lang="en-US" i="1"/>
+                              <m:t>𝐶</m:t>
+                            </m:r>
+                          </m:e>
+                          <m:sub>
+                            <m:sSub>
+                              <m:sSubPr>
+                                <m:ctrlPr>
+                                  <a:rPr lang="en-US" i="1"/>
+                                </m:ctrlPr>
+                              </m:sSubPr>
+                              <m:e>
+                                <m:r>
+                                  <a:rPr lang="en-US" i="1"/>
+                                  <m:t>𝑚</m:t>
+                                </m:r>
+                              </m:e>
+                              <m:sub>
+                                <m:r>
+                                  <a:rPr lang="en-US" i="1"/>
+                                  <m:t>𝑖</m:t>
+                                </m:r>
+                              </m:sub>
+                            </m:sSub>
+                          </m:sub>
+                        </m:sSub>
+                      </m:num>
+                      <m:den>
+                        <m:sSub>
+                          <m:sSubPr>
+                            <m:ctrlPr>
+                              <a:rPr lang="en-US" i="1"/>
+                            </m:ctrlPr>
+                          </m:sSubPr>
+                          <m:e>
+                            <m:r>
+                              <a:rPr lang="en-US" i="1"/>
+                              <m:t>𝑡</m:t>
+                            </m:r>
+                          </m:e>
+                          <m:sub>
+                            <m:r>
+                              <a:rPr lang="en-US" i="1"/>
+                              <m:t>𝑠𝑡𝑒𝑝</m:t>
+                            </m:r>
+                          </m:sub>
+                        </m:sSub>
+                      </m:den>
+                    </m:f>
+                  </m:oMath>
+                </a14:m>
+                <a:endParaRPr lang="en-US" dirty="0" smtClean="0"/>
+              </a:p>
+              <a:p>
+                <a:r>
+                  <a:rPr lang="en-US" dirty="0" smtClean="0"/>
+                  <a:t>Current though </a:t>
+                </a:r>
+                <a:r>
+                  <a:rPr lang="en-US" dirty="0"/>
+                  <a:t>l</a:t>
+                </a:r>
+                <a:r>
+                  <a:rPr lang="en-US" dirty="0" smtClean="0"/>
+                  <a:t>oad capacitor</a:t>
+                </a:r>
+              </a:p>
+              <a:p>
+                <a:pPr lvl="1"/>
+                <a14:m>
+                  <m:oMath xmlns:m="http://schemas.openxmlformats.org/officeDocument/2006/math">
+                    <m:sSub>
+                      <m:sSubPr>
+                        <m:ctrlPr>
+                          <a:rPr lang="en-US" i="1"/>
+                        </m:ctrlPr>
+                      </m:sSubPr>
+                      <m:e>
+                        <m:r>
+                          <a:rPr lang="en-US" i="1"/>
+                          <m:t>𝐼</m:t>
+                        </m:r>
+                      </m:e>
+                      <m:sub>
+                        <m:r>
+                          <a:rPr lang="en-US" i="1"/>
+                          <m:t>𝐿</m:t>
+                        </m:r>
+                      </m:sub>
+                    </m:sSub>
+                    <m:r>
+                      <a:rPr lang="en-US" i="1"/>
+                      <m:t>=</m:t>
+                    </m:r>
+                    <m:f>
+                      <m:fPr>
+                        <m:ctrlPr>
+                          <a:rPr lang="en-US" i="1"/>
+                        </m:ctrlPr>
+                      </m:fPr>
+                      <m:num>
+                        <m:r>
+                          <a:rPr lang="en-US" i="1"/>
+                          <m:t>(</m:t>
+                        </m:r>
+                        <m:sSub>
+                          <m:sSubPr>
+                            <m:ctrlPr>
+                              <a:rPr lang="en-US" i="1"/>
+                            </m:ctrlPr>
+                          </m:sSubPr>
+                          <m:e>
+                            <m:r>
+                              <a:rPr lang="en-US" i="1"/>
+                              <m:t>∆</m:t>
+                            </m:r>
+                            <m:r>
+                              <a:rPr lang="en-US" i="1"/>
+                              <m:t>𝑉</m:t>
+                            </m:r>
+                          </m:e>
+                          <m:sub>
+                            <m:r>
+                              <a:rPr lang="en-US" i="1"/>
+                              <m:t>𝑜𝑢𝑡</m:t>
+                            </m:r>
+                          </m:sub>
+                        </m:sSub>
+                        <m:r>
+                          <a:rPr lang="en-US" i="1"/>
+                          <m:t>)</m:t>
+                        </m:r>
+                        <m:sSub>
+                          <m:sSubPr>
+                            <m:ctrlPr>
+                              <a:rPr lang="en-US" i="1"/>
+                            </m:ctrlPr>
+                          </m:sSubPr>
+                          <m:e>
+                            <m:r>
+                              <a:rPr lang="en-US" i="1"/>
+                              <m:t>𝐶</m:t>
+                            </m:r>
+                          </m:e>
+                          <m:sub>
+                            <m:r>
+                              <a:rPr lang="en-US" i="1"/>
+                              <m:t>𝐿</m:t>
+                            </m:r>
+                          </m:sub>
+                        </m:sSub>
+                      </m:num>
+                      <m:den>
+                        <m:sSub>
+                          <m:sSubPr>
+                            <m:ctrlPr>
+                              <a:rPr lang="en-US" i="1"/>
+                            </m:ctrlPr>
+                          </m:sSubPr>
+                          <m:e>
+                            <m:r>
+                              <a:rPr lang="en-US" i="1"/>
+                              <m:t>𝑡</m:t>
+                            </m:r>
+                          </m:e>
+                          <m:sub>
+                            <m:r>
+                              <a:rPr lang="en-US" i="1"/>
+                              <m:t>𝑠𝑡𝑒𝑝</m:t>
+                            </m:r>
+                          </m:sub>
+                        </m:sSub>
+                      </m:den>
+                    </m:f>
+                  </m:oMath>
+                </a14:m>
+                <a:endParaRPr lang="en-US" dirty="0" smtClean="0"/>
+              </a:p>
+              <a:p>
+                <a:r>
+                  <a:rPr lang="en-US" dirty="0" smtClean="0"/>
+                  <a:t>Substitute – get V</a:t>
+                </a:r>
+                <a:r>
+                  <a:rPr lang="en-US" baseline="-25000" dirty="0" smtClean="0"/>
+                  <a:t>out</a:t>
+                </a:r>
+                <a:r>
+                  <a:rPr lang="en-US" dirty="0" smtClean="0"/>
+                  <a:t> at time </a:t>
+                </a:r>
+                <a:r>
+                  <a:rPr lang="en-US" i="1" dirty="0" err="1" smtClean="0"/>
+                  <a:t>i</a:t>
+                </a:r>
+                <a:endParaRPr lang="en-US" i="1" dirty="0" smtClean="0"/>
+              </a:p>
+              <a:p>
+                <a:pPr lvl="1"/>
+                <a14:m>
+                  <m:oMath xmlns:m="http://schemas.openxmlformats.org/officeDocument/2006/math">
+                    <m:r>
+                      <a:rPr lang="en-US" i="1"/>
+                      <m:t>∆</m:t>
+                    </m:r>
+                    <m:sSub>
+                      <m:sSubPr>
+                        <m:ctrlPr>
+                          <a:rPr lang="en-US" i="1"/>
+                        </m:ctrlPr>
+                      </m:sSubPr>
+                      <m:e>
+                        <m:r>
+                          <a:rPr lang="en-US" i="1"/>
+                          <m:t>𝑉</m:t>
+                        </m:r>
+                      </m:e>
+                      <m:sub>
+                        <m:r>
+                          <a:rPr lang="en-US" i="1"/>
+                          <m:t>𝑜𝑢𝑡</m:t>
+                        </m:r>
+                      </m:sub>
+                    </m:sSub>
+                    <m:r>
+                      <a:rPr lang="en-US" i="1"/>
+                      <m:t>=</m:t>
+                    </m:r>
+                    <m:f>
+                      <m:fPr>
+                        <m:ctrlPr>
+                          <a:rPr lang="en-US" i="1"/>
+                        </m:ctrlPr>
+                      </m:fPr>
+                      <m:num>
+                        <m:d>
+                          <m:dPr>
+                            <m:ctrlPr>
+                              <a:rPr lang="en-US" i="1"/>
+                            </m:ctrlPr>
+                          </m:dPr>
+                          <m:e>
+                            <m:sSub>
+                              <m:sSubPr>
+                                <m:ctrlPr>
+                                  <a:rPr lang="en-US" i="1"/>
+                                </m:ctrlPr>
+                              </m:sSubPr>
+                              <m:e>
+                                <m:r>
+                                  <a:rPr lang="en-US" i="1"/>
+                                  <m:t>𝐼</m:t>
+                                </m:r>
+                              </m:e>
+                              <m:sub>
+                                <m:r>
+                                  <a:rPr lang="en-US" i="1"/>
+                                  <m:t>𝑝𝑢</m:t>
+                                </m:r>
+                              </m:sub>
+                            </m:sSub>
+                            <m:r>
+                              <a:rPr lang="en-US" i="1"/>
+                              <m:t>−</m:t>
+                            </m:r>
+                            <m:sSub>
+                              <m:sSubPr>
+                                <m:ctrlPr>
+                                  <a:rPr lang="en-US" i="1"/>
+                                </m:ctrlPr>
+                              </m:sSubPr>
+                              <m:e>
+                                <m:r>
+                                  <a:rPr lang="en-US" i="1"/>
+                                  <m:t>𝐼</m:t>
+                                </m:r>
+                              </m:e>
+                              <m:sub>
+                                <m:r>
+                                  <a:rPr lang="en-US" i="1"/>
+                                  <m:t>𝑝𝑑</m:t>
+                                </m:r>
+                              </m:sub>
+                            </m:sSub>
+                          </m:e>
+                        </m:d>
+                        <m:sSub>
+                          <m:sSubPr>
+                            <m:ctrlPr>
+                              <a:rPr lang="en-US" i="1"/>
+                            </m:ctrlPr>
+                          </m:sSubPr>
+                          <m:e>
+                            <m:r>
+                              <a:rPr lang="en-US" i="1"/>
+                              <m:t>𝑡</m:t>
+                            </m:r>
+                          </m:e>
+                          <m:sub>
+                            <m:r>
+                              <a:rPr lang="en-US" i="1"/>
+                              <m:t>𝑠𝑡𝑒𝑝</m:t>
+                            </m:r>
+                          </m:sub>
+                        </m:sSub>
+                        <m:r>
+                          <a:rPr lang="en-US" i="1"/>
+                          <m:t>+</m:t>
+                        </m:r>
+                        <m:nary>
+                          <m:naryPr>
+                            <m:chr m:val="∑"/>
+                            <m:limLoc m:val="undOvr"/>
+                            <m:ctrlPr>
+                              <a:rPr lang="en-US" i="1"/>
+                            </m:ctrlPr>
+                          </m:naryPr>
+                          <m:sub>
+                            <m:r>
+                              <a:rPr lang="en-US" i="1"/>
+                              <m:t>𝑖</m:t>
+                            </m:r>
+                            <m:r>
+                              <a:rPr lang="en-US" i="1"/>
+                              <m:t>=1</m:t>
+                            </m:r>
+                          </m:sub>
+                          <m:sup>
+                            <m:sSub>
+                              <m:sSubPr>
+                                <m:ctrlPr>
+                                  <a:rPr lang="en-US" i="1"/>
+                                </m:ctrlPr>
+                              </m:sSubPr>
+                              <m:e>
+                                <m:r>
+                                  <a:rPr lang="en-US" i="1"/>
+                                  <m:t>𝑁</m:t>
+                                </m:r>
+                              </m:e>
+                              <m:sub>
+                                <m:r>
+                                  <a:rPr lang="en-US" i="1"/>
+                                  <m:t>𝑢</m:t>
+                                </m:r>
+                              </m:sub>
+                            </m:sSub>
+                          </m:sup>
+                          <m:e>
+                            <m:r>
+                              <a:rPr lang="en-US" i="1"/>
+                              <m:t>∆</m:t>
+                            </m:r>
+                            <m:sSub>
+                              <m:sSubPr>
+                                <m:ctrlPr>
+                                  <a:rPr lang="en-US" i="1"/>
+                                </m:ctrlPr>
+                              </m:sSubPr>
+                              <m:e>
+                                <m:r>
+                                  <a:rPr lang="en-US" i="1"/>
+                                  <m:t>𝑉</m:t>
+                                </m:r>
+                              </m:e>
+                              <m:sub>
+                                <m:sSub>
+                                  <m:sSubPr>
+                                    <m:ctrlPr>
+                                      <a:rPr lang="en-US" i="1"/>
+                                    </m:ctrlPr>
+                                  </m:sSubPr>
+                                  <m:e>
+                                    <m:r>
+                                      <a:rPr lang="en-US" i="1"/>
+                                      <m:t>𝐺</m:t>
+                                    </m:r>
+                                  </m:e>
+                                  <m:sub>
+                                    <m:r>
+                                      <a:rPr lang="en-US" i="1"/>
+                                      <m:t>𝑖</m:t>
+                                    </m:r>
+                                  </m:sub>
+                                </m:sSub>
+                              </m:sub>
+                            </m:sSub>
+                            <m:r>
+                              <a:rPr lang="en-US" i="1"/>
+                              <m:t>−</m:t>
+                            </m:r>
+                            <m:sSub>
+                              <m:sSubPr>
+                                <m:ctrlPr>
+                                  <a:rPr lang="en-US" i="1"/>
+                                </m:ctrlPr>
+                              </m:sSubPr>
+                              <m:e>
+                                <m:r>
+                                  <a:rPr lang="en-US" i="1"/>
+                                  <m:t>𝐶</m:t>
+                                </m:r>
+                              </m:e>
+                              <m:sub>
+                                <m:sSub>
+                                  <m:sSubPr>
+                                    <m:ctrlPr>
+                                      <a:rPr lang="en-US" i="1"/>
+                                    </m:ctrlPr>
+                                  </m:sSubPr>
+                                  <m:e>
+                                    <m:r>
+                                      <a:rPr lang="en-US" i="1"/>
+                                      <m:t>𝑚𝑢</m:t>
+                                    </m:r>
+                                  </m:e>
+                                  <m:sub>
+                                    <m:r>
+                                      <a:rPr lang="en-US" i="1"/>
+                                      <m:t>𝑖</m:t>
+                                    </m:r>
+                                  </m:sub>
+                                </m:sSub>
+                              </m:sub>
+                            </m:sSub>
+                          </m:e>
+                        </m:nary>
+                        <m:r>
+                          <a:rPr lang="en-US" i="1"/>
+                          <m:t>+</m:t>
+                        </m:r>
+                        <m:nary>
+                          <m:naryPr>
+                            <m:chr m:val="∑"/>
+                            <m:limLoc m:val="undOvr"/>
+                            <m:ctrlPr>
+                              <a:rPr lang="en-US" i="1"/>
+                            </m:ctrlPr>
+                          </m:naryPr>
+                          <m:sub>
+                            <m:r>
+                              <a:rPr lang="en-US" i="1"/>
+                              <m:t>𝑖</m:t>
+                            </m:r>
+                            <m:r>
+                              <a:rPr lang="en-US" i="1"/>
+                              <m:t>=1</m:t>
+                            </m:r>
+                          </m:sub>
+                          <m:sup>
+                            <m:sSub>
+                              <m:sSubPr>
+                                <m:ctrlPr>
+                                  <a:rPr lang="en-US" i="1"/>
+                                </m:ctrlPr>
+                              </m:sSubPr>
+                              <m:e>
+                                <m:r>
+                                  <a:rPr lang="en-US" i="1"/>
+                                  <m:t>𝑁</m:t>
+                                </m:r>
+                              </m:e>
+                              <m:sub>
+                                <m:r>
+                                  <a:rPr lang="en-US" i="1"/>
+                                  <m:t>𝑑</m:t>
+                                </m:r>
+                              </m:sub>
+                            </m:sSub>
+                          </m:sup>
+                          <m:e>
+                            <m:r>
+                              <a:rPr lang="en-US" i="1"/>
+                              <m:t>∆</m:t>
+                            </m:r>
+                            <m:sSub>
+                              <m:sSubPr>
+                                <m:ctrlPr>
+                                  <a:rPr lang="en-US" i="1"/>
+                                </m:ctrlPr>
+                              </m:sSubPr>
+                              <m:e>
+                                <m:r>
+                                  <a:rPr lang="en-US" i="1"/>
+                                  <m:t>𝑉</m:t>
+                                </m:r>
+                              </m:e>
+                              <m:sub>
+                                <m:sSub>
+                                  <m:sSubPr>
+                                    <m:ctrlPr>
+                                      <a:rPr lang="en-US" i="1"/>
+                                    </m:ctrlPr>
+                                  </m:sSubPr>
+                                  <m:e>
+                                    <m:r>
+                                      <a:rPr lang="en-US" i="1"/>
+                                      <m:t>𝐺</m:t>
+                                    </m:r>
+                                  </m:e>
+                                  <m:sub>
+                                    <m:r>
+                                      <a:rPr lang="en-US" i="1"/>
+                                      <m:t>𝑖</m:t>
+                                    </m:r>
+                                  </m:sub>
+                                </m:sSub>
+                              </m:sub>
+                            </m:sSub>
+                            <m:r>
+                              <a:rPr lang="en-US" i="1"/>
+                              <m:t>−</m:t>
+                            </m:r>
+                            <m:sSub>
+                              <m:sSubPr>
+                                <m:ctrlPr>
+                                  <a:rPr lang="en-US" i="1"/>
+                                </m:ctrlPr>
+                              </m:sSubPr>
+                              <m:e>
+                                <m:r>
+                                  <a:rPr lang="en-US" i="1"/>
+                                  <m:t>𝐶</m:t>
+                                </m:r>
+                              </m:e>
+                              <m:sub>
+                                <m:sSub>
+                                  <m:sSubPr>
+                                    <m:ctrlPr>
+                                      <a:rPr lang="en-US" i="1"/>
+                                    </m:ctrlPr>
+                                  </m:sSubPr>
+                                  <m:e>
+                                    <m:r>
+                                      <a:rPr lang="en-US" i="1"/>
+                                      <m:t>𝑚𝑑</m:t>
+                                    </m:r>
+                                  </m:e>
+                                  <m:sub>
+                                    <m:r>
+                                      <a:rPr lang="en-US" i="1"/>
+                                      <m:t>𝑖</m:t>
+                                    </m:r>
+                                  </m:sub>
+                                </m:sSub>
+                              </m:sub>
+                            </m:sSub>
+                          </m:e>
+                        </m:nary>
+                      </m:num>
+                      <m:den>
+                        <m:sSub>
+                          <m:sSubPr>
+                            <m:ctrlPr>
+                              <a:rPr lang="en-US" i="1"/>
+                            </m:ctrlPr>
+                          </m:sSubPr>
+                          <m:e>
+                            <m:r>
+                              <a:rPr lang="en-US" i="1"/>
+                              <m:t>𝐶</m:t>
+                            </m:r>
+                          </m:e>
+                          <m:sub>
+                            <m:r>
+                              <a:rPr lang="en-US" i="1"/>
+                              <m:t>𝐿</m:t>
+                            </m:r>
+                          </m:sub>
+                        </m:sSub>
+                        <m:r>
+                          <a:rPr lang="en-US" i="1"/>
+                          <m:t>+</m:t>
+                        </m:r>
+                        <m:nary>
+                          <m:naryPr>
+                            <m:chr m:val="∑"/>
+                            <m:limLoc m:val="undOvr"/>
+                            <m:ctrlPr>
+                              <a:rPr lang="en-US" i="1"/>
+                            </m:ctrlPr>
+                          </m:naryPr>
+                          <m:sub>
+                            <m:r>
+                              <a:rPr lang="en-US" i="1"/>
+                              <m:t>𝑖</m:t>
+                            </m:r>
+                            <m:r>
+                              <a:rPr lang="en-US" i="1"/>
+                              <m:t>=1</m:t>
+                            </m:r>
+                          </m:sub>
+                          <m:sup>
+                            <m:sSub>
+                              <m:sSubPr>
+                                <m:ctrlPr>
+                                  <a:rPr lang="en-US" i="1"/>
+                                </m:ctrlPr>
+                              </m:sSubPr>
+                              <m:e>
+                                <m:r>
+                                  <a:rPr lang="en-US" i="1"/>
+                                  <m:t>𝑁</m:t>
+                                </m:r>
+                              </m:e>
+                              <m:sub>
+                                <m:r>
+                                  <a:rPr lang="en-US" i="1"/>
+                                  <m:t>𝑢</m:t>
+                                </m:r>
+                              </m:sub>
+                            </m:sSub>
+                          </m:sup>
+                          <m:e>
+                            <m:sSub>
+                              <m:sSubPr>
+                                <m:ctrlPr>
+                                  <a:rPr lang="en-US" i="1"/>
+                                </m:ctrlPr>
+                              </m:sSubPr>
+                              <m:e>
+                                <m:r>
+                                  <a:rPr lang="en-US" i="1"/>
+                                  <m:t>𝐶</m:t>
+                                </m:r>
+                              </m:e>
+                              <m:sub>
+                                <m:sSub>
+                                  <m:sSubPr>
+                                    <m:ctrlPr>
+                                      <a:rPr lang="en-US" i="1"/>
+                                    </m:ctrlPr>
+                                  </m:sSubPr>
+                                  <m:e>
+                                    <m:r>
+                                      <a:rPr lang="en-US" i="1"/>
+                                      <m:t>𝑚𝑢</m:t>
+                                    </m:r>
+                                  </m:e>
+                                  <m:sub>
+                                    <m:r>
+                                      <a:rPr lang="en-US" i="1"/>
+                                      <m:t>𝑖</m:t>
+                                    </m:r>
+                                  </m:sub>
+                                </m:sSub>
+                              </m:sub>
+                            </m:sSub>
+                          </m:e>
+                        </m:nary>
+                        <m:r>
+                          <a:rPr lang="en-US" i="1"/>
+                          <m:t>+ </m:t>
+                        </m:r>
+                        <m:nary>
+                          <m:naryPr>
+                            <m:chr m:val="∑"/>
+                            <m:limLoc m:val="undOvr"/>
+                            <m:ctrlPr>
+                              <a:rPr lang="en-US" i="1"/>
+                            </m:ctrlPr>
+                          </m:naryPr>
+                          <m:sub>
+                            <m:r>
+                              <a:rPr lang="en-US" i="1"/>
+                              <m:t>𝑖</m:t>
+                            </m:r>
+                            <m:r>
+                              <a:rPr lang="en-US" i="1"/>
+                              <m:t>=1</m:t>
+                            </m:r>
+                          </m:sub>
+                          <m:sup>
+                            <m:sSub>
+                              <m:sSubPr>
+                                <m:ctrlPr>
+                                  <a:rPr lang="en-US" i="1"/>
+                                </m:ctrlPr>
+                              </m:sSubPr>
+                              <m:e>
+                                <m:r>
+                                  <a:rPr lang="en-US" i="1"/>
+                                  <m:t>𝑁</m:t>
+                                </m:r>
+                              </m:e>
+                              <m:sub>
+                                <m:r>
+                                  <a:rPr lang="en-US" i="1"/>
+                                  <m:t>𝑑</m:t>
+                                </m:r>
+                              </m:sub>
+                            </m:sSub>
+                          </m:sup>
+                          <m:e>
+                            <m:sSub>
+                              <m:sSubPr>
+                                <m:ctrlPr>
+                                  <a:rPr lang="en-US" i="1"/>
+                                </m:ctrlPr>
+                              </m:sSubPr>
+                              <m:e>
+                                <m:r>
+                                  <a:rPr lang="en-US" i="1"/>
+                                  <m:t>𝐶</m:t>
+                                </m:r>
+                              </m:e>
+                              <m:sub>
+                                <m:sSub>
+                                  <m:sSubPr>
+                                    <m:ctrlPr>
+                                      <a:rPr lang="en-US" i="1"/>
+                                    </m:ctrlPr>
+                                  </m:sSubPr>
+                                  <m:e>
+                                    <m:r>
+                                      <a:rPr lang="en-US" i="1"/>
+                                      <m:t>𝑚𝑑</m:t>
+                                    </m:r>
+                                  </m:e>
+                                  <m:sub>
+                                    <m:r>
+                                      <a:rPr lang="en-US" i="1"/>
+                                      <m:t>𝑖</m:t>
+                                    </m:r>
+                                  </m:sub>
+                                </m:sSub>
+                              </m:sub>
+                            </m:sSub>
+                          </m:e>
+                        </m:nary>
+                      </m:den>
+                    </m:f>
+                  </m:oMath>
+                </a14:m>
+                <a:endParaRPr lang="en-US" dirty="0"/>
+              </a:p>
+            </p:txBody>
+          </p:sp>
+        </mc:Choice>
+        <mc:Fallback>
+          <p:sp>
+            <p:nvSpPr>
+              <p:cNvPr id="3" name="Content Placeholder 2"/>
+              <p:cNvSpPr>
+                <a:spLocks noGrp="1" noRot="1" noChangeAspect="1" noMove="1" noResize="1" noEditPoints="1" noAdjustHandles="1" noChangeArrowheads="1" noChangeShapeType="1" noTextEdit="1"/>
+              </p:cNvSpPr>
+              <p:nvPr>
+                <p:ph idx="1"/>
+              </p:nvPr>
+            </p:nvSpPr>
+            <p:spPr>
+              <a:xfrm>
+                <a:off x="457199" y="1600200"/>
+                <a:ext cx="5604877" cy="4876800"/>
+              </a:xfrm>
+              <a:blipFill rotWithShape="0">
+                <a:blip r:embed="rId2"/>
+                <a:stretch>
+                  <a:fillRect l="-762" t="-750"/>
+                </a:stretch>
+              </a:blipFill>
+            </p:spPr>
+            <p:txBody>
+              <a:bodyPr/>
+              <a:lstStyle/>
+              <a:p>
+                <a:r>
+                  <a:rPr lang="en-US">
+                    <a:noFill/>
+                  </a:rPr>
+                  <a:t> </a:t>
+                </a:r>
+              </a:p>
+            </p:txBody>
+          </p:sp>
+        </mc:Fallback>
+      </mc:AlternateContent>
+      <p:pic>
+        <p:nvPicPr>
+          <p:cNvPr id="5" name="Picture 4"/>
+          <p:cNvPicPr>
+            <a:picLocks noChangeAspect="1"/>
+          </p:cNvPicPr>
+          <p:nvPr/>
+        </p:nvPicPr>
+        <p:blipFill>
+          <a:blip r:embed="rId3"/>
+          <a:stretch>
+            <a:fillRect/>
+          </a:stretch>
+        </p:blipFill>
+        <p:spPr>
+          <a:xfrm>
+            <a:off x="4953000" y="1981200"/>
+            <a:ext cx="4351755" cy="2438400"/>
+          </a:xfrm>
+          <a:prstGeom prst="rect">
+            <a:avLst/>
+          </a:prstGeom>
+        </p:spPr>
+      </p:pic>
+      <p:sp>
+        <p:nvSpPr>
+          <p:cNvPr id="6" name="TextBox 5"/>
+          <p:cNvSpPr txBox="1"/>
+          <p:nvPr/>
+        </p:nvSpPr>
+        <p:spPr>
+          <a:xfrm>
+            <a:off x="6062077" y="4419600"/>
+            <a:ext cx="2133600" cy="369332"/>
+          </a:xfrm>
+          <a:prstGeom prst="rect">
+            <a:avLst/>
+          </a:prstGeom>
+          <a:noFill/>
+        </p:spPr>
+        <p:txBody>
+          <a:bodyPr wrap="square" rtlCol="0">
+            <a:spAutoFit/>
+          </a:bodyPr>
+          <a:lstStyle/>
+          <a:p>
+            <a:r>
+              <a:rPr lang="en-US" dirty="0" smtClean="0"/>
+              <a:t>Generalized Model</a:t>
+            </a:r>
+            <a:endParaRPr lang="en-US" dirty="0"/>
+          </a:p>
+        </p:txBody>
+      </p:sp>
+    </p:spTree>
+    <p:extLst>
+      <p:ext uri="{BB962C8B-B14F-4D97-AF65-F5344CB8AC3E}">
+        <p14:creationId xmlns:p14="http://schemas.microsoft.com/office/powerpoint/2010/main" val="1666786721"/>
+      </p:ext>
+    </p:extLst>
+  </p:cSld>
+  <p:clrMapOvr>
+    <a:masterClrMapping/>
+  </p:clrMapOvr>
+</p:sld>
+</file>
+
+<file path=ppt/slides/slide31.xml><?xml version="1.0" encoding="utf-8"?>
+<p:sld xmlns:a="http://schemas.openxmlformats.org/drawingml/2006/main" xmlns:r="http://schemas.openxmlformats.org/officeDocument/2006/relationships" xmlns:p="http://schemas.openxmlformats.org/presentationml/2006/main">
+  <p:cSld>
+    <p:spTree>
+      <p:nvGrpSpPr>
+        <p:cNvPr id="1" name=""/>
+        <p:cNvGrpSpPr/>
+        <p:nvPr/>
+      </p:nvGrpSpPr>
+      <p:grpSpPr>
+        <a:xfrm>
+          <a:off x="0" y="0"/>
+          <a:ext cx="0" cy="0"/>
+          <a:chOff x="0" y="0"/>
+          <a:chExt cx="0" cy="0"/>
+        </a:xfrm>
+      </p:grpSpPr>
+      <p:sp>
+        <p:nvSpPr>
+          <p:cNvPr id="2" name="Title 1"/>
+          <p:cNvSpPr>
+            <a:spLocks noGrp="1"/>
+          </p:cNvSpPr>
+          <p:nvPr>
+            <p:ph type="title"/>
+          </p:nvPr>
+        </p:nvSpPr>
+        <p:spPr/>
+        <p:txBody>
+          <a:bodyPr/>
+          <a:lstStyle/>
+          <a:p>
+            <a:pPr algn="ctr"/>
+            <a:r>
+              <a:rPr lang="en-US" dirty="0" smtClean="0"/>
+              <a:t>Consideration of Stacked Transistors</a:t>
+            </a:r>
+            <a:endParaRPr lang="en-US" dirty="0"/>
+          </a:p>
+        </p:txBody>
+      </p:sp>
+      <mc:AlternateContent xmlns:mc="http://schemas.openxmlformats.org/markup-compatibility/2006">
+        <mc:Choice xmlns:a14="http://schemas.microsoft.com/office/drawing/2010/main" Requires="a14">
+          <p:sp>
+            <p:nvSpPr>
+              <p:cNvPr id="3" name="Content Placeholder 2"/>
+              <p:cNvSpPr>
+                <a:spLocks noGrp="1"/>
+              </p:cNvSpPr>
+              <p:nvPr>
+                <p:ph idx="1"/>
+              </p:nvPr>
+            </p:nvSpPr>
+            <p:spPr>
+              <a:xfrm>
+                <a:off x="457200" y="1600200"/>
+                <a:ext cx="4953000" cy="4876800"/>
+              </a:xfrm>
+            </p:spPr>
+            <p:txBody>
+              <a:bodyPr/>
+              <a:lstStyle/>
+              <a:p>
+                <a:r>
+                  <a:rPr lang="en-US" dirty="0" smtClean="0"/>
+                  <a:t>Stacked transistor have intermediate nodes</a:t>
+                </a:r>
+              </a:p>
+              <a:p>
+                <a:r>
+                  <a:rPr lang="en-US" dirty="0" smtClean="0"/>
+                  <a:t>The node voltage determines the transistor current</a:t>
+                </a:r>
+              </a:p>
+              <a:p>
+                <a:r>
+                  <a:rPr lang="en-US" dirty="0" smtClean="0"/>
+                  <a:t>Assume KCL at VN1</a:t>
+                </a:r>
+              </a:p>
+              <a:p>
+                <a:pPr lvl="1"/>
+                <a14:m>
+                  <m:oMath xmlns:m="http://schemas.openxmlformats.org/officeDocument/2006/math">
+                    <m:sSub>
+                      <m:sSubPr>
+                        <m:ctrlPr>
+                          <a:rPr lang="en-US" i="1"/>
+                        </m:ctrlPr>
+                      </m:sSubPr>
+                      <m:e>
+                        <m:r>
+                          <a:rPr lang="en-US" i="1"/>
+                          <m:t>𝐼</m:t>
+                        </m:r>
+                      </m:e>
+                      <m:sub>
+                        <m:r>
+                          <a:rPr lang="en-US" i="1"/>
+                          <m:t>𝐷</m:t>
+                        </m:r>
+                        <m:r>
+                          <a:rPr lang="en-US" i="1"/>
+                          <m:t>1</m:t>
+                        </m:r>
+                      </m:sub>
+                    </m:sSub>
+                    <m:r>
+                      <a:rPr lang="en-US" i="1"/>
+                      <m:t>=</m:t>
+                    </m:r>
+                    <m:sSub>
+                      <m:sSubPr>
+                        <m:ctrlPr>
+                          <a:rPr lang="en-US" i="1"/>
+                        </m:ctrlPr>
+                      </m:sSubPr>
+                      <m:e>
+                        <m:r>
+                          <a:rPr lang="en-US" i="1"/>
+                          <m:t>𝐼</m:t>
+                        </m:r>
+                      </m:e>
+                      <m:sub>
+                        <m:r>
+                          <a:rPr lang="en-US" i="1"/>
+                          <m:t>𝐷</m:t>
+                        </m:r>
+                        <m:r>
+                          <a:rPr lang="en-US" i="1"/>
+                          <m:t>2</m:t>
+                        </m:r>
+                      </m:sub>
+                    </m:sSub>
+                    <m:r>
+                      <a:rPr lang="en-US" i="1"/>
+                      <m:t>+</m:t>
+                    </m:r>
+                    <m:sSub>
+                      <m:sSubPr>
+                        <m:ctrlPr>
+                          <a:rPr lang="en-US" i="1"/>
+                        </m:ctrlPr>
+                      </m:sSubPr>
+                      <m:e>
+                        <m:r>
+                          <a:rPr lang="en-US" i="1"/>
+                          <m:t>𝐼</m:t>
+                        </m:r>
+                      </m:e>
+                      <m:sub>
+                        <m:r>
+                          <a:rPr lang="en-US" b="0" i="1" smtClean="0">
+                            <a:latin typeface="Cambria Math" panose="02040503050406030204" pitchFamily="18" charset="0"/>
+                          </a:rPr>
+                          <m:t>𝐶</m:t>
+                        </m:r>
+                        <m:r>
+                          <a:rPr lang="en-US" b="0" i="1" smtClean="0">
+                            <a:latin typeface="Cambria Math" panose="02040503050406030204" pitchFamily="18" charset="0"/>
+                          </a:rPr>
+                          <m:t>1</m:t>
+                        </m:r>
+                      </m:sub>
+                    </m:sSub>
+                  </m:oMath>
+                </a14:m>
+                <a:endParaRPr lang="en-US" dirty="0" smtClean="0"/>
+              </a:p>
+              <a:p>
+                <a:r>
+                  <a:rPr lang="en-US" dirty="0" smtClean="0"/>
+                  <a:t>Current at C1</a:t>
+                </a:r>
+              </a:p>
+              <a:p>
+                <a:pPr lvl="1"/>
+                <a14:m>
+                  <m:oMath xmlns:m="http://schemas.openxmlformats.org/officeDocument/2006/math">
+                    <m:sSub>
+                      <m:sSubPr>
+                        <m:ctrlPr>
+                          <a:rPr lang="en-US" i="1"/>
+                        </m:ctrlPr>
+                      </m:sSubPr>
+                      <m:e>
+                        <m:r>
+                          <a:rPr lang="en-US" i="1"/>
+                          <m:t>𝐼</m:t>
+                        </m:r>
+                      </m:e>
+                      <m:sub>
+                        <m:r>
+                          <a:rPr lang="en-US" b="0" i="1" smtClean="0">
+                            <a:latin typeface="Cambria Math" panose="02040503050406030204" pitchFamily="18" charset="0"/>
+                          </a:rPr>
+                          <m:t>𝐶</m:t>
+                        </m:r>
+                        <m:r>
+                          <a:rPr lang="en-US" b="0" i="1" smtClean="0">
+                            <a:latin typeface="Cambria Math" panose="02040503050406030204" pitchFamily="18" charset="0"/>
+                          </a:rPr>
+                          <m:t>1</m:t>
+                        </m:r>
+                      </m:sub>
+                    </m:sSub>
+                    <m:r>
+                      <a:rPr lang="en-US" i="1"/>
+                      <m:t>=</m:t>
+                    </m:r>
+                    <m:f>
+                      <m:fPr>
+                        <m:ctrlPr>
+                          <a:rPr lang="en-US" i="1"/>
+                        </m:ctrlPr>
+                      </m:fPr>
+                      <m:num>
+                        <m:sSub>
+                          <m:sSubPr>
+                            <m:ctrlPr>
+                              <a:rPr lang="en-US" i="1"/>
+                            </m:ctrlPr>
+                          </m:sSubPr>
+                          <m:e>
+                            <m:r>
+                              <a:rPr lang="en-US" i="1"/>
+                              <m:t>𝐶</m:t>
+                            </m:r>
+                          </m:e>
+                          <m:sub>
+                            <m:r>
+                              <a:rPr lang="en-US" i="1"/>
+                              <m:t>1</m:t>
+                            </m:r>
+                          </m:sub>
+                        </m:sSub>
+                        <m:d>
+                          <m:dPr>
+                            <m:ctrlPr>
+                              <a:rPr lang="en-US" i="1"/>
+                            </m:ctrlPr>
+                          </m:dPr>
+                          <m:e>
+                            <m:sSub>
+                              <m:sSubPr>
+                                <m:ctrlPr>
+                                  <a:rPr lang="en-US" i="1"/>
+                                </m:ctrlPr>
+                              </m:sSubPr>
+                              <m:e>
+                                <m:r>
+                                  <a:rPr lang="en-US" i="1"/>
+                                  <m:t>𝑉</m:t>
+                                </m:r>
+                              </m:e>
+                              <m:sub>
+                                <m:sSub>
+                                  <m:sSubPr>
+                                    <m:ctrlPr>
+                                      <a:rPr lang="en-US" i="1"/>
+                                    </m:ctrlPr>
+                                  </m:sSubPr>
+                                  <m:e>
+                                    <m:r>
+                                      <a:rPr lang="en-US" i="1"/>
+                                      <m:t>𝑛</m:t>
+                                    </m:r>
+                                  </m:e>
+                                  <m:sub>
+                                    <m:r>
+                                      <a:rPr lang="en-US" i="1"/>
+                                      <m:t>𝑖</m:t>
+                                    </m:r>
+                                  </m:sub>
+                                </m:sSub>
+                              </m:sub>
+                            </m:sSub>
+                            <m:r>
+                              <a:rPr lang="en-US" i="1"/>
+                              <m:t>−</m:t>
+                            </m:r>
+                            <m:sSub>
+                              <m:sSubPr>
+                                <m:ctrlPr>
+                                  <a:rPr lang="en-US" i="1"/>
+                                </m:ctrlPr>
+                              </m:sSubPr>
+                              <m:e>
+                                <m:r>
+                                  <a:rPr lang="en-US" i="1"/>
+                                  <m:t>𝑉</m:t>
+                                </m:r>
+                              </m:e>
+                              <m:sub>
+                                <m:sSub>
+                                  <m:sSubPr>
+                                    <m:ctrlPr>
+                                      <a:rPr lang="en-US" i="1"/>
+                                    </m:ctrlPr>
+                                  </m:sSubPr>
+                                  <m:e>
+                                    <m:r>
+                                      <a:rPr lang="en-US" i="1"/>
+                                      <m:t>𝑛</m:t>
+                                    </m:r>
+                                  </m:e>
+                                  <m:sub>
+                                    <m:r>
+                                      <a:rPr lang="en-US" i="1"/>
+                                      <m:t>𝑖</m:t>
+                                    </m:r>
+                                    <m:r>
+                                      <a:rPr lang="en-US" i="1"/>
+                                      <m:t>−1</m:t>
+                                    </m:r>
+                                  </m:sub>
+                                </m:sSub>
+                              </m:sub>
+                            </m:sSub>
+                          </m:e>
+                        </m:d>
+                      </m:num>
+                      <m:den>
+                        <m:sSub>
+                          <m:sSubPr>
+                            <m:ctrlPr>
+                              <a:rPr lang="en-US" i="1"/>
+                            </m:ctrlPr>
+                          </m:sSubPr>
+                          <m:e>
+                            <m:r>
+                              <a:rPr lang="en-US" i="1"/>
+                              <m:t>𝑡</m:t>
+                            </m:r>
+                          </m:e>
+                          <m:sub>
+                            <m:r>
+                              <a:rPr lang="en-US" i="1"/>
+                              <m:t>𝑠𝑡𝑒𝑝</m:t>
+                            </m:r>
+                          </m:sub>
+                        </m:sSub>
+                      </m:den>
+                    </m:f>
+                  </m:oMath>
+                </a14:m>
+                <a:endParaRPr lang="en-US" dirty="0" smtClean="0"/>
+              </a:p>
+              <a:p>
+                <a:r>
+                  <a:rPr lang="en-US" dirty="0" smtClean="0"/>
+                  <a:t>Substitute – get V</a:t>
+                </a:r>
+                <a:r>
+                  <a:rPr lang="en-US" baseline="-25000" dirty="0" smtClean="0"/>
+                  <a:t>n</a:t>
+                </a:r>
+                <a:r>
+                  <a:rPr lang="en-US" dirty="0" smtClean="0"/>
+                  <a:t> at time </a:t>
+                </a:r>
+                <a:r>
+                  <a:rPr lang="en-US" i="1" dirty="0" err="1" smtClean="0"/>
+                  <a:t>i</a:t>
+                </a:r>
+                <a:endParaRPr lang="en-US" i="1" dirty="0" smtClean="0"/>
+              </a:p>
+              <a:p>
+                <a:pPr lvl="1"/>
+                <a14:m>
+                  <m:oMath xmlns:m="http://schemas.openxmlformats.org/officeDocument/2006/math">
+                    <m:sSub>
+                      <m:sSubPr>
+                        <m:ctrlPr>
+                          <a:rPr lang="en-US" i="1"/>
+                        </m:ctrlPr>
+                      </m:sSubPr>
+                      <m:e>
+                        <m:r>
+                          <a:rPr lang="en-US" i="1"/>
+                          <m:t>𝑉</m:t>
+                        </m:r>
+                      </m:e>
+                      <m:sub>
+                        <m:sSub>
+                          <m:sSubPr>
+                            <m:ctrlPr>
+                              <a:rPr lang="en-US" i="1"/>
+                            </m:ctrlPr>
+                          </m:sSubPr>
+                          <m:e>
+                            <m:r>
+                              <a:rPr lang="en-US" i="1"/>
+                              <m:t>𝑛</m:t>
+                            </m:r>
+                          </m:e>
+                          <m:sub>
+                            <m:r>
+                              <a:rPr lang="en-US" i="1"/>
+                              <m:t>𝑖</m:t>
+                            </m:r>
+                          </m:sub>
+                        </m:sSub>
+                      </m:sub>
+                    </m:sSub>
+                    <m:r>
+                      <a:rPr lang="en-US" i="1"/>
+                      <m:t>=</m:t>
+                    </m:r>
+                    <m:f>
+                      <m:fPr>
+                        <m:ctrlPr>
+                          <a:rPr lang="en-US" i="1"/>
+                        </m:ctrlPr>
+                      </m:fPr>
+                      <m:num>
+                        <m:d>
+                          <m:dPr>
+                            <m:ctrlPr>
+                              <a:rPr lang="en-US" i="1"/>
+                            </m:ctrlPr>
+                          </m:dPr>
+                          <m:e>
+                            <m:sSub>
+                              <m:sSubPr>
+                                <m:ctrlPr>
+                                  <a:rPr lang="en-US" i="1"/>
+                                </m:ctrlPr>
+                              </m:sSubPr>
+                              <m:e>
+                                <m:r>
+                                  <a:rPr lang="en-US" i="1"/>
+                                  <m:t>𝐼</m:t>
+                                </m:r>
+                              </m:e>
+                              <m:sub>
+                                <m:r>
+                                  <a:rPr lang="en-US" i="1"/>
+                                  <m:t>𝐷</m:t>
+                                </m:r>
+                                <m:r>
+                                  <a:rPr lang="en-US" i="1"/>
+                                  <m:t>1</m:t>
+                                </m:r>
+                              </m:sub>
+                            </m:sSub>
+                            <m:r>
+                              <a:rPr lang="en-US" i="1"/>
+                              <m:t>−</m:t>
+                            </m:r>
+                            <m:sSub>
+                              <m:sSubPr>
+                                <m:ctrlPr>
+                                  <a:rPr lang="en-US" i="1"/>
+                                </m:ctrlPr>
+                              </m:sSubPr>
+                              <m:e>
+                                <m:r>
+                                  <a:rPr lang="en-US" i="1"/>
+                                  <m:t>𝐼</m:t>
+                                </m:r>
+                              </m:e>
+                              <m:sub>
+                                <m:r>
+                                  <a:rPr lang="en-US" i="1"/>
+                                  <m:t>𝐷</m:t>
+                                </m:r>
+                                <m:r>
+                                  <a:rPr lang="en-US" i="1"/>
+                                  <m:t>2</m:t>
+                                </m:r>
+                              </m:sub>
+                            </m:sSub>
+                          </m:e>
+                        </m:d>
+                        <m:sSub>
+                          <m:sSubPr>
+                            <m:ctrlPr>
+                              <a:rPr lang="en-US" i="1"/>
+                            </m:ctrlPr>
+                          </m:sSubPr>
+                          <m:e>
+                            <m:r>
+                              <a:rPr lang="en-US" i="1"/>
+                              <m:t>𝑡</m:t>
+                            </m:r>
+                          </m:e>
+                          <m:sub>
+                            <m:r>
+                              <a:rPr lang="en-US" i="1"/>
+                              <m:t>𝑠𝑡𝑒𝑝</m:t>
+                            </m:r>
+                          </m:sub>
+                        </m:sSub>
+                      </m:num>
+                      <m:den>
+                        <m:sSub>
+                          <m:sSubPr>
+                            <m:ctrlPr>
+                              <a:rPr lang="en-US" i="1"/>
+                            </m:ctrlPr>
+                          </m:sSubPr>
+                          <m:e>
+                            <m:r>
+                              <a:rPr lang="en-US" i="1"/>
+                              <m:t>𝐶</m:t>
+                            </m:r>
+                          </m:e>
+                          <m:sub>
+                            <m:r>
+                              <a:rPr lang="en-US" i="1"/>
+                              <m:t>𝑚</m:t>
+                            </m:r>
+                            <m:r>
+                              <a:rPr lang="en-US" i="1"/>
+                              <m:t>1</m:t>
+                            </m:r>
+                          </m:sub>
+                        </m:sSub>
+                      </m:den>
+                    </m:f>
+                    <m:r>
+                      <a:rPr lang="en-US" i="1"/>
+                      <m:t>+</m:t>
+                    </m:r>
+                    <m:sSub>
+                      <m:sSubPr>
+                        <m:ctrlPr>
+                          <a:rPr lang="en-US" i="1"/>
+                        </m:ctrlPr>
+                      </m:sSubPr>
+                      <m:e>
+                        <m:r>
+                          <a:rPr lang="en-US" i="1"/>
+                          <m:t>𝑉</m:t>
+                        </m:r>
+                      </m:e>
+                      <m:sub>
+                        <m:sSub>
+                          <m:sSubPr>
+                            <m:ctrlPr>
+                              <a:rPr lang="en-US" i="1"/>
+                            </m:ctrlPr>
+                          </m:sSubPr>
+                          <m:e>
+                            <m:r>
+                              <a:rPr lang="en-US" i="1"/>
+                              <m:t>𝑛</m:t>
+                            </m:r>
+                          </m:e>
+                          <m:sub>
+                            <m:r>
+                              <a:rPr lang="en-US" i="1"/>
+                              <m:t>𝑖</m:t>
+                            </m:r>
+                            <m:r>
+                              <a:rPr lang="en-US" i="1"/>
+                              <m:t>−1</m:t>
+                            </m:r>
+                          </m:sub>
+                        </m:sSub>
+                      </m:sub>
+                    </m:sSub>
+                  </m:oMath>
+                </a14:m>
+                <a:endParaRPr lang="en-US" i="1" dirty="0"/>
+              </a:p>
+            </p:txBody>
+          </p:sp>
+        </mc:Choice>
+        <mc:Fallback>
+          <p:sp>
+            <p:nvSpPr>
+              <p:cNvPr id="3" name="Content Placeholder 2"/>
+              <p:cNvSpPr>
+                <a:spLocks noGrp="1" noRot="1" noChangeAspect="1" noMove="1" noResize="1" noEditPoints="1" noAdjustHandles="1" noChangeArrowheads="1" noChangeShapeType="1" noTextEdit="1"/>
+              </p:cNvSpPr>
+              <p:nvPr>
+                <p:ph idx="1"/>
+              </p:nvPr>
+            </p:nvSpPr>
+            <p:spPr>
+              <a:xfrm>
+                <a:off x="457200" y="1600200"/>
+                <a:ext cx="4953000" cy="4876800"/>
+              </a:xfrm>
+              <a:blipFill rotWithShape="0">
+                <a:blip r:embed="rId2"/>
+                <a:stretch>
+                  <a:fillRect l="-1107" t="-875" r="-861"/>
+                </a:stretch>
+              </a:blipFill>
+            </p:spPr>
+            <p:txBody>
+              <a:bodyPr/>
+              <a:lstStyle/>
+              <a:p>
+                <a:r>
+                  <a:rPr lang="en-US">
+                    <a:noFill/>
+                  </a:rPr>
+                  <a:t> </a:t>
+                </a:r>
+              </a:p>
+            </p:txBody>
+          </p:sp>
+        </mc:Fallback>
+      </mc:AlternateContent>
+      <p:pic>
+        <p:nvPicPr>
+          <p:cNvPr id="4" name="Picture 3"/>
+          <p:cNvPicPr>
+            <a:picLocks noChangeAspect="1"/>
+          </p:cNvPicPr>
+          <p:nvPr/>
+        </p:nvPicPr>
+        <p:blipFill>
+          <a:blip r:embed="rId3"/>
+          <a:stretch>
+            <a:fillRect/>
+          </a:stretch>
+        </p:blipFill>
+        <p:spPr>
+          <a:xfrm>
+            <a:off x="4953000" y="1905000"/>
+            <a:ext cx="4264720" cy="2743200"/>
+          </a:xfrm>
+          <a:prstGeom prst="rect">
+            <a:avLst/>
+          </a:prstGeom>
+        </p:spPr>
+      </p:pic>
+      <p:sp>
+        <p:nvSpPr>
+          <p:cNvPr id="5" name="TextBox 4"/>
+          <p:cNvSpPr txBox="1"/>
+          <p:nvPr/>
+        </p:nvSpPr>
+        <p:spPr>
+          <a:xfrm>
+            <a:off x="5257800" y="4844534"/>
+            <a:ext cx="3886200" cy="369332"/>
+          </a:xfrm>
+          <a:prstGeom prst="rect">
+            <a:avLst/>
+          </a:prstGeom>
+          <a:noFill/>
+        </p:spPr>
+        <p:txBody>
+          <a:bodyPr wrap="square" rtlCol="0">
+            <a:spAutoFit/>
+          </a:bodyPr>
+          <a:lstStyle/>
+          <a:p>
+            <a:r>
+              <a:rPr lang="en-US" dirty="0" smtClean="0"/>
+              <a:t>Transistor Model for Stacked Nodes</a:t>
+            </a:r>
+            <a:endParaRPr lang="en-US" dirty="0"/>
+          </a:p>
+        </p:txBody>
+      </p:sp>
+    </p:spTree>
+    <p:extLst>
+      <p:ext uri="{BB962C8B-B14F-4D97-AF65-F5344CB8AC3E}">
+        <p14:creationId xmlns:p14="http://schemas.microsoft.com/office/powerpoint/2010/main" val="3949767837"/>
+      </p:ext>
+    </p:extLst>
+  </p:cSld>
+  <p:clrMapOvr>
+    <a:masterClrMapping/>
+  </p:clrMapOvr>
+</p:sld>
+</file>
+
+<file path=ppt/slides/slide32.xml><?xml version="1.0" encoding="utf-8"?>
+<p:sld xmlns:a="http://schemas.openxmlformats.org/drawingml/2006/main" xmlns:r="http://schemas.openxmlformats.org/officeDocument/2006/relationships" xmlns:p="http://schemas.openxmlformats.org/presentationml/2006/main">
+  <p:cSld>
+    <p:spTree>
+      <p:nvGrpSpPr>
+        <p:cNvPr id="1" name=""/>
+        <p:cNvGrpSpPr/>
+        <p:nvPr/>
+      </p:nvGrpSpPr>
+      <p:grpSpPr>
+        <a:xfrm>
+          <a:off x="0" y="0"/>
+          <a:ext cx="0" cy="0"/>
+          <a:chOff x="0" y="0"/>
+          <a:chExt cx="0" cy="0"/>
+        </a:xfrm>
+      </p:grpSpPr>
+      <p:sp>
+        <p:nvSpPr>
+          <p:cNvPr id="2" name="Title 1"/>
+          <p:cNvSpPr>
+            <a:spLocks noGrp="1"/>
+          </p:cNvSpPr>
+          <p:nvPr>
+            <p:ph type="title"/>
+          </p:nvPr>
+        </p:nvSpPr>
+        <p:spPr/>
+        <p:txBody>
+          <a:bodyPr/>
+          <a:lstStyle/>
+          <a:p>
+            <a:pPr algn="ctr"/>
+            <a:r>
+              <a:rPr lang="en-US" dirty="0" smtClean="0"/>
+              <a:t>General Simulation Flow</a:t>
+            </a:r>
+            <a:endParaRPr lang="en-US" dirty="0"/>
+          </a:p>
+        </p:txBody>
+      </p:sp>
+      <p:sp>
+        <p:nvSpPr>
+          <p:cNvPr id="3" name="Content Placeholder 2"/>
+          <p:cNvSpPr>
+            <a:spLocks noGrp="1"/>
+          </p:cNvSpPr>
+          <p:nvPr>
+            <p:ph idx="1"/>
+          </p:nvPr>
+        </p:nvSpPr>
+        <p:spPr/>
+        <p:txBody>
+          <a:bodyPr/>
+          <a:lstStyle/>
+          <a:p>
+            <a:endParaRPr lang="en-US" dirty="0" smtClean="0"/>
+          </a:p>
+          <a:p>
+            <a:endParaRPr lang="en-US" dirty="0"/>
+          </a:p>
+        </p:txBody>
+      </p:sp>
+      <p:pic>
+        <p:nvPicPr>
+          <p:cNvPr id="4" name="Picture 3"/>
+          <p:cNvPicPr>
+            <a:picLocks noChangeAspect="1"/>
+          </p:cNvPicPr>
+          <p:nvPr/>
+        </p:nvPicPr>
+        <p:blipFill>
+          <a:blip r:embed="rId2"/>
+          <a:stretch>
+            <a:fillRect/>
+          </a:stretch>
+        </p:blipFill>
+        <p:spPr>
+          <a:xfrm>
+            <a:off x="347812" y="1618116"/>
+            <a:ext cx="8110388" cy="4614627"/>
+          </a:xfrm>
+          <a:prstGeom prst="rect">
+            <a:avLst/>
+          </a:prstGeom>
+        </p:spPr>
+      </p:pic>
+    </p:spTree>
+    <p:extLst>
+      <p:ext uri="{BB962C8B-B14F-4D97-AF65-F5344CB8AC3E}">
+        <p14:creationId xmlns:p14="http://schemas.microsoft.com/office/powerpoint/2010/main" val="4048111002"/>
+      </p:ext>
+    </p:extLst>
+  </p:cSld>
+  <p:clrMapOvr>
+    <a:masterClrMapping/>
+  </p:clrMapOvr>
+  <p:timing>
+    <p:tnLst>
+      <p:par>
+        <p:cTn id="1" dur="indefinite" restart="never" nodeType="tmRoot"/>
+      </p:par>
+    </p:tnLst>
+  </p:timing>
+</p:sld>
+</file>
+
+<file path=ppt/slides/slide33.xml><?xml version="1.0" encoding="utf-8"?>
+<p:sld xmlns:a="http://schemas.openxmlformats.org/drawingml/2006/main" xmlns:r="http://schemas.openxmlformats.org/officeDocument/2006/relationships" xmlns:p="http://schemas.openxmlformats.org/presentationml/2006/main">
+  <p:cSld>
+    <p:spTree>
+      <p:nvGrpSpPr>
+        <p:cNvPr id="1" name=""/>
+        <p:cNvGrpSpPr/>
+        <p:nvPr/>
+      </p:nvGrpSpPr>
+      <p:grpSpPr>
+        <a:xfrm>
+          <a:off x="0" y="0"/>
+          <a:ext cx="0" cy="0"/>
+          <a:chOff x="0" y="0"/>
+          <a:chExt cx="0" cy="0"/>
+        </a:xfrm>
+      </p:grpSpPr>
+      <p:sp>
+        <p:nvSpPr>
+          <p:cNvPr id="2" name="Title 1"/>
+          <p:cNvSpPr>
+            <a:spLocks noGrp="1"/>
+          </p:cNvSpPr>
+          <p:nvPr>
+            <p:ph type="title"/>
+          </p:nvPr>
+        </p:nvSpPr>
+        <p:spPr/>
+        <p:txBody>
+          <a:bodyPr/>
+          <a:lstStyle/>
+          <a:p>
+            <a:pPr algn="ctr"/>
+            <a:r>
+              <a:rPr lang="en-US" dirty="0" smtClean="0"/>
+              <a:t>Results</a:t>
+            </a:r>
+            <a:endParaRPr lang="en-US" dirty="0"/>
+          </a:p>
+        </p:txBody>
+      </p:sp>
+      <p:sp>
+        <p:nvSpPr>
+          <p:cNvPr id="3" name="Content Placeholder 2"/>
+          <p:cNvSpPr>
+            <a:spLocks noGrp="1"/>
+          </p:cNvSpPr>
+          <p:nvPr>
+            <p:ph idx="1"/>
+          </p:nvPr>
+        </p:nvSpPr>
+        <p:spPr>
+          <a:xfrm>
+            <a:off x="457199" y="1600200"/>
+            <a:ext cx="5257801" cy="4876800"/>
+          </a:xfrm>
+        </p:spPr>
+        <p:txBody>
+          <a:bodyPr>
+            <a:normAutofit fontScale="92500" lnSpcReduction="10000"/>
+          </a:bodyPr>
+          <a:lstStyle/>
+          <a:p>
+            <a:r>
+              <a:rPr lang="en-US" dirty="0" smtClean="0"/>
+              <a:t>Proposed model tested in HSPICE with the PTM library</a:t>
+            </a:r>
+          </a:p>
+          <a:p>
+            <a:r>
+              <a:rPr lang="en-US" dirty="0" smtClean="0"/>
+              <a:t>3 test circuits created</a:t>
+            </a:r>
+          </a:p>
+          <a:p>
+            <a:pPr lvl="1"/>
+            <a:r>
+              <a:rPr lang="en-US" dirty="0" smtClean="0"/>
+              <a:t>NAND2 – 2 input NAND driven by 2, 2 input NAND gates</a:t>
+            </a:r>
+          </a:p>
+          <a:p>
+            <a:pPr lvl="1"/>
+            <a:r>
+              <a:rPr lang="en-US" dirty="0" smtClean="0"/>
+              <a:t>NOR2 – 2 input NOR driven by 2, 2 input NOR gates</a:t>
+            </a:r>
+          </a:p>
+          <a:p>
+            <a:pPr lvl="1"/>
+            <a:r>
+              <a:rPr lang="en-US" dirty="0" smtClean="0"/>
+              <a:t>NAND3 – 3 input NAND driven by 2, 2 input NAND gates</a:t>
+            </a:r>
+          </a:p>
+          <a:p>
+            <a:r>
+              <a:rPr lang="en-US" dirty="0" smtClean="0"/>
+              <a:t>Pulses were generated on both input gates and their result calculated</a:t>
+            </a:r>
+          </a:p>
+          <a:p>
+            <a:r>
+              <a:rPr lang="en-US" dirty="0" smtClean="0"/>
+              <a:t>Compared to HSPICE and existing model </a:t>
+            </a:r>
+          </a:p>
+          <a:p>
+            <a:r>
+              <a:rPr lang="en-US" dirty="0" smtClean="0"/>
+              <a:t>Existing model cannot consider multiple pulses</a:t>
+            </a:r>
+          </a:p>
+          <a:p>
+            <a:endParaRPr lang="en-US" dirty="0" smtClean="0"/>
+          </a:p>
+        </p:txBody>
+      </p:sp>
+      <p:pic>
+        <p:nvPicPr>
+          <p:cNvPr id="4" name="Picture 3"/>
+          <p:cNvPicPr>
+            <a:picLocks noChangeAspect="1"/>
+          </p:cNvPicPr>
+          <p:nvPr/>
+        </p:nvPicPr>
+        <p:blipFill>
+          <a:blip r:embed="rId2"/>
+          <a:stretch>
+            <a:fillRect/>
+          </a:stretch>
+        </p:blipFill>
+        <p:spPr>
+          <a:xfrm>
+            <a:off x="5410199" y="1905000"/>
+            <a:ext cx="3616861" cy="2409825"/>
+          </a:xfrm>
+          <a:prstGeom prst="rect">
+            <a:avLst/>
+          </a:prstGeom>
+        </p:spPr>
+      </p:pic>
+      <p:sp>
+        <p:nvSpPr>
+          <p:cNvPr id="5" name="TextBox 4"/>
+          <p:cNvSpPr txBox="1"/>
+          <p:nvPr/>
+        </p:nvSpPr>
+        <p:spPr>
+          <a:xfrm>
+            <a:off x="6380430" y="4467225"/>
+            <a:ext cx="1676400" cy="369332"/>
+          </a:xfrm>
+          <a:prstGeom prst="rect">
+            <a:avLst/>
+          </a:prstGeom>
+          <a:noFill/>
+        </p:spPr>
+        <p:txBody>
+          <a:bodyPr wrap="square" rtlCol="0">
+            <a:spAutoFit/>
+          </a:bodyPr>
+          <a:lstStyle/>
+          <a:p>
+            <a:r>
+              <a:rPr lang="en-US" dirty="0" smtClean="0"/>
+              <a:t>NAND2 Circuit</a:t>
+            </a:r>
+            <a:endParaRPr lang="en-US" dirty="0"/>
+          </a:p>
+        </p:txBody>
+      </p:sp>
+    </p:spTree>
+    <p:extLst>
+      <p:ext uri="{BB962C8B-B14F-4D97-AF65-F5344CB8AC3E}">
+        <p14:creationId xmlns:p14="http://schemas.microsoft.com/office/powerpoint/2010/main" val="3426673457"/>
+      </p:ext>
+    </p:extLst>
+  </p:cSld>
+  <p:clrMapOvr>
+    <a:masterClrMapping/>
+  </p:clrMapOvr>
+  <p:timing>
+    <p:tnLst>
+      <p:par>
+        <p:cTn id="1" dur="indefinite" restart="never" nodeType="tmRoot"/>
+      </p:par>
+    </p:tnLst>
+  </p:timing>
+</p:sld>
+</file>
+
+<file path=ppt/slides/slide34.xml><?xml version="1.0" encoding="utf-8"?>
+<p:sld xmlns:a="http://schemas.openxmlformats.org/drawingml/2006/main" xmlns:r="http://schemas.openxmlformats.org/officeDocument/2006/relationships" xmlns:p="http://schemas.openxmlformats.org/presentationml/2006/main">
+  <p:cSld>
+    <p:spTree>
+      <p:nvGrpSpPr>
+        <p:cNvPr id="1" name=""/>
+        <p:cNvGrpSpPr/>
+        <p:nvPr/>
+      </p:nvGrpSpPr>
+      <p:grpSpPr>
+        <a:xfrm>
+          <a:off x="0" y="0"/>
+          <a:ext cx="0" cy="0"/>
+          <a:chOff x="0" y="0"/>
+          <a:chExt cx="0" cy="0"/>
+        </a:xfrm>
+      </p:grpSpPr>
+      <p:sp>
+        <p:nvSpPr>
+          <p:cNvPr id="2" name="Title 1"/>
+          <p:cNvSpPr>
+            <a:spLocks noGrp="1"/>
+          </p:cNvSpPr>
+          <p:nvPr>
+            <p:ph type="title"/>
+          </p:nvPr>
+        </p:nvSpPr>
+        <p:spPr/>
+        <p:txBody>
+          <a:bodyPr/>
+          <a:lstStyle/>
+          <a:p>
+            <a:pPr algn="ctr"/>
+            <a:r>
+              <a:rPr lang="en-US" dirty="0" smtClean="0"/>
+              <a:t>Results</a:t>
+            </a:r>
+            <a:endParaRPr lang="en-US" dirty="0"/>
+          </a:p>
+        </p:txBody>
+      </p:sp>
+      <p:pic>
+        <p:nvPicPr>
+          <p:cNvPr id="4" name="Content Placeholder 3"/>
+          <p:cNvPicPr>
+            <a:picLocks noGrp="1" noChangeAspect="1"/>
+          </p:cNvPicPr>
+          <p:nvPr>
+            <p:ph idx="1"/>
+          </p:nvPr>
+        </p:nvPicPr>
+        <p:blipFill>
+          <a:blip r:embed="rId2"/>
+          <a:stretch>
+            <a:fillRect/>
+          </a:stretch>
+        </p:blipFill>
+        <p:spPr>
+          <a:xfrm>
+            <a:off x="60020" y="1981200"/>
+            <a:ext cx="9023959" cy="2971800"/>
+          </a:xfrm>
+          <a:prstGeom prst="rect">
+            <a:avLst/>
+          </a:prstGeom>
+        </p:spPr>
+      </p:pic>
+    </p:spTree>
+    <p:extLst>
+      <p:ext uri="{BB962C8B-B14F-4D97-AF65-F5344CB8AC3E}">
+        <p14:creationId xmlns:p14="http://schemas.microsoft.com/office/powerpoint/2010/main" val="4171210673"/>
+      </p:ext>
+    </p:extLst>
+  </p:cSld>
+  <p:clrMapOvr>
+    <a:masterClrMapping/>
+  </p:clrMapOvr>
+  <p:timing>
+    <p:tnLst>
+      <p:par>
+        <p:cTn id="1" dur="indefinite" restart="never" nodeType="tmRoot"/>
+      </p:par>
+    </p:tnLst>
+  </p:timing>
+</p:sld>
+</file>
+
+<file path=ppt/slides/slide35.xml><?xml version="1.0" encoding="utf-8"?>
+<p:sld xmlns:a="http://schemas.openxmlformats.org/drawingml/2006/main" xmlns:r="http://schemas.openxmlformats.org/officeDocument/2006/relationships" xmlns:p="http://schemas.openxmlformats.org/presentationml/2006/main">
+  <p:cSld>
+    <p:spTree>
+      <p:nvGrpSpPr>
+        <p:cNvPr id="1" name=""/>
+        <p:cNvGrpSpPr/>
+        <p:nvPr/>
+      </p:nvGrpSpPr>
+      <p:grpSpPr>
+        <a:xfrm>
+          <a:off x="0" y="0"/>
+          <a:ext cx="0" cy="0"/>
+          <a:chOff x="0" y="0"/>
+          <a:chExt cx="0" cy="0"/>
+        </a:xfrm>
+      </p:grpSpPr>
+      <p:sp>
+        <p:nvSpPr>
+          <p:cNvPr id="2" name="Title 1"/>
+          <p:cNvSpPr>
+            <a:spLocks noGrp="1"/>
+          </p:cNvSpPr>
+          <p:nvPr>
+            <p:ph type="title"/>
+          </p:nvPr>
+        </p:nvSpPr>
+        <p:spPr/>
+        <p:txBody>
+          <a:bodyPr/>
+          <a:lstStyle/>
+          <a:p>
+            <a:pPr algn="ctr"/>
+            <a:r>
+              <a:rPr lang="en-US" dirty="0" smtClean="0"/>
+              <a:t>Results</a:t>
+            </a:r>
+            <a:endParaRPr lang="en-US" dirty="0"/>
+          </a:p>
+        </p:txBody>
+      </p:sp>
+      <p:pic>
+        <p:nvPicPr>
+          <p:cNvPr id="4" name="Picture 3"/>
+          <p:cNvPicPr>
+            <a:picLocks noChangeAspect="1"/>
+          </p:cNvPicPr>
+          <p:nvPr/>
+        </p:nvPicPr>
+        <p:blipFill>
+          <a:blip r:embed="rId2"/>
+          <a:stretch>
+            <a:fillRect/>
+          </a:stretch>
+        </p:blipFill>
+        <p:spPr>
+          <a:xfrm>
+            <a:off x="414780" y="1371600"/>
+            <a:ext cx="8272020" cy="4114800"/>
+          </a:xfrm>
+          <a:prstGeom prst="rect">
+            <a:avLst/>
+          </a:prstGeom>
+        </p:spPr>
+      </p:pic>
+    </p:spTree>
+    <p:extLst>
+      <p:ext uri="{BB962C8B-B14F-4D97-AF65-F5344CB8AC3E}">
+        <p14:creationId xmlns:p14="http://schemas.microsoft.com/office/powerpoint/2010/main" val="3163948904"/>
+      </p:ext>
+    </p:extLst>
+  </p:cSld>
+  <p:clrMapOvr>
+    <a:masterClrMapping/>
+  </p:clrMapOvr>
+</p:sld>
+</file>
+
+<file path=ppt/slides/slide36.xml><?xml version="1.0" encoding="utf-8"?>
+<p:sld xmlns:a="http://schemas.openxmlformats.org/drawingml/2006/main" xmlns:r="http://schemas.openxmlformats.org/officeDocument/2006/relationships" xmlns:p="http://schemas.openxmlformats.org/presentationml/2006/main">
+  <p:cSld>
+    <p:spTree>
+      <p:nvGrpSpPr>
+        <p:cNvPr id="1" name=""/>
+        <p:cNvGrpSpPr/>
+        <p:nvPr/>
+      </p:nvGrpSpPr>
+      <p:grpSpPr>
+        <a:xfrm>
+          <a:off x="0" y="0"/>
+          <a:ext cx="0" cy="0"/>
+          <a:chOff x="0" y="0"/>
+          <a:chExt cx="0" cy="0"/>
+        </a:xfrm>
+      </p:grpSpPr>
+      <p:sp>
+        <p:nvSpPr>
+          <p:cNvPr id="2" name="Title 1"/>
+          <p:cNvSpPr>
+            <a:spLocks noGrp="1"/>
+          </p:cNvSpPr>
+          <p:nvPr>
+            <p:ph type="title"/>
+          </p:nvPr>
+        </p:nvSpPr>
+        <p:spPr/>
+        <p:txBody>
+          <a:bodyPr/>
+          <a:lstStyle/>
+          <a:p>
+            <a:pPr algn="ctr"/>
+            <a:r>
+              <a:rPr lang="en-US" dirty="0" smtClean="0"/>
+              <a:t>Results</a:t>
+            </a:r>
+            <a:endParaRPr lang="en-US" dirty="0"/>
+          </a:p>
+        </p:txBody>
+      </p:sp>
+      <p:pic>
+        <p:nvPicPr>
+          <p:cNvPr id="4" name="Content Placeholder 3"/>
+          <p:cNvPicPr>
+            <a:picLocks noGrp="1" noChangeAspect="1"/>
+          </p:cNvPicPr>
+          <p:nvPr>
+            <p:ph idx="1"/>
+          </p:nvPr>
+        </p:nvPicPr>
+        <p:blipFill>
+          <a:blip r:embed="rId2">
+            <a:extLst>
+              <a:ext uri="{28A0092B-C50C-407E-A947-70E740481C1C}">
+                <a14:useLocalDpi xmlns:a14="http://schemas.microsoft.com/office/drawing/2010/main" val="0"/>
+              </a:ext>
+            </a:extLst>
+          </a:blip>
+          <a:stretch>
+            <a:fillRect/>
+          </a:stretch>
+        </p:blipFill>
+        <p:spPr>
+          <a:xfrm>
+            <a:off x="4445427" y="1756460"/>
+            <a:ext cx="4698574" cy="3517558"/>
+          </a:xfrm>
+        </p:spPr>
+      </p:pic>
+      <p:pic>
+        <p:nvPicPr>
+          <p:cNvPr id="5" name="Picture 4"/>
+          <p:cNvPicPr>
+            <a:picLocks noChangeAspect="1"/>
+          </p:cNvPicPr>
+          <p:nvPr/>
+        </p:nvPicPr>
+        <p:blipFill>
+          <a:blip r:embed="rId3">
+            <a:extLst>
+              <a:ext uri="{28A0092B-C50C-407E-A947-70E740481C1C}">
+                <a14:useLocalDpi xmlns:a14="http://schemas.microsoft.com/office/drawing/2010/main" val="0"/>
+              </a:ext>
+            </a:extLst>
+          </a:blip>
+          <a:stretch>
+            <a:fillRect/>
+          </a:stretch>
+        </p:blipFill>
+        <p:spPr>
+          <a:xfrm>
+            <a:off x="123387" y="1756459"/>
+            <a:ext cx="4660405" cy="3488983"/>
+          </a:xfrm>
+          <a:prstGeom prst="rect">
+            <a:avLst/>
+          </a:prstGeom>
+        </p:spPr>
+      </p:pic>
+      <p:sp>
+        <p:nvSpPr>
+          <p:cNvPr id="6" name="TextBox 5"/>
+          <p:cNvSpPr txBox="1"/>
+          <p:nvPr/>
+        </p:nvSpPr>
+        <p:spPr>
+          <a:xfrm>
+            <a:off x="1676400" y="5477901"/>
+            <a:ext cx="5791200" cy="369332"/>
+          </a:xfrm>
+          <a:prstGeom prst="rect">
+            <a:avLst/>
+          </a:prstGeom>
+          <a:noFill/>
+        </p:spPr>
+        <p:txBody>
+          <a:bodyPr wrap="square" rtlCol="0">
+            <a:spAutoFit/>
+          </a:bodyPr>
+          <a:lstStyle/>
+          <a:p>
+            <a:r>
+              <a:rPr lang="en-US" dirty="0" smtClean="0"/>
+              <a:t>Comparison of the result out of 2400 possible points</a:t>
+            </a:r>
+            <a:endParaRPr lang="en-US" dirty="0"/>
+          </a:p>
+        </p:txBody>
+      </p:sp>
+    </p:spTree>
+    <p:extLst>
+      <p:ext uri="{BB962C8B-B14F-4D97-AF65-F5344CB8AC3E}">
+        <p14:creationId xmlns:p14="http://schemas.microsoft.com/office/powerpoint/2010/main" val="2091844769"/>
+      </p:ext>
+    </p:extLst>
+  </p:cSld>
+  <p:clrMapOvr>
+    <a:masterClrMapping/>
+  </p:clrMapOvr>
+</p:sld>
+</file>
+
+<file path=ppt/slides/slide37.xml><?xml version="1.0" encoding="utf-8"?>
+<p:sld xmlns:a="http://schemas.openxmlformats.org/drawingml/2006/main" xmlns:r="http://schemas.openxmlformats.org/officeDocument/2006/relationships" xmlns:p="http://schemas.openxmlformats.org/presentationml/2006/main">
+  <p:cSld>
+    <p:spTree>
+      <p:nvGrpSpPr>
+        <p:cNvPr id="1" name=""/>
+        <p:cNvGrpSpPr/>
+        <p:nvPr/>
+      </p:nvGrpSpPr>
+      <p:grpSpPr>
+        <a:xfrm>
+          <a:off x="0" y="0"/>
+          <a:ext cx="0" cy="0"/>
+          <a:chOff x="0" y="0"/>
+          <a:chExt cx="0" cy="0"/>
+        </a:xfrm>
+      </p:grpSpPr>
+      <p:sp>
+        <p:nvSpPr>
+          <p:cNvPr id="3" name="Title 2"/>
+          <p:cNvSpPr>
+            <a:spLocks noGrp="1"/>
+          </p:cNvSpPr>
+          <p:nvPr>
+            <p:ph type="title"/>
+          </p:nvPr>
+        </p:nvSpPr>
+        <p:spPr/>
+        <p:txBody>
+          <a:bodyPr/>
+          <a:lstStyle/>
+          <a:p>
+            <a:pPr algn="ctr"/>
+            <a:r>
+              <a:rPr lang="en-US" dirty="0" smtClean="0"/>
+              <a:t>Outline</a:t>
+            </a:r>
+            <a:endParaRPr lang="en-US" dirty="0"/>
+          </a:p>
+        </p:txBody>
+      </p:sp>
+      <p:sp>
+        <p:nvSpPr>
+          <p:cNvPr id="2" name="Content Placeholder 1"/>
+          <p:cNvSpPr>
+            <a:spLocks noGrp="1"/>
+          </p:cNvSpPr>
+          <p:nvPr>
+            <p:ph idx="1"/>
+          </p:nvPr>
+        </p:nvSpPr>
+        <p:spPr/>
+        <p:txBody>
+          <a:bodyPr/>
+          <a:lstStyle/>
+          <a:p>
+            <a:r>
+              <a:rPr lang="en-US" dirty="0" smtClean="0"/>
+              <a:t>Introduction</a:t>
+            </a:r>
+          </a:p>
+          <a:p>
+            <a:r>
+              <a:rPr lang="en-US" dirty="0" smtClean="0"/>
+              <a:t>Robust Latch for Multiple Node Upsets</a:t>
+            </a:r>
+          </a:p>
+          <a:p>
+            <a:r>
+              <a:rPr lang="en-US" dirty="0" smtClean="0"/>
+              <a:t>Analytical Approximation Model for Multiple Transients</a:t>
+            </a:r>
+          </a:p>
+          <a:p>
+            <a:r>
+              <a:rPr lang="en-US" b="1" dirty="0" smtClean="0">
+                <a:solidFill>
+                  <a:srgbClr val="FF0000"/>
+                </a:solidFill>
+              </a:rPr>
+              <a:t>Accurate Soft Error Simulation Using Partitioning</a:t>
+            </a:r>
+          </a:p>
+          <a:p>
+            <a:r>
+              <a:rPr lang="en-US" dirty="0" smtClean="0"/>
+              <a:t>Conclusion</a:t>
+            </a:r>
+          </a:p>
+        </p:txBody>
+      </p:sp>
+    </p:spTree>
+    <p:extLst>
+      <p:ext uri="{BB962C8B-B14F-4D97-AF65-F5344CB8AC3E}">
+        <p14:creationId xmlns:p14="http://schemas.microsoft.com/office/powerpoint/2010/main" val="2123113271"/>
+      </p:ext>
+    </p:extLst>
+  </p:cSld>
+  <p:clrMapOvr>
+    <a:masterClrMapping/>
+  </p:clrMapOvr>
+  <p:timing>
+    <p:tnLst>
+      <p:par>
+        <p:cTn id="1" dur="indefinite" restart="never" nodeType="tmRoot"/>
+      </p:par>
+    </p:tnLst>
+  </p:timing>
+</p:sld>
+</file>
+
+<file path=ppt/slides/slide38.xml><?xml version="1.0" encoding="utf-8"?>
+<p:sld xmlns:a="http://schemas.openxmlformats.org/drawingml/2006/main" xmlns:r="http://schemas.openxmlformats.org/officeDocument/2006/relationships" xmlns:p="http://schemas.openxmlformats.org/presentationml/2006/main">
+  <p:cSld>
+    <p:spTree>
+      <p:nvGrpSpPr>
+        <p:cNvPr id="1" name=""/>
+        <p:cNvGrpSpPr/>
+        <p:nvPr/>
+      </p:nvGrpSpPr>
+      <p:grpSpPr>
+        <a:xfrm>
+          <a:off x="0" y="0"/>
+          <a:ext cx="0" cy="0"/>
+          <a:chOff x="0" y="0"/>
+          <a:chExt cx="0" cy="0"/>
+        </a:xfrm>
+      </p:grpSpPr>
+      <p:sp>
+        <p:nvSpPr>
+          <p:cNvPr id="2" name="Title 1"/>
+          <p:cNvSpPr>
+            <a:spLocks noGrp="1"/>
+          </p:cNvSpPr>
+          <p:nvPr>
+            <p:ph type="title"/>
+          </p:nvPr>
+        </p:nvSpPr>
+        <p:spPr/>
+        <p:txBody>
+          <a:bodyPr/>
+          <a:lstStyle/>
+          <a:p>
+            <a:pPr algn="ctr"/>
+            <a:r>
+              <a:rPr lang="en-US" dirty="0" smtClean="0"/>
+              <a:t>Accurate Soft Error Simulation</a:t>
+            </a:r>
+            <a:endParaRPr lang="en-US" dirty="0"/>
+          </a:p>
+        </p:txBody>
+      </p:sp>
+      <p:sp>
+        <p:nvSpPr>
+          <p:cNvPr id="3" name="Content Placeholder 2"/>
+          <p:cNvSpPr>
+            <a:spLocks noGrp="1"/>
+          </p:cNvSpPr>
+          <p:nvPr>
+            <p:ph idx="1"/>
+          </p:nvPr>
+        </p:nvSpPr>
+        <p:spPr/>
+        <p:txBody>
+          <a:bodyPr/>
+          <a:lstStyle/>
+          <a:p>
+            <a:r>
+              <a:rPr lang="en-US" dirty="0" smtClean="0"/>
+              <a:t>Proposed simulator can accurately and quickly determine the soft error rate (SER)</a:t>
+            </a:r>
+          </a:p>
+          <a:p>
+            <a:pPr lvl="1"/>
+            <a:r>
+              <a:rPr lang="en-US" dirty="0"/>
+              <a:t>SER = P(e) * </a:t>
+            </a:r>
+            <a:r>
+              <a:rPr lang="en-US" dirty="0" err="1"/>
+              <a:t>R</a:t>
+            </a:r>
+            <a:r>
+              <a:rPr lang="en-US" baseline="-25000" dirty="0" err="1"/>
+              <a:t>eff</a:t>
+            </a:r>
+            <a:r>
+              <a:rPr lang="en-US" dirty="0"/>
+              <a:t> * </a:t>
+            </a:r>
+            <a:r>
+              <a:rPr lang="en-US" dirty="0" err="1"/>
+              <a:t>P</a:t>
+            </a:r>
+            <a:r>
+              <a:rPr lang="en-US" baseline="-25000" dirty="0" err="1"/>
+              <a:t>eff</a:t>
+            </a:r>
+            <a:r>
+              <a:rPr lang="en-US" dirty="0"/>
+              <a:t> * A</a:t>
+            </a:r>
+          </a:p>
+          <a:p>
+            <a:pPr lvl="1"/>
+            <a:r>
+              <a:rPr lang="en-US" dirty="0"/>
+              <a:t>P(e) – probability of an error on an output</a:t>
+            </a:r>
+          </a:p>
+          <a:p>
+            <a:pPr lvl="1"/>
+            <a:r>
+              <a:rPr lang="en-US" dirty="0" err="1"/>
+              <a:t>R</a:t>
+            </a:r>
+            <a:r>
+              <a:rPr lang="en-US" baseline="-25000" dirty="0" err="1"/>
+              <a:t>eff</a:t>
+            </a:r>
+            <a:r>
+              <a:rPr lang="en-US" baseline="-25000" dirty="0"/>
+              <a:t> </a:t>
+            </a:r>
+            <a:r>
+              <a:rPr lang="en-US" dirty="0"/>
+              <a:t> - effective particle concentration </a:t>
+            </a:r>
+          </a:p>
+          <a:p>
+            <a:pPr lvl="1"/>
+            <a:r>
+              <a:rPr lang="en-US" dirty="0" err="1"/>
+              <a:t>P</a:t>
+            </a:r>
+            <a:r>
+              <a:rPr lang="en-US" baseline="-25000" dirty="0" err="1"/>
+              <a:t>eff</a:t>
+            </a:r>
+            <a:r>
+              <a:rPr lang="en-US" baseline="-25000" dirty="0"/>
+              <a:t>  </a:t>
+            </a:r>
+            <a:r>
+              <a:rPr lang="en-US" dirty="0"/>
+              <a:t>- probability of particle hitting sensitive region</a:t>
+            </a:r>
+          </a:p>
+          <a:p>
+            <a:pPr lvl="1"/>
+            <a:r>
+              <a:rPr lang="en-US" dirty="0"/>
+              <a:t>A – area of the circuit</a:t>
+            </a:r>
+          </a:p>
+          <a:p>
+            <a:r>
+              <a:rPr lang="en-US" dirty="0" smtClean="0"/>
+              <a:t>P(e) difficult to attain due to 3 masking factors</a:t>
+            </a:r>
+          </a:p>
+          <a:p>
+            <a:pPr lvl="1"/>
+            <a:r>
+              <a:rPr lang="en-US" dirty="0" smtClean="0"/>
+              <a:t>Logical masking – a controlling value on an off-input forces the output to a value</a:t>
+            </a:r>
+          </a:p>
+          <a:p>
+            <a:pPr lvl="1"/>
+            <a:r>
+              <a:rPr lang="en-US" dirty="0" smtClean="0"/>
+              <a:t>Electrical masking – gate’s transfer function masks the pulse</a:t>
+            </a:r>
+          </a:p>
+          <a:p>
+            <a:pPr lvl="1"/>
+            <a:r>
+              <a:rPr lang="en-US" dirty="0" smtClean="0"/>
+              <a:t>Temporal masking – pulse does not meet set up and hold time parameters  </a:t>
+            </a:r>
+            <a:endParaRPr lang="en-US" dirty="0"/>
+          </a:p>
+        </p:txBody>
+      </p:sp>
+    </p:spTree>
+    <p:extLst>
+      <p:ext uri="{BB962C8B-B14F-4D97-AF65-F5344CB8AC3E}">
+        <p14:creationId xmlns:p14="http://schemas.microsoft.com/office/powerpoint/2010/main" val="4209602623"/>
+      </p:ext>
+    </p:extLst>
+  </p:cSld>
+  <p:clrMapOvr>
+    <a:masterClrMapping/>
+  </p:clrMapOvr>
+</p:sld>
+</file>
+
+<file path=ppt/slides/slide39.xml><?xml version="1.0" encoding="utf-8"?>
+<p:sld xmlns:a="http://schemas.openxmlformats.org/drawingml/2006/main" xmlns:r="http://schemas.openxmlformats.org/officeDocument/2006/relationships" xmlns:p="http://schemas.openxmlformats.org/presentationml/2006/main">
+  <p:cSld>
+    <p:spTree>
+      <p:nvGrpSpPr>
+        <p:cNvPr id="1" name=""/>
+        <p:cNvGrpSpPr/>
+        <p:nvPr/>
+      </p:nvGrpSpPr>
+      <p:grpSpPr>
+        <a:xfrm>
+          <a:off x="0" y="0"/>
+          <a:ext cx="0" cy="0"/>
+          <a:chOff x="0" y="0"/>
+          <a:chExt cx="0" cy="0"/>
+        </a:xfrm>
+      </p:grpSpPr>
+      <p:pic>
+        <p:nvPicPr>
+          <p:cNvPr id="4" name="Picture 3"/>
+          <p:cNvPicPr>
+            <a:picLocks noChangeAspect="1"/>
+          </p:cNvPicPr>
+          <p:nvPr/>
+        </p:nvPicPr>
+        <p:blipFill rotWithShape="1">
+          <a:blip r:embed="rId2">
+            <a:extLst>
+              <a:ext uri="{28A0092B-C50C-407E-A947-70E740481C1C}">
+                <a14:useLocalDpi xmlns:a14="http://schemas.microsoft.com/office/drawing/2010/main" val="0"/>
+              </a:ext>
+            </a:extLst>
+          </a:blip>
+          <a:srcRect l="723" t="5360" r="2411" b="3378"/>
+          <a:stretch/>
+        </p:blipFill>
+        <p:spPr>
+          <a:xfrm>
+            <a:off x="76200" y="4642892"/>
+            <a:ext cx="6553200" cy="1858370"/>
+          </a:xfrm>
+          <a:prstGeom prst="rect">
+            <a:avLst/>
+          </a:prstGeom>
+        </p:spPr>
+      </p:pic>
+      <p:sp>
+        <p:nvSpPr>
+          <p:cNvPr id="2" name="Title 1"/>
+          <p:cNvSpPr>
+            <a:spLocks noGrp="1"/>
+          </p:cNvSpPr>
+          <p:nvPr>
+            <p:ph type="title"/>
+          </p:nvPr>
+        </p:nvSpPr>
+        <p:spPr/>
+        <p:txBody>
+          <a:bodyPr/>
+          <a:lstStyle/>
+          <a:p>
+            <a:pPr algn="ctr"/>
+            <a:r>
+              <a:rPr lang="en-US" dirty="0" smtClean="0"/>
+              <a:t>Soft Error Simulation</a:t>
+            </a:r>
+            <a:endParaRPr lang="en-US" dirty="0"/>
+          </a:p>
+        </p:txBody>
+      </p:sp>
+      <p:sp>
+        <p:nvSpPr>
+          <p:cNvPr id="3" name="Content Placeholder 2"/>
+          <p:cNvSpPr>
+            <a:spLocks noGrp="1"/>
+          </p:cNvSpPr>
+          <p:nvPr>
+            <p:ph idx="1"/>
+          </p:nvPr>
+        </p:nvSpPr>
+        <p:spPr/>
+        <p:txBody>
+          <a:bodyPr/>
+          <a:lstStyle/>
+          <a:p>
+            <a:r>
+              <a:rPr lang="en-US" dirty="0" smtClean="0"/>
+              <a:t>Soft error simulation consists of 3 parts</a:t>
+            </a:r>
+          </a:p>
+          <a:p>
+            <a:r>
+              <a:rPr lang="en-US" dirty="0" smtClean="0"/>
+              <a:t>Pulse Injection – an equation is used to relate the injected charge to a pulse</a:t>
+            </a:r>
+          </a:p>
+          <a:p>
+            <a:r>
+              <a:rPr lang="en-US" dirty="0" smtClean="0"/>
+              <a:t>Pulse Propagation – pulse is propagated through the circuit</a:t>
+            </a:r>
+          </a:p>
+          <a:p>
+            <a:r>
+              <a:rPr lang="en-US" dirty="0" smtClean="0"/>
+              <a:t>Latching Evaluation – it is determined at the output device if the pulse is stored </a:t>
+            </a:r>
+            <a:endParaRPr lang="en-US" dirty="0"/>
+          </a:p>
+        </p:txBody>
+      </p:sp>
+      <p:sp>
+        <p:nvSpPr>
+          <p:cNvPr id="5" name="TextBox 4"/>
+          <p:cNvSpPr txBox="1"/>
+          <p:nvPr/>
+        </p:nvSpPr>
+        <p:spPr>
+          <a:xfrm>
+            <a:off x="6324600" y="4442837"/>
+            <a:ext cx="3048000" cy="400110"/>
+          </a:xfrm>
+          <a:prstGeom prst="rect">
+            <a:avLst/>
+          </a:prstGeom>
+          <a:noFill/>
+        </p:spPr>
+        <p:txBody>
+          <a:bodyPr wrap="square" rtlCol="0">
+            <a:spAutoFit/>
+          </a:bodyPr>
+          <a:lstStyle/>
+          <a:p>
+            <a:r>
+              <a:rPr lang="en-US" sz="1000" dirty="0"/>
+              <a:t>Borrowed From: </a:t>
+            </a:r>
+            <a:r>
+              <a:rPr lang="en-US" sz="1000" dirty="0" err="1" smtClean="0"/>
+              <a:t>Mitra</a:t>
+            </a:r>
+            <a:r>
+              <a:rPr lang="en-US" sz="1000" dirty="0" smtClean="0"/>
+              <a:t> et al,  Robust </a:t>
+            </a:r>
+            <a:r>
+              <a:rPr lang="en-US" sz="1000" dirty="0"/>
+              <a:t>System Design with Built-In Soft-Error </a:t>
+            </a:r>
+            <a:r>
+              <a:rPr lang="en-US" sz="1000" dirty="0" smtClean="0"/>
+              <a:t>Resilience, 2005</a:t>
+            </a:r>
+            <a:endParaRPr lang="en-US" sz="1000" dirty="0"/>
+          </a:p>
+        </p:txBody>
+      </p:sp>
+    </p:spTree>
+    <p:extLst>
+      <p:ext uri="{BB962C8B-B14F-4D97-AF65-F5344CB8AC3E}">
+        <p14:creationId xmlns:p14="http://schemas.microsoft.com/office/powerpoint/2010/main" val="2444499331"/>
       </p:ext>
     </p:extLst>
   </p:cSld>
@@ -6290,6 +11444,1707 @@
 </p:sld>
 </file>
 
+<file path=ppt/slides/slide40.xml><?xml version="1.0" encoding="utf-8"?>
+<p:sld xmlns:a="http://schemas.openxmlformats.org/drawingml/2006/main" xmlns:r="http://schemas.openxmlformats.org/officeDocument/2006/relationships" xmlns:p="http://schemas.openxmlformats.org/presentationml/2006/main">
+  <p:cSld>
+    <p:spTree>
+      <p:nvGrpSpPr>
+        <p:cNvPr id="1" name=""/>
+        <p:cNvGrpSpPr/>
+        <p:nvPr/>
+      </p:nvGrpSpPr>
+      <p:grpSpPr>
+        <a:xfrm>
+          <a:off x="0" y="0"/>
+          <a:ext cx="0" cy="0"/>
+          <a:chOff x="0" y="0"/>
+          <a:chExt cx="0" cy="0"/>
+        </a:xfrm>
+      </p:grpSpPr>
+      <p:sp>
+        <p:nvSpPr>
+          <p:cNvPr id="2" name="Title 1"/>
+          <p:cNvSpPr>
+            <a:spLocks noGrp="1"/>
+          </p:cNvSpPr>
+          <p:nvPr>
+            <p:ph type="title"/>
+          </p:nvPr>
+        </p:nvSpPr>
+        <p:spPr/>
+        <p:txBody>
+          <a:bodyPr/>
+          <a:lstStyle/>
+          <a:p>
+            <a:pPr algn="ctr"/>
+            <a:r>
+              <a:rPr lang="en-US" dirty="0" smtClean="0"/>
+              <a:t>Accurate Soft Error Simulation</a:t>
+            </a:r>
+            <a:endParaRPr lang="en-US" dirty="0"/>
+          </a:p>
+        </p:txBody>
+      </p:sp>
+      <p:sp>
+        <p:nvSpPr>
+          <p:cNvPr id="3" name="Content Placeholder 2"/>
+          <p:cNvSpPr>
+            <a:spLocks noGrp="1"/>
+          </p:cNvSpPr>
+          <p:nvPr>
+            <p:ph idx="1"/>
+          </p:nvPr>
+        </p:nvSpPr>
+        <p:spPr/>
+        <p:txBody>
+          <a:bodyPr/>
+          <a:lstStyle/>
+          <a:p>
+            <a:r>
+              <a:rPr lang="en-US" dirty="0" smtClean="0"/>
+              <a:t>Existing simulators </a:t>
+            </a:r>
+          </a:p>
+          <a:p>
+            <a:pPr lvl="1"/>
+            <a:r>
+              <a:rPr lang="en-US" dirty="0"/>
+              <a:t>U</a:t>
+            </a:r>
+            <a:r>
+              <a:rPr lang="en-US" dirty="0" smtClean="0"/>
+              <a:t>se inaccurate or slow methods to find logical masking effects</a:t>
+            </a:r>
+          </a:p>
+          <a:p>
+            <a:pPr lvl="1"/>
+            <a:r>
+              <a:rPr lang="en-US" dirty="0"/>
+              <a:t>U</a:t>
+            </a:r>
+            <a:r>
+              <a:rPr lang="en-US" dirty="0" smtClean="0"/>
+              <a:t>se simple electrical masking models</a:t>
+            </a:r>
+          </a:p>
+          <a:p>
+            <a:r>
+              <a:rPr lang="en-US" dirty="0" smtClean="0"/>
+              <a:t>Most do not consider multiple event transients (METs)</a:t>
+            </a:r>
+          </a:p>
+          <a:p>
+            <a:r>
+              <a:rPr lang="en-US" dirty="0" smtClean="0"/>
+              <a:t>None use an accurate masking model for METs</a:t>
+            </a:r>
+          </a:p>
+          <a:p>
+            <a:r>
+              <a:rPr lang="en-US" dirty="0" smtClean="0"/>
+              <a:t>Proposed simulator uses binary decision diagrams (BDDs) for exact logical masking</a:t>
+            </a:r>
+          </a:p>
+          <a:p>
+            <a:r>
+              <a:rPr lang="en-US" dirty="0" smtClean="0"/>
+              <a:t>Uses previously proposed electrical masking model</a:t>
+            </a:r>
+          </a:p>
+          <a:p>
+            <a:r>
+              <a:rPr lang="en-US" dirty="0" smtClean="0"/>
+              <a:t>Called the FAST_MET simulator</a:t>
+            </a:r>
+          </a:p>
+          <a:p>
+            <a:pPr lvl="1"/>
+            <a:r>
+              <a:rPr lang="en-US" dirty="0" smtClean="0"/>
+              <a:t>Fast </a:t>
+            </a:r>
+            <a:r>
+              <a:rPr lang="en-US" dirty="0"/>
+              <a:t>and Accurate </a:t>
+            </a:r>
+            <a:r>
+              <a:rPr lang="en-US" dirty="0" smtClean="0"/>
+              <a:t>Simulation Tool </a:t>
+            </a:r>
+            <a:r>
+              <a:rPr lang="en-US" dirty="0"/>
+              <a:t>for Multiple Event Transients</a:t>
+            </a:r>
+            <a:endParaRPr lang="en-US" dirty="0"/>
+          </a:p>
+        </p:txBody>
+      </p:sp>
+    </p:spTree>
+    <p:extLst>
+      <p:ext uri="{BB962C8B-B14F-4D97-AF65-F5344CB8AC3E}">
+        <p14:creationId xmlns:p14="http://schemas.microsoft.com/office/powerpoint/2010/main" val="885172887"/>
+      </p:ext>
+    </p:extLst>
+  </p:cSld>
+  <p:clrMapOvr>
+    <a:masterClrMapping/>
+  </p:clrMapOvr>
+</p:sld>
+</file>
+
+<file path=ppt/slides/slide41.xml><?xml version="1.0" encoding="utf-8"?>
+<p:sld xmlns:a="http://schemas.openxmlformats.org/drawingml/2006/main" xmlns:r="http://schemas.openxmlformats.org/officeDocument/2006/relationships" xmlns:p="http://schemas.openxmlformats.org/presentationml/2006/main">
+  <p:cSld>
+    <p:spTree>
+      <p:nvGrpSpPr>
+        <p:cNvPr id="1" name=""/>
+        <p:cNvGrpSpPr/>
+        <p:nvPr/>
+      </p:nvGrpSpPr>
+      <p:grpSpPr>
+        <a:xfrm>
+          <a:off x="0" y="0"/>
+          <a:ext cx="0" cy="0"/>
+          <a:chOff x="0" y="0"/>
+          <a:chExt cx="0" cy="0"/>
+        </a:xfrm>
+      </p:grpSpPr>
+      <p:sp>
+        <p:nvSpPr>
+          <p:cNvPr id="2" name="Title 1"/>
+          <p:cNvSpPr>
+            <a:spLocks noGrp="1"/>
+          </p:cNvSpPr>
+          <p:nvPr>
+            <p:ph type="title"/>
+          </p:nvPr>
+        </p:nvSpPr>
+        <p:spPr/>
+        <p:txBody>
+          <a:bodyPr/>
+          <a:lstStyle/>
+          <a:p>
+            <a:pPr algn="ctr"/>
+            <a:r>
+              <a:rPr lang="en-US" dirty="0" smtClean="0"/>
+              <a:t>BDD Preliminaries</a:t>
+            </a:r>
+            <a:endParaRPr lang="en-US" dirty="0"/>
+          </a:p>
+        </p:txBody>
+      </p:sp>
+      <p:sp>
+        <p:nvSpPr>
+          <p:cNvPr id="3" name="Content Placeholder 2"/>
+          <p:cNvSpPr>
+            <a:spLocks noGrp="1"/>
+          </p:cNvSpPr>
+          <p:nvPr>
+            <p:ph idx="1"/>
+          </p:nvPr>
+        </p:nvSpPr>
+        <p:spPr>
+          <a:xfrm>
+            <a:off x="457200" y="1600200"/>
+            <a:ext cx="5638800" cy="4876800"/>
+          </a:xfrm>
+        </p:spPr>
+        <p:txBody>
+          <a:bodyPr/>
+          <a:lstStyle/>
+          <a:p>
+            <a:r>
+              <a:rPr lang="en-US" dirty="0" smtClean="0"/>
+              <a:t>All functions are represented in BDDs</a:t>
+            </a:r>
+          </a:p>
+          <a:p>
+            <a:r>
+              <a:rPr lang="en-US" dirty="0" smtClean="0"/>
+              <a:t>BDD – canonical form to store a Boolean function</a:t>
+            </a:r>
+          </a:p>
+          <a:p>
+            <a:r>
+              <a:rPr lang="en-US" dirty="0" smtClean="0"/>
+              <a:t>Advantages</a:t>
+            </a:r>
+          </a:p>
+          <a:p>
+            <a:pPr lvl="1"/>
+            <a:r>
+              <a:rPr lang="en-US" dirty="0" smtClean="0"/>
+              <a:t>Efficiently stores all input patterns to a circuit</a:t>
+            </a:r>
+          </a:p>
+          <a:p>
+            <a:pPr lvl="1"/>
+            <a:r>
+              <a:rPr lang="en-US" dirty="0" smtClean="0"/>
+              <a:t>Operations can be applied quickly</a:t>
+            </a:r>
+          </a:p>
+          <a:p>
+            <a:r>
+              <a:rPr lang="en-US" dirty="0" smtClean="0"/>
+              <a:t>Disadvantages</a:t>
+            </a:r>
+          </a:p>
+          <a:p>
+            <a:pPr lvl="1"/>
+            <a:r>
+              <a:rPr lang="en-US" dirty="0" smtClean="0"/>
+              <a:t>Memory blow up </a:t>
+            </a:r>
+          </a:p>
+          <a:p>
+            <a:pPr lvl="1"/>
+            <a:r>
+              <a:rPr lang="en-US" dirty="0" smtClean="0"/>
+              <a:t>More complicated than randomly applying patterns</a:t>
+            </a:r>
+          </a:p>
+          <a:p>
+            <a:pPr lvl="2"/>
+            <a:r>
+              <a:rPr lang="en-US" dirty="0" smtClean="0"/>
+              <a:t>Many existing packages to mitigate this</a:t>
+            </a:r>
+          </a:p>
+          <a:p>
+            <a:pPr lvl="1"/>
+            <a:endParaRPr lang="en-US" dirty="0"/>
+          </a:p>
+        </p:txBody>
+      </p:sp>
+      <p:pic>
+        <p:nvPicPr>
+          <p:cNvPr id="4" name="Picture 3"/>
+          <p:cNvPicPr>
+            <a:picLocks noChangeAspect="1"/>
+          </p:cNvPicPr>
+          <p:nvPr/>
+        </p:nvPicPr>
+        <p:blipFill>
+          <a:blip r:embed="rId2"/>
+          <a:stretch>
+            <a:fillRect/>
+          </a:stretch>
+        </p:blipFill>
+        <p:spPr>
+          <a:xfrm>
+            <a:off x="5638800" y="1981200"/>
+            <a:ext cx="3245080" cy="1981200"/>
+          </a:xfrm>
+          <a:prstGeom prst="rect">
+            <a:avLst/>
+          </a:prstGeom>
+        </p:spPr>
+      </p:pic>
+      <p:sp>
+        <p:nvSpPr>
+          <p:cNvPr id="5" name="TextBox 4"/>
+          <p:cNvSpPr txBox="1"/>
+          <p:nvPr/>
+        </p:nvSpPr>
+        <p:spPr>
+          <a:xfrm>
+            <a:off x="5943600" y="4191000"/>
+            <a:ext cx="2940280" cy="646331"/>
+          </a:xfrm>
+          <a:prstGeom prst="rect">
+            <a:avLst/>
+          </a:prstGeom>
+          <a:noFill/>
+        </p:spPr>
+        <p:txBody>
+          <a:bodyPr wrap="square" rtlCol="0">
+            <a:spAutoFit/>
+          </a:bodyPr>
+          <a:lstStyle/>
+          <a:p>
+            <a:r>
+              <a:rPr lang="en-US" dirty="0" smtClean="0"/>
+              <a:t>Example of BDD function for AND gate</a:t>
+            </a:r>
+            <a:endParaRPr lang="en-US" dirty="0"/>
+          </a:p>
+        </p:txBody>
+      </p:sp>
+    </p:spTree>
+    <p:extLst>
+      <p:ext uri="{BB962C8B-B14F-4D97-AF65-F5344CB8AC3E}">
+        <p14:creationId xmlns:p14="http://schemas.microsoft.com/office/powerpoint/2010/main" val="1353092668"/>
+      </p:ext>
+    </p:extLst>
+  </p:cSld>
+  <p:clrMapOvr>
+    <a:masterClrMapping/>
+  </p:clrMapOvr>
+</p:sld>
+</file>
+
+<file path=ppt/slides/slide42.xml><?xml version="1.0" encoding="utf-8"?>
+<p:sld xmlns:a="http://schemas.openxmlformats.org/drawingml/2006/main" xmlns:r="http://schemas.openxmlformats.org/officeDocument/2006/relationships" xmlns:p="http://schemas.openxmlformats.org/presentationml/2006/main">
+  <p:cSld>
+    <p:spTree>
+      <p:nvGrpSpPr>
+        <p:cNvPr id="1" name=""/>
+        <p:cNvGrpSpPr/>
+        <p:nvPr/>
+      </p:nvGrpSpPr>
+      <p:grpSpPr>
+        <a:xfrm>
+          <a:off x="0" y="0"/>
+          <a:ext cx="0" cy="0"/>
+          <a:chOff x="0" y="0"/>
+          <a:chExt cx="0" cy="0"/>
+        </a:xfrm>
+      </p:grpSpPr>
+      <p:sp>
+        <p:nvSpPr>
+          <p:cNvPr id="2" name="Title 1"/>
+          <p:cNvSpPr>
+            <a:spLocks noGrp="1"/>
+          </p:cNvSpPr>
+          <p:nvPr>
+            <p:ph type="title"/>
+          </p:nvPr>
+        </p:nvSpPr>
+        <p:spPr/>
+        <p:txBody>
+          <a:bodyPr/>
+          <a:lstStyle/>
+          <a:p>
+            <a:pPr algn="ctr"/>
+            <a:r>
+              <a:rPr lang="en-US" dirty="0" smtClean="0"/>
+              <a:t>Pulse Generation</a:t>
+            </a:r>
+            <a:endParaRPr lang="en-US" dirty="0"/>
+          </a:p>
+        </p:txBody>
+      </p:sp>
+      <p:sp>
+        <p:nvSpPr>
+          <p:cNvPr id="3" name="Content Placeholder 2"/>
+          <p:cNvSpPr>
+            <a:spLocks noGrp="1"/>
+          </p:cNvSpPr>
+          <p:nvPr>
+            <p:ph idx="1"/>
+          </p:nvPr>
+        </p:nvSpPr>
+        <p:spPr>
+          <a:xfrm>
+            <a:off x="457200" y="1600200"/>
+            <a:ext cx="8382000" cy="4876800"/>
+          </a:xfrm>
+        </p:spPr>
+        <p:txBody>
+          <a:bodyPr/>
+          <a:lstStyle/>
+          <a:p>
+            <a:r>
+              <a:rPr lang="en-US" dirty="0" smtClean="0"/>
+              <a:t>Pulse generated depends on input pattern</a:t>
+            </a:r>
+          </a:p>
+          <a:p>
+            <a:r>
+              <a:rPr lang="en-US" dirty="0" smtClean="0"/>
+              <a:t>2 types of pulses</a:t>
+            </a:r>
+          </a:p>
+          <a:p>
+            <a:pPr lvl="1"/>
+            <a:r>
+              <a:rPr lang="en-US" dirty="0" smtClean="0"/>
+              <a:t>Rising – low to high value</a:t>
+            </a:r>
+          </a:p>
+          <a:p>
+            <a:pPr lvl="2"/>
+            <a:r>
+              <a:rPr lang="en-US" dirty="0" smtClean="0"/>
+              <a:t>Requires a “0” for the output value</a:t>
+            </a:r>
+          </a:p>
+          <a:p>
+            <a:pPr lvl="1"/>
+            <a:r>
+              <a:rPr lang="en-US" dirty="0" smtClean="0"/>
+              <a:t>Falling – high to low value</a:t>
+            </a:r>
+          </a:p>
+          <a:p>
+            <a:pPr lvl="2"/>
+            <a:r>
+              <a:rPr lang="en-US" dirty="0" smtClean="0"/>
+              <a:t>Requires a “1” for the output value</a:t>
+            </a:r>
+          </a:p>
+          <a:p>
+            <a:r>
+              <a:rPr lang="en-US" dirty="0" smtClean="0"/>
+              <a:t>Functions are determined using signal probability BDDs</a:t>
+            </a:r>
+          </a:p>
+          <a:p>
+            <a:pPr lvl="1"/>
+            <a:r>
+              <a:rPr lang="en-US" dirty="0" smtClean="0"/>
+              <a:t>Signal probability BDD – the function representing all patterns that make a line a “1” or “0” value</a:t>
+            </a:r>
+          </a:p>
+          <a:p>
+            <a:r>
+              <a:rPr lang="en-US" dirty="0" smtClean="0"/>
+              <a:t>Each generated pulse event is represented at E</a:t>
+            </a:r>
+            <a:r>
+              <a:rPr lang="en-US" baseline="-25000" dirty="0" smtClean="0"/>
+              <a:t>k</a:t>
+            </a:r>
+          </a:p>
+          <a:p>
+            <a:r>
+              <a:rPr lang="en-US" dirty="0" smtClean="0"/>
+              <a:t>Simulator can consider METs</a:t>
+            </a:r>
+          </a:p>
+          <a:p>
+            <a:endParaRPr lang="en-US" dirty="0" smtClean="0"/>
+          </a:p>
+        </p:txBody>
+      </p:sp>
+    </p:spTree>
+    <p:extLst>
+      <p:ext uri="{BB962C8B-B14F-4D97-AF65-F5344CB8AC3E}">
+        <p14:creationId xmlns:p14="http://schemas.microsoft.com/office/powerpoint/2010/main" val="3079880824"/>
+      </p:ext>
+    </p:extLst>
+  </p:cSld>
+  <p:clrMapOvr>
+    <a:masterClrMapping/>
+  </p:clrMapOvr>
+</p:sld>
+</file>
+
+<file path=ppt/slides/slide43.xml><?xml version="1.0" encoding="utf-8"?>
+<p:sld xmlns:a="http://schemas.openxmlformats.org/drawingml/2006/main" xmlns:r="http://schemas.openxmlformats.org/officeDocument/2006/relationships" xmlns:p="http://schemas.openxmlformats.org/presentationml/2006/main">
+  <p:cSld>
+    <p:spTree>
+      <p:nvGrpSpPr>
+        <p:cNvPr id="1" name=""/>
+        <p:cNvGrpSpPr/>
+        <p:nvPr/>
+      </p:nvGrpSpPr>
+      <p:grpSpPr>
+        <a:xfrm>
+          <a:off x="0" y="0"/>
+          <a:ext cx="0" cy="0"/>
+          <a:chOff x="0" y="0"/>
+          <a:chExt cx="0" cy="0"/>
+        </a:xfrm>
+      </p:grpSpPr>
+      <p:sp>
+        <p:nvSpPr>
+          <p:cNvPr id="2" name="Title 1"/>
+          <p:cNvSpPr>
+            <a:spLocks noGrp="1"/>
+          </p:cNvSpPr>
+          <p:nvPr>
+            <p:ph type="title"/>
+          </p:nvPr>
+        </p:nvSpPr>
+        <p:spPr/>
+        <p:txBody>
+          <a:bodyPr/>
+          <a:lstStyle/>
+          <a:p>
+            <a:pPr algn="ctr"/>
+            <a:r>
+              <a:rPr lang="en-US" dirty="0" smtClean="0"/>
+              <a:t>Pulse Generation</a:t>
+            </a:r>
+            <a:endParaRPr lang="en-US" dirty="0"/>
+          </a:p>
+        </p:txBody>
+      </p:sp>
+      <p:pic>
+        <p:nvPicPr>
+          <p:cNvPr id="4" name="Content Placeholder 3"/>
+          <p:cNvPicPr>
+            <a:picLocks noGrp="1" noChangeAspect="1"/>
+          </p:cNvPicPr>
+          <p:nvPr>
+            <p:ph idx="1"/>
+          </p:nvPr>
+        </p:nvPicPr>
+        <p:blipFill>
+          <a:blip r:embed="rId2"/>
+          <a:stretch>
+            <a:fillRect/>
+          </a:stretch>
+        </p:blipFill>
+        <p:spPr>
+          <a:xfrm>
+            <a:off x="1143000" y="1447800"/>
+            <a:ext cx="7010400" cy="3863559"/>
+          </a:xfrm>
+          <a:prstGeom prst="rect">
+            <a:avLst/>
+          </a:prstGeom>
+        </p:spPr>
+      </p:pic>
+      <p:sp>
+        <p:nvSpPr>
+          <p:cNvPr id="5" name="TextBox 4"/>
+          <p:cNvSpPr txBox="1"/>
+          <p:nvPr/>
+        </p:nvSpPr>
+        <p:spPr>
+          <a:xfrm>
+            <a:off x="1695450" y="5410200"/>
+            <a:ext cx="5753100" cy="369332"/>
+          </a:xfrm>
+          <a:prstGeom prst="rect">
+            <a:avLst/>
+          </a:prstGeom>
+          <a:noFill/>
+        </p:spPr>
+        <p:txBody>
+          <a:bodyPr wrap="square" rtlCol="0">
+            <a:spAutoFit/>
+          </a:bodyPr>
+          <a:lstStyle/>
+          <a:p>
+            <a:r>
+              <a:rPr lang="en-US" dirty="0" smtClean="0"/>
+              <a:t>Pulse generation functions with I</a:t>
+            </a:r>
+            <a:r>
+              <a:rPr lang="en-US" baseline="-25000" dirty="0" smtClean="0"/>
+              <a:t>1</a:t>
+            </a:r>
+            <a:r>
+              <a:rPr lang="en-US" dirty="0" smtClean="0"/>
+              <a:t>, I</a:t>
+            </a:r>
+            <a:r>
+              <a:rPr lang="en-US" baseline="-25000" dirty="0" smtClean="0"/>
+              <a:t>2</a:t>
+            </a:r>
+            <a:r>
+              <a:rPr lang="en-US" dirty="0" smtClean="0"/>
+              <a:t>, …I</a:t>
+            </a:r>
+            <a:r>
+              <a:rPr lang="en-US" baseline="-25000" dirty="0" smtClean="0"/>
+              <a:t>N</a:t>
+            </a:r>
+            <a:r>
+              <a:rPr lang="en-US" dirty="0" smtClean="0"/>
+              <a:t> as the inputs</a:t>
+            </a:r>
+            <a:endParaRPr lang="en-US" dirty="0"/>
+          </a:p>
+        </p:txBody>
+      </p:sp>
+    </p:spTree>
+    <p:extLst>
+      <p:ext uri="{BB962C8B-B14F-4D97-AF65-F5344CB8AC3E}">
+        <p14:creationId xmlns:p14="http://schemas.microsoft.com/office/powerpoint/2010/main" val="2822164986"/>
+      </p:ext>
+    </p:extLst>
+  </p:cSld>
+  <p:clrMapOvr>
+    <a:masterClrMapping/>
+  </p:clrMapOvr>
+</p:sld>
+</file>
+
+<file path=ppt/slides/slide44.xml><?xml version="1.0" encoding="utf-8"?>
+<p:sld xmlns:a="http://schemas.openxmlformats.org/drawingml/2006/main" xmlns:r="http://schemas.openxmlformats.org/officeDocument/2006/relationships" xmlns:p="http://schemas.openxmlformats.org/presentationml/2006/main">
+  <p:cSld>
+    <p:spTree>
+      <p:nvGrpSpPr>
+        <p:cNvPr id="1" name=""/>
+        <p:cNvGrpSpPr/>
+        <p:nvPr/>
+      </p:nvGrpSpPr>
+      <p:grpSpPr>
+        <a:xfrm>
+          <a:off x="0" y="0"/>
+          <a:ext cx="0" cy="0"/>
+          <a:chOff x="0" y="0"/>
+          <a:chExt cx="0" cy="0"/>
+        </a:xfrm>
+      </p:grpSpPr>
+      <p:sp>
+        <p:nvSpPr>
+          <p:cNvPr id="2" name="Title 1"/>
+          <p:cNvSpPr>
+            <a:spLocks noGrp="1"/>
+          </p:cNvSpPr>
+          <p:nvPr>
+            <p:ph type="title"/>
+          </p:nvPr>
+        </p:nvSpPr>
+        <p:spPr/>
+        <p:txBody>
+          <a:bodyPr/>
+          <a:lstStyle/>
+          <a:p>
+            <a:pPr algn="ctr"/>
+            <a:r>
+              <a:rPr lang="en-US" dirty="0" smtClean="0"/>
+              <a:t>Pulse Generation of METs</a:t>
+            </a:r>
+            <a:endParaRPr lang="en-US" dirty="0"/>
+          </a:p>
+        </p:txBody>
+      </p:sp>
+      <p:sp>
+        <p:nvSpPr>
+          <p:cNvPr id="3" name="Content Placeholder 2"/>
+          <p:cNvSpPr>
+            <a:spLocks noGrp="1"/>
+          </p:cNvSpPr>
+          <p:nvPr>
+            <p:ph idx="1"/>
+          </p:nvPr>
+        </p:nvSpPr>
+        <p:spPr/>
+        <p:txBody>
+          <a:bodyPr/>
+          <a:lstStyle/>
+          <a:p>
+            <a:r>
+              <a:rPr lang="en-US" dirty="0" smtClean="0"/>
+              <a:t>A MET strikes two or more gates creating multiple pulses</a:t>
+            </a:r>
+          </a:p>
+          <a:p>
+            <a:r>
+              <a:rPr lang="en-US" dirty="0" smtClean="0"/>
+              <a:t>All gates struck must have the proper input functions</a:t>
+            </a:r>
+          </a:p>
+          <a:p>
+            <a:r>
+              <a:rPr lang="en-US" dirty="0" smtClean="0"/>
+              <a:t>Assume </a:t>
+            </a:r>
+            <a:r>
+              <a:rPr lang="en-US" i="1" dirty="0" smtClean="0"/>
+              <a:t>F(G</a:t>
+            </a:r>
+            <a:r>
+              <a:rPr lang="en-US" i="1" baseline="-25000" dirty="0" smtClean="0"/>
+              <a:t>i</a:t>
+            </a:r>
+            <a:r>
+              <a:rPr lang="en-US" i="1" dirty="0" smtClean="0"/>
+              <a:t>)</a:t>
+            </a:r>
+            <a:r>
+              <a:rPr lang="en-US" dirty="0" smtClean="0"/>
+              <a:t> is the generation function of </a:t>
+            </a:r>
+            <a:r>
+              <a:rPr lang="en-US" i="1" dirty="0" smtClean="0"/>
+              <a:t>G</a:t>
+            </a:r>
+            <a:r>
+              <a:rPr lang="en-US" i="1" baseline="-25000" dirty="0" smtClean="0"/>
+              <a:t>i</a:t>
+            </a:r>
+          </a:p>
+          <a:p>
+            <a:pPr lvl="1"/>
+            <a:r>
+              <a:rPr lang="en-US" i="1" dirty="0" smtClean="0"/>
+              <a:t>F(MET) = F(G</a:t>
+            </a:r>
+            <a:r>
+              <a:rPr lang="en-US" i="1" baseline="-25000" dirty="0" smtClean="0"/>
+              <a:t>1</a:t>
+            </a:r>
+            <a:r>
+              <a:rPr lang="en-US" i="1" dirty="0" smtClean="0"/>
+              <a:t>) &amp; F(G</a:t>
+            </a:r>
+            <a:r>
+              <a:rPr lang="en-US" i="1" baseline="-25000" dirty="0" smtClean="0"/>
+              <a:t>2</a:t>
+            </a:r>
+            <a:r>
+              <a:rPr lang="en-US" i="1" dirty="0" smtClean="0"/>
+              <a:t>) &amp; …F(G</a:t>
+            </a:r>
+            <a:r>
+              <a:rPr lang="en-US" i="1" baseline="-25000" dirty="0" smtClean="0"/>
+              <a:t>N</a:t>
+            </a:r>
+            <a:r>
+              <a:rPr lang="en-US" i="1" dirty="0" smtClean="0"/>
+              <a:t>)</a:t>
+            </a:r>
+          </a:p>
+          <a:p>
+            <a:r>
+              <a:rPr lang="en-US" dirty="0" smtClean="0"/>
+              <a:t>MET generation creates multiple cases</a:t>
+            </a:r>
+          </a:p>
+          <a:p>
+            <a:r>
+              <a:rPr lang="en-US" dirty="0" smtClean="0"/>
+              <a:t>For example, a 2 struck gates have the following</a:t>
+            </a:r>
+          </a:p>
+          <a:p>
+            <a:pPr lvl="1"/>
+            <a:r>
+              <a:rPr lang="en-US" dirty="0" smtClean="0"/>
+              <a:t>Pulse on gate 1 only</a:t>
+            </a:r>
+          </a:p>
+          <a:p>
+            <a:pPr lvl="1"/>
+            <a:r>
+              <a:rPr lang="en-US" dirty="0" smtClean="0"/>
+              <a:t>Pulse on gate 2 only</a:t>
+            </a:r>
+          </a:p>
+          <a:p>
+            <a:pPr lvl="1"/>
+            <a:r>
+              <a:rPr lang="en-US" dirty="0" smtClean="0"/>
+              <a:t>Pulse on gate 1 and 2</a:t>
+            </a:r>
+          </a:p>
+          <a:p>
+            <a:r>
+              <a:rPr lang="en-US" dirty="0" smtClean="0"/>
+              <a:t>All cases must be considered</a:t>
+            </a:r>
+            <a:endParaRPr lang="en-US" dirty="0"/>
+          </a:p>
+        </p:txBody>
+      </p:sp>
+    </p:spTree>
+    <p:extLst>
+      <p:ext uri="{BB962C8B-B14F-4D97-AF65-F5344CB8AC3E}">
+        <p14:creationId xmlns:p14="http://schemas.microsoft.com/office/powerpoint/2010/main" val="1605245430"/>
+      </p:ext>
+    </p:extLst>
+  </p:cSld>
+  <p:clrMapOvr>
+    <a:masterClrMapping/>
+  </p:clrMapOvr>
+</p:sld>
+</file>
+
+<file path=ppt/slides/slide45.xml><?xml version="1.0" encoding="utf-8"?>
+<p:sld xmlns:a="http://schemas.openxmlformats.org/drawingml/2006/main" xmlns:r="http://schemas.openxmlformats.org/officeDocument/2006/relationships" xmlns:p="http://schemas.openxmlformats.org/presentationml/2006/main">
+  <p:cSld>
+    <p:spTree>
+      <p:nvGrpSpPr>
+        <p:cNvPr id="1" name=""/>
+        <p:cNvGrpSpPr/>
+        <p:nvPr/>
+      </p:nvGrpSpPr>
+      <p:grpSpPr>
+        <a:xfrm>
+          <a:off x="0" y="0"/>
+          <a:ext cx="0" cy="0"/>
+          <a:chOff x="0" y="0"/>
+          <a:chExt cx="0" cy="0"/>
+        </a:xfrm>
+      </p:grpSpPr>
+      <p:sp>
+        <p:nvSpPr>
+          <p:cNvPr id="2" name="Title 1"/>
+          <p:cNvSpPr>
+            <a:spLocks noGrp="1"/>
+          </p:cNvSpPr>
+          <p:nvPr>
+            <p:ph type="title"/>
+          </p:nvPr>
+        </p:nvSpPr>
+        <p:spPr/>
+        <p:txBody>
+          <a:bodyPr/>
+          <a:lstStyle/>
+          <a:p>
+            <a:pPr algn="ctr"/>
+            <a:r>
+              <a:rPr lang="en-US" dirty="0" smtClean="0"/>
+              <a:t>Pulse Propagation</a:t>
+            </a:r>
+            <a:endParaRPr lang="en-US" dirty="0"/>
+          </a:p>
+        </p:txBody>
+      </p:sp>
+      <p:sp>
+        <p:nvSpPr>
+          <p:cNvPr id="3" name="Content Placeholder 2"/>
+          <p:cNvSpPr>
+            <a:spLocks noGrp="1"/>
+          </p:cNvSpPr>
+          <p:nvPr>
+            <p:ph idx="1"/>
+          </p:nvPr>
+        </p:nvSpPr>
+        <p:spPr>
+          <a:xfrm>
+            <a:off x="457200" y="1600200"/>
+            <a:ext cx="5486400" cy="4876800"/>
+          </a:xfrm>
+        </p:spPr>
+        <p:txBody>
+          <a:bodyPr>
+            <a:normAutofit lnSpcReduction="10000"/>
+          </a:bodyPr>
+          <a:lstStyle/>
+          <a:p>
+            <a:r>
+              <a:rPr lang="en-US" dirty="0" smtClean="0"/>
+              <a:t>Generated pulses propagate through a circuit</a:t>
+            </a:r>
+          </a:p>
+          <a:p>
+            <a:r>
+              <a:rPr lang="en-US" dirty="0" smtClean="0"/>
+              <a:t>Pulses will be masked if off-input is controlling</a:t>
+            </a:r>
+          </a:p>
+          <a:p>
+            <a:r>
+              <a:rPr lang="en-US" dirty="0" smtClean="0"/>
+              <a:t>Each pulse is assigned a sensitization BDD</a:t>
+            </a:r>
+          </a:p>
+          <a:p>
+            <a:pPr lvl="1"/>
+            <a:r>
+              <a:rPr lang="en-US" dirty="0" smtClean="0"/>
+              <a:t>Sensitization BDD – BDD that holds that represents all patterns that propagate the pulse</a:t>
+            </a:r>
+          </a:p>
+          <a:p>
+            <a:r>
+              <a:rPr lang="en-US" dirty="0" smtClean="0"/>
+              <a:t>Assume </a:t>
+            </a:r>
+            <a:r>
+              <a:rPr lang="en-US" i="1" dirty="0" smtClean="0"/>
+              <a:t>F(S</a:t>
+            </a:r>
+            <a:r>
+              <a:rPr lang="en-US" i="1" baseline="-25000" dirty="0" smtClean="0"/>
+              <a:t>i</a:t>
+            </a:r>
+            <a:r>
+              <a:rPr lang="en-US" i="1" dirty="0" smtClean="0"/>
+              <a:t>)</a:t>
+            </a:r>
+            <a:r>
+              <a:rPr lang="en-US" dirty="0" smtClean="0"/>
+              <a:t> is the sensitization BDD and </a:t>
+            </a:r>
+            <a:r>
+              <a:rPr lang="en-US" i="1" dirty="0" smtClean="0"/>
+              <a:t>F(O</a:t>
+            </a:r>
+            <a:r>
+              <a:rPr lang="en-US" i="1" baseline="-25000" dirty="0" smtClean="0"/>
+              <a:t>i</a:t>
+            </a:r>
+            <a:r>
+              <a:rPr lang="en-US" i="1" dirty="0" smtClean="0"/>
+              <a:t>)</a:t>
+            </a:r>
+            <a:r>
+              <a:rPr lang="en-US" dirty="0" smtClean="0"/>
+              <a:t> is the function for a non-controlling value</a:t>
+            </a:r>
+          </a:p>
+          <a:p>
+            <a:pPr lvl="1"/>
+            <a:r>
+              <a:rPr lang="en-US" i="1" dirty="0" smtClean="0"/>
+              <a:t>F(Prop) = F(S</a:t>
+            </a:r>
+            <a:r>
+              <a:rPr lang="en-US" i="1" baseline="-25000" dirty="0" smtClean="0"/>
+              <a:t>1</a:t>
+            </a:r>
+            <a:r>
+              <a:rPr lang="en-US" i="1" dirty="0" smtClean="0"/>
+              <a:t>) &amp; F(S</a:t>
+            </a:r>
+            <a:r>
+              <a:rPr lang="en-US" i="1" baseline="-25000" dirty="0" smtClean="0"/>
+              <a:t>2</a:t>
+            </a:r>
+            <a:r>
+              <a:rPr lang="en-US" i="1" dirty="0" smtClean="0"/>
+              <a:t>) &amp;… F(S</a:t>
+            </a:r>
+            <a:r>
+              <a:rPr lang="en-US" i="1" baseline="-25000" dirty="0" smtClean="0"/>
+              <a:t>N</a:t>
+            </a:r>
+            <a:r>
+              <a:rPr lang="en-US" i="1" dirty="0" smtClean="0"/>
+              <a:t>) &amp; F(O</a:t>
+            </a:r>
+            <a:r>
+              <a:rPr lang="en-US" i="1" baseline="-25000" dirty="0" smtClean="0"/>
+              <a:t>1</a:t>
+            </a:r>
+            <a:r>
+              <a:rPr lang="en-US" i="1" dirty="0" smtClean="0"/>
+              <a:t>) &amp; F(O</a:t>
+            </a:r>
+            <a:r>
+              <a:rPr lang="en-US" i="1" baseline="-25000" dirty="0" smtClean="0"/>
+              <a:t>2</a:t>
+            </a:r>
+            <a:r>
+              <a:rPr lang="en-US" i="1" dirty="0" smtClean="0"/>
+              <a:t>) &amp;… F(O</a:t>
+            </a:r>
+            <a:r>
+              <a:rPr lang="en-US" i="1" baseline="-25000" dirty="0" smtClean="0"/>
+              <a:t>N</a:t>
+            </a:r>
+            <a:r>
+              <a:rPr lang="en-US" i="1" dirty="0" smtClean="0"/>
+              <a:t>)</a:t>
+            </a:r>
+            <a:endParaRPr lang="en-US" i="1" dirty="0"/>
+          </a:p>
+        </p:txBody>
+      </p:sp>
+      <p:pic>
+        <p:nvPicPr>
+          <p:cNvPr id="4" name="Picture 3"/>
+          <p:cNvPicPr>
+            <a:picLocks noChangeAspect="1"/>
+          </p:cNvPicPr>
+          <p:nvPr/>
+        </p:nvPicPr>
+        <p:blipFill>
+          <a:blip r:embed="rId2"/>
+          <a:stretch>
+            <a:fillRect/>
+          </a:stretch>
+        </p:blipFill>
+        <p:spPr>
+          <a:xfrm>
+            <a:off x="5676900" y="1628775"/>
+            <a:ext cx="3276600" cy="2974746"/>
+          </a:xfrm>
+          <a:prstGeom prst="rect">
+            <a:avLst/>
+          </a:prstGeom>
+        </p:spPr>
+      </p:pic>
+      <p:sp>
+        <p:nvSpPr>
+          <p:cNvPr id="5" name="TextBox 4"/>
+          <p:cNvSpPr txBox="1"/>
+          <p:nvPr/>
+        </p:nvSpPr>
+        <p:spPr>
+          <a:xfrm>
+            <a:off x="6581775" y="4800600"/>
+            <a:ext cx="2133600" cy="646331"/>
+          </a:xfrm>
+          <a:prstGeom prst="rect">
+            <a:avLst/>
+          </a:prstGeom>
+          <a:noFill/>
+        </p:spPr>
+        <p:txBody>
+          <a:bodyPr wrap="square" rtlCol="0">
+            <a:spAutoFit/>
+          </a:bodyPr>
+          <a:lstStyle/>
+          <a:p>
+            <a:r>
+              <a:rPr lang="en-US" dirty="0" smtClean="0"/>
+              <a:t>NAND gate with a controlling 0 value</a:t>
+            </a:r>
+            <a:endParaRPr lang="en-US" dirty="0"/>
+          </a:p>
+        </p:txBody>
+      </p:sp>
+    </p:spTree>
+    <p:extLst>
+      <p:ext uri="{BB962C8B-B14F-4D97-AF65-F5344CB8AC3E}">
+        <p14:creationId xmlns:p14="http://schemas.microsoft.com/office/powerpoint/2010/main" val="775218511"/>
+      </p:ext>
+    </p:extLst>
+  </p:cSld>
+  <p:clrMapOvr>
+    <a:masterClrMapping/>
+  </p:clrMapOvr>
+</p:sld>
+</file>
+
+<file path=ppt/slides/slide46.xml><?xml version="1.0" encoding="utf-8"?>
+<p:sld xmlns:a="http://schemas.openxmlformats.org/drawingml/2006/main" xmlns:r="http://schemas.openxmlformats.org/officeDocument/2006/relationships" xmlns:p="http://schemas.openxmlformats.org/presentationml/2006/main">
+  <p:cSld>
+    <p:spTree>
+      <p:nvGrpSpPr>
+        <p:cNvPr id="1" name=""/>
+        <p:cNvGrpSpPr/>
+        <p:nvPr/>
+      </p:nvGrpSpPr>
+      <p:grpSpPr>
+        <a:xfrm>
+          <a:off x="0" y="0"/>
+          <a:ext cx="0" cy="0"/>
+          <a:chOff x="0" y="0"/>
+          <a:chExt cx="0" cy="0"/>
+        </a:xfrm>
+      </p:grpSpPr>
+      <p:sp>
+        <p:nvSpPr>
+          <p:cNvPr id="2" name="Title 1"/>
+          <p:cNvSpPr>
+            <a:spLocks noGrp="1"/>
+          </p:cNvSpPr>
+          <p:nvPr>
+            <p:ph type="title"/>
+          </p:nvPr>
+        </p:nvSpPr>
+        <p:spPr/>
+        <p:txBody>
+          <a:bodyPr/>
+          <a:lstStyle/>
+          <a:p>
+            <a:pPr algn="ctr"/>
+            <a:r>
+              <a:rPr lang="en-US" dirty="0" smtClean="0"/>
+              <a:t>Pulse Propagation</a:t>
+            </a:r>
+            <a:endParaRPr lang="en-US" dirty="0"/>
+          </a:p>
+        </p:txBody>
+      </p:sp>
+      <p:sp>
+        <p:nvSpPr>
+          <p:cNvPr id="3" name="Content Placeholder 2"/>
+          <p:cNvSpPr>
+            <a:spLocks noGrp="1"/>
+          </p:cNvSpPr>
+          <p:nvPr>
+            <p:ph idx="1"/>
+          </p:nvPr>
+        </p:nvSpPr>
+        <p:spPr>
+          <a:xfrm>
+            <a:off x="457200" y="1600200"/>
+            <a:ext cx="4953000" cy="4876800"/>
+          </a:xfrm>
+        </p:spPr>
+        <p:txBody>
+          <a:bodyPr/>
+          <a:lstStyle/>
+          <a:p>
+            <a:r>
+              <a:rPr lang="en-US" dirty="0" smtClean="0"/>
+              <a:t>BDDs are oriented such that a “1” represents the cases where the pulse propagates</a:t>
+            </a:r>
+          </a:p>
+          <a:p>
+            <a:r>
+              <a:rPr lang="en-US" dirty="0" smtClean="0"/>
+              <a:t>Resulting function becomes the output pulse’s sensitization function</a:t>
+            </a:r>
+          </a:p>
+          <a:p>
+            <a:r>
+              <a:rPr lang="en-US" dirty="0" smtClean="0"/>
+              <a:t>If on an output, the BDD is solved to find the probability</a:t>
+            </a:r>
+          </a:p>
+          <a:p>
+            <a:r>
+              <a:rPr lang="en-US" dirty="0" smtClean="0"/>
+              <a:t>Each node represents a primary input</a:t>
+            </a:r>
+          </a:p>
+          <a:p>
+            <a:pPr lvl="1"/>
+            <a:r>
+              <a:rPr lang="en-US" dirty="0" smtClean="0"/>
+              <a:t>Input probability values are assigned to the nodes</a:t>
+            </a:r>
+            <a:endParaRPr lang="en-US" dirty="0"/>
+          </a:p>
+        </p:txBody>
+      </p:sp>
+      <p:pic>
+        <p:nvPicPr>
+          <p:cNvPr id="5" name="Picture 4"/>
+          <p:cNvPicPr>
+            <a:picLocks noChangeAspect="1"/>
+          </p:cNvPicPr>
+          <p:nvPr/>
+        </p:nvPicPr>
+        <p:blipFill>
+          <a:blip r:embed="rId2"/>
+          <a:stretch>
+            <a:fillRect/>
+          </a:stretch>
+        </p:blipFill>
+        <p:spPr>
+          <a:xfrm>
+            <a:off x="6019800" y="1295400"/>
+            <a:ext cx="2841409" cy="4941832"/>
+          </a:xfrm>
+          <a:prstGeom prst="rect">
+            <a:avLst/>
+          </a:prstGeom>
+        </p:spPr>
+      </p:pic>
+    </p:spTree>
+    <p:extLst>
+      <p:ext uri="{BB962C8B-B14F-4D97-AF65-F5344CB8AC3E}">
+        <p14:creationId xmlns:p14="http://schemas.microsoft.com/office/powerpoint/2010/main" val="2839477491"/>
+      </p:ext>
+    </p:extLst>
+  </p:cSld>
+  <p:clrMapOvr>
+    <a:masterClrMapping/>
+  </p:clrMapOvr>
+</p:sld>
+</file>
+
+<file path=ppt/slides/slide47.xml><?xml version="1.0" encoding="utf-8"?>
+<p:sld xmlns:a="http://schemas.openxmlformats.org/drawingml/2006/main" xmlns:r="http://schemas.openxmlformats.org/officeDocument/2006/relationships" xmlns:p="http://schemas.openxmlformats.org/presentationml/2006/main">
+  <p:cSld>
+    <p:spTree>
+      <p:nvGrpSpPr>
+        <p:cNvPr id="1" name=""/>
+        <p:cNvGrpSpPr/>
+        <p:nvPr/>
+      </p:nvGrpSpPr>
+      <p:grpSpPr>
+        <a:xfrm>
+          <a:off x="0" y="0"/>
+          <a:ext cx="0" cy="0"/>
+          <a:chOff x="0" y="0"/>
+          <a:chExt cx="0" cy="0"/>
+        </a:xfrm>
+      </p:grpSpPr>
+      <p:sp>
+        <p:nvSpPr>
+          <p:cNvPr id="2" name="Title 1"/>
+          <p:cNvSpPr>
+            <a:spLocks noGrp="1"/>
+          </p:cNvSpPr>
+          <p:nvPr>
+            <p:ph type="title"/>
+          </p:nvPr>
+        </p:nvSpPr>
+        <p:spPr/>
+        <p:txBody>
+          <a:bodyPr/>
+          <a:lstStyle/>
+          <a:p>
+            <a:pPr algn="ctr"/>
+            <a:r>
+              <a:rPr lang="en-US" dirty="0" smtClean="0"/>
+              <a:t>Propagation of METs</a:t>
+            </a:r>
+            <a:endParaRPr lang="en-US" dirty="0"/>
+          </a:p>
+        </p:txBody>
+      </p:sp>
+      <p:sp>
+        <p:nvSpPr>
+          <p:cNvPr id="3" name="Content Placeholder 2"/>
+          <p:cNvSpPr>
+            <a:spLocks noGrp="1"/>
+          </p:cNvSpPr>
+          <p:nvPr>
+            <p:ph idx="1"/>
+          </p:nvPr>
+        </p:nvSpPr>
+        <p:spPr>
+          <a:xfrm>
+            <a:off x="457200" y="1600200"/>
+            <a:ext cx="4800600" cy="4876800"/>
+          </a:xfrm>
+        </p:spPr>
+        <p:txBody>
+          <a:bodyPr>
+            <a:normAutofit lnSpcReduction="10000"/>
+          </a:bodyPr>
+          <a:lstStyle/>
+          <a:p>
+            <a:r>
+              <a:rPr lang="en-US" dirty="0" smtClean="0"/>
+              <a:t>A MET is represented as event E</a:t>
+            </a:r>
+            <a:r>
+              <a:rPr lang="en-US" baseline="-25000" dirty="0" smtClean="0"/>
+              <a:t>k</a:t>
+            </a:r>
+          </a:p>
+          <a:p>
+            <a:r>
+              <a:rPr lang="en-US" dirty="0" smtClean="0"/>
+              <a:t>Increases the likelihood of multiple pulse from the same event arriving on gate input</a:t>
+            </a:r>
+          </a:p>
+          <a:p>
+            <a:r>
+              <a:rPr lang="en-US" dirty="0" smtClean="0"/>
+              <a:t>If two pulses arrive, 3 cases</a:t>
+            </a:r>
+          </a:p>
+          <a:p>
+            <a:pPr lvl="1"/>
+            <a:r>
+              <a:rPr lang="en-US" dirty="0" smtClean="0"/>
+              <a:t>Pulse on </a:t>
+            </a:r>
+            <a:r>
+              <a:rPr lang="en-US" i="1" dirty="0" smtClean="0"/>
+              <a:t>a</a:t>
+            </a:r>
+            <a:r>
+              <a:rPr lang="en-US" dirty="0" smtClean="0"/>
+              <a:t> arrives</a:t>
+            </a:r>
+          </a:p>
+          <a:p>
+            <a:pPr lvl="1"/>
+            <a:r>
+              <a:rPr lang="en-US" dirty="0" smtClean="0"/>
+              <a:t>Pulse on </a:t>
+            </a:r>
+            <a:r>
+              <a:rPr lang="en-US" i="1" dirty="0" smtClean="0"/>
+              <a:t>b </a:t>
+            </a:r>
+            <a:r>
+              <a:rPr lang="en-US" dirty="0" smtClean="0"/>
+              <a:t>arrives</a:t>
+            </a:r>
+          </a:p>
+          <a:p>
+            <a:pPr lvl="1"/>
+            <a:r>
+              <a:rPr lang="en-US" dirty="0" smtClean="0"/>
+              <a:t>Pulses on </a:t>
+            </a:r>
+            <a:r>
+              <a:rPr lang="en-US" i="1" dirty="0" smtClean="0"/>
+              <a:t>a</a:t>
+            </a:r>
+            <a:r>
+              <a:rPr lang="en-US" dirty="0" smtClean="0"/>
+              <a:t> and </a:t>
+            </a:r>
+            <a:r>
+              <a:rPr lang="en-US" i="1" dirty="0" smtClean="0"/>
+              <a:t>b</a:t>
+            </a:r>
+            <a:r>
+              <a:rPr lang="en-US" dirty="0" smtClean="0"/>
+              <a:t> arrive simultaneously</a:t>
+            </a:r>
+          </a:p>
+          <a:p>
+            <a:r>
+              <a:rPr lang="en-US" dirty="0" smtClean="0"/>
+              <a:t>All cases must be considered</a:t>
+            </a:r>
+          </a:p>
+          <a:p>
+            <a:r>
+              <a:rPr lang="en-US" dirty="0" smtClean="0"/>
+              <a:t>Each case has a different propagation function</a:t>
+            </a:r>
+            <a:endParaRPr lang="en-US" dirty="0"/>
+          </a:p>
+        </p:txBody>
+      </p:sp>
+      <p:pic>
+        <p:nvPicPr>
+          <p:cNvPr id="4" name="Picture 3"/>
+          <p:cNvPicPr>
+            <a:picLocks noChangeAspect="1"/>
+          </p:cNvPicPr>
+          <p:nvPr/>
+        </p:nvPicPr>
+        <p:blipFill>
+          <a:blip r:embed="rId2"/>
+          <a:stretch>
+            <a:fillRect/>
+          </a:stretch>
+        </p:blipFill>
+        <p:spPr>
+          <a:xfrm>
+            <a:off x="4985170" y="1524000"/>
+            <a:ext cx="4105763" cy="2209800"/>
+          </a:xfrm>
+          <a:prstGeom prst="rect">
+            <a:avLst/>
+          </a:prstGeom>
+        </p:spPr>
+      </p:pic>
+      <p:sp>
+        <p:nvSpPr>
+          <p:cNvPr id="5" name="TextBox 4"/>
+          <p:cNvSpPr txBox="1"/>
+          <p:nvPr/>
+        </p:nvSpPr>
+        <p:spPr>
+          <a:xfrm>
+            <a:off x="5623152" y="3848100"/>
+            <a:ext cx="2743200" cy="381000"/>
+          </a:xfrm>
+          <a:prstGeom prst="rect">
+            <a:avLst/>
+          </a:prstGeom>
+          <a:noFill/>
+        </p:spPr>
+        <p:txBody>
+          <a:bodyPr wrap="square" rtlCol="0">
+            <a:spAutoFit/>
+          </a:bodyPr>
+          <a:lstStyle/>
+          <a:p>
+            <a:r>
+              <a:rPr lang="en-US" dirty="0" smtClean="0"/>
+              <a:t>Three propagation cases</a:t>
+            </a:r>
+            <a:endParaRPr lang="en-US" dirty="0"/>
+          </a:p>
+        </p:txBody>
+      </p:sp>
+      <p:pic>
+        <p:nvPicPr>
+          <p:cNvPr id="7" name="Picture 6"/>
+          <p:cNvPicPr>
+            <a:picLocks noChangeAspect="1"/>
+          </p:cNvPicPr>
+          <p:nvPr/>
+        </p:nvPicPr>
+        <p:blipFill>
+          <a:blip r:embed="rId3"/>
+          <a:stretch>
+            <a:fillRect/>
+          </a:stretch>
+        </p:blipFill>
+        <p:spPr>
+          <a:xfrm>
+            <a:off x="4855029" y="4295503"/>
+            <a:ext cx="4235904" cy="1302673"/>
+          </a:xfrm>
+          <a:prstGeom prst="rect">
+            <a:avLst/>
+          </a:prstGeom>
+        </p:spPr>
+      </p:pic>
+      <p:sp>
+        <p:nvSpPr>
+          <p:cNvPr id="8" name="TextBox 7"/>
+          <p:cNvSpPr txBox="1"/>
+          <p:nvPr/>
+        </p:nvSpPr>
+        <p:spPr>
+          <a:xfrm>
+            <a:off x="5666450" y="5550824"/>
+            <a:ext cx="3020349" cy="369332"/>
+          </a:xfrm>
+          <a:prstGeom prst="rect">
+            <a:avLst/>
+          </a:prstGeom>
+          <a:noFill/>
+        </p:spPr>
+        <p:txBody>
+          <a:bodyPr wrap="square" rtlCol="0">
+            <a:spAutoFit/>
+          </a:bodyPr>
+          <a:lstStyle/>
+          <a:p>
+            <a:r>
+              <a:rPr lang="en-US" dirty="0" smtClean="0"/>
+              <a:t>MET propagation functions</a:t>
+            </a:r>
+            <a:endParaRPr lang="en-US" dirty="0"/>
+          </a:p>
+        </p:txBody>
+      </p:sp>
+    </p:spTree>
+    <p:extLst>
+      <p:ext uri="{BB962C8B-B14F-4D97-AF65-F5344CB8AC3E}">
+        <p14:creationId xmlns:p14="http://schemas.microsoft.com/office/powerpoint/2010/main" val="409777279"/>
+      </p:ext>
+    </p:extLst>
+  </p:cSld>
+  <p:clrMapOvr>
+    <a:masterClrMapping/>
+  </p:clrMapOvr>
+</p:sld>
+</file>
+
+<file path=ppt/slides/slide48.xml><?xml version="1.0" encoding="utf-8"?>
+<p:sld xmlns:a="http://schemas.openxmlformats.org/drawingml/2006/main" xmlns:r="http://schemas.openxmlformats.org/officeDocument/2006/relationships" xmlns:p="http://schemas.openxmlformats.org/presentationml/2006/main">
+  <p:cSld>
+    <p:spTree>
+      <p:nvGrpSpPr>
+        <p:cNvPr id="1" name=""/>
+        <p:cNvGrpSpPr/>
+        <p:nvPr/>
+      </p:nvGrpSpPr>
+      <p:grpSpPr>
+        <a:xfrm>
+          <a:off x="0" y="0"/>
+          <a:ext cx="0" cy="0"/>
+          <a:chOff x="0" y="0"/>
+          <a:chExt cx="0" cy="0"/>
+        </a:xfrm>
+      </p:grpSpPr>
+      <p:sp>
+        <p:nvSpPr>
+          <p:cNvPr id="2" name="Title 1"/>
+          <p:cNvSpPr>
+            <a:spLocks noGrp="1"/>
+          </p:cNvSpPr>
+          <p:nvPr>
+            <p:ph type="title"/>
+          </p:nvPr>
+        </p:nvSpPr>
+        <p:spPr/>
+        <p:txBody>
+          <a:bodyPr/>
+          <a:lstStyle/>
+          <a:p>
+            <a:pPr algn="ctr"/>
+            <a:r>
+              <a:rPr lang="en-US" dirty="0" smtClean="0"/>
+              <a:t>FAST_MET Partitioning</a:t>
+            </a:r>
+            <a:endParaRPr lang="en-US" dirty="0"/>
+          </a:p>
+        </p:txBody>
+      </p:sp>
+      <p:sp>
+        <p:nvSpPr>
+          <p:cNvPr id="3" name="Content Placeholder 2"/>
+          <p:cNvSpPr>
+            <a:spLocks noGrp="1"/>
+          </p:cNvSpPr>
+          <p:nvPr>
+            <p:ph idx="1"/>
+          </p:nvPr>
+        </p:nvSpPr>
+        <p:spPr/>
+        <p:txBody>
+          <a:bodyPr/>
+          <a:lstStyle/>
+          <a:p>
+            <a:r>
+              <a:rPr lang="en-US" dirty="0" smtClean="0"/>
+              <a:t>FAST_MET employs partitioning to prevent BDD blow up</a:t>
+            </a:r>
+          </a:p>
+          <a:p>
+            <a:r>
+              <a:rPr lang="en-US" dirty="0" smtClean="0"/>
+              <a:t>In this work the </a:t>
+            </a:r>
+            <a:r>
+              <a:rPr lang="en-US" dirty="0"/>
+              <a:t>Fiduccia and </a:t>
+            </a:r>
+            <a:r>
+              <a:rPr lang="en-US" dirty="0" err="1" smtClean="0"/>
+              <a:t>Mattheyses</a:t>
+            </a:r>
+            <a:r>
+              <a:rPr lang="en-US" dirty="0" smtClean="0"/>
+              <a:t> algorithm was used</a:t>
+            </a:r>
+          </a:p>
+          <a:p>
+            <a:pPr lvl="1"/>
+            <a:r>
+              <a:rPr lang="en-US" dirty="0" smtClean="0"/>
+              <a:t>Easily implemented and integrated</a:t>
+            </a:r>
+          </a:p>
+          <a:p>
+            <a:pPr lvl="1"/>
+            <a:r>
+              <a:rPr lang="en-US" dirty="0" smtClean="0"/>
+              <a:t>Partitions into 2 parts</a:t>
+            </a:r>
+          </a:p>
+          <a:p>
+            <a:pPr lvl="1"/>
+            <a:r>
+              <a:rPr lang="en-US" dirty="0" smtClean="0"/>
+              <a:t>Can be ran recursively for k-1 times for k parts</a:t>
+            </a:r>
+          </a:p>
+          <a:p>
+            <a:r>
+              <a:rPr lang="en-US" dirty="0" smtClean="0"/>
+              <a:t>Partitioning allows faster simulation at a cost of accuracy</a:t>
+            </a:r>
+          </a:p>
+          <a:p>
+            <a:r>
+              <a:rPr lang="en-US" dirty="0" smtClean="0"/>
+              <a:t>At a partition edge</a:t>
+            </a:r>
+          </a:p>
+          <a:p>
+            <a:pPr lvl="1"/>
+            <a:r>
+              <a:rPr lang="en-US" dirty="0" smtClean="0"/>
+              <a:t>All logic and pulse sensitization functions are solved</a:t>
+            </a:r>
+          </a:p>
+          <a:p>
+            <a:pPr lvl="1"/>
+            <a:r>
+              <a:rPr lang="en-US" dirty="0" smtClean="0"/>
+              <a:t>Solved probabilities and pulses are propagated between partitions</a:t>
+            </a:r>
+          </a:p>
+          <a:p>
+            <a:pPr lvl="1"/>
+            <a:r>
+              <a:rPr lang="en-US" dirty="0" smtClean="0"/>
+              <a:t>Virtual inputs are created for missing gate inputs</a:t>
+            </a:r>
+          </a:p>
+          <a:p>
+            <a:pPr lvl="2"/>
+            <a:r>
+              <a:rPr lang="en-US" dirty="0" smtClean="0"/>
+              <a:t>Probability is set to the logic function probability</a:t>
+            </a:r>
+            <a:endParaRPr lang="en-US" dirty="0"/>
+          </a:p>
+        </p:txBody>
+      </p:sp>
+    </p:spTree>
+    <p:extLst>
+      <p:ext uri="{BB962C8B-B14F-4D97-AF65-F5344CB8AC3E}">
+        <p14:creationId xmlns:p14="http://schemas.microsoft.com/office/powerpoint/2010/main" val="3509610063"/>
+      </p:ext>
+    </p:extLst>
+  </p:cSld>
+  <p:clrMapOvr>
+    <a:masterClrMapping/>
+  </p:clrMapOvr>
+</p:sld>
+</file>
+
+<file path=ppt/slides/slide49.xml><?xml version="1.0" encoding="utf-8"?>
+<p:sld xmlns:a="http://schemas.openxmlformats.org/drawingml/2006/main" xmlns:r="http://schemas.openxmlformats.org/officeDocument/2006/relationships" xmlns:p="http://schemas.openxmlformats.org/presentationml/2006/main">
+  <p:cSld>
+    <p:spTree>
+      <p:nvGrpSpPr>
+        <p:cNvPr id="1" name=""/>
+        <p:cNvGrpSpPr/>
+        <p:nvPr/>
+      </p:nvGrpSpPr>
+      <p:grpSpPr>
+        <a:xfrm>
+          <a:off x="0" y="0"/>
+          <a:ext cx="0" cy="0"/>
+          <a:chOff x="0" y="0"/>
+          <a:chExt cx="0" cy="0"/>
+        </a:xfrm>
+      </p:grpSpPr>
+      <p:sp>
+        <p:nvSpPr>
+          <p:cNvPr id="2" name="Title 1"/>
+          <p:cNvSpPr>
+            <a:spLocks noGrp="1"/>
+          </p:cNvSpPr>
+          <p:nvPr>
+            <p:ph type="title"/>
+          </p:nvPr>
+        </p:nvSpPr>
+        <p:spPr/>
+        <p:txBody>
+          <a:bodyPr/>
+          <a:lstStyle/>
+          <a:p>
+            <a:pPr algn="ctr"/>
+            <a:r>
+              <a:rPr lang="en-US" dirty="0" smtClean="0"/>
+              <a:t>FAST_MET Partitioning</a:t>
+            </a:r>
+            <a:endParaRPr lang="en-US" dirty="0"/>
+          </a:p>
+        </p:txBody>
+      </p:sp>
+      <p:pic>
+        <p:nvPicPr>
+          <p:cNvPr id="4" name="Content Placeholder 3"/>
+          <p:cNvPicPr>
+            <a:picLocks noGrp="1" noChangeAspect="1"/>
+          </p:cNvPicPr>
+          <p:nvPr>
+            <p:ph idx="1"/>
+          </p:nvPr>
+        </p:nvPicPr>
+        <p:blipFill>
+          <a:blip r:embed="rId2"/>
+          <a:stretch>
+            <a:fillRect/>
+          </a:stretch>
+        </p:blipFill>
+        <p:spPr>
+          <a:xfrm>
+            <a:off x="1195303" y="1371600"/>
+            <a:ext cx="6753394" cy="5051230"/>
+          </a:xfrm>
+          <a:prstGeom prst="rect">
+            <a:avLst/>
+          </a:prstGeom>
+        </p:spPr>
+      </p:pic>
+    </p:spTree>
+    <p:extLst>
+      <p:ext uri="{BB962C8B-B14F-4D97-AF65-F5344CB8AC3E}">
+        <p14:creationId xmlns:p14="http://schemas.microsoft.com/office/powerpoint/2010/main" val="3152305334"/>
+      </p:ext>
+    </p:extLst>
+  </p:cSld>
+  <p:clrMapOvr>
+    <a:masterClrMapping/>
+  </p:clrMapOvr>
+  <p:timing>
+    <p:tnLst>
+      <p:par>
+        <p:cTn id="1" dur="indefinite" restart="never" nodeType="tmRoot"/>
+      </p:par>
+    </p:tnLst>
+  </p:timing>
+</p:sld>
+</file>
+
 <file path=ppt/slides/slide5.xml><?xml version="1.0" encoding="utf-8"?>
 <p:sld xmlns:a="http://schemas.openxmlformats.org/drawingml/2006/main" xmlns:r="http://schemas.openxmlformats.org/officeDocument/2006/relationships" xmlns:p="http://schemas.openxmlformats.org/presentationml/2006/main">
   <p:cSld>
@@ -6393,6 +13248,1954 @@
     <p:extLst>
       <p:ext uri="{BB962C8B-B14F-4D97-AF65-F5344CB8AC3E}">
         <p14:creationId xmlns:p14="http://schemas.microsoft.com/office/powerpoint/2010/main" val="3395257375"/>
+      </p:ext>
+    </p:extLst>
+  </p:cSld>
+  <p:clrMapOvr>
+    <a:masterClrMapping/>
+  </p:clrMapOvr>
+  <p:timing>
+    <p:tnLst>
+      <p:par>
+        <p:cTn id="1" dur="indefinite" restart="never" nodeType="tmRoot"/>
+      </p:par>
+    </p:tnLst>
+  </p:timing>
+</p:sld>
+</file>
+
+<file path=ppt/slides/slide50.xml><?xml version="1.0" encoding="utf-8"?>
+<p:sld xmlns:a="http://schemas.openxmlformats.org/drawingml/2006/main" xmlns:r="http://schemas.openxmlformats.org/officeDocument/2006/relationships" xmlns:p="http://schemas.openxmlformats.org/presentationml/2006/main">
+  <p:cSld>
+    <p:spTree>
+      <p:nvGrpSpPr>
+        <p:cNvPr id="1" name=""/>
+        <p:cNvGrpSpPr/>
+        <p:nvPr/>
+      </p:nvGrpSpPr>
+      <p:grpSpPr>
+        <a:xfrm>
+          <a:off x="0" y="0"/>
+          <a:ext cx="0" cy="0"/>
+          <a:chOff x="0" y="0"/>
+          <a:chExt cx="0" cy="0"/>
+        </a:xfrm>
+      </p:grpSpPr>
+      <p:sp>
+        <p:nvSpPr>
+          <p:cNvPr id="2" name="Title 1"/>
+          <p:cNvSpPr>
+            <a:spLocks noGrp="1"/>
+          </p:cNvSpPr>
+          <p:nvPr>
+            <p:ph type="title"/>
+          </p:nvPr>
+        </p:nvSpPr>
+        <p:spPr/>
+        <p:txBody>
+          <a:bodyPr/>
+          <a:lstStyle/>
+          <a:p>
+            <a:pPr algn="ctr"/>
+            <a:r>
+              <a:rPr lang="en-US" dirty="0" smtClean="0"/>
+              <a:t>FAST_MET Output Calculation</a:t>
+            </a:r>
+            <a:endParaRPr lang="en-US" dirty="0"/>
+          </a:p>
+        </p:txBody>
+      </p:sp>
+      <mc:AlternateContent xmlns:mc="http://schemas.openxmlformats.org/markup-compatibility/2006">
+        <mc:Choice xmlns:a14="http://schemas.microsoft.com/office/drawing/2010/main" Requires="a14">
+          <p:sp>
+            <p:nvSpPr>
+              <p:cNvPr id="3" name="Content Placeholder 2"/>
+              <p:cNvSpPr>
+                <a:spLocks noGrp="1"/>
+              </p:cNvSpPr>
+              <p:nvPr>
+                <p:ph idx="1"/>
+              </p:nvPr>
+            </p:nvSpPr>
+            <p:spPr/>
+            <p:txBody>
+              <a:bodyPr/>
+              <a:lstStyle/>
+              <a:p>
+                <a:r>
+                  <a:rPr lang="en-US" dirty="0" smtClean="0"/>
+                  <a:t>Once pulses arrive on the primary output the temporal masking effect is calculated</a:t>
+                </a:r>
+              </a:p>
+              <a:p>
+                <a:r>
+                  <a:rPr lang="en-US" dirty="0" smtClean="0"/>
+                  <a:t>Equation: </a:t>
+                </a:r>
+                <a14:m>
+                  <m:oMath xmlns:m="http://schemas.openxmlformats.org/officeDocument/2006/math">
+                    <m:sSub>
+                      <m:sSubPr>
+                        <m:ctrlPr>
+                          <a:rPr lang="en-US" b="0" i="1" smtClean="0">
+                            <a:latin typeface="Cambria Math" panose="02040503050406030204" pitchFamily="18" charset="0"/>
+                          </a:rPr>
+                        </m:ctrlPr>
+                      </m:sSubPr>
+                      <m:e>
+                        <m:r>
+                          <a:rPr lang="en-US" b="0" i="1" smtClean="0">
+                            <a:latin typeface="Cambria Math" panose="02040503050406030204" pitchFamily="18" charset="0"/>
+                          </a:rPr>
+                          <m:t>𝑃</m:t>
+                        </m:r>
+                      </m:e>
+                      <m:sub>
+                        <m:r>
+                          <a:rPr lang="en-US" b="0" i="1" smtClean="0">
+                            <a:latin typeface="Cambria Math" panose="02040503050406030204" pitchFamily="18" charset="0"/>
+                          </a:rPr>
+                          <m:t>𝐿</m:t>
+                        </m:r>
+                        <m:r>
+                          <a:rPr lang="en-US" b="0" i="1" smtClean="0">
+                            <a:latin typeface="Cambria Math" panose="02040503050406030204" pitchFamily="18" charset="0"/>
+                          </a:rPr>
+                          <m:t>,</m:t>
+                        </m:r>
+                        <m:r>
+                          <a:rPr lang="en-US" b="0" i="1" smtClean="0">
+                            <a:latin typeface="Cambria Math" panose="02040503050406030204" pitchFamily="18" charset="0"/>
+                          </a:rPr>
+                          <m:t>𝑖</m:t>
+                        </m:r>
+                      </m:sub>
+                    </m:sSub>
+                    <m:r>
+                      <a:rPr lang="en-US" b="0" i="0" smtClean="0">
+                        <a:latin typeface="Cambria Math" panose="02040503050406030204" pitchFamily="18" charset="0"/>
+                      </a:rPr>
+                      <m:t>=</m:t>
+                    </m:r>
+                    <m:f>
+                      <m:fPr>
+                        <m:ctrlPr>
+                          <a:rPr lang="en-US" b="0" i="1" smtClean="0">
+                            <a:latin typeface="Cambria Math" panose="02040503050406030204" pitchFamily="18" charset="0"/>
+                          </a:rPr>
+                        </m:ctrlPr>
+                      </m:fPr>
+                      <m:num>
+                        <m:r>
+                          <a:rPr lang="en-US" b="0" i="1" smtClean="0">
+                            <a:latin typeface="Cambria Math" panose="02040503050406030204" pitchFamily="18" charset="0"/>
+                          </a:rPr>
+                          <m:t>𝑊</m:t>
+                        </m:r>
+                        <m:r>
+                          <a:rPr lang="en-US" b="0" i="1" smtClean="0">
+                            <a:latin typeface="Cambria Math" panose="02040503050406030204" pitchFamily="18" charset="0"/>
+                          </a:rPr>
+                          <m:t>−(</m:t>
+                        </m:r>
+                        <m:sSub>
+                          <m:sSubPr>
+                            <m:ctrlPr>
+                              <a:rPr lang="en-US" b="0" i="1" smtClean="0">
+                                <a:latin typeface="Cambria Math" panose="02040503050406030204" pitchFamily="18" charset="0"/>
+                              </a:rPr>
+                            </m:ctrlPr>
+                          </m:sSubPr>
+                          <m:e>
+                            <m:r>
+                              <a:rPr lang="en-US" b="0" i="1" smtClean="0">
+                                <a:latin typeface="Cambria Math" panose="02040503050406030204" pitchFamily="18" charset="0"/>
+                              </a:rPr>
+                              <m:t>𝑡</m:t>
+                            </m:r>
+                          </m:e>
+                          <m:sub>
+                            <m:r>
+                              <a:rPr lang="en-US" b="0" i="1" smtClean="0">
+                                <a:latin typeface="Cambria Math" panose="02040503050406030204" pitchFamily="18" charset="0"/>
+                              </a:rPr>
+                              <m:t>𝑠𝑒𝑡𝑢𝑝</m:t>
+                            </m:r>
+                          </m:sub>
+                        </m:sSub>
+                        <m:r>
+                          <a:rPr lang="en-US" b="0" i="1" smtClean="0">
+                            <a:latin typeface="Cambria Math" panose="02040503050406030204" pitchFamily="18" charset="0"/>
+                          </a:rPr>
+                          <m:t>−</m:t>
+                        </m:r>
+                        <m:sSub>
+                          <m:sSubPr>
+                            <m:ctrlPr>
+                              <a:rPr lang="en-US" b="0" i="1" smtClean="0">
+                                <a:latin typeface="Cambria Math" panose="02040503050406030204" pitchFamily="18" charset="0"/>
+                              </a:rPr>
+                            </m:ctrlPr>
+                          </m:sSubPr>
+                          <m:e>
+                            <m:r>
+                              <a:rPr lang="en-US" b="0" i="1" smtClean="0">
+                                <a:latin typeface="Cambria Math" panose="02040503050406030204" pitchFamily="18" charset="0"/>
+                              </a:rPr>
+                              <m:t>𝑡</m:t>
+                            </m:r>
+                          </m:e>
+                          <m:sub>
+                            <m:r>
+                              <a:rPr lang="en-US" b="0" i="1" smtClean="0">
+                                <a:latin typeface="Cambria Math" panose="02040503050406030204" pitchFamily="18" charset="0"/>
+                              </a:rPr>
+                              <m:t>h𝑜𝑙𝑑</m:t>
+                            </m:r>
+                          </m:sub>
+                        </m:sSub>
+                        <m:r>
+                          <a:rPr lang="en-US" b="0" i="1" smtClean="0">
+                            <a:latin typeface="Cambria Math" panose="02040503050406030204" pitchFamily="18" charset="0"/>
+                          </a:rPr>
+                          <m:t>)</m:t>
+                        </m:r>
+                      </m:num>
+                      <m:den>
+                        <m:sSub>
+                          <m:sSubPr>
+                            <m:ctrlPr>
+                              <a:rPr lang="en-US" b="0" i="1" smtClean="0">
+                                <a:latin typeface="Cambria Math" panose="02040503050406030204" pitchFamily="18" charset="0"/>
+                              </a:rPr>
+                            </m:ctrlPr>
+                          </m:sSubPr>
+                          <m:e>
+                            <m:r>
+                              <a:rPr lang="en-US" b="0" i="1" smtClean="0">
+                                <a:latin typeface="Cambria Math" panose="02040503050406030204" pitchFamily="18" charset="0"/>
+                              </a:rPr>
+                              <m:t>𝑇</m:t>
+                            </m:r>
+                          </m:e>
+                          <m:sub>
+                            <m:r>
+                              <a:rPr lang="en-US" b="0" i="1" smtClean="0">
+                                <a:latin typeface="Cambria Math" panose="02040503050406030204" pitchFamily="18" charset="0"/>
+                              </a:rPr>
+                              <m:t>𝑐𝑙𝑘</m:t>
+                            </m:r>
+                          </m:sub>
+                        </m:sSub>
+                      </m:den>
+                    </m:f>
+                  </m:oMath>
+                </a14:m>
+                <a:endParaRPr lang="en-US" dirty="0" smtClean="0"/>
+              </a:p>
+              <a:p>
+                <a:pPr lvl="1"/>
+                <a14:m>
+                  <m:oMath xmlns:m="http://schemas.openxmlformats.org/officeDocument/2006/math">
+                    <m:sSub>
+                      <m:sSubPr>
+                        <m:ctrlPr>
+                          <a:rPr lang="en-US" i="1">
+                            <a:latin typeface="Cambria Math" panose="02040503050406030204" pitchFamily="18" charset="0"/>
+                          </a:rPr>
+                        </m:ctrlPr>
+                      </m:sSubPr>
+                      <m:e>
+                        <m:r>
+                          <a:rPr lang="en-US" i="1">
+                            <a:latin typeface="Cambria Math" panose="02040503050406030204" pitchFamily="18" charset="0"/>
+                          </a:rPr>
+                          <m:t>𝑃</m:t>
+                        </m:r>
+                      </m:e>
+                      <m:sub>
+                        <m:r>
+                          <a:rPr lang="en-US" i="1">
+                            <a:latin typeface="Cambria Math" panose="02040503050406030204" pitchFamily="18" charset="0"/>
+                          </a:rPr>
+                          <m:t>𝐿</m:t>
+                        </m:r>
+                        <m:r>
+                          <a:rPr lang="en-US" i="1">
+                            <a:latin typeface="Cambria Math" panose="02040503050406030204" pitchFamily="18" charset="0"/>
+                          </a:rPr>
+                          <m:t>,</m:t>
+                        </m:r>
+                        <m:r>
+                          <a:rPr lang="en-US" i="1">
+                            <a:latin typeface="Cambria Math" panose="02040503050406030204" pitchFamily="18" charset="0"/>
+                          </a:rPr>
+                          <m:t>𝑖</m:t>
+                        </m:r>
+                      </m:sub>
+                    </m:sSub>
+                  </m:oMath>
+                </a14:m>
+                <a:r>
+                  <a:rPr lang="en-US" dirty="0" smtClean="0"/>
+                  <a:t> - Probability of pulse </a:t>
+                </a:r>
+                <a:r>
+                  <a:rPr lang="en-US" i="1" dirty="0" smtClean="0"/>
+                  <a:t>L</a:t>
+                </a:r>
+                <a:r>
+                  <a:rPr lang="en-US" dirty="0" smtClean="0"/>
+                  <a:t> being latched on output </a:t>
+                </a:r>
+                <a:r>
+                  <a:rPr lang="en-US" i="1" dirty="0" smtClean="0"/>
+                  <a:t>I</a:t>
+                </a:r>
+                <a:endParaRPr lang="en-US" dirty="0" smtClean="0"/>
+              </a:p>
+              <a:p>
+                <a:pPr lvl="1"/>
+                <a14:m>
+                  <m:oMath xmlns:m="http://schemas.openxmlformats.org/officeDocument/2006/math">
+                    <m:r>
+                      <a:rPr lang="en-US" i="1">
+                        <a:latin typeface="Cambria Math" panose="02040503050406030204" pitchFamily="18" charset="0"/>
+                      </a:rPr>
+                      <m:t>𝑊</m:t>
+                    </m:r>
+                  </m:oMath>
+                </a14:m>
+                <a:r>
+                  <a:rPr lang="en-US" i="1" dirty="0" smtClean="0"/>
+                  <a:t> – </a:t>
+                </a:r>
+                <a:r>
+                  <a:rPr lang="en-US" dirty="0" smtClean="0"/>
+                  <a:t>Pulse width</a:t>
+                </a:r>
+              </a:p>
+              <a:p>
+                <a:pPr lvl="1"/>
+                <a14:m>
+                  <m:oMath xmlns:m="http://schemas.openxmlformats.org/officeDocument/2006/math">
+                    <m:sSub>
+                      <m:sSubPr>
+                        <m:ctrlPr>
+                          <a:rPr lang="en-US" i="1">
+                            <a:latin typeface="Cambria Math" panose="02040503050406030204" pitchFamily="18" charset="0"/>
+                          </a:rPr>
+                        </m:ctrlPr>
+                      </m:sSubPr>
+                      <m:e>
+                        <m:r>
+                          <a:rPr lang="en-US" i="1">
+                            <a:latin typeface="Cambria Math" panose="02040503050406030204" pitchFamily="18" charset="0"/>
+                          </a:rPr>
+                          <m:t>𝑡</m:t>
+                        </m:r>
+                      </m:e>
+                      <m:sub>
+                        <m:r>
+                          <a:rPr lang="en-US" i="1">
+                            <a:latin typeface="Cambria Math" panose="02040503050406030204" pitchFamily="18" charset="0"/>
+                          </a:rPr>
+                          <m:t>𝑠𝑒𝑡𝑢𝑝</m:t>
+                        </m:r>
+                      </m:sub>
+                    </m:sSub>
+                  </m:oMath>
+                </a14:m>
+                <a:r>
+                  <a:rPr lang="en-US" i="1" dirty="0" smtClean="0"/>
+                  <a:t> - </a:t>
+                </a:r>
+                <a:r>
+                  <a:rPr lang="en-US" dirty="0" smtClean="0"/>
+                  <a:t>Setup time of flip flop</a:t>
+                </a:r>
+              </a:p>
+              <a:p>
+                <a:pPr lvl="1"/>
+                <a14:m>
+                  <m:oMath xmlns:m="http://schemas.openxmlformats.org/officeDocument/2006/math">
+                    <m:sSub>
+                      <m:sSubPr>
+                        <m:ctrlPr>
+                          <a:rPr lang="en-US" i="1">
+                            <a:latin typeface="Cambria Math" panose="02040503050406030204" pitchFamily="18" charset="0"/>
+                          </a:rPr>
+                        </m:ctrlPr>
+                      </m:sSubPr>
+                      <m:e>
+                        <m:r>
+                          <a:rPr lang="en-US" i="1">
+                            <a:latin typeface="Cambria Math" panose="02040503050406030204" pitchFamily="18" charset="0"/>
+                          </a:rPr>
+                          <m:t>𝑡</m:t>
+                        </m:r>
+                      </m:e>
+                      <m:sub>
+                        <m:r>
+                          <a:rPr lang="en-US" i="1">
+                            <a:latin typeface="Cambria Math" panose="02040503050406030204" pitchFamily="18" charset="0"/>
+                          </a:rPr>
+                          <m:t>h𝑜𝑙𝑑</m:t>
+                        </m:r>
+                      </m:sub>
+                    </m:sSub>
+                  </m:oMath>
+                </a14:m>
+                <a:r>
+                  <a:rPr lang="en-US" i="1" dirty="0" smtClean="0"/>
+                  <a:t> - </a:t>
+                </a:r>
+                <a:r>
+                  <a:rPr lang="en-US" dirty="0" smtClean="0"/>
+                  <a:t>Hold time of flip flop</a:t>
+                </a:r>
+              </a:p>
+              <a:p>
+                <a:pPr lvl="1"/>
+                <a14:m>
+                  <m:oMath xmlns:m="http://schemas.openxmlformats.org/officeDocument/2006/math">
+                    <m:r>
+                      <a:rPr lang="en-US" i="1">
+                        <a:latin typeface="Cambria Math" panose="02040503050406030204" pitchFamily="18" charset="0"/>
+                      </a:rPr>
+                      <m:t>𝑇</m:t>
+                    </m:r>
+                    <m:r>
+                      <a:rPr lang="en-US" i="1">
+                        <a:latin typeface="Cambria Math" panose="02040503050406030204" pitchFamily="18" charset="0"/>
+                      </a:rPr>
+                      <m:t>﷮</m:t>
+                    </m:r>
+                    <m:r>
+                      <a:rPr lang="en-US" i="1">
+                        <a:latin typeface="Cambria Math" panose="02040503050406030204" pitchFamily="18" charset="0"/>
+                      </a:rPr>
+                      <m:t>𝑐𝑙𝑘</m:t>
+                    </m:r>
+                  </m:oMath>
+                </a14:m>
+                <a:r>
+                  <a:rPr lang="en-US" i="1" dirty="0" smtClean="0"/>
+                  <a:t> – </a:t>
+                </a:r>
+                <a:r>
+                  <a:rPr lang="en-US" dirty="0" smtClean="0"/>
+                  <a:t>Clock period</a:t>
+                </a:r>
+              </a:p>
+              <a:p>
+                <a:r>
+                  <a:rPr lang="en-US" dirty="0" smtClean="0"/>
+                  <a:t>Total probability of event </a:t>
+                </a:r>
+                <a14:m>
+                  <m:oMath xmlns:m="http://schemas.openxmlformats.org/officeDocument/2006/math">
+                    <m:sSub>
+                      <m:sSubPr>
+                        <m:ctrlPr>
+                          <a:rPr lang="en-US" i="1">
+                            <a:latin typeface="Cambria Math" panose="02040503050406030204" pitchFamily="18" charset="0"/>
+                          </a:rPr>
+                        </m:ctrlPr>
+                      </m:sSubPr>
+                      <m:e>
+                        <m:r>
+                          <a:rPr lang="en-US" i="1">
+                            <a:latin typeface="Cambria Math" panose="02040503050406030204" pitchFamily="18" charset="0"/>
+                          </a:rPr>
+                          <m:t>𝐸</m:t>
+                        </m:r>
+                      </m:e>
+                      <m:sub>
+                        <m:r>
+                          <a:rPr lang="en-US" i="1">
+                            <a:latin typeface="Cambria Math" panose="02040503050406030204" pitchFamily="18" charset="0"/>
+                          </a:rPr>
+                          <m:t>𝑘</m:t>
+                        </m:r>
+                      </m:sub>
+                    </m:sSub>
+                  </m:oMath>
+                </a14:m>
+                <a:r>
+                  <a:rPr lang="en-US" dirty="0" smtClean="0"/>
+                  <a:t> causing an error</a:t>
+                </a:r>
+              </a:p>
+              <a:p>
+                <a:pPr lvl="1"/>
+                <a14:m>
+                  <m:oMath xmlns:m="http://schemas.openxmlformats.org/officeDocument/2006/math">
+                    <m:r>
+                      <a:rPr lang="en-US" b="0" i="1" smtClean="0">
+                        <a:latin typeface="Cambria Math" panose="02040503050406030204" pitchFamily="18" charset="0"/>
+                      </a:rPr>
+                      <m:t>𝑃</m:t>
+                    </m:r>
+                    <m:d>
+                      <m:dPr>
+                        <m:ctrlPr>
+                          <a:rPr lang="en-US" b="0" i="1" smtClean="0">
+                            <a:latin typeface="Cambria Math" panose="02040503050406030204" pitchFamily="18" charset="0"/>
+                          </a:rPr>
+                        </m:ctrlPr>
+                      </m:dPr>
+                      <m:e>
+                        <m:sSub>
+                          <m:sSubPr>
+                            <m:ctrlPr>
+                              <a:rPr lang="en-US" b="0" i="1" smtClean="0">
+                                <a:latin typeface="Cambria Math" panose="02040503050406030204" pitchFamily="18" charset="0"/>
+                              </a:rPr>
+                            </m:ctrlPr>
+                          </m:sSubPr>
+                          <m:e>
+                            <m:r>
+                              <a:rPr lang="en-US" b="0" i="1" smtClean="0">
+                                <a:latin typeface="Cambria Math" panose="02040503050406030204" pitchFamily="18" charset="0"/>
+                              </a:rPr>
+                              <m:t>𝐸</m:t>
+                            </m:r>
+                          </m:e>
+                          <m:sub>
+                            <m:r>
+                              <a:rPr lang="en-US" b="0" i="1" smtClean="0">
+                                <a:latin typeface="Cambria Math" panose="02040503050406030204" pitchFamily="18" charset="0"/>
+                              </a:rPr>
+                              <m:t>𝑘</m:t>
+                            </m:r>
+                          </m:sub>
+                        </m:sSub>
+                      </m:e>
+                    </m:d>
+                    <m:r>
+                      <a:rPr lang="en-US" b="0" i="1" smtClean="0">
+                        <a:latin typeface="Cambria Math" panose="02040503050406030204" pitchFamily="18" charset="0"/>
+                      </a:rPr>
+                      <m:t>= </m:t>
+                    </m:r>
+                    <m:nary>
+                      <m:naryPr>
+                        <m:chr m:val="∑"/>
+                        <m:ctrlPr>
+                          <a:rPr lang="en-US" b="0" i="1" smtClean="0">
+                            <a:latin typeface="Cambria Math" panose="02040503050406030204" pitchFamily="18" charset="0"/>
+                          </a:rPr>
+                        </m:ctrlPr>
+                      </m:naryPr>
+                      <m:sub>
+                        <m:r>
+                          <m:rPr>
+                            <m:brk m:alnAt="23"/>
+                          </m:rPr>
+                          <a:rPr lang="en-US" b="0" i="1" smtClean="0">
+                            <a:latin typeface="Cambria Math" panose="02040503050406030204" pitchFamily="18" charset="0"/>
+                          </a:rPr>
+                          <m:t>𝑖</m:t>
+                        </m:r>
+                        <m:r>
+                          <a:rPr lang="en-US" b="0" i="1" smtClean="0">
+                            <a:latin typeface="Cambria Math" panose="02040503050406030204" pitchFamily="18" charset="0"/>
+                          </a:rPr>
+                          <m:t>=1</m:t>
+                        </m:r>
+                      </m:sub>
+                      <m:sup>
+                        <m:r>
+                          <a:rPr lang="en-US" b="0" i="1" smtClean="0">
+                            <a:latin typeface="Cambria Math" panose="02040503050406030204" pitchFamily="18" charset="0"/>
+                          </a:rPr>
+                          <m:t>𝑀</m:t>
+                        </m:r>
+                      </m:sup>
+                      <m:e>
+                        <m:sSub>
+                          <m:sSubPr>
+                            <m:ctrlPr>
+                              <a:rPr lang="en-US" b="0" i="1" smtClean="0">
+                                <a:latin typeface="Cambria Math" panose="02040503050406030204" pitchFamily="18" charset="0"/>
+                              </a:rPr>
+                            </m:ctrlPr>
+                          </m:sSubPr>
+                          <m:e>
+                            <m:r>
+                              <a:rPr lang="en-US" b="0" i="1" smtClean="0">
+                                <a:latin typeface="Cambria Math" panose="02040503050406030204" pitchFamily="18" charset="0"/>
+                              </a:rPr>
+                              <m:t>𝑃</m:t>
+                            </m:r>
+                          </m:e>
+                          <m:sub>
+                            <m:r>
+                              <a:rPr lang="en-US" b="0" i="1" smtClean="0">
+                                <a:latin typeface="Cambria Math" panose="02040503050406030204" pitchFamily="18" charset="0"/>
+                              </a:rPr>
+                              <m:t>𝐿</m:t>
+                            </m:r>
+                            <m:r>
+                              <a:rPr lang="en-US" b="0" i="1" smtClean="0">
+                                <a:latin typeface="Cambria Math" panose="02040503050406030204" pitchFamily="18" charset="0"/>
+                              </a:rPr>
+                              <m:t>,</m:t>
+                            </m:r>
+                            <m:r>
+                              <a:rPr lang="en-US" b="0" i="1" smtClean="0">
+                                <a:latin typeface="Cambria Math" panose="02040503050406030204" pitchFamily="18" charset="0"/>
+                              </a:rPr>
+                              <m:t>𝑖</m:t>
+                            </m:r>
+                          </m:sub>
+                        </m:sSub>
+                      </m:e>
+                    </m:nary>
+                  </m:oMath>
+                </a14:m>
+                <a:endParaRPr lang="en-US" dirty="0" smtClean="0"/>
+              </a:p>
+              <a:p>
+                <a:pPr lvl="1"/>
+                <a:r>
+                  <a:rPr lang="en-US" i="1" dirty="0" smtClean="0"/>
+                  <a:t>M</a:t>
+                </a:r>
+                <a:r>
+                  <a:rPr lang="en-US" dirty="0" smtClean="0"/>
+                  <a:t> – Number of primary output with a pulse belonging to event </a:t>
+                </a:r>
+                <a14:m>
+                  <m:oMath xmlns:m="http://schemas.openxmlformats.org/officeDocument/2006/math">
+                    <m:sSub>
+                      <m:sSubPr>
+                        <m:ctrlPr>
+                          <a:rPr lang="en-US" i="1">
+                            <a:latin typeface="Cambria Math" panose="02040503050406030204" pitchFamily="18" charset="0"/>
+                          </a:rPr>
+                        </m:ctrlPr>
+                      </m:sSubPr>
+                      <m:e>
+                        <m:r>
+                          <a:rPr lang="en-US" i="1">
+                            <a:latin typeface="Cambria Math" panose="02040503050406030204" pitchFamily="18" charset="0"/>
+                          </a:rPr>
+                          <m:t>𝐸</m:t>
+                        </m:r>
+                      </m:e>
+                      <m:sub>
+                        <m:r>
+                          <a:rPr lang="en-US" i="1">
+                            <a:latin typeface="Cambria Math" panose="02040503050406030204" pitchFamily="18" charset="0"/>
+                          </a:rPr>
+                          <m:t>𝑘</m:t>
+                        </m:r>
+                      </m:sub>
+                    </m:sSub>
+                  </m:oMath>
+                </a14:m>
+                <a:endParaRPr lang="en-US" i="1" dirty="0"/>
+              </a:p>
+            </p:txBody>
+          </p:sp>
+        </mc:Choice>
+        <mc:Fallback>
+          <p:sp>
+            <p:nvSpPr>
+              <p:cNvPr id="3" name="Content Placeholder 2"/>
+              <p:cNvSpPr>
+                <a:spLocks noGrp="1" noRot="1" noChangeAspect="1" noMove="1" noResize="1" noEditPoints="1" noAdjustHandles="1" noChangeArrowheads="1" noChangeShapeType="1" noTextEdit="1"/>
+              </p:cNvSpPr>
+              <p:nvPr>
+                <p:ph idx="1"/>
+              </p:nvPr>
+            </p:nvSpPr>
+            <p:spPr>
+              <a:blipFill rotWithShape="0">
+                <a:blip r:embed="rId2"/>
+                <a:stretch>
+                  <a:fillRect l="-667" t="-875" b="-2125"/>
+                </a:stretch>
+              </a:blipFill>
+            </p:spPr>
+            <p:txBody>
+              <a:bodyPr/>
+              <a:lstStyle/>
+              <a:p>
+                <a:r>
+                  <a:rPr lang="en-US">
+                    <a:noFill/>
+                  </a:rPr>
+                  <a:t> </a:t>
+                </a:r>
+              </a:p>
+            </p:txBody>
+          </p:sp>
+        </mc:Fallback>
+      </mc:AlternateContent>
+    </p:spTree>
+    <p:extLst>
+      <p:ext uri="{BB962C8B-B14F-4D97-AF65-F5344CB8AC3E}">
+        <p14:creationId xmlns:p14="http://schemas.microsoft.com/office/powerpoint/2010/main" val="2160551657"/>
+      </p:ext>
+    </p:extLst>
+  </p:cSld>
+  <p:clrMapOvr>
+    <a:masterClrMapping/>
+  </p:clrMapOvr>
+</p:sld>
+</file>
+
+<file path=ppt/slides/slide51.xml><?xml version="1.0" encoding="utf-8"?>
+<p:sld xmlns:a="http://schemas.openxmlformats.org/drawingml/2006/main" xmlns:r="http://schemas.openxmlformats.org/officeDocument/2006/relationships" xmlns:p="http://schemas.openxmlformats.org/presentationml/2006/main">
+  <p:cSld>
+    <p:spTree>
+      <p:nvGrpSpPr>
+        <p:cNvPr id="1" name=""/>
+        <p:cNvGrpSpPr/>
+        <p:nvPr/>
+      </p:nvGrpSpPr>
+      <p:grpSpPr>
+        <a:xfrm>
+          <a:off x="0" y="0"/>
+          <a:ext cx="0" cy="0"/>
+          <a:chOff x="0" y="0"/>
+          <a:chExt cx="0" cy="0"/>
+        </a:xfrm>
+      </p:grpSpPr>
+      <p:sp>
+        <p:nvSpPr>
+          <p:cNvPr id="2" name="Title 1"/>
+          <p:cNvSpPr>
+            <a:spLocks noGrp="1"/>
+          </p:cNvSpPr>
+          <p:nvPr>
+            <p:ph type="title"/>
+          </p:nvPr>
+        </p:nvSpPr>
+        <p:spPr/>
+        <p:txBody>
+          <a:bodyPr/>
+          <a:lstStyle/>
+          <a:p>
+            <a:pPr algn="ctr"/>
+            <a:r>
+              <a:rPr lang="en-US" dirty="0"/>
+              <a:t>FAST_MET Output Calculation</a:t>
+            </a:r>
+          </a:p>
+        </p:txBody>
+      </p:sp>
+      <mc:AlternateContent xmlns:mc="http://schemas.openxmlformats.org/markup-compatibility/2006">
+        <mc:Choice xmlns:a14="http://schemas.microsoft.com/office/drawing/2010/main" Requires="a14">
+          <p:sp>
+            <p:nvSpPr>
+              <p:cNvPr id="3" name="Content Placeholder 2"/>
+              <p:cNvSpPr>
+                <a:spLocks noGrp="1"/>
+              </p:cNvSpPr>
+              <p:nvPr>
+                <p:ph idx="1"/>
+              </p:nvPr>
+            </p:nvSpPr>
+            <p:spPr/>
+            <p:txBody>
+              <a:bodyPr/>
+              <a:lstStyle/>
+              <a:p>
+                <a:r>
+                  <a:rPr lang="en-US" dirty="0" smtClean="0"/>
+                  <a:t>The output error is represented as the Mean Error Susceptibility (MES)</a:t>
+                </a:r>
+              </a:p>
+              <a:p>
+                <a:r>
+                  <a:rPr lang="en-US" dirty="0" smtClean="0"/>
+                  <a:t>Equation: </a:t>
+                </a:r>
+                <a:endParaRPr lang="en-US" dirty="0"/>
+              </a:p>
+              <a:p>
+                <a:pPr lvl="1"/>
+                <a14:m>
+                  <m:oMath xmlns:m="http://schemas.openxmlformats.org/officeDocument/2006/math">
+                    <m:r>
+                      <a:rPr lang="en-US" i="1">
+                        <a:latin typeface="Cambria Math" panose="02040503050406030204" pitchFamily="18" charset="0"/>
+                      </a:rPr>
+                      <m:t>𝑀𝐸𝑆</m:t>
+                    </m:r>
+                    <m:r>
+                      <a:rPr lang="en-US" i="1">
+                        <a:latin typeface="Cambria Math" panose="02040503050406030204" pitchFamily="18" charset="0"/>
+                      </a:rPr>
+                      <m:t>= </m:t>
+                    </m:r>
+                    <m:nary>
+                      <m:naryPr>
+                        <m:chr m:val="∑"/>
+                        <m:ctrlPr>
+                          <a:rPr lang="en-US" i="1">
+                            <a:latin typeface="Cambria Math" panose="02040503050406030204" pitchFamily="18" charset="0"/>
+                          </a:rPr>
+                        </m:ctrlPr>
+                      </m:naryPr>
+                      <m:sub>
+                        <m:r>
+                          <m:rPr>
+                            <m:brk m:alnAt="23"/>
+                          </m:rPr>
+                          <a:rPr lang="en-US" i="1">
+                            <a:latin typeface="Cambria Math" panose="02040503050406030204" pitchFamily="18" charset="0"/>
+                          </a:rPr>
+                          <m:t>𝑘</m:t>
+                        </m:r>
+                        <m:r>
+                          <a:rPr lang="en-US" i="1">
+                            <a:latin typeface="Cambria Math" panose="02040503050406030204" pitchFamily="18" charset="0"/>
+                          </a:rPr>
+                          <m:t>=1</m:t>
+                        </m:r>
+                      </m:sub>
+                      <m:sup>
+                        <m:sSub>
+                          <m:sSubPr>
+                            <m:ctrlPr>
+                              <a:rPr lang="en-US" i="1">
+                                <a:latin typeface="Cambria Math" panose="02040503050406030204" pitchFamily="18" charset="0"/>
+                              </a:rPr>
+                            </m:ctrlPr>
+                          </m:sSubPr>
+                          <m:e>
+                            <m:r>
+                              <a:rPr lang="en-US" i="1">
+                                <a:latin typeface="Cambria Math" panose="02040503050406030204" pitchFamily="18" charset="0"/>
+                              </a:rPr>
+                              <m:t>𝑛</m:t>
+                            </m:r>
+                          </m:e>
+                          <m:sub>
+                            <m:r>
+                              <a:rPr lang="en-US" i="1">
+                                <a:latin typeface="Cambria Math" panose="02040503050406030204" pitchFamily="18" charset="0"/>
+                              </a:rPr>
+                              <m:t>𝐸</m:t>
+                            </m:r>
+                          </m:sub>
+                        </m:sSub>
+                      </m:sup>
+                      <m:e>
+                        <m:f>
+                          <m:fPr>
+                            <m:ctrlPr>
+                              <a:rPr lang="en-US" i="1">
+                                <a:latin typeface="Cambria Math" panose="02040503050406030204" pitchFamily="18" charset="0"/>
+                              </a:rPr>
+                            </m:ctrlPr>
+                          </m:fPr>
+                          <m:num>
+                            <m:r>
+                              <a:rPr lang="en-US" i="1">
+                                <a:latin typeface="Cambria Math" panose="02040503050406030204" pitchFamily="18" charset="0"/>
+                              </a:rPr>
+                              <m:t>𝑃</m:t>
+                            </m:r>
+                            <m:r>
+                              <a:rPr lang="en-US" i="1">
+                                <a:latin typeface="Cambria Math" panose="02040503050406030204" pitchFamily="18" charset="0"/>
+                              </a:rPr>
+                              <m:t>(</m:t>
+                            </m:r>
+                            <m:sSub>
+                              <m:sSubPr>
+                                <m:ctrlPr>
+                                  <a:rPr lang="en-US" i="1">
+                                    <a:latin typeface="Cambria Math" panose="02040503050406030204" pitchFamily="18" charset="0"/>
+                                  </a:rPr>
+                                </m:ctrlPr>
+                              </m:sSubPr>
+                              <m:e>
+                                <m:r>
+                                  <a:rPr lang="en-US" i="1">
+                                    <a:latin typeface="Cambria Math" panose="02040503050406030204" pitchFamily="18" charset="0"/>
+                                  </a:rPr>
+                                  <m:t>𝐸</m:t>
+                                </m:r>
+                              </m:e>
+                              <m:sub>
+                                <m:r>
+                                  <a:rPr lang="en-US" i="1">
+                                    <a:latin typeface="Cambria Math" panose="02040503050406030204" pitchFamily="18" charset="0"/>
+                                  </a:rPr>
+                                  <m:t>𝑘</m:t>
+                                </m:r>
+                              </m:sub>
+                            </m:sSub>
+                            <m:r>
+                              <a:rPr lang="en-US" i="1">
+                                <a:latin typeface="Cambria Math" panose="02040503050406030204" pitchFamily="18" charset="0"/>
+                              </a:rPr>
+                              <m:t>)</m:t>
+                            </m:r>
+                          </m:num>
+                          <m:den>
+                            <m:sSub>
+                              <m:sSubPr>
+                                <m:ctrlPr>
+                                  <a:rPr lang="en-US" i="1">
+                                    <a:latin typeface="Cambria Math" panose="02040503050406030204" pitchFamily="18" charset="0"/>
+                                  </a:rPr>
+                                </m:ctrlPr>
+                              </m:sSubPr>
+                              <m:e>
+                                <m:r>
+                                  <a:rPr lang="en-US" i="1">
+                                    <a:latin typeface="Cambria Math" panose="02040503050406030204" pitchFamily="18" charset="0"/>
+                                  </a:rPr>
+                                  <m:t>𝑛</m:t>
+                                </m:r>
+                              </m:e>
+                              <m:sub>
+                                <m:r>
+                                  <a:rPr lang="en-US" i="1">
+                                    <a:latin typeface="Cambria Math" panose="02040503050406030204" pitchFamily="18" charset="0"/>
+                                  </a:rPr>
+                                  <m:t>𝐸</m:t>
+                                </m:r>
+                              </m:sub>
+                            </m:sSub>
+                          </m:den>
+                        </m:f>
+                      </m:e>
+                    </m:nary>
+                  </m:oMath>
+                </a14:m>
+                <a:endParaRPr lang="en-US" dirty="0" smtClean="0"/>
+              </a:p>
+              <a:p>
+                <a:pPr lvl="1"/>
+                <a14:m>
+                  <m:oMath xmlns:m="http://schemas.openxmlformats.org/officeDocument/2006/math">
+                    <m:r>
+                      <a:rPr lang="en-US" i="1">
+                        <a:latin typeface="Cambria Math" panose="02040503050406030204" pitchFamily="18" charset="0"/>
+                      </a:rPr>
+                      <m:t>𝑃</m:t>
+                    </m:r>
+                    <m:r>
+                      <a:rPr lang="en-US" i="1">
+                        <a:latin typeface="Cambria Math" panose="02040503050406030204" pitchFamily="18" charset="0"/>
+                      </a:rPr>
+                      <m:t>(</m:t>
+                    </m:r>
+                    <m:sSub>
+                      <m:sSubPr>
+                        <m:ctrlPr>
+                          <a:rPr lang="en-US" i="1">
+                            <a:latin typeface="Cambria Math" panose="02040503050406030204" pitchFamily="18" charset="0"/>
+                          </a:rPr>
+                        </m:ctrlPr>
+                      </m:sSubPr>
+                      <m:e>
+                        <m:r>
+                          <a:rPr lang="en-US" i="1">
+                            <a:latin typeface="Cambria Math" panose="02040503050406030204" pitchFamily="18" charset="0"/>
+                          </a:rPr>
+                          <m:t>𝐸</m:t>
+                        </m:r>
+                      </m:e>
+                      <m:sub>
+                        <m:r>
+                          <a:rPr lang="en-US" i="1">
+                            <a:latin typeface="Cambria Math" panose="02040503050406030204" pitchFamily="18" charset="0"/>
+                          </a:rPr>
+                          <m:t>𝑘</m:t>
+                        </m:r>
+                      </m:sub>
+                    </m:sSub>
+                    <m:r>
+                      <a:rPr lang="en-US" i="1">
+                        <a:latin typeface="Cambria Math" panose="02040503050406030204" pitchFamily="18" charset="0"/>
+                      </a:rPr>
+                      <m:t>)</m:t>
+                    </m:r>
+                  </m:oMath>
+                </a14:m>
+                <a:r>
+                  <a:rPr lang="en-US" dirty="0" smtClean="0"/>
+                  <a:t> – total probability of event </a:t>
+                </a:r>
+                <a:r>
+                  <a:rPr lang="en-US" i="1" dirty="0" smtClean="0"/>
+                  <a:t>k</a:t>
+                </a:r>
+                <a:endParaRPr lang="en-US" dirty="0" smtClean="0"/>
+              </a:p>
+              <a:p>
+                <a:pPr lvl="1"/>
+                <a14:m>
+                  <m:oMath xmlns:m="http://schemas.openxmlformats.org/officeDocument/2006/math">
+                    <m:sSub>
+                      <m:sSubPr>
+                        <m:ctrlPr>
+                          <a:rPr lang="en-US" i="1">
+                            <a:latin typeface="Cambria Math" panose="02040503050406030204" pitchFamily="18" charset="0"/>
+                          </a:rPr>
+                        </m:ctrlPr>
+                      </m:sSubPr>
+                      <m:e>
+                        <m:r>
+                          <a:rPr lang="en-US" i="1">
+                            <a:latin typeface="Cambria Math" panose="02040503050406030204" pitchFamily="18" charset="0"/>
+                          </a:rPr>
+                          <m:t>𝑛</m:t>
+                        </m:r>
+                      </m:e>
+                      <m:sub>
+                        <m:r>
+                          <a:rPr lang="en-US" i="1">
+                            <a:latin typeface="Cambria Math" panose="02040503050406030204" pitchFamily="18" charset="0"/>
+                          </a:rPr>
+                          <m:t>𝐸</m:t>
+                        </m:r>
+                      </m:sub>
+                    </m:sSub>
+                  </m:oMath>
+                </a14:m>
+                <a:r>
+                  <a:rPr lang="en-US" dirty="0" smtClean="0"/>
+                  <a:t> - total number of events</a:t>
+                </a:r>
+                <a:endParaRPr lang="en-US" i="1" dirty="0" smtClean="0"/>
+              </a:p>
+              <a:p>
+                <a:r>
+                  <a:rPr lang="en-US" dirty="0" smtClean="0"/>
+                  <a:t>This represents the P(e) variable in the SER equation</a:t>
+                </a:r>
+              </a:p>
+              <a:p>
+                <a:pPr marL="0" indent="0">
+                  <a:buNone/>
+                </a:pPr>
+                <a:r>
+                  <a:rPr lang="en-US" dirty="0" smtClean="0"/>
+                  <a:t> </a:t>
+                </a:r>
+              </a:p>
+              <a:p>
+                <a:endParaRPr lang="en-US" dirty="0"/>
+              </a:p>
+            </p:txBody>
+          </p:sp>
+        </mc:Choice>
+        <mc:Fallback>
+          <p:sp>
+            <p:nvSpPr>
+              <p:cNvPr id="3" name="Content Placeholder 2"/>
+              <p:cNvSpPr>
+                <a:spLocks noGrp="1" noRot="1" noChangeAspect="1" noMove="1" noResize="1" noEditPoints="1" noAdjustHandles="1" noChangeArrowheads="1" noChangeShapeType="1" noTextEdit="1"/>
+              </p:cNvSpPr>
+              <p:nvPr>
+                <p:ph idx="1"/>
+              </p:nvPr>
+            </p:nvSpPr>
+            <p:spPr>
+              <a:blipFill rotWithShape="0">
+                <a:blip r:embed="rId2"/>
+                <a:stretch>
+                  <a:fillRect l="-667" t="-875"/>
+                </a:stretch>
+              </a:blipFill>
+            </p:spPr>
+            <p:txBody>
+              <a:bodyPr/>
+              <a:lstStyle/>
+              <a:p>
+                <a:r>
+                  <a:rPr lang="en-US">
+                    <a:noFill/>
+                  </a:rPr>
+                  <a:t> </a:t>
+                </a:r>
+              </a:p>
+            </p:txBody>
+          </p:sp>
+        </mc:Fallback>
+      </mc:AlternateContent>
+    </p:spTree>
+    <p:extLst>
+      <p:ext uri="{BB962C8B-B14F-4D97-AF65-F5344CB8AC3E}">
+        <p14:creationId xmlns:p14="http://schemas.microsoft.com/office/powerpoint/2010/main" val="2542871282"/>
+      </p:ext>
+    </p:extLst>
+  </p:cSld>
+  <p:clrMapOvr>
+    <a:masterClrMapping/>
+  </p:clrMapOvr>
+</p:sld>
+</file>
+
+<file path=ppt/slides/slide52.xml><?xml version="1.0" encoding="utf-8"?>
+<p:sld xmlns:a="http://schemas.openxmlformats.org/drawingml/2006/main" xmlns:r="http://schemas.openxmlformats.org/officeDocument/2006/relationships" xmlns:p="http://schemas.openxmlformats.org/presentationml/2006/main">
+  <p:cSld>
+    <p:spTree>
+      <p:nvGrpSpPr>
+        <p:cNvPr id="1" name=""/>
+        <p:cNvGrpSpPr/>
+        <p:nvPr/>
+      </p:nvGrpSpPr>
+      <p:grpSpPr>
+        <a:xfrm>
+          <a:off x="0" y="0"/>
+          <a:ext cx="0" cy="0"/>
+          <a:chOff x="0" y="0"/>
+          <a:chExt cx="0" cy="0"/>
+        </a:xfrm>
+      </p:grpSpPr>
+      <p:sp>
+        <p:nvSpPr>
+          <p:cNvPr id="2" name="Title 1"/>
+          <p:cNvSpPr>
+            <a:spLocks noGrp="1"/>
+          </p:cNvSpPr>
+          <p:nvPr>
+            <p:ph type="title"/>
+          </p:nvPr>
+        </p:nvSpPr>
+        <p:spPr/>
+        <p:txBody>
+          <a:bodyPr/>
+          <a:lstStyle/>
+          <a:p>
+            <a:pPr algn="ctr"/>
+            <a:r>
+              <a:rPr lang="en-US" dirty="0" smtClean="0"/>
+              <a:t>FAST_MET Algorithm</a:t>
+            </a:r>
+            <a:endParaRPr lang="en-US" dirty="0"/>
+          </a:p>
+        </p:txBody>
+      </p:sp>
+      <p:pic>
+        <p:nvPicPr>
+          <p:cNvPr id="4" name="Content Placeholder 3"/>
+          <p:cNvPicPr>
+            <a:picLocks noGrp="1" noChangeAspect="1"/>
+          </p:cNvPicPr>
+          <p:nvPr>
+            <p:ph idx="1"/>
+          </p:nvPr>
+        </p:nvPicPr>
+        <p:blipFill>
+          <a:blip r:embed="rId2"/>
+          <a:stretch>
+            <a:fillRect/>
+          </a:stretch>
+        </p:blipFill>
+        <p:spPr>
+          <a:xfrm>
+            <a:off x="304800" y="1524000"/>
+            <a:ext cx="3604282" cy="4876800"/>
+          </a:xfrm>
+          <a:prstGeom prst="rect">
+            <a:avLst/>
+          </a:prstGeom>
+        </p:spPr>
+      </p:pic>
+      <p:pic>
+        <p:nvPicPr>
+          <p:cNvPr id="5" name="Picture 4"/>
+          <p:cNvPicPr>
+            <a:picLocks noChangeAspect="1"/>
+          </p:cNvPicPr>
+          <p:nvPr/>
+        </p:nvPicPr>
+        <p:blipFill>
+          <a:blip r:embed="rId3"/>
+          <a:stretch>
+            <a:fillRect/>
+          </a:stretch>
+        </p:blipFill>
+        <p:spPr>
+          <a:xfrm>
+            <a:off x="5126583" y="1358757"/>
+            <a:ext cx="2514600" cy="1154931"/>
+          </a:xfrm>
+          <a:prstGeom prst="rect">
+            <a:avLst/>
+          </a:prstGeom>
+        </p:spPr>
+      </p:pic>
+      <p:pic>
+        <p:nvPicPr>
+          <p:cNvPr id="6" name="Picture 5"/>
+          <p:cNvPicPr>
+            <a:picLocks noChangeAspect="1"/>
+          </p:cNvPicPr>
+          <p:nvPr/>
+        </p:nvPicPr>
+        <p:blipFill>
+          <a:blip r:embed="rId4"/>
+          <a:stretch>
+            <a:fillRect/>
+          </a:stretch>
+        </p:blipFill>
+        <p:spPr>
+          <a:xfrm>
+            <a:off x="4665428" y="2537637"/>
+            <a:ext cx="3436910" cy="1637326"/>
+          </a:xfrm>
+          <a:prstGeom prst="rect">
+            <a:avLst/>
+          </a:prstGeom>
+        </p:spPr>
+      </p:pic>
+      <p:pic>
+        <p:nvPicPr>
+          <p:cNvPr id="7" name="Picture 6"/>
+          <p:cNvPicPr>
+            <a:picLocks noChangeAspect="1"/>
+          </p:cNvPicPr>
+          <p:nvPr/>
+        </p:nvPicPr>
+        <p:blipFill>
+          <a:blip r:embed="rId5"/>
+          <a:stretch>
+            <a:fillRect/>
+          </a:stretch>
+        </p:blipFill>
+        <p:spPr>
+          <a:xfrm>
+            <a:off x="4795312" y="4154039"/>
+            <a:ext cx="3313557" cy="2069122"/>
+          </a:xfrm>
+          <a:prstGeom prst="rect">
+            <a:avLst/>
+          </a:prstGeom>
+        </p:spPr>
+      </p:pic>
+    </p:spTree>
+    <p:extLst>
+      <p:ext uri="{BB962C8B-B14F-4D97-AF65-F5344CB8AC3E}">
+        <p14:creationId xmlns:p14="http://schemas.microsoft.com/office/powerpoint/2010/main" val="3543655260"/>
+      </p:ext>
+    </p:extLst>
+  </p:cSld>
+  <p:clrMapOvr>
+    <a:masterClrMapping/>
+  </p:clrMapOvr>
+  <p:timing>
+    <p:tnLst>
+      <p:par>
+        <p:cTn id="1" dur="indefinite" restart="never" nodeType="tmRoot"/>
+      </p:par>
+    </p:tnLst>
+  </p:timing>
+</p:sld>
+</file>
+
+<file path=ppt/slides/slide53.xml><?xml version="1.0" encoding="utf-8"?>
+<p:sld xmlns:a="http://schemas.openxmlformats.org/drawingml/2006/main" xmlns:r="http://schemas.openxmlformats.org/officeDocument/2006/relationships" xmlns:p="http://schemas.openxmlformats.org/presentationml/2006/main">
+  <p:cSld>
+    <p:spTree>
+      <p:nvGrpSpPr>
+        <p:cNvPr id="1" name=""/>
+        <p:cNvGrpSpPr/>
+        <p:nvPr/>
+      </p:nvGrpSpPr>
+      <p:grpSpPr>
+        <a:xfrm>
+          <a:off x="0" y="0"/>
+          <a:ext cx="0" cy="0"/>
+          <a:chOff x="0" y="0"/>
+          <a:chExt cx="0" cy="0"/>
+        </a:xfrm>
+      </p:grpSpPr>
+      <p:sp>
+        <p:nvSpPr>
+          <p:cNvPr id="2" name="Title 1"/>
+          <p:cNvSpPr>
+            <a:spLocks noGrp="1"/>
+          </p:cNvSpPr>
+          <p:nvPr>
+            <p:ph type="title"/>
+          </p:nvPr>
+        </p:nvSpPr>
+        <p:spPr/>
+        <p:txBody>
+          <a:bodyPr/>
+          <a:lstStyle/>
+          <a:p>
+            <a:pPr algn="ctr"/>
+            <a:r>
+              <a:rPr lang="en-US" dirty="0" smtClean="0"/>
+              <a:t>Results</a:t>
+            </a:r>
+            <a:endParaRPr lang="en-US" dirty="0"/>
+          </a:p>
+        </p:txBody>
+      </p:sp>
+      <mc:AlternateContent xmlns:mc="http://schemas.openxmlformats.org/markup-compatibility/2006">
+        <mc:Choice xmlns:a14="http://schemas.microsoft.com/office/drawing/2010/main" Requires="a14">
+          <p:sp>
+            <p:nvSpPr>
+              <p:cNvPr id="3" name="Content Placeholder 2"/>
+              <p:cNvSpPr>
+                <a:spLocks noGrp="1"/>
+              </p:cNvSpPr>
+              <p:nvPr>
+                <p:ph idx="1"/>
+              </p:nvPr>
+            </p:nvSpPr>
+            <p:spPr/>
+            <p:txBody>
+              <a:bodyPr>
+                <a:normAutofit fontScale="92500" lnSpcReduction="10000"/>
+              </a:bodyPr>
+              <a:lstStyle/>
+              <a:p>
+                <a:r>
+                  <a:rPr lang="en-US" dirty="0" smtClean="0"/>
+                  <a:t>First compared to Monte Carlo simulation</a:t>
+                </a:r>
+              </a:p>
+              <a:p>
+                <a:r>
+                  <a:rPr lang="en-US" dirty="0" smtClean="0"/>
+                  <a:t>A single pulse injected at each gate</a:t>
+                </a:r>
+              </a:p>
+              <a:p>
+                <a:r>
+                  <a:rPr lang="en-US" dirty="0" smtClean="0"/>
+                  <a:t>No partitioning was used</a:t>
+                </a:r>
+              </a:p>
+              <a:p>
+                <a:r>
+                  <a:rPr lang="en-US" dirty="0" smtClean="0"/>
+                  <a:t>Simulation Parameters</a:t>
+                </a:r>
+              </a:p>
+              <a:p>
+                <a:pPr lvl="1"/>
+                <a:r>
+                  <a:rPr lang="en-US" dirty="0" smtClean="0"/>
+                  <a:t>32nm PTM process</a:t>
+                </a:r>
+              </a:p>
+              <a:p>
+                <a:pPr lvl="1"/>
+                <a:r>
+                  <a:rPr lang="en-US" dirty="0" err="1" smtClean="0"/>
+                  <a:t>Vdd</a:t>
+                </a:r>
+                <a:r>
+                  <a:rPr lang="en-US" dirty="0" smtClean="0"/>
+                  <a:t> – 1.05V</a:t>
+                </a:r>
+              </a:p>
+              <a:p>
+                <a:pPr lvl="1"/>
+                <a:r>
+                  <a:rPr lang="en-US" dirty="0" smtClean="0"/>
+                  <a:t>Gate capacitance – 2 </a:t>
+                </a:r>
+                <a:r>
+                  <a:rPr lang="en-US" dirty="0" err="1" smtClean="0"/>
+                  <a:t>fF</a:t>
+                </a:r>
+                <a:endParaRPr lang="en-US" dirty="0" smtClean="0"/>
+              </a:p>
+              <a:p>
+                <a:pPr lvl="1"/>
+                <a:r>
+                  <a:rPr lang="en-US" dirty="0" smtClean="0"/>
+                  <a:t>Injection charge – 15 </a:t>
+                </a:r>
+                <a:r>
+                  <a:rPr lang="en-US" dirty="0" err="1" smtClean="0"/>
+                  <a:t>fC</a:t>
+                </a:r>
+                <a:endParaRPr lang="en-US" dirty="0" smtClean="0"/>
+              </a:p>
+              <a:p>
+                <a:pPr lvl="1"/>
+                <a:r>
+                  <a:rPr lang="en-US" dirty="0"/>
+                  <a:t>Flip Flop</a:t>
+                </a:r>
+              </a:p>
+              <a:p>
+                <a:pPr lvl="2"/>
+                <a:r>
+                  <a:rPr lang="en-US" dirty="0" smtClean="0"/>
+                  <a:t>Set up time – 22 </a:t>
+                </a:r>
+                <a:r>
+                  <a:rPr lang="en-US" dirty="0" err="1" smtClean="0"/>
+                  <a:t>ps</a:t>
+                </a:r>
+                <a:endParaRPr lang="en-US" dirty="0" smtClean="0"/>
+              </a:p>
+              <a:p>
+                <a:pPr lvl="2"/>
+                <a:r>
+                  <a:rPr lang="en-US" dirty="0" smtClean="0"/>
+                  <a:t>Hold time – -7 </a:t>
+                </a:r>
+                <a:r>
+                  <a:rPr lang="en-US" dirty="0" err="1" smtClean="0"/>
+                  <a:t>ps</a:t>
+                </a:r>
+                <a:endParaRPr lang="en-US" dirty="0" smtClean="0"/>
+              </a:p>
+              <a:p>
+                <a:pPr lvl="1"/>
+                <a:r>
+                  <a:rPr lang="en-US" dirty="0" smtClean="0"/>
+                  <a:t>Injection equation - </a:t>
+                </a:r>
+                <a14:m>
+                  <m:oMath xmlns:m="http://schemas.openxmlformats.org/officeDocument/2006/math">
+                    <m:r>
+                      <a:rPr lang="en-US" i="1">
+                        <a:latin typeface="Cambria Math" panose="02040503050406030204" pitchFamily="18" charset="0"/>
+                      </a:rPr>
+                      <m:t>𝐼</m:t>
+                    </m:r>
+                    <m:d>
+                      <m:dPr>
+                        <m:ctrlPr>
+                          <a:rPr lang="en-US" i="1">
+                            <a:latin typeface="Cambria Math" panose="02040503050406030204" pitchFamily="18" charset="0"/>
+                          </a:rPr>
+                        </m:ctrlPr>
+                      </m:dPr>
+                      <m:e>
+                        <m:r>
+                          <a:rPr lang="en-US" i="1">
+                            <a:latin typeface="Cambria Math" panose="02040503050406030204" pitchFamily="18" charset="0"/>
+                          </a:rPr>
+                          <m:t>𝑡</m:t>
+                        </m:r>
+                      </m:e>
+                    </m:d>
+                    <m:r>
+                      <a:rPr lang="en-US" i="1">
+                        <a:latin typeface="Cambria Math" panose="02040503050406030204" pitchFamily="18" charset="0"/>
+                      </a:rPr>
+                      <m:t>=</m:t>
+                    </m:r>
+                    <m:f>
+                      <m:fPr>
+                        <m:ctrlPr>
+                          <a:rPr lang="en-US" i="1">
+                            <a:latin typeface="Cambria Math" panose="02040503050406030204" pitchFamily="18" charset="0"/>
+                          </a:rPr>
+                        </m:ctrlPr>
+                      </m:fPr>
+                      <m:num>
+                        <m:r>
+                          <a:rPr lang="en-US" i="1">
+                            <a:latin typeface="Cambria Math" panose="02040503050406030204" pitchFamily="18" charset="0"/>
+                          </a:rPr>
+                          <m:t>2</m:t>
+                        </m:r>
+                        <m:sSub>
+                          <m:sSubPr>
+                            <m:ctrlPr>
+                              <a:rPr lang="en-US" i="1">
+                                <a:latin typeface="Cambria Math" panose="02040503050406030204" pitchFamily="18" charset="0"/>
+                              </a:rPr>
+                            </m:ctrlPr>
+                          </m:sSubPr>
+                          <m:e>
+                            <m:r>
+                              <a:rPr lang="en-US" i="1">
+                                <a:latin typeface="Cambria Math" panose="02040503050406030204" pitchFamily="18" charset="0"/>
+                              </a:rPr>
+                              <m:t>𝑄</m:t>
+                            </m:r>
+                          </m:e>
+                          <m:sub>
+                            <m:r>
+                              <a:rPr lang="en-US" i="1">
+                                <a:latin typeface="Cambria Math" panose="02040503050406030204" pitchFamily="18" charset="0"/>
+                              </a:rPr>
+                              <m:t>0</m:t>
+                            </m:r>
+                          </m:sub>
+                        </m:sSub>
+                      </m:num>
+                      <m:den>
+                        <m:r>
+                          <a:rPr lang="en-US" i="1">
+                            <a:latin typeface="Cambria Math" panose="02040503050406030204" pitchFamily="18" charset="0"/>
+                            <a:ea typeface="Cambria Math" panose="02040503050406030204" pitchFamily="18" charset="0"/>
+                          </a:rPr>
+                          <m:t>𝜏</m:t>
+                        </m:r>
+                        <m:rad>
+                          <m:radPr>
+                            <m:degHide m:val="on"/>
+                            <m:ctrlPr>
+                              <a:rPr lang="en-US" i="1">
+                                <a:latin typeface="Cambria Math" panose="02040503050406030204" pitchFamily="18" charset="0"/>
+                                <a:ea typeface="Cambria Math" panose="02040503050406030204" pitchFamily="18" charset="0"/>
+                              </a:rPr>
+                            </m:ctrlPr>
+                          </m:radPr>
+                          <m:deg/>
+                          <m:e>
+                            <m:r>
+                              <a:rPr lang="en-US" i="1">
+                                <a:latin typeface="Cambria Math" panose="02040503050406030204" pitchFamily="18" charset="0"/>
+                                <a:ea typeface="Cambria Math" panose="02040503050406030204" pitchFamily="18" charset="0"/>
+                              </a:rPr>
+                              <m:t>𝜋</m:t>
+                            </m:r>
+                          </m:e>
+                        </m:rad>
+                      </m:den>
+                    </m:f>
+                    <m:rad>
+                      <m:radPr>
+                        <m:degHide m:val="on"/>
+                        <m:ctrlPr>
+                          <a:rPr lang="en-US" i="1">
+                            <a:latin typeface="Cambria Math" panose="02040503050406030204" pitchFamily="18" charset="0"/>
+                          </a:rPr>
+                        </m:ctrlPr>
+                      </m:radPr>
+                      <m:deg/>
+                      <m:e>
+                        <m:f>
+                          <m:fPr>
+                            <m:ctrlPr>
+                              <a:rPr lang="en-US" i="1">
+                                <a:latin typeface="Cambria Math" panose="02040503050406030204" pitchFamily="18" charset="0"/>
+                              </a:rPr>
+                            </m:ctrlPr>
+                          </m:fPr>
+                          <m:num>
+                            <m:r>
+                              <a:rPr lang="en-US" i="1">
+                                <a:latin typeface="Cambria Math" panose="02040503050406030204" pitchFamily="18" charset="0"/>
+                              </a:rPr>
+                              <m:t>𝑡</m:t>
+                            </m:r>
+                          </m:num>
+                          <m:den>
+                            <m:r>
+                              <a:rPr lang="en-US" i="1">
+                                <a:latin typeface="Cambria Math" panose="02040503050406030204" pitchFamily="18" charset="0"/>
+                                <a:ea typeface="Cambria Math" panose="02040503050406030204" pitchFamily="18" charset="0"/>
+                              </a:rPr>
+                              <m:t>𝜏</m:t>
+                            </m:r>
+                          </m:den>
+                        </m:f>
+                      </m:e>
+                    </m:rad>
+                    <m:sSup>
+                      <m:sSupPr>
+                        <m:ctrlPr>
+                          <a:rPr lang="en-US" i="1">
+                            <a:latin typeface="Cambria Math" panose="02040503050406030204" pitchFamily="18" charset="0"/>
+                          </a:rPr>
+                        </m:ctrlPr>
+                      </m:sSupPr>
+                      <m:e>
+                        <m:r>
+                          <a:rPr lang="en-US" i="1">
+                            <a:latin typeface="Cambria Math" panose="02040503050406030204" pitchFamily="18" charset="0"/>
+                          </a:rPr>
+                          <m:t>𝑒</m:t>
+                        </m:r>
+                      </m:e>
+                      <m:sup>
+                        <m:f>
+                          <m:fPr>
+                            <m:ctrlPr>
+                              <a:rPr lang="en-US" i="1">
+                                <a:latin typeface="Cambria Math" panose="02040503050406030204" pitchFamily="18" charset="0"/>
+                              </a:rPr>
+                            </m:ctrlPr>
+                          </m:fPr>
+                          <m:num>
+                            <m:r>
+                              <a:rPr lang="en-US" i="1">
+                                <a:latin typeface="Cambria Math" panose="02040503050406030204" pitchFamily="18" charset="0"/>
+                              </a:rPr>
+                              <m:t>−</m:t>
+                            </m:r>
+                            <m:r>
+                              <a:rPr lang="en-US" i="1">
+                                <a:latin typeface="Cambria Math" panose="02040503050406030204" pitchFamily="18" charset="0"/>
+                              </a:rPr>
+                              <m:t>𝑡</m:t>
+                            </m:r>
+                          </m:num>
+                          <m:den>
+                            <m:r>
+                              <a:rPr lang="en-US" i="1">
+                                <a:latin typeface="Cambria Math" panose="02040503050406030204" pitchFamily="18" charset="0"/>
+                                <a:ea typeface="Cambria Math" panose="02040503050406030204" pitchFamily="18" charset="0"/>
+                              </a:rPr>
+                              <m:t>𝜏</m:t>
+                            </m:r>
+                          </m:den>
+                        </m:f>
+                      </m:sup>
+                    </m:sSup>
+                  </m:oMath>
+                </a14:m>
+                <a:endParaRPr lang="en-US" dirty="0" smtClean="0"/>
+              </a:p>
+              <a:p>
+                <a:pPr lvl="2"/>
+                <a14:m>
+                  <m:oMath xmlns:m="http://schemas.openxmlformats.org/officeDocument/2006/math">
+                    <m:r>
+                      <a:rPr lang="en-US" i="1">
+                        <a:latin typeface="Cambria Math" panose="02040503050406030204" pitchFamily="18" charset="0"/>
+                        <a:ea typeface="Cambria Math" panose="02040503050406030204" pitchFamily="18" charset="0"/>
+                      </a:rPr>
+                      <m:t>𝜏</m:t>
+                    </m:r>
+                  </m:oMath>
+                </a14:m>
+                <a:r>
+                  <a:rPr lang="en-US" dirty="0" smtClean="0"/>
+                  <a:t> – 32x10</a:t>
+                </a:r>
+                <a:r>
+                  <a:rPr lang="en-US" baseline="30000" dirty="0" smtClean="0"/>
+                  <a:t>-15</a:t>
+                </a:r>
+              </a:p>
+              <a:p>
+                <a:pPr lvl="2"/>
+                <a:endParaRPr lang="en-US" dirty="0"/>
+              </a:p>
+            </p:txBody>
+          </p:sp>
+        </mc:Choice>
+        <mc:Fallback>
+          <p:sp>
+            <p:nvSpPr>
+              <p:cNvPr id="3" name="Content Placeholder 2"/>
+              <p:cNvSpPr>
+                <a:spLocks noGrp="1" noRot="1" noChangeAspect="1" noMove="1" noResize="1" noEditPoints="1" noAdjustHandles="1" noChangeArrowheads="1" noChangeShapeType="1" noTextEdit="1"/>
+              </p:cNvSpPr>
+              <p:nvPr>
+                <p:ph idx="1"/>
+              </p:nvPr>
+            </p:nvSpPr>
+            <p:spPr>
+              <a:blipFill rotWithShape="0">
+                <a:blip r:embed="rId2"/>
+                <a:stretch>
+                  <a:fillRect l="-519" t="-1500"/>
+                </a:stretch>
+              </a:blipFill>
+            </p:spPr>
+            <p:txBody>
+              <a:bodyPr/>
+              <a:lstStyle/>
+              <a:p>
+                <a:r>
+                  <a:rPr lang="en-US">
+                    <a:noFill/>
+                  </a:rPr>
+                  <a:t> </a:t>
+                </a:r>
+              </a:p>
+            </p:txBody>
+          </p:sp>
+        </mc:Fallback>
+      </mc:AlternateContent>
+      <p:pic>
+        <p:nvPicPr>
+          <p:cNvPr id="4" name="Picture 3"/>
+          <p:cNvPicPr>
+            <a:picLocks noChangeAspect="1"/>
+          </p:cNvPicPr>
+          <p:nvPr/>
+        </p:nvPicPr>
+        <p:blipFill>
+          <a:blip r:embed="rId3"/>
+          <a:stretch>
+            <a:fillRect/>
+          </a:stretch>
+        </p:blipFill>
+        <p:spPr>
+          <a:xfrm>
+            <a:off x="4038600" y="2590800"/>
+            <a:ext cx="4991099" cy="1600200"/>
+          </a:xfrm>
+          <a:prstGeom prst="rect">
+            <a:avLst/>
+          </a:prstGeom>
+        </p:spPr>
+      </p:pic>
+    </p:spTree>
+    <p:extLst>
+      <p:ext uri="{BB962C8B-B14F-4D97-AF65-F5344CB8AC3E}">
+        <p14:creationId xmlns:p14="http://schemas.microsoft.com/office/powerpoint/2010/main" val="310544956"/>
+      </p:ext>
+    </p:extLst>
+  </p:cSld>
+  <p:clrMapOvr>
+    <a:masterClrMapping/>
+  </p:clrMapOvr>
+  <p:timing>
+    <p:tnLst>
+      <p:par>
+        <p:cTn id="1" dur="indefinite" restart="never" nodeType="tmRoot"/>
+      </p:par>
+    </p:tnLst>
+  </p:timing>
+</p:sld>
+</file>
+
+<file path=ppt/slides/slide54.xml><?xml version="1.0" encoding="utf-8"?>
+<p:sld xmlns:a="http://schemas.openxmlformats.org/drawingml/2006/main" xmlns:r="http://schemas.openxmlformats.org/officeDocument/2006/relationships" xmlns:p="http://schemas.openxmlformats.org/presentationml/2006/main">
+  <p:cSld>
+    <p:spTree>
+      <p:nvGrpSpPr>
+        <p:cNvPr id="1" name=""/>
+        <p:cNvGrpSpPr/>
+        <p:nvPr/>
+      </p:nvGrpSpPr>
+      <p:grpSpPr>
+        <a:xfrm>
+          <a:off x="0" y="0"/>
+          <a:ext cx="0" cy="0"/>
+          <a:chOff x="0" y="0"/>
+          <a:chExt cx="0" cy="0"/>
+        </a:xfrm>
+      </p:grpSpPr>
+      <p:sp>
+        <p:nvSpPr>
+          <p:cNvPr id="2" name="Title 1"/>
+          <p:cNvSpPr>
+            <a:spLocks noGrp="1"/>
+          </p:cNvSpPr>
+          <p:nvPr>
+            <p:ph type="title"/>
+          </p:nvPr>
+        </p:nvSpPr>
+        <p:spPr/>
+        <p:txBody>
+          <a:bodyPr/>
+          <a:lstStyle/>
+          <a:p>
+            <a:pPr algn="ctr"/>
+            <a:r>
+              <a:rPr lang="en-US" dirty="0" smtClean="0"/>
+              <a:t>Results - Partitioning</a:t>
+            </a:r>
+            <a:endParaRPr lang="en-US" dirty="0"/>
+          </a:p>
+        </p:txBody>
+      </p:sp>
+      <p:sp>
+        <p:nvSpPr>
+          <p:cNvPr id="3" name="Content Placeholder 2"/>
+          <p:cNvSpPr>
+            <a:spLocks noGrp="1"/>
+          </p:cNvSpPr>
+          <p:nvPr>
+            <p:ph idx="1"/>
+          </p:nvPr>
+        </p:nvSpPr>
+        <p:spPr/>
+        <p:txBody>
+          <a:bodyPr/>
+          <a:lstStyle/>
+          <a:p>
+            <a:r>
+              <a:rPr lang="en-US" dirty="0" smtClean="0"/>
+              <a:t>A study of the effects on partitioning was conducted</a:t>
+            </a:r>
+          </a:p>
+          <a:p>
+            <a:r>
+              <a:rPr lang="en-US" dirty="0" smtClean="0"/>
+              <a:t>All previous simulation parameters used</a:t>
+            </a:r>
+          </a:p>
+          <a:p>
+            <a:r>
+              <a:rPr lang="en-US" dirty="0" smtClean="0"/>
+              <a:t>10% of injected pulses were METs</a:t>
+            </a:r>
+          </a:p>
+          <a:p>
+            <a:r>
+              <a:rPr lang="en-US" dirty="0" smtClean="0"/>
+              <a:t>Partitioning allowed for a reduction in simulation time</a:t>
+            </a:r>
+          </a:p>
+          <a:p>
+            <a:r>
+              <a:rPr lang="en-US" dirty="0" smtClean="0"/>
+              <a:t>Suffers from the law of diminishing returns </a:t>
+            </a:r>
+            <a:endParaRPr lang="en-US" dirty="0"/>
+          </a:p>
+        </p:txBody>
+      </p:sp>
+      <p:pic>
+        <p:nvPicPr>
+          <p:cNvPr id="4" name="Picture 3"/>
+          <p:cNvPicPr>
+            <a:picLocks noChangeAspect="1"/>
+          </p:cNvPicPr>
+          <p:nvPr/>
+        </p:nvPicPr>
+        <p:blipFill>
+          <a:blip r:embed="rId2"/>
+          <a:stretch>
+            <a:fillRect/>
+          </a:stretch>
+        </p:blipFill>
+        <p:spPr>
+          <a:xfrm>
+            <a:off x="1371600" y="3810000"/>
+            <a:ext cx="6462859" cy="2438400"/>
+          </a:xfrm>
+          <a:prstGeom prst="rect">
+            <a:avLst/>
+          </a:prstGeom>
+        </p:spPr>
+      </p:pic>
+    </p:spTree>
+    <p:extLst>
+      <p:ext uri="{BB962C8B-B14F-4D97-AF65-F5344CB8AC3E}">
+        <p14:creationId xmlns:p14="http://schemas.microsoft.com/office/powerpoint/2010/main" val="2325945730"/>
+      </p:ext>
+    </p:extLst>
+  </p:cSld>
+  <p:clrMapOvr>
+    <a:masterClrMapping/>
+  </p:clrMapOvr>
+</p:sld>
+</file>
+
+<file path=ppt/slides/slide55.xml><?xml version="1.0" encoding="utf-8"?>
+<p:sld xmlns:a="http://schemas.openxmlformats.org/drawingml/2006/main" xmlns:r="http://schemas.openxmlformats.org/officeDocument/2006/relationships" xmlns:p="http://schemas.openxmlformats.org/presentationml/2006/main">
+  <p:cSld>
+    <p:spTree>
+      <p:nvGrpSpPr>
+        <p:cNvPr id="1" name=""/>
+        <p:cNvGrpSpPr/>
+        <p:nvPr/>
+      </p:nvGrpSpPr>
+      <p:grpSpPr>
+        <a:xfrm>
+          <a:off x="0" y="0"/>
+          <a:ext cx="0" cy="0"/>
+          <a:chOff x="0" y="0"/>
+          <a:chExt cx="0" cy="0"/>
+        </a:xfrm>
+      </p:grpSpPr>
+      <p:sp>
+        <p:nvSpPr>
+          <p:cNvPr id="2" name="Title 1"/>
+          <p:cNvSpPr>
+            <a:spLocks noGrp="1"/>
+          </p:cNvSpPr>
+          <p:nvPr>
+            <p:ph type="title"/>
+          </p:nvPr>
+        </p:nvSpPr>
+        <p:spPr/>
+        <p:txBody>
+          <a:bodyPr/>
+          <a:lstStyle/>
+          <a:p>
+            <a:pPr algn="ctr"/>
+            <a:r>
+              <a:rPr lang="en-US" dirty="0" smtClean="0"/>
+              <a:t>Conclusion</a:t>
+            </a:r>
+            <a:endParaRPr lang="en-US" dirty="0"/>
+          </a:p>
+        </p:txBody>
+      </p:sp>
+      <p:sp>
+        <p:nvSpPr>
+          <p:cNvPr id="3" name="Content Placeholder 2"/>
+          <p:cNvSpPr>
+            <a:spLocks noGrp="1"/>
+          </p:cNvSpPr>
+          <p:nvPr>
+            <p:ph idx="1"/>
+          </p:nvPr>
+        </p:nvSpPr>
+        <p:spPr/>
+        <p:txBody>
+          <a:bodyPr/>
+          <a:lstStyle/>
+          <a:p>
+            <a:r>
+              <a:rPr lang="en-US" dirty="0" smtClean="0"/>
+              <a:t>Soft errors are a concern in circuit design</a:t>
+            </a:r>
+          </a:p>
+          <a:p>
+            <a:r>
+              <a:rPr lang="en-US" dirty="0" smtClean="0"/>
+              <a:t>New circuit designs and simulation tools are required to handle increasing error rate</a:t>
+            </a:r>
+          </a:p>
+          <a:p>
+            <a:r>
+              <a:rPr lang="en-US" dirty="0" smtClean="0"/>
+              <a:t>For the </a:t>
+            </a:r>
+            <a:r>
+              <a:rPr lang="en-US" dirty="0" smtClean="0"/>
+              <a:t>defense the following were discussed</a:t>
+            </a:r>
+            <a:endParaRPr lang="en-US" dirty="0" smtClean="0"/>
+          </a:p>
+          <a:p>
+            <a:pPr lvl="1"/>
+            <a:r>
+              <a:rPr lang="en-US" dirty="0" smtClean="0"/>
+              <a:t>A DNU tolerant latch suitable for clock gating</a:t>
+            </a:r>
+          </a:p>
+          <a:p>
+            <a:pPr lvl="1"/>
+            <a:r>
+              <a:rPr lang="en-US" dirty="0" smtClean="0"/>
+              <a:t>A simulation tool that calculates the SER using BDDs and an accurate electrical masking model</a:t>
+            </a:r>
+          </a:p>
+          <a:p>
+            <a:pPr lvl="1"/>
+            <a:r>
+              <a:rPr lang="en-US" dirty="0" smtClean="0"/>
+              <a:t>An accurate equivalent circuit model for determining the pulse shape</a:t>
+            </a:r>
+          </a:p>
+          <a:p>
+            <a:endParaRPr lang="en-US" dirty="0"/>
+          </a:p>
+        </p:txBody>
+      </p:sp>
+    </p:spTree>
+    <p:extLst>
+      <p:ext uri="{BB962C8B-B14F-4D97-AF65-F5344CB8AC3E}">
+        <p14:creationId xmlns:p14="http://schemas.microsoft.com/office/powerpoint/2010/main" val="495113176"/>
       </p:ext>
     </p:extLst>
   </p:cSld>
@@ -6519,7 +15322,6 @@
               <a:rPr lang="en-US" dirty="0" smtClean="0"/>
               <a:t>No high impedance states after a DNU </a:t>
             </a:r>
-            <a:endParaRPr lang="en-US" dirty="0" smtClean="0"/>
           </a:p>
           <a:p>
             <a:endParaRPr lang="en-US" dirty="0"/>

--- a/Dissertation/Dissertation Defense/Dissertation Defense.pptx
+++ b/Dissertation/Dissertation Defense/Dissertation Defense.pptx
@@ -30,36 +30,40 @@
     <p:sldId id="310" r:id="rId24"/>
     <p:sldId id="311" r:id="rId25"/>
     <p:sldId id="312" r:id="rId26"/>
-    <p:sldId id="314" r:id="rId27"/>
-    <p:sldId id="313" r:id="rId28"/>
-    <p:sldId id="316" r:id="rId29"/>
-    <p:sldId id="317" r:id="rId30"/>
-    <p:sldId id="318" r:id="rId31"/>
-    <p:sldId id="319" r:id="rId32"/>
-    <p:sldId id="320" r:id="rId33"/>
-    <p:sldId id="321" r:id="rId34"/>
-    <p:sldId id="322" r:id="rId35"/>
-    <p:sldId id="323" r:id="rId36"/>
-    <p:sldId id="324" r:id="rId37"/>
-    <p:sldId id="315" r:id="rId38"/>
-    <p:sldId id="325" r:id="rId39"/>
-    <p:sldId id="332" r:id="rId40"/>
-    <p:sldId id="326" r:id="rId41"/>
-    <p:sldId id="327" r:id="rId42"/>
-    <p:sldId id="328" r:id="rId43"/>
-    <p:sldId id="329" r:id="rId44"/>
-    <p:sldId id="330" r:id="rId45"/>
-    <p:sldId id="331" r:id="rId46"/>
-    <p:sldId id="333" r:id="rId47"/>
-    <p:sldId id="334" r:id="rId48"/>
-    <p:sldId id="335" r:id="rId49"/>
-    <p:sldId id="336" r:id="rId50"/>
-    <p:sldId id="340" r:id="rId51"/>
-    <p:sldId id="342" r:id="rId52"/>
-    <p:sldId id="339" r:id="rId53"/>
-    <p:sldId id="338" r:id="rId54"/>
-    <p:sldId id="341" r:id="rId55"/>
-    <p:sldId id="291" r:id="rId56"/>
+    <p:sldId id="345" r:id="rId27"/>
+    <p:sldId id="314" r:id="rId28"/>
+    <p:sldId id="313" r:id="rId29"/>
+    <p:sldId id="316" r:id="rId30"/>
+    <p:sldId id="317" r:id="rId31"/>
+    <p:sldId id="318" r:id="rId32"/>
+    <p:sldId id="319" r:id="rId33"/>
+    <p:sldId id="320" r:id="rId34"/>
+    <p:sldId id="321" r:id="rId35"/>
+    <p:sldId id="322" r:id="rId36"/>
+    <p:sldId id="323" r:id="rId37"/>
+    <p:sldId id="324" r:id="rId38"/>
+    <p:sldId id="347" r:id="rId39"/>
+    <p:sldId id="315" r:id="rId40"/>
+    <p:sldId id="325" r:id="rId41"/>
+    <p:sldId id="332" r:id="rId42"/>
+    <p:sldId id="326" r:id="rId43"/>
+    <p:sldId id="327" r:id="rId44"/>
+    <p:sldId id="328" r:id="rId45"/>
+    <p:sldId id="343" r:id="rId46"/>
+    <p:sldId id="329" r:id="rId47"/>
+    <p:sldId id="330" r:id="rId48"/>
+    <p:sldId id="331" r:id="rId49"/>
+    <p:sldId id="333" r:id="rId50"/>
+    <p:sldId id="334" r:id="rId51"/>
+    <p:sldId id="335" r:id="rId52"/>
+    <p:sldId id="336" r:id="rId53"/>
+    <p:sldId id="340" r:id="rId54"/>
+    <p:sldId id="342" r:id="rId55"/>
+    <p:sldId id="339" r:id="rId56"/>
+    <p:sldId id="338" r:id="rId57"/>
+    <p:sldId id="341" r:id="rId58"/>
+    <p:sldId id="346" r:id="rId59"/>
+    <p:sldId id="291" r:id="rId60"/>
   </p:sldIdLst>
   <p:sldSz cx="9144000" cy="6858000" type="screen4x3"/>
   <p:notesSz cx="6858000" cy="9144000"/>
@@ -366,7 +370,7 @@
             <a:fld id="{786423F5-F636-4F8D-8C93-CA00FBEE23CC}" type="datetimeFigureOut">
               <a:rPr lang="en-US" smtClean="0"/>
               <a:pPr/>
-              <a:t>10/31/2016</a:t>
+              <a:t>11/2/2016</a:t>
             </a:fld>
             <a:endParaRPr lang="en-US"/>
           </a:p>
@@ -578,7 +582,7 @@
             <a:fld id="{786423F5-F636-4F8D-8C93-CA00FBEE23CC}" type="datetimeFigureOut">
               <a:rPr lang="en-US" smtClean="0"/>
               <a:pPr/>
-              <a:t>10/31/2016</a:t>
+              <a:t>11/2/2016</a:t>
             </a:fld>
             <a:endParaRPr lang="en-US"/>
           </a:p>
@@ -745,7 +749,7 @@
             <a:fld id="{786423F5-F636-4F8D-8C93-CA00FBEE23CC}" type="datetimeFigureOut">
               <a:rPr lang="en-US" smtClean="0"/>
               <a:pPr/>
-              <a:t>10/31/2016</a:t>
+              <a:t>11/2/2016</a:t>
             </a:fld>
             <a:endParaRPr lang="en-US"/>
           </a:p>
@@ -1030,7 +1034,7 @@
             <a:fld id="{786423F5-F636-4F8D-8C93-CA00FBEE23CC}" type="datetimeFigureOut">
               <a:rPr lang="en-US" smtClean="0"/>
               <a:pPr/>
-              <a:t>10/31/2016</a:t>
+              <a:t>11/2/2016</a:t>
             </a:fld>
             <a:endParaRPr lang="en-US"/>
           </a:p>
@@ -1498,7 +1502,7 @@
             <a:fld id="{786423F5-F636-4F8D-8C93-CA00FBEE23CC}" type="datetimeFigureOut">
               <a:rPr lang="en-US" smtClean="0"/>
               <a:pPr/>
-              <a:t>10/31/2016</a:t>
+              <a:t>11/2/2016</a:t>
             </a:fld>
             <a:endParaRPr lang="en-US"/>
           </a:p>
@@ -1648,7 +1652,7 @@
             <a:fld id="{786423F5-F636-4F8D-8C93-CA00FBEE23CC}" type="datetimeFigureOut">
               <a:rPr lang="en-US" smtClean="0"/>
               <a:pPr/>
-              <a:t>10/31/2016</a:t>
+              <a:t>11/2/2016</a:t>
             </a:fld>
             <a:endParaRPr lang="en-US"/>
           </a:p>
@@ -1740,7 +1744,7 @@
             <a:fld id="{786423F5-F636-4F8D-8C93-CA00FBEE23CC}" type="datetimeFigureOut">
               <a:rPr lang="en-US" smtClean="0"/>
               <a:pPr/>
-              <a:t>10/31/2016</a:t>
+              <a:t>11/2/2016</a:t>
             </a:fld>
             <a:endParaRPr lang="en-US"/>
           </a:p>
@@ -2016,7 +2020,7 @@
             <a:fld id="{786423F5-F636-4F8D-8C93-CA00FBEE23CC}" type="datetimeFigureOut">
               <a:rPr lang="en-US" smtClean="0"/>
               <a:pPr/>
-              <a:t>10/31/2016</a:t>
+              <a:t>11/2/2016</a:t>
             </a:fld>
             <a:endParaRPr lang="en-US"/>
           </a:p>
@@ -2323,7 +2327,7 @@
             <a:fld id="{786423F5-F636-4F8D-8C93-CA00FBEE23CC}" type="datetimeFigureOut">
               <a:rPr lang="en-US" smtClean="0"/>
               <a:pPr/>
-              <a:t>10/31/2016</a:t>
+              <a:t>11/2/2016</a:t>
             </a:fld>
             <a:endParaRPr lang="en-US"/>
           </a:p>
@@ -2490,7 +2494,7 @@
             <a:fld id="{786423F5-F636-4F8D-8C93-CA00FBEE23CC}" type="datetimeFigureOut">
               <a:rPr lang="en-US" smtClean="0"/>
               <a:pPr/>
-              <a:t>10/31/2016</a:t>
+              <a:t>11/2/2016</a:t>
             </a:fld>
             <a:endParaRPr lang="en-US"/>
           </a:p>
@@ -2790,7 +2794,7 @@
             <a:fld id="{786423F5-F636-4F8D-8C93-CA00FBEE23CC}" type="datetimeFigureOut">
               <a:rPr lang="en-US" smtClean="0"/>
               <a:pPr/>
-              <a:t>10/31/2016</a:t>
+              <a:t>11/2/2016</a:t>
             </a:fld>
             <a:endParaRPr lang="en-US"/>
           </a:p>
@@ -3452,6 +3456,13 @@
   <p:clrMapOvr>
     <a:masterClrMapping/>
   </p:clrMapOvr>
+  <p:timing>
+    <p:tnLst>
+      <p:par>
+        <p:cTn id="1" dur="indefinite" restart="never" nodeType="tmRoot"/>
+      </p:par>
+    </p:tnLst>
+  </p:timing>
 </p:sld>
 </file>
 
@@ -3822,6 +3833,13 @@
   <p:clrMapOvr>
     <a:masterClrMapping/>
   </p:clrMapOvr>
+  <p:timing>
+    <p:tnLst>
+      <p:par>
+        <p:cTn id="1" dur="indefinite" restart="never" nodeType="tmRoot"/>
+      </p:par>
+    </p:tnLst>
+  </p:timing>
 </p:sld>
 </file>
 
@@ -4064,6 +4082,13 @@
   <p:clrMapOvr>
     <a:masterClrMapping/>
   </p:clrMapOvr>
+  <p:timing>
+    <p:tnLst>
+      <p:par>
+        <p:cTn id="1" dur="indefinite" restart="never" nodeType="tmRoot"/>
+      </p:par>
+    </p:tnLst>
+  </p:timing>
 </p:sld>
 </file>
 
@@ -4279,6 +4304,13 @@
   <p:clrMapOvr>
     <a:masterClrMapping/>
   </p:clrMapOvr>
+  <p:timing>
+    <p:tnLst>
+      <p:par>
+        <p:cTn id="1" dur="indefinite" restart="never" nodeType="tmRoot"/>
+      </p:par>
+    </p:tnLst>
+  </p:timing>
 </p:sld>
 </file>
 
@@ -4440,6 +4472,13 @@
   <p:clrMapOvr>
     <a:masterClrMapping/>
   </p:clrMapOvr>
+  <p:timing>
+    <p:tnLst>
+      <p:par>
+        <p:cTn id="1" dur="indefinite" restart="never" nodeType="tmRoot"/>
+      </p:par>
+    </p:tnLst>
+  </p:timing>
 </p:sld>
 </file>
 
@@ -4566,6 +4605,13 @@
   <p:clrMapOvr>
     <a:masterClrMapping/>
   </p:clrMapOvr>
+  <p:timing>
+    <p:tnLst>
+      <p:par>
+        <p:cTn id="1" dur="indefinite" restart="never" nodeType="tmRoot"/>
+      </p:par>
+    </p:tnLst>
+  </p:timing>
 </p:sld>
 </file>
 
@@ -5592,6 +5638,13 @@
   <p:clrMapOvr>
     <a:masterClrMapping/>
   </p:clrMapOvr>
+  <p:timing>
+    <p:tnLst>
+      <p:par>
+        <p:cTn id="1" dur="indefinite" restart="never" nodeType="tmRoot"/>
+      </p:par>
+    </p:tnLst>
+  </p:timing>
 </p:sld>
 </file>
 
@@ -5666,15 +5719,7 @@
             <a:pPr lvl="1"/>
             <a:r>
               <a:rPr lang="en-US" dirty="0" smtClean="0"/>
-              <a:t>Triple Node Upset – one or more particles causing </a:t>
-            </a:r>
-            <a:r>
-              <a:rPr lang="en-US" smtClean="0"/>
-              <a:t>3 simultaneous transient </a:t>
-            </a:r>
-            <a:r>
-              <a:rPr lang="en-US" dirty="0" smtClean="0"/>
-              <a:t>pulses</a:t>
+              <a:t>Triple Node Upset – one or more particles causing 3 simultaneous transient pulses</a:t>
             </a:r>
           </a:p>
           <a:p>
@@ -5811,7 +5856,7 @@
           <a:p>
             <a:r>
               <a:rPr lang="en-US" dirty="0" smtClean="0"/>
-              <a:t>Requires a 35% transistor overhead compared to HRDNUT</a:t>
+              <a:t>Requires a 35% transistor overhead compared to the HRDNUT block latch</a:t>
             </a:r>
             <a:endParaRPr lang="en-US" dirty="0"/>
           </a:p>
@@ -6100,7 +6145,7 @@
           <a:p>
             <a:r>
               <a:rPr lang="en-US" dirty="0" smtClean="0"/>
-              <a:t>Robust Latch for Multiple Node Upsets</a:t>
+              <a:t>Robust Latches for Multiple Node Upsets</a:t>
             </a:r>
           </a:p>
           <a:p>
@@ -6112,7 +6157,7 @@
           <a:p>
             <a:r>
               <a:rPr lang="en-US" dirty="0" smtClean="0"/>
-              <a:t>Accurate Soft Error Simulation Using Partitioning</a:t>
+              <a:t>Accurate Soft Error Simulator Using Partitioning</a:t>
             </a:r>
           </a:p>
           <a:p>
@@ -6435,9 +6480,12 @@
             </a:r>
             <a:r>
               <a:rPr lang="en-US" i="1" dirty="0" smtClean="0"/>
-              <a:t>n5</a:t>
-            </a:r>
-            <a:endParaRPr lang="en-US" dirty="0" smtClean="0"/>
+              <a:t>n5 </a:t>
+            </a:r>
+            <a:r>
+              <a:rPr lang="en-US" dirty="0" smtClean="0"/>
+              <a:t>(blue)</a:t>
+            </a:r>
           </a:p>
           <a:p>
             <a:pPr lvl="1"/>
@@ -6482,9 +6530,12 @@
             </a:r>
             <a:r>
               <a:rPr lang="en-US" i="1" dirty="0" smtClean="0"/>
-              <a:t>n6</a:t>
-            </a:r>
-            <a:endParaRPr lang="en-US" dirty="0" smtClean="0"/>
+              <a:t>n6 </a:t>
+            </a:r>
+            <a:r>
+              <a:rPr lang="en-US" dirty="0" smtClean="0"/>
+              <a:t>(red)</a:t>
+            </a:r>
           </a:p>
           <a:p>
             <a:pPr lvl="1"/>
@@ -6529,9 +6580,12 @@
             </a:r>
             <a:r>
               <a:rPr lang="en-US" i="1" dirty="0" smtClean="0"/>
-              <a:t>out</a:t>
-            </a:r>
-            <a:endParaRPr lang="en-US" dirty="0" smtClean="0"/>
+              <a:t>out </a:t>
+            </a:r>
+            <a:r>
+              <a:rPr lang="en-US" dirty="0" smtClean="0"/>
+              <a:t>(out)</a:t>
+            </a:r>
           </a:p>
           <a:p>
             <a:pPr lvl="1"/>
@@ -6685,7 +6739,7 @@
             <a:pPr algn="ctr"/>
             <a:r>
               <a:rPr lang="en-US" dirty="0" smtClean="0"/>
-              <a:t>TNU Latch Implemented</a:t>
+              <a:t>TNU Tolerant Latch Implementation</a:t>
             </a:r>
             <a:endParaRPr lang="en-US" dirty="0"/>
           </a:p>
@@ -6770,7 +6824,7 @@
           <a:p>
             <a:r>
               <a:rPr lang="en-US" dirty="0" smtClean="0"/>
-              <a:t>Consumes 60% more power with double area and delay overheads</a:t>
+              <a:t>Consumes 60% more power with double area and delay overheads compared to the HRDNUT</a:t>
             </a:r>
           </a:p>
           <a:p>
@@ -6789,6 +6843,13 @@
   <p:clrMapOvr>
     <a:masterClrMapping/>
   </p:clrMapOvr>
+  <p:timing>
+    <p:tnLst>
+      <p:par>
+        <p:cTn id="1" dur="indefinite" restart="never" nodeType="tmRoot"/>
+      </p:par>
+    </p:tnLst>
+  </p:timing>
 </p:sld>
 </file>
 
@@ -6858,7 +6919,7 @@
             </a:r>
             <a:r>
               <a:rPr lang="en-US" dirty="0" smtClean="0"/>
-              <a:t> error require </a:t>
+              <a:t> errors require </a:t>
             </a:r>
             <a:r>
               <a:rPr lang="en-US" i="1" dirty="0" smtClean="0"/>
@@ -6886,7 +6947,7 @@
           <a:p>
             <a:r>
               <a:rPr lang="en-US" dirty="0" smtClean="0"/>
-              <a:t>At least one block with two Muller c-elements with </a:t>
+              <a:t>At least one block has two Muller c-elements with </a:t>
             </a:r>
             <a:r>
               <a:rPr lang="en-US" i="1" dirty="0" smtClean="0"/>
@@ -6948,6 +7009,13 @@
   <p:clrMapOvr>
     <a:masterClrMapping/>
   </p:clrMapOvr>
+  <p:timing>
+    <p:tnLst>
+      <p:par>
+        <p:cTn id="1" dur="indefinite" restart="never" nodeType="tmRoot"/>
+      </p:par>
+    </p:tnLst>
+  </p:timing>
 </p:sld>
 </file>
 
@@ -7077,7 +7145,7 @@
           <a:p>
             <a:r>
               <a:rPr lang="en-US" dirty="0" smtClean="0"/>
-              <a:t>Vulnerable to error during filtering stage</a:t>
+              <a:t>Vulnerable to error during the filtering stage</a:t>
             </a:r>
           </a:p>
           <a:p>
@@ -7164,6 +7232,13 @@
   <p:clrMapOvr>
     <a:masterClrMapping/>
   </p:clrMapOvr>
+  <p:timing>
+    <p:tnLst>
+      <p:par>
+        <p:cTn id="1" dur="indefinite" restart="never" nodeType="tmRoot"/>
+      </p:par>
+    </p:tnLst>
+  </p:timing>
 </p:sld>
 </file>
 
@@ -7388,6 +7463,13 @@
   <p:clrMapOvr>
     <a:masterClrMapping/>
   </p:clrMapOvr>
+  <p:timing>
+    <p:tnLst>
+      <p:par>
+        <p:cTn id="1" dur="indefinite" restart="never" nodeType="tmRoot"/>
+      </p:par>
+    </p:tnLst>
+  </p:timing>
 </p:sld>
 </file>
 
@@ -7410,7 +7492,7 @@
       </p:grpSpPr>
       <p:sp>
         <p:nvSpPr>
-          <p:cNvPr id="3" name="Title 2"/>
+          <p:cNvPr id="2" name="Title 1"/>
           <p:cNvSpPr>
             <a:spLocks noGrp="1"/>
           </p:cNvSpPr>
@@ -7426,7 +7508,7 @@
             <a:pPr algn="ctr"/>
             <a:r>
               <a:rPr lang="en-US" dirty="0" smtClean="0"/>
-              <a:t>Outline</a:t>
+              <a:t>Latch Designs - Conclusion</a:t>
             </a:r>
             <a:endParaRPr lang="en-US" dirty="0"/>
           </a:p>
@@ -7434,7 +7516,7 @@
       </p:sp>
       <p:sp>
         <p:nvSpPr>
-          <p:cNvPr id="2" name="Content Placeholder 1"/>
+          <p:cNvPr id="3" name="Content Placeholder 2"/>
           <p:cNvSpPr>
             <a:spLocks noGrp="1"/>
           </p:cNvSpPr>
@@ -7449,43 +7531,74 @@
           <a:p>
             <a:r>
               <a:rPr lang="en-US" dirty="0" smtClean="0"/>
-              <a:t>Introduction</a:t>
-            </a:r>
-          </a:p>
-          <a:p>
-            <a:r>
-              <a:rPr lang="en-US" dirty="0" smtClean="0"/>
-              <a:t>Robust Latch for Multiple Node Upsets</a:t>
-            </a:r>
-          </a:p>
-          <a:p>
-            <a:r>
-              <a:rPr lang="en-US" b="1" dirty="0" smtClean="0">
-                <a:solidFill>
-                  <a:srgbClr val="FF0000"/>
-                </a:solidFill>
-              </a:rPr>
-              <a:t>Analytical Approximation Model for Multiple Transients</a:t>
-            </a:r>
-          </a:p>
-          <a:p>
-            <a:r>
-              <a:rPr lang="en-US" dirty="0" smtClean="0"/>
-              <a:t>Accurate Soft Error Simulation Using Partitioning</a:t>
-            </a:r>
-          </a:p>
-          <a:p>
-            <a:r>
-              <a:rPr lang="en-US" dirty="0" smtClean="0"/>
-              <a:t>Conclusion</a:t>
-            </a:r>
+              <a:t>The HRDNUT was proposed which is DNU robust</a:t>
+            </a:r>
+          </a:p>
+          <a:p>
+            <a:pPr lvl="1"/>
+            <a:r>
+              <a:rPr lang="en-US" dirty="0"/>
+              <a:t>Consumes 11.3% less power and reduces the delay by 72.5% compared to the modified DONUT latch</a:t>
+            </a:r>
+          </a:p>
+          <a:p>
+            <a:pPr lvl="1"/>
+            <a:r>
+              <a:rPr lang="en-US" dirty="0"/>
+              <a:t>Suitable for high radiation environments where clock gating is </a:t>
+            </a:r>
+            <a:r>
+              <a:rPr lang="en-US" dirty="0" smtClean="0"/>
+              <a:t>used</a:t>
+            </a:r>
+          </a:p>
+          <a:p>
+            <a:r>
+              <a:rPr lang="en-US" dirty="0" smtClean="0"/>
+              <a:t>A TNU tolerant latch was investigated</a:t>
+            </a:r>
+          </a:p>
+          <a:p>
+            <a:pPr lvl="1"/>
+            <a:r>
+              <a:rPr lang="en-US" dirty="0" smtClean="0"/>
+              <a:t>Consumes 60% more power compared to HRDNUT </a:t>
+            </a:r>
+          </a:p>
+          <a:p>
+            <a:pPr lvl="1"/>
+            <a:r>
+              <a:rPr lang="en-US" dirty="0" smtClean="0"/>
+              <a:t>Has double the delay and area</a:t>
+            </a:r>
+          </a:p>
+          <a:p>
+            <a:r>
+              <a:rPr lang="en-US" dirty="0" smtClean="0"/>
+              <a:t>A pulse filtering circuit was designed</a:t>
+            </a:r>
+          </a:p>
+          <a:p>
+            <a:pPr lvl="1"/>
+            <a:r>
+              <a:rPr lang="en-US" dirty="0" smtClean="0"/>
+              <a:t>Allows for the filtering of input pulses</a:t>
+            </a:r>
+          </a:p>
+          <a:p>
+            <a:pPr lvl="1"/>
+            <a:r>
+              <a:rPr lang="en-US" dirty="0" smtClean="0"/>
+              <a:t>Is tolerant to a single error during filtering mode</a:t>
+            </a:r>
+            <a:endParaRPr lang="en-US" dirty="0"/>
           </a:p>
         </p:txBody>
       </p:sp>
     </p:spTree>
     <p:extLst>
       <p:ext uri="{BB962C8B-B14F-4D97-AF65-F5344CB8AC3E}">
-        <p14:creationId xmlns:p14="http://schemas.microsoft.com/office/powerpoint/2010/main" val="2359374344"/>
+        <p14:creationId xmlns:p14="http://schemas.microsoft.com/office/powerpoint/2010/main" val="47800689"/>
       </p:ext>
     </p:extLst>
   </p:cSld>
@@ -7521,6 +7634,117 @@
       </p:grpSpPr>
       <p:sp>
         <p:nvSpPr>
+          <p:cNvPr id="3" name="Title 2"/>
+          <p:cNvSpPr>
+            <a:spLocks noGrp="1"/>
+          </p:cNvSpPr>
+          <p:nvPr>
+            <p:ph type="title"/>
+          </p:nvPr>
+        </p:nvSpPr>
+        <p:spPr/>
+        <p:txBody>
+          <a:bodyPr/>
+          <a:lstStyle/>
+          <a:p>
+            <a:pPr algn="ctr"/>
+            <a:r>
+              <a:rPr lang="en-US" dirty="0" smtClean="0"/>
+              <a:t>Outline</a:t>
+            </a:r>
+            <a:endParaRPr lang="en-US" dirty="0"/>
+          </a:p>
+        </p:txBody>
+      </p:sp>
+      <p:sp>
+        <p:nvSpPr>
+          <p:cNvPr id="2" name="Content Placeholder 1"/>
+          <p:cNvSpPr>
+            <a:spLocks noGrp="1"/>
+          </p:cNvSpPr>
+          <p:nvPr>
+            <p:ph idx="1"/>
+          </p:nvPr>
+        </p:nvSpPr>
+        <p:spPr/>
+        <p:txBody>
+          <a:bodyPr/>
+          <a:lstStyle/>
+          <a:p>
+            <a:r>
+              <a:rPr lang="en-US" dirty="0" smtClean="0"/>
+              <a:t>Introduction</a:t>
+            </a:r>
+          </a:p>
+          <a:p>
+            <a:r>
+              <a:rPr lang="en-US" dirty="0" smtClean="0"/>
+              <a:t>Robust Latch for Multiple Node Upsets</a:t>
+            </a:r>
+          </a:p>
+          <a:p>
+            <a:r>
+              <a:rPr lang="en-US" b="1" dirty="0" smtClean="0">
+                <a:solidFill>
+                  <a:srgbClr val="FF0000"/>
+                </a:solidFill>
+              </a:rPr>
+              <a:t>Analytical Approximation Model for Multiple Transients</a:t>
+            </a:r>
+          </a:p>
+          <a:p>
+            <a:r>
+              <a:rPr lang="en-US" dirty="0" smtClean="0"/>
+              <a:t>Accurate Soft Error Simulation Using Partitioning</a:t>
+            </a:r>
+          </a:p>
+          <a:p>
+            <a:r>
+              <a:rPr lang="en-US" dirty="0" smtClean="0"/>
+              <a:t>Conclusion</a:t>
+            </a:r>
+          </a:p>
+        </p:txBody>
+      </p:sp>
+    </p:spTree>
+    <p:extLst>
+      <p:ext uri="{BB962C8B-B14F-4D97-AF65-F5344CB8AC3E}">
+        <p14:creationId xmlns:p14="http://schemas.microsoft.com/office/powerpoint/2010/main" val="2359374344"/>
+      </p:ext>
+    </p:extLst>
+  </p:cSld>
+  <p:clrMapOvr>
+    <a:masterClrMapping/>
+  </p:clrMapOvr>
+  <p:timing>
+    <p:tnLst>
+      <p:par>
+        <p:cTn id="1" dur="indefinite" restart="never" nodeType="tmRoot"/>
+      </p:par>
+    </p:tnLst>
+  </p:timing>
+</p:sld>
+</file>
+
+<file path=ppt/slides/slide28.xml><?xml version="1.0" encoding="utf-8"?>
+<p:sld xmlns:a="http://schemas.openxmlformats.org/drawingml/2006/main" xmlns:r="http://schemas.openxmlformats.org/officeDocument/2006/relationships" xmlns:p="http://schemas.openxmlformats.org/presentationml/2006/main">
+  <p:cSld>
+    <p:spTree>
+      <p:nvGrpSpPr>
+        <p:cNvPr id="1" name=""/>
+        <p:cNvGrpSpPr/>
+        <p:nvPr/>
+      </p:nvGrpSpPr>
+      <p:grpSpPr>
+        <a:xfrm>
+          <a:off x="0" y="0"/>
+          <a:ext cx="0" cy="0"/>
+          <a:chOff x="0" y="0"/>
+          <a:chExt cx="0" cy="0"/>
+        </a:xfrm>
+      </p:grpSpPr>
+      <p:sp>
+        <p:nvSpPr>
           <p:cNvPr id="2" name="Title 1"/>
           <p:cNvSpPr>
             <a:spLocks noGrp="1"/>
@@ -7608,7 +7832,7 @@
             <a:pPr lvl="2"/>
             <a:r>
               <a:rPr lang="en-US" dirty="0" smtClean="0"/>
-              <a:t>More pulses – more errors on gates inputs</a:t>
+              <a:t>More generated pulses – more errors on gate inputs</a:t>
             </a:r>
           </a:p>
           <a:p>
@@ -7691,184 +7915,6 @@
     <p:extLst>
       <p:ext uri="{BB962C8B-B14F-4D97-AF65-F5344CB8AC3E}">
         <p14:creationId xmlns:p14="http://schemas.microsoft.com/office/powerpoint/2010/main" val="284788393"/>
-      </p:ext>
-    </p:extLst>
-  </p:cSld>
-  <p:clrMapOvr>
-    <a:masterClrMapping/>
-  </p:clrMapOvr>
-</p:sld>
-</file>
-
-<file path=ppt/slides/slide28.xml><?xml version="1.0" encoding="utf-8"?>
-<p:sld xmlns:a="http://schemas.openxmlformats.org/drawingml/2006/main" xmlns:r="http://schemas.openxmlformats.org/officeDocument/2006/relationships" xmlns:p="http://schemas.openxmlformats.org/presentationml/2006/main">
-  <p:cSld>
-    <p:spTree>
-      <p:nvGrpSpPr>
-        <p:cNvPr id="1" name=""/>
-        <p:cNvGrpSpPr/>
-        <p:nvPr/>
-      </p:nvGrpSpPr>
-      <p:grpSpPr>
-        <a:xfrm>
-          <a:off x="0" y="0"/>
-          <a:ext cx="0" cy="0"/>
-          <a:chOff x="0" y="0"/>
-          <a:chExt cx="0" cy="0"/>
-        </a:xfrm>
-      </p:grpSpPr>
-      <p:sp>
-        <p:nvSpPr>
-          <p:cNvPr id="2" name="Title 1"/>
-          <p:cNvSpPr>
-            <a:spLocks noGrp="1"/>
-          </p:cNvSpPr>
-          <p:nvPr>
-            <p:ph type="title"/>
-          </p:nvPr>
-        </p:nvSpPr>
-        <p:spPr/>
-        <p:txBody>
-          <a:bodyPr/>
-          <a:lstStyle/>
-          <a:p>
-            <a:pPr algn="ctr"/>
-            <a:r>
-              <a:rPr lang="en-US" dirty="0" smtClean="0"/>
-              <a:t>Analytical Approximation Model</a:t>
-            </a:r>
-            <a:endParaRPr lang="en-US" dirty="0"/>
-          </a:p>
-        </p:txBody>
-      </p:sp>
-      <p:sp>
-        <p:nvSpPr>
-          <p:cNvPr id="3" name="Content Placeholder 2"/>
-          <p:cNvSpPr>
-            <a:spLocks noGrp="1"/>
-          </p:cNvSpPr>
-          <p:nvPr>
-            <p:ph idx="1"/>
-          </p:nvPr>
-        </p:nvSpPr>
-        <p:spPr>
-          <a:xfrm>
-            <a:off x="457200" y="1600200"/>
-            <a:ext cx="8305800" cy="4876800"/>
-          </a:xfrm>
-        </p:spPr>
-        <p:txBody>
-          <a:bodyPr/>
-          <a:lstStyle/>
-          <a:p>
-            <a:r>
-              <a:rPr lang="en-US" dirty="0" smtClean="0"/>
-              <a:t>Based on an existing method for a single pulse</a:t>
-            </a:r>
-          </a:p>
-          <a:p>
-            <a:r>
-              <a:rPr lang="en-US" dirty="0" smtClean="0"/>
-              <a:t>Does not fit using a predetermined shape</a:t>
-            </a:r>
-          </a:p>
-          <a:p>
-            <a:r>
-              <a:rPr lang="en-US" dirty="0" smtClean="0"/>
-              <a:t>Approximates voltage by iterating over time</a:t>
-            </a:r>
-          </a:p>
-          <a:p>
-            <a:r>
-              <a:rPr lang="en-US" dirty="0" smtClean="0"/>
-              <a:t>Uses look up tables for the transistor current</a:t>
-            </a:r>
-          </a:p>
-          <a:p>
-            <a:r>
-              <a:rPr lang="en-US" dirty="0" smtClean="0"/>
-              <a:t>Uses static Miller and load capacitances</a:t>
-            </a:r>
-          </a:p>
-          <a:p>
-            <a:r>
-              <a:rPr lang="en-US" dirty="0" smtClean="0"/>
-              <a:t>Can consider multiple pulses on inputs </a:t>
-            </a:r>
-          </a:p>
-          <a:p>
-            <a:r>
-              <a:rPr lang="en-US" dirty="0" smtClean="0"/>
-              <a:t>Most accurate existing method for multiple pulses</a:t>
-            </a:r>
-            <a:endParaRPr lang="en-US" dirty="0"/>
-          </a:p>
-        </p:txBody>
-      </p:sp>
-      <p:pic>
-        <p:nvPicPr>
-          <p:cNvPr id="4" name="Picture 3"/>
-          <p:cNvPicPr>
-            <a:picLocks noChangeAspect="1"/>
-          </p:cNvPicPr>
-          <p:nvPr/>
-        </p:nvPicPr>
-        <p:blipFill>
-          <a:blip r:embed="rId2" cstate="print">
-            <a:extLst>
-              <a:ext uri="{28A0092B-C50C-407E-A947-70E740481C1C}">
-                <a14:useLocalDpi xmlns:a14="http://schemas.microsoft.com/office/drawing/2010/main" val="0"/>
-              </a:ext>
-            </a:extLst>
-          </a:blip>
-          <a:stretch>
-            <a:fillRect/>
-          </a:stretch>
-        </p:blipFill>
-        <p:spPr>
-          <a:xfrm>
-            <a:off x="1446711" y="4800600"/>
-            <a:ext cx="3200400" cy="1600201"/>
-          </a:xfrm>
-          <a:prstGeom prst="rect">
-            <a:avLst/>
-          </a:prstGeom>
-        </p:spPr>
-      </p:pic>
-      <p:sp>
-        <p:nvSpPr>
-          <p:cNvPr id="5" name="TextBox 4"/>
-          <p:cNvSpPr txBox="1"/>
-          <p:nvPr/>
-        </p:nvSpPr>
-        <p:spPr>
-          <a:xfrm>
-            <a:off x="3505200" y="6019800"/>
-            <a:ext cx="2590800" cy="646331"/>
-          </a:xfrm>
-          <a:prstGeom prst="rect">
-            <a:avLst/>
-          </a:prstGeom>
-          <a:noFill/>
-        </p:spPr>
-        <p:txBody>
-          <a:bodyPr wrap="square" rtlCol="0">
-            <a:spAutoFit/>
-          </a:bodyPr>
-          <a:lstStyle/>
-          <a:p>
-            <a:r>
-              <a:rPr lang="en-US" dirty="0" smtClean="0"/>
-              <a:t>Multiple Transient Pulses on Gate Input</a:t>
-            </a:r>
-            <a:endParaRPr lang="en-US" dirty="0"/>
-          </a:p>
-        </p:txBody>
-      </p:sp>
-    </p:spTree>
-    <p:extLst>
-      <p:ext uri="{BB962C8B-B14F-4D97-AF65-F5344CB8AC3E}">
-        <p14:creationId xmlns:p14="http://schemas.microsoft.com/office/powerpoint/2010/main" val="3283401012"/>
       </p:ext>
     </p:extLst>
   </p:cSld>
@@ -7920,7 +7966,7 @@
             <a:pPr algn="ctr"/>
             <a:r>
               <a:rPr lang="en-US" dirty="0" smtClean="0"/>
-              <a:t>Gate Model</a:t>
+              <a:t>Analytical Approximation Model</a:t>
             </a:r>
             <a:endParaRPr lang="en-US" dirty="0"/>
           </a:p>
@@ -7939,7 +7985,7 @@
         <p:spPr>
           <a:xfrm>
             <a:off x="457200" y="1600200"/>
-            <a:ext cx="8534400" cy="4876800"/>
+            <a:ext cx="8305800" cy="4876800"/>
           </a:xfrm>
         </p:spPr>
         <p:txBody>
@@ -7948,105 +7994,88 @@
           <a:p>
             <a:r>
               <a:rPr lang="en-US" dirty="0" smtClean="0"/>
-              <a:t>Transistors represented with Miller capacitor between gate and drain</a:t>
-            </a:r>
-          </a:p>
-          <a:p>
-            <a:r>
-              <a:rPr lang="en-US" dirty="0" smtClean="0"/>
-              <a:t>Miller capacitance considers coupling </a:t>
-            </a:r>
-          </a:p>
-          <a:p>
-            <a:r>
-              <a:rPr lang="en-US" dirty="0" smtClean="0"/>
-              <a:t>Each transistor represented as a current source</a:t>
-            </a:r>
-          </a:p>
-          <a:p>
-            <a:pPr lvl="1"/>
-            <a:r>
-              <a:rPr lang="en-US" dirty="0" smtClean="0"/>
-              <a:t>Current source is the V</a:t>
-            </a:r>
-            <a:r>
-              <a:rPr lang="en-US" baseline="-25000" dirty="0" smtClean="0"/>
-              <a:t>DS</a:t>
-            </a:r>
-            <a:r>
-              <a:rPr lang="en-US" dirty="0" smtClean="0"/>
-              <a:t> voltage</a:t>
-            </a:r>
-          </a:p>
-          <a:p>
-            <a:r>
-              <a:rPr lang="en-US" dirty="0" smtClean="0"/>
-              <a:t>Can convert a gate to equivalent circuit for analysis</a:t>
-            </a:r>
-          </a:p>
-          <a:p>
+              <a:t>Based on an existing method for a single pulse</a:t>
+            </a:r>
+          </a:p>
+          <a:p>
+            <a:r>
+              <a:rPr lang="en-US" dirty="0" smtClean="0"/>
+              <a:t>Does not fit using a predetermined shape</a:t>
+            </a:r>
+          </a:p>
+          <a:p>
+            <a:r>
+              <a:rPr lang="en-US" dirty="0" smtClean="0"/>
+              <a:t>Approximates voltage by iterating over time</a:t>
+            </a:r>
+          </a:p>
+          <a:p>
+            <a:r>
+              <a:rPr lang="en-US" dirty="0" smtClean="0"/>
+              <a:t>Uses look up tables for the transistor current</a:t>
+            </a:r>
+          </a:p>
+          <a:p>
+            <a:r>
+              <a:rPr lang="en-US" dirty="0" smtClean="0"/>
+              <a:t>Uses static Miller and load capacitances</a:t>
+            </a:r>
+          </a:p>
+          <a:p>
+            <a:r>
+              <a:rPr lang="en-US" dirty="0" smtClean="0"/>
+              <a:t>Can consider multiple pulses on inputs </a:t>
+            </a:r>
+          </a:p>
+          <a:p>
+            <a:r>
+              <a:rPr lang="en-US" dirty="0" smtClean="0"/>
+              <a:t>Most accurate existing method for multiple pulses</a:t>
+            </a:r>
             <a:endParaRPr lang="en-US" dirty="0"/>
           </a:p>
         </p:txBody>
       </p:sp>
       <p:pic>
         <p:nvPicPr>
-          <p:cNvPr id="8" name="Picture 7"/>
+          <p:cNvPr id="4" name="Picture 3"/>
           <p:cNvPicPr>
             <a:picLocks noChangeAspect="1"/>
           </p:cNvPicPr>
           <p:nvPr/>
         </p:nvPicPr>
         <p:blipFill>
-          <a:blip r:embed="rId2"/>
+          <a:blip r:embed="rId2" cstate="print">
+            <a:extLst>
+              <a:ext uri="{28A0092B-C50C-407E-A947-70E740481C1C}">
+                <a14:useLocalDpi xmlns:a14="http://schemas.microsoft.com/office/drawing/2010/main" val="0"/>
+              </a:ext>
+            </a:extLst>
+          </a:blip>
           <a:stretch>
             <a:fillRect/>
           </a:stretch>
         </p:blipFill>
         <p:spPr>
           <a:xfrm>
-            <a:off x="4495800" y="4022193"/>
-            <a:ext cx="4383959" cy="2150007"/>
+            <a:off x="1446711" y="4800600"/>
+            <a:ext cx="3200400" cy="1600201"/>
           </a:xfrm>
           <a:prstGeom prst="rect">
             <a:avLst/>
           </a:prstGeom>
         </p:spPr>
       </p:pic>
-      <p:pic>
-        <p:nvPicPr>
-          <p:cNvPr id="9" name="Picture 8"/>
-          <p:cNvPicPr>
-            <a:picLocks noChangeAspect="1"/>
-          </p:cNvPicPr>
+      <p:sp>
+        <p:nvSpPr>
+          <p:cNvPr id="5" name="TextBox 4"/>
+          <p:cNvSpPr txBox="1"/>
           <p:nvPr/>
-        </p:nvPicPr>
-        <p:blipFill>
-          <a:blip r:embed="rId3"/>
-          <a:stretch>
-            <a:fillRect/>
-          </a:stretch>
-        </p:blipFill>
+        </p:nvSpPr>
         <p:spPr>
           <a:xfrm>
-            <a:off x="457200" y="4191000"/>
-            <a:ext cx="3535800" cy="1981200"/>
-          </a:xfrm>
-          <a:prstGeom prst="rect">
-            <a:avLst/>
-          </a:prstGeom>
-        </p:spPr>
-      </p:pic>
-      <p:sp>
-        <p:nvSpPr>
-          <p:cNvPr id="10" name="TextBox 9"/>
-          <p:cNvSpPr txBox="1"/>
-          <p:nvPr/>
-        </p:nvSpPr>
-        <p:spPr>
-          <a:xfrm>
-            <a:off x="1447800" y="6172200"/>
-            <a:ext cx="1905000" cy="369332"/>
+            <a:off x="3505200" y="6019800"/>
+            <a:ext cx="2590800" cy="646331"/>
           </a:xfrm>
           <a:prstGeom prst="rect">
             <a:avLst/>
@@ -8061,37 +8090,7 @@
           <a:p>
             <a:r>
               <a:rPr lang="en-US" dirty="0" smtClean="0"/>
-              <a:t>Transistor Model</a:t>
-            </a:r>
-            <a:endParaRPr lang="en-US" dirty="0"/>
-          </a:p>
-        </p:txBody>
-      </p:sp>
-      <p:sp>
-        <p:nvSpPr>
-          <p:cNvPr id="11" name="TextBox 10"/>
-          <p:cNvSpPr txBox="1"/>
-          <p:nvPr/>
-        </p:nvSpPr>
-        <p:spPr>
-          <a:xfrm>
-            <a:off x="4876800" y="6183868"/>
-            <a:ext cx="1905000" cy="369332"/>
-          </a:xfrm>
-          <a:prstGeom prst="rect">
-            <a:avLst/>
-          </a:prstGeom>
-          <a:noFill/>
-        </p:spPr>
-        <p:txBody>
-          <a:bodyPr wrap="square" rtlCol="0">
-            <a:spAutoFit/>
-          </a:bodyPr>
-          <a:lstStyle/>
-          <a:p>
-            <a:r>
-              <a:rPr lang="en-US" dirty="0" smtClean="0"/>
-              <a:t>Converted Gate</a:t>
+              <a:t>Multiple Transient Pulses on Gate Input</a:t>
             </a:r>
             <a:endParaRPr lang="en-US" dirty="0"/>
           </a:p>
@@ -8100,7 +8099,7 @@
     </p:spTree>
     <p:extLst>
       <p:ext uri="{BB962C8B-B14F-4D97-AF65-F5344CB8AC3E}">
-        <p14:creationId xmlns:p14="http://schemas.microsoft.com/office/powerpoint/2010/main" val="2071419114"/>
+        <p14:creationId xmlns:p14="http://schemas.microsoft.com/office/powerpoint/2010/main" val="3283401012"/>
       </p:ext>
     </p:extLst>
   </p:cSld>
@@ -8305,14 +8304,264 @@
             <a:pPr algn="ctr"/>
             <a:r>
               <a:rPr lang="en-US" dirty="0" smtClean="0"/>
+              <a:t>Gate Model</a:t>
+            </a:r>
+            <a:endParaRPr lang="en-US" dirty="0"/>
+          </a:p>
+        </p:txBody>
+      </p:sp>
+      <p:sp>
+        <p:nvSpPr>
+          <p:cNvPr id="3" name="Content Placeholder 2"/>
+          <p:cNvSpPr>
+            <a:spLocks noGrp="1"/>
+          </p:cNvSpPr>
+          <p:nvPr>
+            <p:ph idx="1"/>
+          </p:nvPr>
+        </p:nvSpPr>
+        <p:spPr>
+          <a:xfrm>
+            <a:off x="457200" y="1311422"/>
+            <a:ext cx="8534400" cy="4876800"/>
+          </a:xfrm>
+        </p:spPr>
+        <p:txBody>
+          <a:bodyPr/>
+          <a:lstStyle/>
+          <a:p>
+            <a:r>
+              <a:rPr lang="en-US" dirty="0" smtClean="0"/>
+              <a:t>Transistors represented with Miller capacitor between gate and drain</a:t>
+            </a:r>
+          </a:p>
+          <a:p>
+            <a:r>
+              <a:rPr lang="en-US" dirty="0" smtClean="0"/>
+              <a:t>Each transistor represented as a current source</a:t>
+            </a:r>
+          </a:p>
+          <a:p>
+            <a:pPr lvl="1"/>
+            <a:r>
+              <a:rPr lang="en-US" dirty="0" smtClean="0"/>
+              <a:t>Current source is the I</a:t>
+            </a:r>
+            <a:r>
+              <a:rPr lang="en-US" baseline="-25000" dirty="0" smtClean="0"/>
+              <a:t>DS</a:t>
+            </a:r>
+            <a:r>
+              <a:rPr lang="en-US" dirty="0" smtClean="0"/>
+              <a:t> current</a:t>
+            </a:r>
+          </a:p>
+          <a:p>
+            <a:r>
+              <a:rPr lang="en-US" dirty="0" smtClean="0"/>
+              <a:t>Can convert a gate to equivalent circuit for analysis</a:t>
+            </a:r>
+          </a:p>
+          <a:p>
+            <a:r>
+              <a:rPr lang="en-US" dirty="0" smtClean="0"/>
+              <a:t>The currents are found using a look up table</a:t>
+            </a:r>
+          </a:p>
+          <a:p>
+            <a:r>
+              <a:rPr lang="en-US" dirty="0" smtClean="0"/>
+              <a:t>Tables are indexed by V</a:t>
+            </a:r>
+            <a:r>
+              <a:rPr lang="en-US" baseline="-25000" dirty="0" smtClean="0"/>
+              <a:t>GS</a:t>
+            </a:r>
+            <a:r>
+              <a:rPr lang="en-US" dirty="0" smtClean="0"/>
+              <a:t> and V</a:t>
+            </a:r>
+            <a:r>
+              <a:rPr lang="en-US" baseline="-25000" dirty="0" smtClean="0"/>
+              <a:t>DS</a:t>
+            </a:r>
+          </a:p>
+          <a:p>
+            <a:endParaRPr lang="en-US" dirty="0"/>
+          </a:p>
+        </p:txBody>
+      </p:sp>
+      <p:pic>
+        <p:nvPicPr>
+          <p:cNvPr id="9" name="Picture 8"/>
+          <p:cNvPicPr>
+            <a:picLocks noChangeAspect="1"/>
+          </p:cNvPicPr>
+          <p:nvPr/>
+        </p:nvPicPr>
+        <p:blipFill>
+          <a:blip r:embed="rId2"/>
+          <a:stretch>
+            <a:fillRect/>
+          </a:stretch>
+        </p:blipFill>
+        <p:spPr>
+          <a:xfrm>
+            <a:off x="457200" y="4191000"/>
+            <a:ext cx="3535800" cy="1981200"/>
+          </a:xfrm>
+          <a:prstGeom prst="rect">
+            <a:avLst/>
+          </a:prstGeom>
+        </p:spPr>
+      </p:pic>
+      <p:sp>
+        <p:nvSpPr>
+          <p:cNvPr id="10" name="TextBox 9"/>
+          <p:cNvSpPr txBox="1"/>
+          <p:nvPr/>
+        </p:nvSpPr>
+        <p:spPr>
+          <a:xfrm>
+            <a:off x="1447800" y="6172200"/>
+            <a:ext cx="1905000" cy="369332"/>
+          </a:xfrm>
+          <a:prstGeom prst="rect">
+            <a:avLst/>
+          </a:prstGeom>
+          <a:noFill/>
+        </p:spPr>
+        <p:txBody>
+          <a:bodyPr wrap="square" rtlCol="0">
+            <a:spAutoFit/>
+          </a:bodyPr>
+          <a:lstStyle/>
+          <a:p>
+            <a:r>
+              <a:rPr lang="en-US" dirty="0" smtClean="0"/>
+              <a:t>Transistor Model</a:t>
+            </a:r>
+            <a:endParaRPr lang="en-US" dirty="0"/>
+          </a:p>
+        </p:txBody>
+      </p:sp>
+      <p:sp>
+        <p:nvSpPr>
+          <p:cNvPr id="11" name="TextBox 10"/>
+          <p:cNvSpPr txBox="1"/>
+          <p:nvPr/>
+        </p:nvSpPr>
+        <p:spPr>
+          <a:xfrm>
+            <a:off x="4876800" y="6183868"/>
+            <a:ext cx="1905000" cy="369332"/>
+          </a:xfrm>
+          <a:prstGeom prst="rect">
+            <a:avLst/>
+          </a:prstGeom>
+          <a:noFill/>
+        </p:spPr>
+        <p:txBody>
+          <a:bodyPr wrap="square" rtlCol="0">
+            <a:spAutoFit/>
+          </a:bodyPr>
+          <a:lstStyle/>
+          <a:p>
+            <a:r>
+              <a:rPr lang="en-US" dirty="0" smtClean="0"/>
+              <a:t>Converted Gate</a:t>
+            </a:r>
+            <a:endParaRPr lang="en-US" dirty="0"/>
+          </a:p>
+        </p:txBody>
+      </p:sp>
+      <p:pic>
+        <p:nvPicPr>
+          <p:cNvPr id="4" name="Picture 3"/>
+          <p:cNvPicPr>
+            <a:picLocks noChangeAspect="1"/>
+          </p:cNvPicPr>
+          <p:nvPr/>
+        </p:nvPicPr>
+        <p:blipFill>
+          <a:blip r:embed="rId3"/>
+          <a:stretch>
+            <a:fillRect/>
+          </a:stretch>
+        </p:blipFill>
+        <p:spPr>
+          <a:xfrm>
+            <a:off x="4572000" y="4112305"/>
+            <a:ext cx="4495800" cy="2138590"/>
+          </a:xfrm>
+          <a:prstGeom prst="rect">
+            <a:avLst/>
+          </a:prstGeom>
+        </p:spPr>
+      </p:pic>
+    </p:spTree>
+    <p:extLst>
+      <p:ext uri="{BB962C8B-B14F-4D97-AF65-F5344CB8AC3E}">
+        <p14:creationId xmlns:p14="http://schemas.microsoft.com/office/powerpoint/2010/main" val="2071419114"/>
+      </p:ext>
+    </p:extLst>
+  </p:cSld>
+  <p:clrMapOvr>
+    <a:masterClrMapping/>
+  </p:clrMapOvr>
+  <p:timing>
+    <p:tnLst>
+      <p:par>
+        <p:cTn id="1" dur="indefinite" restart="never" nodeType="tmRoot"/>
+      </p:par>
+    </p:tnLst>
+  </p:timing>
+</p:sld>
+</file>
+
+<file path=ppt/slides/slide31.xml><?xml version="1.0" encoding="utf-8"?>
+<p:sld xmlns:a="http://schemas.openxmlformats.org/drawingml/2006/main" xmlns:r="http://schemas.openxmlformats.org/officeDocument/2006/relationships" xmlns:p="http://schemas.openxmlformats.org/presentationml/2006/main">
+  <p:cSld>
+    <p:spTree>
+      <p:nvGrpSpPr>
+        <p:cNvPr id="1" name=""/>
+        <p:cNvGrpSpPr/>
+        <p:nvPr/>
+      </p:nvGrpSpPr>
+      <p:grpSpPr>
+        <a:xfrm>
+          <a:off x="0" y="0"/>
+          <a:ext cx="0" cy="0"/>
+          <a:chOff x="0" y="0"/>
+          <a:chExt cx="0" cy="0"/>
+        </a:xfrm>
+      </p:grpSpPr>
+      <p:sp>
+        <p:nvSpPr>
+          <p:cNvPr id="2" name="Title 1"/>
+          <p:cNvSpPr>
+            <a:spLocks noGrp="1"/>
+          </p:cNvSpPr>
+          <p:nvPr>
+            <p:ph type="title"/>
+          </p:nvPr>
+        </p:nvSpPr>
+        <p:spPr/>
+        <p:txBody>
+          <a:bodyPr/>
+          <a:lstStyle/>
+          <a:p>
+            <a:pPr algn="ctr"/>
+            <a:r>
+              <a:rPr lang="en-US" dirty="0" smtClean="0"/>
               <a:t>Derivation of Equation</a:t>
             </a:r>
             <a:endParaRPr lang="en-US" dirty="0"/>
           </a:p>
         </p:txBody>
       </p:sp>
-      <mc:AlternateContent xmlns:mc="http://schemas.openxmlformats.org/markup-compatibility/2006">
-        <mc:Choice xmlns:a14="http://schemas.microsoft.com/office/drawing/2010/main" Requires="a14">
+      <mc:AlternateContent xmlns:mc="http://schemas.openxmlformats.org/markup-compatibility/2006" xmlns:a14="http://schemas.microsoft.com/office/drawing/2010/main">
+        <mc:Choice Requires="a14">
           <p:sp>
             <p:nvSpPr>
               <p:cNvPr id="3" name="Content Placeholder 2"/>
@@ -8326,12 +8575,12 @@
             <p:spPr>
               <a:xfrm>
                 <a:off x="457199" y="1600200"/>
-                <a:ext cx="5604877" cy="4876800"/>
+                <a:ext cx="5867401" cy="4876800"/>
               </a:xfrm>
             </p:spPr>
             <p:txBody>
               <a:bodyPr>
-                <a:normAutofit fontScale="92500"/>
+                <a:normAutofit fontScale="92500" lnSpcReduction="10000"/>
               </a:bodyPr>
               <a:lstStyle/>
               <a:p>
@@ -8353,70 +8602,94 @@
                     <m:sSub>
                       <m:sSubPr>
                         <m:ctrlPr>
-                          <a:rPr lang="en-US" i="1" cap="small"/>
+                          <a:rPr lang="en-US" i="1" cap="small">
+                            <a:latin typeface="Cambria Math" panose="02040503050406030204" pitchFamily="18" charset="0"/>
+                          </a:rPr>
                         </m:ctrlPr>
                       </m:sSubPr>
                       <m:e>
                         <m:r>
-                          <a:rPr lang="en-US" i="1"/>
+                          <a:rPr lang="en-US" i="1">
+                            <a:latin typeface="Cambria Math" panose="02040503050406030204" pitchFamily="18" charset="0"/>
+                          </a:rPr>
                           <m:t>𝐼</m:t>
                         </m:r>
                       </m:e>
                       <m:sub>
                         <m:r>
-                          <a:rPr lang="en-US" i="1"/>
+                          <a:rPr lang="en-US" i="1">
+                            <a:latin typeface="Cambria Math" panose="02040503050406030204" pitchFamily="18" charset="0"/>
+                          </a:rPr>
                           <m:t>𝑝𝑢</m:t>
                         </m:r>
                       </m:sub>
                     </m:sSub>
                     <m:r>
-                      <a:rPr lang="en-US" i="1"/>
+                      <a:rPr lang="en-US" i="1">
+                        <a:latin typeface="Cambria Math" panose="02040503050406030204" pitchFamily="18" charset="0"/>
+                      </a:rPr>
                       <m:t>=</m:t>
                     </m:r>
                     <m:sSub>
                       <m:sSubPr>
                         <m:ctrlPr>
-                          <a:rPr lang="en-US" i="1" cap="small"/>
+                          <a:rPr lang="en-US" i="1" cap="small">
+                            <a:latin typeface="Cambria Math" panose="02040503050406030204" pitchFamily="18" charset="0"/>
+                          </a:rPr>
                         </m:ctrlPr>
                       </m:sSubPr>
                       <m:e>
                         <m:r>
-                          <a:rPr lang="en-US" i="1"/>
+                          <a:rPr lang="en-US" i="1">
+                            <a:latin typeface="Cambria Math" panose="02040503050406030204" pitchFamily="18" charset="0"/>
+                          </a:rPr>
                           <m:t>𝐼</m:t>
                         </m:r>
                       </m:e>
                       <m:sub>
                         <m:r>
-                          <a:rPr lang="en-US" i="1"/>
+                          <a:rPr lang="en-US" i="1">
+                            <a:latin typeface="Cambria Math" panose="02040503050406030204" pitchFamily="18" charset="0"/>
+                          </a:rPr>
                           <m:t>𝑝𝑑</m:t>
                         </m:r>
                       </m:sub>
                     </m:sSub>
                     <m:r>
-                      <a:rPr lang="en-US" i="1"/>
+                      <a:rPr lang="en-US" i="1">
+                        <a:latin typeface="Cambria Math" panose="02040503050406030204" pitchFamily="18" charset="0"/>
+                      </a:rPr>
                       <m:t>+</m:t>
                     </m:r>
                     <m:sSub>
                       <m:sSubPr>
                         <m:ctrlPr>
-                          <a:rPr lang="en-US" i="1" cap="small"/>
+                          <a:rPr lang="en-US" i="1" cap="small">
+                            <a:latin typeface="Cambria Math" panose="02040503050406030204" pitchFamily="18" charset="0"/>
+                          </a:rPr>
                         </m:ctrlPr>
                       </m:sSubPr>
                       <m:e>
                         <m:r>
-                          <a:rPr lang="en-US" i="1"/>
+                          <a:rPr lang="en-US" i="1">
+                            <a:latin typeface="Cambria Math" panose="02040503050406030204" pitchFamily="18" charset="0"/>
+                          </a:rPr>
                           <m:t>𝐼</m:t>
                         </m:r>
                       </m:e>
                       <m:sub>
                         <m:r>
-                          <a:rPr lang="en-US" i="1"/>
+                          <a:rPr lang="en-US" i="1">
+                            <a:latin typeface="Cambria Math" panose="02040503050406030204" pitchFamily="18" charset="0"/>
+                          </a:rPr>
                           <m:t>𝐿</m:t>
                         </m:r>
                       </m:sub>
                     </m:sSub>
                     <m:r>
-                      <a:rPr lang="en-US" i="1"/>
+                      <a:rPr lang="en-US" i="1">
+                        <a:latin typeface="Cambria Math" panose="02040503050406030204" pitchFamily="18" charset="0"/>
+                      </a:rPr>
                       <m:t>+</m:t>
                     </m:r>
                     <m:nary>
@@ -8424,22 +8697,30 @@
                         <m:chr m:val="∑"/>
                         <m:limLoc m:val="undOvr"/>
                         <m:ctrlPr>
-                          <a:rPr lang="en-US" i="1" cap="small"/>
+                          <a:rPr lang="en-US" i="1" cap="small">
+                            <a:latin typeface="Cambria Math" panose="02040503050406030204" pitchFamily="18" charset="0"/>
+                          </a:rPr>
                         </m:ctrlPr>
                       </m:naryPr>
                       <m:sub>
                         <m:r>
-                          <a:rPr lang="en-US" i="1"/>
+                          <a:rPr lang="en-US" i="1">
+                            <a:latin typeface="Cambria Math" panose="02040503050406030204" pitchFamily="18" charset="0"/>
+                          </a:rPr>
                           <m:t>𝑖</m:t>
                         </m:r>
                         <m:r>
-                          <a:rPr lang="en-US" i="1"/>
+                          <a:rPr lang="en-US" i="1">
+                            <a:latin typeface="Cambria Math" panose="02040503050406030204" pitchFamily="18" charset="0"/>
+                          </a:rPr>
                           <m:t>=1</m:t>
                         </m:r>
                       </m:sub>
                       <m:sup>
                         <m:r>
-                          <a:rPr lang="en-US" i="1"/>
+                          <a:rPr lang="en-US" i="1">
+                            <a:latin typeface="Cambria Math" panose="02040503050406030204" pitchFamily="18" charset="0"/>
+                          </a:rPr>
                           <m:t>𝑁</m:t>
                         </m:r>
                       </m:sup>
@@ -8447,12 +8728,16 @@
                         <m:sSub>
                           <m:sSubPr>
                             <m:ctrlPr>
-                              <a:rPr lang="en-US" i="1" cap="small"/>
+                              <a:rPr lang="en-US" i="1" cap="small">
+                                <a:latin typeface="Cambria Math" panose="02040503050406030204" pitchFamily="18" charset="0"/>
+                              </a:rPr>
                             </m:ctrlPr>
                           </m:sSubPr>
                           <m:e>
                             <m:r>
-                              <a:rPr lang="en-US" i="1"/>
+                              <a:rPr lang="en-US" i="1">
+                                <a:latin typeface="Cambria Math" panose="02040503050406030204" pitchFamily="18" charset="0"/>
+                              </a:rPr>
                               <m:t>𝐼</m:t>
                             </m:r>
                           </m:e>
@@ -8460,18 +8745,24 @@
                             <m:sSub>
                               <m:sSubPr>
                                 <m:ctrlPr>
-                                  <a:rPr lang="en-US" i="1" cap="small"/>
+                                  <a:rPr lang="en-US" i="1" cap="small">
+                                    <a:latin typeface="Cambria Math" panose="02040503050406030204" pitchFamily="18" charset="0"/>
+                                  </a:rPr>
                                 </m:ctrlPr>
                               </m:sSubPr>
                               <m:e>
                                 <m:r>
-                                  <a:rPr lang="en-US" i="1"/>
+                                  <a:rPr lang="en-US" i="1">
+                                    <a:latin typeface="Cambria Math" panose="02040503050406030204" pitchFamily="18" charset="0"/>
+                                  </a:rPr>
                                   <m:t>𝑚𝑢</m:t>
                                 </m:r>
                               </m:e>
                               <m:sub>
                                 <m:r>
-                                  <a:rPr lang="en-US" i="1"/>
+                                  <a:rPr lang="en-US" i="1">
+                                    <a:latin typeface="Cambria Math" panose="02040503050406030204" pitchFamily="18" charset="0"/>
+                                  </a:rPr>
                                   <m:t>𝑖</m:t>
                                 </m:r>
                               </m:sub>
@@ -8481,7 +8772,9 @@
                       </m:e>
                     </m:nary>
                     <m:r>
-                      <a:rPr lang="en-US" i="1"/>
+                      <a:rPr lang="en-US" i="1">
+                        <a:latin typeface="Cambria Math" panose="02040503050406030204" pitchFamily="18" charset="0"/>
+                      </a:rPr>
                       <m:t>+</m:t>
                     </m:r>
                     <m:nary>
@@ -8489,22 +8782,30 @@
                         <m:chr m:val="∑"/>
                         <m:limLoc m:val="undOvr"/>
                         <m:ctrlPr>
-                          <a:rPr lang="en-US" i="1" cap="small"/>
+                          <a:rPr lang="en-US" i="1" cap="small">
+                            <a:latin typeface="Cambria Math" panose="02040503050406030204" pitchFamily="18" charset="0"/>
+                          </a:rPr>
                         </m:ctrlPr>
                       </m:naryPr>
                       <m:sub>
                         <m:r>
-                          <a:rPr lang="en-US" i="1"/>
+                          <a:rPr lang="en-US" i="1">
+                            <a:latin typeface="Cambria Math" panose="02040503050406030204" pitchFamily="18" charset="0"/>
+                          </a:rPr>
                           <m:t>𝑖</m:t>
                         </m:r>
                         <m:r>
-                          <a:rPr lang="en-US" i="1"/>
+                          <a:rPr lang="en-US" i="1">
+                            <a:latin typeface="Cambria Math" panose="02040503050406030204" pitchFamily="18" charset="0"/>
+                          </a:rPr>
                           <m:t>=1</m:t>
                         </m:r>
                       </m:sub>
                       <m:sup>
                         <m:r>
-                          <a:rPr lang="en-US" i="1"/>
+                          <a:rPr lang="en-US" i="1">
+                            <a:latin typeface="Cambria Math" panose="02040503050406030204" pitchFamily="18" charset="0"/>
+                          </a:rPr>
                           <m:t>𝑁</m:t>
                         </m:r>
                       </m:sup>
@@ -8512,12 +8813,16 @@
                         <m:sSub>
                           <m:sSubPr>
                             <m:ctrlPr>
-                              <a:rPr lang="en-US" i="1" cap="small"/>
+                              <a:rPr lang="en-US" i="1" cap="small">
+                                <a:latin typeface="Cambria Math" panose="02040503050406030204" pitchFamily="18" charset="0"/>
+                              </a:rPr>
                             </m:ctrlPr>
                           </m:sSubPr>
                           <m:e>
                             <m:r>
-                              <a:rPr lang="en-US" i="1"/>
+                              <a:rPr lang="en-US" i="1">
+                                <a:latin typeface="Cambria Math" panose="02040503050406030204" pitchFamily="18" charset="0"/>
+                              </a:rPr>
                               <m:t>𝐼</m:t>
                             </m:r>
                           </m:e>
@@ -8525,18 +8830,24 @@
                             <m:sSub>
                               <m:sSubPr>
                                 <m:ctrlPr>
-                                  <a:rPr lang="en-US" i="1" cap="small"/>
+                                  <a:rPr lang="en-US" i="1" cap="small">
+                                    <a:latin typeface="Cambria Math" panose="02040503050406030204" pitchFamily="18" charset="0"/>
+                                  </a:rPr>
                                 </m:ctrlPr>
                               </m:sSubPr>
                               <m:e>
                                 <m:r>
-                                  <a:rPr lang="en-US" i="1"/>
+                                  <a:rPr lang="en-US" i="1">
+                                    <a:latin typeface="Cambria Math" panose="02040503050406030204" pitchFamily="18" charset="0"/>
+                                  </a:rPr>
                                   <m:t>𝑚𝑑</m:t>
                                 </m:r>
                               </m:e>
                               <m:sub>
                                 <m:r>
-                                  <a:rPr lang="en-US" i="1"/>
+                                  <a:rPr lang="en-US" i="1">
+                                    <a:latin typeface="Cambria Math" panose="02040503050406030204" pitchFamily="18" charset="0"/>
+                                  </a:rPr>
                                   <m:t>𝑖</m:t>
                                 </m:r>
                               </m:sub>
@@ -8562,12 +8873,16 @@
                     <m:sSub>
                       <m:sSubPr>
                         <m:ctrlPr>
-                          <a:rPr lang="en-US" i="1"/>
+                          <a:rPr lang="en-US" i="1">
+                            <a:latin typeface="Cambria Math" panose="02040503050406030204" pitchFamily="18" charset="0"/>
+                          </a:rPr>
                         </m:ctrlPr>
                       </m:sSubPr>
                       <m:e>
                         <m:r>
-                          <a:rPr lang="en-US" i="1"/>
+                          <a:rPr lang="en-US" i="1">
+                            <a:latin typeface="Cambria Math" panose="02040503050406030204" pitchFamily="18" charset="0"/>
+                          </a:rPr>
                           <m:t>𝐼</m:t>
                         </m:r>
                       </m:e>
@@ -8575,18 +8890,24 @@
                         <m:sSub>
                           <m:sSubPr>
                             <m:ctrlPr>
-                              <a:rPr lang="en-US" i="1"/>
+                              <a:rPr lang="en-US" i="1">
+                                <a:latin typeface="Cambria Math" panose="02040503050406030204" pitchFamily="18" charset="0"/>
+                              </a:rPr>
                             </m:ctrlPr>
                           </m:sSubPr>
                           <m:e>
                             <m:r>
-                              <a:rPr lang="en-US" i="1"/>
+                              <a:rPr lang="en-US" i="1">
+                                <a:latin typeface="Cambria Math" panose="02040503050406030204" pitchFamily="18" charset="0"/>
+                              </a:rPr>
                               <m:t>𝑚</m:t>
                             </m:r>
                           </m:e>
                           <m:sub>
                             <m:r>
-                              <a:rPr lang="en-US" i="1"/>
+                              <a:rPr lang="en-US" i="1">
+                                <a:latin typeface="Cambria Math" panose="02040503050406030204" pitchFamily="18" charset="0"/>
+                              </a:rPr>
                               <m:t>𝑖</m:t>
                             </m:r>
                           </m:sub>
@@ -8594,13 +8915,17 @@
                       </m:sub>
                     </m:sSub>
                     <m:r>
-                      <a:rPr lang="en-US" i="1"/>
+                      <a:rPr lang="en-US" i="1">
+                        <a:latin typeface="Cambria Math" panose="02040503050406030204" pitchFamily="18" charset="0"/>
+                      </a:rPr>
                       <m:t>=</m:t>
                     </m:r>
                     <m:f>
                       <m:fPr>
                         <m:ctrlPr>
-                          <a:rPr lang="en-US" i="1"/>
+                          <a:rPr lang="en-US" i="1">
+                            <a:latin typeface="Cambria Math" panose="02040503050406030204" pitchFamily="18" charset="0"/>
+                          </a:rPr>
                         </m:ctrlPr>
                       </m:fPr>
                       <m:num>
@@ -8609,50 +8934,68 @@
                             <m:begChr m:val="["/>
                             <m:endChr m:val="]"/>
                             <m:ctrlPr>
-                              <a:rPr lang="en-US" i="1"/>
+                              <a:rPr lang="en-US" i="1">
+                                <a:latin typeface="Cambria Math" panose="02040503050406030204" pitchFamily="18" charset="0"/>
+                              </a:rPr>
                             </m:ctrlPr>
                           </m:dPr>
                           <m:e>
                             <m:sSub>
                               <m:sSubPr>
                                 <m:ctrlPr>
-                                  <a:rPr lang="en-US" i="1"/>
+                                  <a:rPr lang="en-US" i="1">
+                                    <a:latin typeface="Cambria Math" panose="02040503050406030204" pitchFamily="18" charset="0"/>
+                                  </a:rPr>
                                 </m:ctrlPr>
                               </m:sSubPr>
                               <m:e>
                                 <m:r>
-                                  <a:rPr lang="en-US" i="1"/>
+                                  <a:rPr lang="en-US" i="1">
+                                    <a:latin typeface="Cambria Math" panose="02040503050406030204" pitchFamily="18" charset="0"/>
+                                  </a:rPr>
                                   <m:t>∆</m:t>
                                 </m:r>
                                 <m:r>
-                                  <a:rPr lang="en-US" i="1"/>
+                                  <a:rPr lang="en-US" i="1">
+                                    <a:latin typeface="Cambria Math" panose="02040503050406030204" pitchFamily="18" charset="0"/>
+                                  </a:rPr>
                                   <m:t>𝑉</m:t>
                                 </m:r>
                               </m:e>
                               <m:sub>
                                 <m:r>
-                                  <a:rPr lang="en-US" i="1"/>
+                                  <a:rPr lang="en-US" i="1">
+                                    <a:latin typeface="Cambria Math" panose="02040503050406030204" pitchFamily="18" charset="0"/>
+                                  </a:rPr>
                                   <m:t>𝑜𝑢𝑡</m:t>
                                 </m:r>
                               </m:sub>
                             </m:sSub>
                             <m:r>
-                              <a:rPr lang="en-US" i="1"/>
+                              <a:rPr lang="en-US" i="1">
+                                <a:latin typeface="Cambria Math" panose="02040503050406030204" pitchFamily="18" charset="0"/>
+                              </a:rPr>
                               <m:t>−</m:t>
                             </m:r>
                             <m:sSub>
                               <m:sSubPr>
                                 <m:ctrlPr>
-                                  <a:rPr lang="en-US" i="1"/>
+                                  <a:rPr lang="en-US" i="1">
+                                    <a:latin typeface="Cambria Math" panose="02040503050406030204" pitchFamily="18" charset="0"/>
+                                  </a:rPr>
                                 </m:ctrlPr>
                               </m:sSubPr>
                               <m:e>
                                 <m:r>
-                                  <a:rPr lang="en-US" i="1"/>
+                                  <a:rPr lang="en-US" i="1">
+                                    <a:latin typeface="Cambria Math" panose="02040503050406030204" pitchFamily="18" charset="0"/>
+                                  </a:rPr>
                                   <m:t>∆</m:t>
                                 </m:r>
                                 <m:r>
-                                  <a:rPr lang="en-US" i="1"/>
+                                  <a:rPr lang="en-US" i="1">
+                                    <a:latin typeface="Cambria Math" panose="02040503050406030204" pitchFamily="18" charset="0"/>
+                                  </a:rPr>
                                   <m:t>𝑉</m:t>
                                 </m:r>
                               </m:e>
@@ -8660,18 +9003,24 @@
                                 <m:sSub>
                                   <m:sSubPr>
                                     <m:ctrlPr>
-                                      <a:rPr lang="en-US" i="1"/>
+                                      <a:rPr lang="en-US" i="1">
+                                        <a:latin typeface="Cambria Math" panose="02040503050406030204" pitchFamily="18" charset="0"/>
+                                      </a:rPr>
                                     </m:ctrlPr>
                                   </m:sSubPr>
                                   <m:e>
                                     <m:r>
-                                      <a:rPr lang="en-US" i="1"/>
+                                      <a:rPr lang="en-US" i="1">
+                                        <a:latin typeface="Cambria Math" panose="02040503050406030204" pitchFamily="18" charset="0"/>
+                                      </a:rPr>
                                       <m:t>𝐺</m:t>
                                     </m:r>
                                   </m:e>
                                   <m:sub>
                                     <m:r>
-                                      <a:rPr lang="en-US" i="1"/>
+                                      <a:rPr lang="en-US" i="1">
+                                        <a:latin typeface="Cambria Math" panose="02040503050406030204" pitchFamily="18" charset="0"/>
+                                      </a:rPr>
                                       <m:t>𝑖</m:t>
                                     </m:r>
                                   </m:sub>
@@ -8683,12 +9032,16 @@
                         <m:sSub>
                           <m:sSubPr>
                             <m:ctrlPr>
-                              <a:rPr lang="en-US" i="1"/>
+                              <a:rPr lang="en-US" i="1">
+                                <a:latin typeface="Cambria Math" panose="02040503050406030204" pitchFamily="18" charset="0"/>
+                              </a:rPr>
                             </m:ctrlPr>
                           </m:sSubPr>
                           <m:e>
                             <m:r>
-                              <a:rPr lang="en-US" i="1"/>
+                              <a:rPr lang="en-US" i="1">
+                                <a:latin typeface="Cambria Math" panose="02040503050406030204" pitchFamily="18" charset="0"/>
+                              </a:rPr>
                               <m:t>𝐶</m:t>
                             </m:r>
                           </m:e>
@@ -8696,18 +9049,24 @@
                             <m:sSub>
                               <m:sSubPr>
                                 <m:ctrlPr>
-                                  <a:rPr lang="en-US" i="1"/>
+                                  <a:rPr lang="en-US" i="1">
+                                    <a:latin typeface="Cambria Math" panose="02040503050406030204" pitchFamily="18" charset="0"/>
+                                  </a:rPr>
                                 </m:ctrlPr>
                               </m:sSubPr>
                               <m:e>
                                 <m:r>
-                                  <a:rPr lang="en-US" i="1"/>
+                                  <a:rPr lang="en-US" i="1">
+                                    <a:latin typeface="Cambria Math" panose="02040503050406030204" pitchFamily="18" charset="0"/>
+                                  </a:rPr>
                                   <m:t>𝑚</m:t>
                                 </m:r>
                               </m:e>
                               <m:sub>
                                 <m:r>
-                                  <a:rPr lang="en-US" i="1"/>
+                                  <a:rPr lang="en-US" i="1">
+                                    <a:latin typeface="Cambria Math" panose="02040503050406030204" pitchFamily="18" charset="0"/>
+                                  </a:rPr>
                                   <m:t>𝑖</m:t>
                                 </m:r>
                               </m:sub>
@@ -8719,18 +9078,24 @@
                         <m:sSub>
                           <m:sSubPr>
                             <m:ctrlPr>
-                              <a:rPr lang="en-US" i="1"/>
+                              <a:rPr lang="en-US" i="1">
+                                <a:latin typeface="Cambria Math" panose="02040503050406030204" pitchFamily="18" charset="0"/>
+                              </a:rPr>
                             </m:ctrlPr>
                           </m:sSubPr>
                           <m:e>
                             <m:r>
-                              <a:rPr lang="en-US" i="1"/>
+                              <a:rPr lang="en-US" i="1">
+                                <a:latin typeface="Cambria Math" panose="02040503050406030204" pitchFamily="18" charset="0"/>
+                              </a:rPr>
                               <m:t>𝑡</m:t>
                             </m:r>
                           </m:e>
                           <m:sub>
                             <m:r>
-                              <a:rPr lang="en-US" i="1"/>
+                              <a:rPr lang="en-US" i="1">
+                                <a:latin typeface="Cambria Math" panose="02040503050406030204" pitchFamily="18" charset="0"/>
+                              </a:rPr>
                               <m:t>𝑠𝑡𝑒𝑝</m:t>
                             </m:r>
                           </m:sub>
@@ -8762,79 +9127,107 @@
                     <m:sSub>
                       <m:sSubPr>
                         <m:ctrlPr>
-                          <a:rPr lang="en-US" i="1"/>
+                          <a:rPr lang="en-US" i="1">
+                            <a:latin typeface="Cambria Math" panose="02040503050406030204" pitchFamily="18" charset="0"/>
+                          </a:rPr>
                         </m:ctrlPr>
                       </m:sSubPr>
                       <m:e>
                         <m:r>
-                          <a:rPr lang="en-US" i="1"/>
+                          <a:rPr lang="en-US" i="1">
+                            <a:latin typeface="Cambria Math" panose="02040503050406030204" pitchFamily="18" charset="0"/>
+                          </a:rPr>
                           <m:t>𝐼</m:t>
                         </m:r>
                       </m:e>
                       <m:sub>
                         <m:r>
-                          <a:rPr lang="en-US" i="1"/>
+                          <a:rPr lang="en-US" i="1">
+                            <a:latin typeface="Cambria Math" panose="02040503050406030204" pitchFamily="18" charset="0"/>
+                          </a:rPr>
                           <m:t>𝐿</m:t>
                         </m:r>
                       </m:sub>
                     </m:sSub>
                     <m:r>
-                      <a:rPr lang="en-US" i="1"/>
+                      <a:rPr lang="en-US" i="1">
+                        <a:latin typeface="Cambria Math" panose="02040503050406030204" pitchFamily="18" charset="0"/>
+                      </a:rPr>
                       <m:t>=</m:t>
                     </m:r>
                     <m:f>
                       <m:fPr>
                         <m:ctrlPr>
-                          <a:rPr lang="en-US" i="1"/>
+                          <a:rPr lang="en-US" i="1">
+                            <a:latin typeface="Cambria Math" panose="02040503050406030204" pitchFamily="18" charset="0"/>
+                          </a:rPr>
                         </m:ctrlPr>
                       </m:fPr>
                       <m:num>
                         <m:r>
-                          <a:rPr lang="en-US" i="1"/>
+                          <a:rPr lang="en-US" i="1">
+                            <a:latin typeface="Cambria Math" panose="02040503050406030204" pitchFamily="18" charset="0"/>
+                          </a:rPr>
                           <m:t>(</m:t>
                         </m:r>
                         <m:sSub>
                           <m:sSubPr>
                             <m:ctrlPr>
-                              <a:rPr lang="en-US" i="1"/>
+                              <a:rPr lang="en-US" i="1">
+                                <a:latin typeface="Cambria Math" panose="02040503050406030204" pitchFamily="18" charset="0"/>
+                              </a:rPr>
                             </m:ctrlPr>
                           </m:sSubPr>
                           <m:e>
                             <m:r>
-                              <a:rPr lang="en-US" i="1"/>
+                              <a:rPr lang="en-US" i="1">
+                                <a:latin typeface="Cambria Math" panose="02040503050406030204" pitchFamily="18" charset="0"/>
+                              </a:rPr>
                               <m:t>∆</m:t>
                             </m:r>
                             <m:r>
-                              <a:rPr lang="en-US" i="1"/>
+                              <a:rPr lang="en-US" i="1">
+                                <a:latin typeface="Cambria Math" panose="02040503050406030204" pitchFamily="18" charset="0"/>
+                              </a:rPr>
                               <m:t>𝑉</m:t>
                             </m:r>
                           </m:e>
                           <m:sub>
                             <m:r>
-                              <a:rPr lang="en-US" i="1"/>
+                              <a:rPr lang="en-US" i="1">
+                                <a:latin typeface="Cambria Math" panose="02040503050406030204" pitchFamily="18" charset="0"/>
+                              </a:rPr>
                               <m:t>𝑜𝑢𝑡</m:t>
                             </m:r>
                           </m:sub>
                         </m:sSub>
                         <m:r>
-                          <a:rPr lang="en-US" i="1"/>
+                          <a:rPr lang="en-US" i="1">
+                            <a:latin typeface="Cambria Math" panose="02040503050406030204" pitchFamily="18" charset="0"/>
+                          </a:rPr>
                           <m:t>)</m:t>
                         </m:r>
                         <m:sSub>
                           <m:sSubPr>
                             <m:ctrlPr>
-                              <a:rPr lang="en-US" i="1"/>
+                              <a:rPr lang="en-US" i="1">
+                                <a:latin typeface="Cambria Math" panose="02040503050406030204" pitchFamily="18" charset="0"/>
+                              </a:rPr>
                             </m:ctrlPr>
                           </m:sSubPr>
                           <m:e>
                             <m:r>
-                              <a:rPr lang="en-US" i="1"/>
+                              <a:rPr lang="en-US" i="1">
+                                <a:latin typeface="Cambria Math" panose="02040503050406030204" pitchFamily="18" charset="0"/>
+                              </a:rPr>
                               <m:t>𝐶</m:t>
                             </m:r>
                           </m:e>
                           <m:sub>
                             <m:r>
-                              <a:rPr lang="en-US" i="1"/>
+                              <a:rPr lang="en-US" i="1">
+                                <a:latin typeface="Cambria Math" panose="02040503050406030204" pitchFamily="18" charset="0"/>
+                              </a:rPr>
                               <m:t>𝐿</m:t>
                             </m:r>
                           </m:sub>
@@ -8844,18 +9237,24 @@
                         <m:sSub>
                           <m:sSubPr>
                             <m:ctrlPr>
-                              <a:rPr lang="en-US" i="1"/>
+                              <a:rPr lang="en-US" i="1">
+                                <a:latin typeface="Cambria Math" panose="02040503050406030204" pitchFamily="18" charset="0"/>
+                              </a:rPr>
                             </m:ctrlPr>
                           </m:sSubPr>
                           <m:e>
                             <m:r>
-                              <a:rPr lang="en-US" i="1"/>
+                              <a:rPr lang="en-US" i="1">
+                                <a:latin typeface="Cambria Math" panose="02040503050406030204" pitchFamily="18" charset="0"/>
+                              </a:rPr>
                               <m:t>𝑡</m:t>
                             </m:r>
                           </m:e>
                           <m:sub>
                             <m:r>
-                              <a:rPr lang="en-US" i="1"/>
+                              <a:rPr lang="en-US" i="1">
+                                <a:latin typeface="Cambria Math" panose="02040503050406030204" pitchFamily="18" charset="0"/>
+                              </a:rPr>
                               <m:t>𝑠𝑡𝑒𝑝</m:t>
                             </m:r>
                           </m:sub>
@@ -8890,84 +9289,112 @@
                 <a14:m>
                   <m:oMath xmlns:m="http://schemas.openxmlformats.org/officeDocument/2006/math">
                     <m:r>
-                      <a:rPr lang="en-US" i="1"/>
+                      <a:rPr lang="en-US" i="1">
+                        <a:latin typeface="Cambria Math" panose="02040503050406030204" pitchFamily="18" charset="0"/>
+                      </a:rPr>
                       <m:t>∆</m:t>
                     </m:r>
                     <m:sSub>
                       <m:sSubPr>
                         <m:ctrlPr>
-                          <a:rPr lang="en-US" i="1"/>
+                          <a:rPr lang="en-US" i="1">
+                            <a:latin typeface="Cambria Math" panose="02040503050406030204" pitchFamily="18" charset="0"/>
+                          </a:rPr>
                         </m:ctrlPr>
                       </m:sSubPr>
                       <m:e>
                         <m:r>
-                          <a:rPr lang="en-US" i="1"/>
+                          <a:rPr lang="en-US" i="1">
+                            <a:latin typeface="Cambria Math" panose="02040503050406030204" pitchFamily="18" charset="0"/>
+                          </a:rPr>
                           <m:t>𝑉</m:t>
                         </m:r>
                       </m:e>
                       <m:sub>
                         <m:r>
-                          <a:rPr lang="en-US" i="1"/>
+                          <a:rPr lang="en-US" i="1">
+                            <a:latin typeface="Cambria Math" panose="02040503050406030204" pitchFamily="18" charset="0"/>
+                          </a:rPr>
                           <m:t>𝑜𝑢𝑡</m:t>
                         </m:r>
                       </m:sub>
                     </m:sSub>
                     <m:r>
-                      <a:rPr lang="en-US" i="1"/>
+                      <a:rPr lang="en-US" i="1">
+                        <a:latin typeface="Cambria Math" panose="02040503050406030204" pitchFamily="18" charset="0"/>
+                      </a:rPr>
                       <m:t>=</m:t>
                     </m:r>
                     <m:f>
                       <m:fPr>
                         <m:ctrlPr>
-                          <a:rPr lang="en-US" i="1"/>
+                          <a:rPr lang="en-US" i="1">
+                            <a:latin typeface="Cambria Math" panose="02040503050406030204" pitchFamily="18" charset="0"/>
+                          </a:rPr>
                         </m:ctrlPr>
                       </m:fPr>
                       <m:num>
                         <m:d>
                           <m:dPr>
                             <m:ctrlPr>
-                              <a:rPr lang="en-US" i="1"/>
+                              <a:rPr lang="en-US" i="1">
+                                <a:latin typeface="Cambria Math" panose="02040503050406030204" pitchFamily="18" charset="0"/>
+                              </a:rPr>
                             </m:ctrlPr>
                           </m:dPr>
                           <m:e>
                             <m:sSub>
                               <m:sSubPr>
                                 <m:ctrlPr>
-                                  <a:rPr lang="en-US" i="1"/>
+                                  <a:rPr lang="en-US" i="1">
+                                    <a:latin typeface="Cambria Math" panose="02040503050406030204" pitchFamily="18" charset="0"/>
+                                  </a:rPr>
                                 </m:ctrlPr>
                               </m:sSubPr>
                               <m:e>
                                 <m:r>
-                                  <a:rPr lang="en-US" i="1"/>
+                                  <a:rPr lang="en-US" i="1">
+                                    <a:latin typeface="Cambria Math" panose="02040503050406030204" pitchFamily="18" charset="0"/>
+                                  </a:rPr>
                                   <m:t>𝐼</m:t>
                                 </m:r>
                               </m:e>
                               <m:sub>
                                 <m:r>
-                                  <a:rPr lang="en-US" i="1"/>
+                                  <a:rPr lang="en-US" i="1">
+                                    <a:latin typeface="Cambria Math" panose="02040503050406030204" pitchFamily="18" charset="0"/>
+                                  </a:rPr>
                                   <m:t>𝑝𝑢</m:t>
                                 </m:r>
                               </m:sub>
                             </m:sSub>
                             <m:r>
-                              <a:rPr lang="en-US" i="1"/>
+                              <a:rPr lang="en-US" i="1">
+                                <a:latin typeface="Cambria Math" panose="02040503050406030204" pitchFamily="18" charset="0"/>
+                              </a:rPr>
                               <m:t>−</m:t>
                             </m:r>
                             <m:sSub>
                               <m:sSubPr>
                                 <m:ctrlPr>
-                                  <a:rPr lang="en-US" i="1"/>
+                                  <a:rPr lang="en-US" i="1">
+                                    <a:latin typeface="Cambria Math" panose="02040503050406030204" pitchFamily="18" charset="0"/>
+                                  </a:rPr>
                                 </m:ctrlPr>
                               </m:sSubPr>
                               <m:e>
                                 <m:r>
-                                  <a:rPr lang="en-US" i="1"/>
+                                  <a:rPr lang="en-US" i="1">
+                                    <a:latin typeface="Cambria Math" panose="02040503050406030204" pitchFamily="18" charset="0"/>
+                                  </a:rPr>
                                   <m:t>𝐼</m:t>
                                 </m:r>
                               </m:e>
                               <m:sub>
                                 <m:r>
-                                  <a:rPr lang="en-US" i="1"/>
+                                  <a:rPr lang="en-US" i="1">
+                                    <a:latin typeface="Cambria Math" panose="02040503050406030204" pitchFamily="18" charset="0"/>
+                                  </a:rPr>
                                   <m:t>𝑝𝑑</m:t>
                                 </m:r>
                               </m:sub>
@@ -8977,24 +9404,32 @@
                         <m:sSub>
                           <m:sSubPr>
                             <m:ctrlPr>
-                              <a:rPr lang="en-US" i="1"/>
+                              <a:rPr lang="en-US" i="1">
+                                <a:latin typeface="Cambria Math" panose="02040503050406030204" pitchFamily="18" charset="0"/>
+                              </a:rPr>
                             </m:ctrlPr>
                           </m:sSubPr>
                           <m:e>
                             <m:r>
-                              <a:rPr lang="en-US" i="1"/>
+                              <a:rPr lang="en-US" i="1">
+                                <a:latin typeface="Cambria Math" panose="02040503050406030204" pitchFamily="18" charset="0"/>
+                              </a:rPr>
                               <m:t>𝑡</m:t>
                             </m:r>
                           </m:e>
                           <m:sub>
                             <m:r>
-                              <a:rPr lang="en-US" i="1"/>
+                              <a:rPr lang="en-US" i="1">
+                                <a:latin typeface="Cambria Math" panose="02040503050406030204" pitchFamily="18" charset="0"/>
+                              </a:rPr>
                               <m:t>𝑠𝑡𝑒𝑝</m:t>
                             </m:r>
                           </m:sub>
                         </m:sSub>
                         <m:r>
-                          <a:rPr lang="en-US" i="1"/>
+                          <a:rPr lang="en-US" i="1">
+                            <a:latin typeface="Cambria Math" panose="02040503050406030204" pitchFamily="18" charset="0"/>
+                          </a:rPr>
                           <m:t>+</m:t>
                         </m:r>
                         <m:nary>
@@ -9002,16 +9437,22 @@
                             <m:chr m:val="∑"/>
                             <m:limLoc m:val="undOvr"/>
                             <m:ctrlPr>
-                              <a:rPr lang="en-US" i="1"/>
+                              <a:rPr lang="en-US" i="1">
+                                <a:latin typeface="Cambria Math" panose="02040503050406030204" pitchFamily="18" charset="0"/>
+                              </a:rPr>
                             </m:ctrlPr>
                           </m:naryPr>
                           <m:sub>
                             <m:r>
-                              <a:rPr lang="en-US" i="1"/>
+                              <a:rPr lang="en-US" i="1">
+                                <a:latin typeface="Cambria Math" panose="02040503050406030204" pitchFamily="18" charset="0"/>
+                              </a:rPr>
                               <m:t>𝑖</m:t>
                             </m:r>
                             <m:r>
-                              <a:rPr lang="en-US" i="1"/>
+                              <a:rPr lang="en-US" i="1">
+                                <a:latin typeface="Cambria Math" panose="02040503050406030204" pitchFamily="18" charset="0"/>
+                              </a:rPr>
                               <m:t>=1</m:t>
                             </m:r>
                           </m:sub>
@@ -9019,18 +9460,24 @@
                             <m:sSub>
                               <m:sSubPr>
                                 <m:ctrlPr>
-                                  <a:rPr lang="en-US" i="1"/>
+                                  <a:rPr lang="en-US" i="1">
+                                    <a:latin typeface="Cambria Math" panose="02040503050406030204" pitchFamily="18" charset="0"/>
+                                  </a:rPr>
                                 </m:ctrlPr>
                               </m:sSubPr>
                               <m:e>
                                 <m:r>
-                                  <a:rPr lang="en-US" i="1"/>
+                                  <a:rPr lang="en-US" i="1">
+                                    <a:latin typeface="Cambria Math" panose="02040503050406030204" pitchFamily="18" charset="0"/>
+                                  </a:rPr>
                                   <m:t>𝑁</m:t>
                                 </m:r>
                               </m:e>
                               <m:sub>
                                 <m:r>
-                                  <a:rPr lang="en-US" i="1"/>
+                                  <a:rPr lang="en-US" i="1">
+                                    <a:latin typeface="Cambria Math" panose="02040503050406030204" pitchFamily="18" charset="0"/>
+                                  </a:rPr>
                                   <m:t>𝑢</m:t>
                                 </m:r>
                               </m:sub>
@@ -9038,18 +9485,24 @@
                           </m:sup>
                           <m:e>
                             <m:r>
-                              <a:rPr lang="en-US" i="1"/>
+                              <a:rPr lang="en-US" i="1">
+                                <a:latin typeface="Cambria Math" panose="02040503050406030204" pitchFamily="18" charset="0"/>
+                              </a:rPr>
                               <m:t>∆</m:t>
                             </m:r>
                             <m:sSub>
                               <m:sSubPr>
                                 <m:ctrlPr>
-                                  <a:rPr lang="en-US" i="1"/>
+                                  <a:rPr lang="en-US" i="1">
+                                    <a:latin typeface="Cambria Math" panose="02040503050406030204" pitchFamily="18" charset="0"/>
+                                  </a:rPr>
                                 </m:ctrlPr>
                               </m:sSubPr>
                               <m:e>
                                 <m:r>
-                                  <a:rPr lang="en-US" i="1"/>
+                                  <a:rPr lang="en-US" i="1">
+                                    <a:latin typeface="Cambria Math" panose="02040503050406030204" pitchFamily="18" charset="0"/>
+                                  </a:rPr>
                                   <m:t>𝑉</m:t>
                                 </m:r>
                               </m:e>
@@ -9057,18 +9510,24 @@
                                 <m:sSub>
                                   <m:sSubPr>
                                     <m:ctrlPr>
-                                      <a:rPr lang="en-US" i="1"/>
+                                      <a:rPr lang="en-US" i="1">
+                                        <a:latin typeface="Cambria Math" panose="02040503050406030204" pitchFamily="18" charset="0"/>
+                                      </a:rPr>
                                     </m:ctrlPr>
                                   </m:sSubPr>
                                   <m:e>
                                     <m:r>
-                                      <a:rPr lang="en-US" i="1"/>
+                                      <a:rPr lang="en-US" i="1">
+                                        <a:latin typeface="Cambria Math" panose="02040503050406030204" pitchFamily="18" charset="0"/>
+                                      </a:rPr>
                                       <m:t>𝐺</m:t>
                                     </m:r>
                                   </m:e>
                                   <m:sub>
                                     <m:r>
-                                      <a:rPr lang="en-US" i="1"/>
+                                      <a:rPr lang="en-US" i="1">
+                                        <a:latin typeface="Cambria Math" panose="02040503050406030204" pitchFamily="18" charset="0"/>
+                                      </a:rPr>
                                       <m:t>𝑖</m:t>
                                     </m:r>
                                   </m:sub>
@@ -9076,18 +9535,24 @@
                               </m:sub>
                             </m:sSub>
                             <m:r>
-                              <a:rPr lang="en-US" i="1"/>
+                              <a:rPr lang="en-US" i="1">
+                                <a:latin typeface="Cambria Math" panose="02040503050406030204" pitchFamily="18" charset="0"/>
+                              </a:rPr>
                               <m:t>−</m:t>
                             </m:r>
                             <m:sSub>
                               <m:sSubPr>
                                 <m:ctrlPr>
-                                  <a:rPr lang="en-US" i="1"/>
+                                  <a:rPr lang="en-US" i="1">
+                                    <a:latin typeface="Cambria Math" panose="02040503050406030204" pitchFamily="18" charset="0"/>
+                                  </a:rPr>
                                 </m:ctrlPr>
                               </m:sSubPr>
                               <m:e>
                                 <m:r>
-                                  <a:rPr lang="en-US" i="1"/>
+                                  <a:rPr lang="en-US" i="1">
+                                    <a:latin typeface="Cambria Math" panose="02040503050406030204" pitchFamily="18" charset="0"/>
+                                  </a:rPr>
                                   <m:t>𝐶</m:t>
                                 </m:r>
                               </m:e>
@@ -9095,18 +9560,24 @@
                                 <m:sSub>
                                   <m:sSubPr>
                                     <m:ctrlPr>
-                                      <a:rPr lang="en-US" i="1"/>
+                                      <a:rPr lang="en-US" i="1">
+                                        <a:latin typeface="Cambria Math" panose="02040503050406030204" pitchFamily="18" charset="0"/>
+                                      </a:rPr>
                                     </m:ctrlPr>
                                   </m:sSubPr>
                                   <m:e>
                                     <m:r>
-                                      <a:rPr lang="en-US" i="1"/>
+                                      <a:rPr lang="en-US" i="1">
+                                        <a:latin typeface="Cambria Math" panose="02040503050406030204" pitchFamily="18" charset="0"/>
+                                      </a:rPr>
                                       <m:t>𝑚𝑢</m:t>
                                     </m:r>
                                   </m:e>
                                   <m:sub>
                                     <m:r>
-                                      <a:rPr lang="en-US" i="1"/>
+                                      <a:rPr lang="en-US" i="1">
+                                        <a:latin typeface="Cambria Math" panose="02040503050406030204" pitchFamily="18" charset="0"/>
+                                      </a:rPr>
                                       <m:t>𝑖</m:t>
                                     </m:r>
                                   </m:sub>
@@ -9116,7 +9587,9 @@
                           </m:e>
                         </m:nary>
                         <m:r>
-                          <a:rPr lang="en-US" i="1"/>
+                          <a:rPr lang="en-US" i="1">
+                            <a:latin typeface="Cambria Math" panose="02040503050406030204" pitchFamily="18" charset="0"/>
+                          </a:rPr>
                           <m:t>+</m:t>
                         </m:r>
                         <m:nary>
@@ -9124,16 +9597,22 @@
                             <m:chr m:val="∑"/>
                             <m:limLoc m:val="undOvr"/>
                             <m:ctrlPr>
-                              <a:rPr lang="en-US" i="1"/>
+                              <a:rPr lang="en-US" i="1">
+                                <a:latin typeface="Cambria Math" panose="02040503050406030204" pitchFamily="18" charset="0"/>
+                              </a:rPr>
                             </m:ctrlPr>
                           </m:naryPr>
                           <m:sub>
                             <m:r>
-                              <a:rPr lang="en-US" i="1"/>
+                              <a:rPr lang="en-US" i="1">
+                                <a:latin typeface="Cambria Math" panose="02040503050406030204" pitchFamily="18" charset="0"/>
+                              </a:rPr>
                               <m:t>𝑖</m:t>
                             </m:r>
                             <m:r>
-                              <a:rPr lang="en-US" i="1"/>
+                              <a:rPr lang="en-US" i="1">
+                                <a:latin typeface="Cambria Math" panose="02040503050406030204" pitchFamily="18" charset="0"/>
+                              </a:rPr>
                               <m:t>=1</m:t>
                             </m:r>
                           </m:sub>
@@ -9141,18 +9620,24 @@
                             <m:sSub>
                               <m:sSubPr>
                                 <m:ctrlPr>
-                                  <a:rPr lang="en-US" i="1"/>
+                                  <a:rPr lang="en-US" i="1">
+                                    <a:latin typeface="Cambria Math" panose="02040503050406030204" pitchFamily="18" charset="0"/>
+                                  </a:rPr>
                                 </m:ctrlPr>
                               </m:sSubPr>
                               <m:e>
                                 <m:r>
-                                  <a:rPr lang="en-US" i="1"/>
+                                  <a:rPr lang="en-US" i="1">
+                                    <a:latin typeface="Cambria Math" panose="02040503050406030204" pitchFamily="18" charset="0"/>
+                                  </a:rPr>
                                   <m:t>𝑁</m:t>
                                 </m:r>
                               </m:e>
                               <m:sub>
                                 <m:r>
-                                  <a:rPr lang="en-US" i="1"/>
+                                  <a:rPr lang="en-US" i="1">
+                                    <a:latin typeface="Cambria Math" panose="02040503050406030204" pitchFamily="18" charset="0"/>
+                                  </a:rPr>
                                   <m:t>𝑑</m:t>
                                 </m:r>
                               </m:sub>
@@ -9160,18 +9645,24 @@
                           </m:sup>
                           <m:e>
                             <m:r>
-                              <a:rPr lang="en-US" i="1"/>
+                              <a:rPr lang="en-US" i="1">
+                                <a:latin typeface="Cambria Math" panose="02040503050406030204" pitchFamily="18" charset="0"/>
+                              </a:rPr>
                               <m:t>∆</m:t>
                             </m:r>
                             <m:sSub>
                               <m:sSubPr>
                                 <m:ctrlPr>
-                                  <a:rPr lang="en-US" i="1"/>
+                                  <a:rPr lang="en-US" i="1">
+                                    <a:latin typeface="Cambria Math" panose="02040503050406030204" pitchFamily="18" charset="0"/>
+                                  </a:rPr>
                                 </m:ctrlPr>
                               </m:sSubPr>
                               <m:e>
                                 <m:r>
-                                  <a:rPr lang="en-US" i="1"/>
+                                  <a:rPr lang="en-US" i="1">
+                                    <a:latin typeface="Cambria Math" panose="02040503050406030204" pitchFamily="18" charset="0"/>
+                                  </a:rPr>
                                   <m:t>𝑉</m:t>
                                 </m:r>
                               </m:e>
@@ -9179,18 +9670,24 @@
                                 <m:sSub>
                                   <m:sSubPr>
                                     <m:ctrlPr>
-                                      <a:rPr lang="en-US" i="1"/>
+                                      <a:rPr lang="en-US" i="1">
+                                        <a:latin typeface="Cambria Math" panose="02040503050406030204" pitchFamily="18" charset="0"/>
+                                      </a:rPr>
                                     </m:ctrlPr>
                                   </m:sSubPr>
                                   <m:e>
                                     <m:r>
-                                      <a:rPr lang="en-US" i="1"/>
+                                      <a:rPr lang="en-US" i="1">
+                                        <a:latin typeface="Cambria Math" panose="02040503050406030204" pitchFamily="18" charset="0"/>
+                                      </a:rPr>
                                       <m:t>𝐺</m:t>
                                     </m:r>
                                   </m:e>
                                   <m:sub>
                                     <m:r>
-                                      <a:rPr lang="en-US" i="1"/>
+                                      <a:rPr lang="en-US" i="1">
+                                        <a:latin typeface="Cambria Math" panose="02040503050406030204" pitchFamily="18" charset="0"/>
+                                      </a:rPr>
                                       <m:t>𝑖</m:t>
                                     </m:r>
                                   </m:sub>
@@ -9198,18 +9695,24 @@
                               </m:sub>
                             </m:sSub>
                             <m:r>
-                              <a:rPr lang="en-US" i="1"/>
+                              <a:rPr lang="en-US" i="1">
+                                <a:latin typeface="Cambria Math" panose="02040503050406030204" pitchFamily="18" charset="0"/>
+                              </a:rPr>
                               <m:t>−</m:t>
                             </m:r>
                             <m:sSub>
                               <m:sSubPr>
                                 <m:ctrlPr>
-                                  <a:rPr lang="en-US" i="1"/>
+                                  <a:rPr lang="en-US" i="1">
+                                    <a:latin typeface="Cambria Math" panose="02040503050406030204" pitchFamily="18" charset="0"/>
+                                  </a:rPr>
                                 </m:ctrlPr>
                               </m:sSubPr>
                               <m:e>
                                 <m:r>
-                                  <a:rPr lang="en-US" i="1"/>
+                                  <a:rPr lang="en-US" i="1">
+                                    <a:latin typeface="Cambria Math" panose="02040503050406030204" pitchFamily="18" charset="0"/>
+                                  </a:rPr>
                                   <m:t>𝐶</m:t>
                                 </m:r>
                               </m:e>
@@ -9217,18 +9720,24 @@
                                 <m:sSub>
                                   <m:sSubPr>
                                     <m:ctrlPr>
-                                      <a:rPr lang="en-US" i="1"/>
+                                      <a:rPr lang="en-US" i="1">
+                                        <a:latin typeface="Cambria Math" panose="02040503050406030204" pitchFamily="18" charset="0"/>
+                                      </a:rPr>
                                     </m:ctrlPr>
                                   </m:sSubPr>
                                   <m:e>
                                     <m:r>
-                                      <a:rPr lang="en-US" i="1"/>
+                                      <a:rPr lang="en-US" i="1">
+                                        <a:latin typeface="Cambria Math" panose="02040503050406030204" pitchFamily="18" charset="0"/>
+                                      </a:rPr>
                                       <m:t>𝑚𝑑</m:t>
                                     </m:r>
                                   </m:e>
                                   <m:sub>
                                     <m:r>
-                                      <a:rPr lang="en-US" i="1"/>
+                                      <a:rPr lang="en-US" i="1">
+                                        <a:latin typeface="Cambria Math" panose="02040503050406030204" pitchFamily="18" charset="0"/>
+                                      </a:rPr>
                                       <m:t>𝑖</m:t>
                                     </m:r>
                                   </m:sub>
@@ -9242,24 +9751,32 @@
                         <m:sSub>
                           <m:sSubPr>
                             <m:ctrlPr>
-                              <a:rPr lang="en-US" i="1"/>
+                              <a:rPr lang="en-US" i="1">
+                                <a:latin typeface="Cambria Math" panose="02040503050406030204" pitchFamily="18" charset="0"/>
+                              </a:rPr>
                             </m:ctrlPr>
                           </m:sSubPr>
                           <m:e>
                             <m:r>
-                              <a:rPr lang="en-US" i="1"/>
+                              <a:rPr lang="en-US" i="1">
+                                <a:latin typeface="Cambria Math" panose="02040503050406030204" pitchFamily="18" charset="0"/>
+                              </a:rPr>
                               <m:t>𝐶</m:t>
                             </m:r>
                           </m:e>
                           <m:sub>
                             <m:r>
-                              <a:rPr lang="en-US" i="1"/>
+                              <a:rPr lang="en-US" i="1">
+                                <a:latin typeface="Cambria Math" panose="02040503050406030204" pitchFamily="18" charset="0"/>
+                              </a:rPr>
                               <m:t>𝐿</m:t>
                             </m:r>
                           </m:sub>
                         </m:sSub>
                         <m:r>
-                          <a:rPr lang="en-US" i="1"/>
+                          <a:rPr lang="en-US" i="1">
+                            <a:latin typeface="Cambria Math" panose="02040503050406030204" pitchFamily="18" charset="0"/>
+                          </a:rPr>
                           <m:t>+</m:t>
                         </m:r>
                         <m:nary>
@@ -9267,16 +9784,22 @@
                             <m:chr m:val="∑"/>
                             <m:limLoc m:val="undOvr"/>
                             <m:ctrlPr>
-                              <a:rPr lang="en-US" i="1"/>
+                              <a:rPr lang="en-US" i="1">
+                                <a:latin typeface="Cambria Math" panose="02040503050406030204" pitchFamily="18" charset="0"/>
+                              </a:rPr>
                             </m:ctrlPr>
                           </m:naryPr>
                           <m:sub>
                             <m:r>
-                              <a:rPr lang="en-US" i="1"/>
+                              <a:rPr lang="en-US" i="1">
+                                <a:latin typeface="Cambria Math" panose="02040503050406030204" pitchFamily="18" charset="0"/>
+                              </a:rPr>
                               <m:t>𝑖</m:t>
                             </m:r>
                             <m:r>
-                              <a:rPr lang="en-US" i="1"/>
+                              <a:rPr lang="en-US" i="1">
+                                <a:latin typeface="Cambria Math" panose="02040503050406030204" pitchFamily="18" charset="0"/>
+                              </a:rPr>
                               <m:t>=1</m:t>
                             </m:r>
                           </m:sub>
@@ -9284,18 +9807,24 @@
                             <m:sSub>
                               <m:sSubPr>
                                 <m:ctrlPr>
-                                  <a:rPr lang="en-US" i="1"/>
+                                  <a:rPr lang="en-US" i="1">
+                                    <a:latin typeface="Cambria Math" panose="02040503050406030204" pitchFamily="18" charset="0"/>
+                                  </a:rPr>
                                 </m:ctrlPr>
                               </m:sSubPr>
                               <m:e>
                                 <m:r>
-                                  <a:rPr lang="en-US" i="1"/>
+                                  <a:rPr lang="en-US" i="1">
+                                    <a:latin typeface="Cambria Math" panose="02040503050406030204" pitchFamily="18" charset="0"/>
+                                  </a:rPr>
                                   <m:t>𝑁</m:t>
                                 </m:r>
                               </m:e>
                               <m:sub>
                                 <m:r>
-                                  <a:rPr lang="en-US" i="1"/>
+                                  <a:rPr lang="en-US" i="1">
+                                    <a:latin typeface="Cambria Math" panose="02040503050406030204" pitchFamily="18" charset="0"/>
+                                  </a:rPr>
                                   <m:t>𝑢</m:t>
                                 </m:r>
                               </m:sub>
@@ -9305,12 +9834,16 @@
                             <m:sSub>
                               <m:sSubPr>
                                 <m:ctrlPr>
-                                  <a:rPr lang="en-US" i="1"/>
+                                  <a:rPr lang="en-US" i="1">
+                                    <a:latin typeface="Cambria Math" panose="02040503050406030204" pitchFamily="18" charset="0"/>
+                                  </a:rPr>
                                 </m:ctrlPr>
                               </m:sSubPr>
                               <m:e>
                                 <m:r>
-                                  <a:rPr lang="en-US" i="1"/>
+                                  <a:rPr lang="en-US" i="1">
+                                    <a:latin typeface="Cambria Math" panose="02040503050406030204" pitchFamily="18" charset="0"/>
+                                  </a:rPr>
                                   <m:t>𝐶</m:t>
                                 </m:r>
                               </m:e>
@@ -9318,18 +9851,24 @@
                                 <m:sSub>
                                   <m:sSubPr>
                                     <m:ctrlPr>
-                                      <a:rPr lang="en-US" i="1"/>
+                                      <a:rPr lang="en-US" i="1">
+                                        <a:latin typeface="Cambria Math" panose="02040503050406030204" pitchFamily="18" charset="0"/>
+                                      </a:rPr>
                                     </m:ctrlPr>
                                   </m:sSubPr>
                                   <m:e>
                                     <m:r>
-                                      <a:rPr lang="en-US" i="1"/>
+                                      <a:rPr lang="en-US" i="1">
+                                        <a:latin typeface="Cambria Math" panose="02040503050406030204" pitchFamily="18" charset="0"/>
+                                      </a:rPr>
                                       <m:t>𝑚𝑢</m:t>
                                     </m:r>
                                   </m:e>
                                   <m:sub>
                                     <m:r>
-                                      <a:rPr lang="en-US" i="1"/>
+                                      <a:rPr lang="en-US" i="1">
+                                        <a:latin typeface="Cambria Math" panose="02040503050406030204" pitchFamily="18" charset="0"/>
+                                      </a:rPr>
                                       <m:t>𝑖</m:t>
                                     </m:r>
                                   </m:sub>
@@ -9339,7 +9878,9 @@
                           </m:e>
                         </m:nary>
                         <m:r>
-                          <a:rPr lang="en-US" i="1"/>
+                          <a:rPr lang="en-US" i="1">
+                            <a:latin typeface="Cambria Math" panose="02040503050406030204" pitchFamily="18" charset="0"/>
+                          </a:rPr>
                           <m:t>+ </m:t>
                         </m:r>
                         <m:nary>
@@ -9347,16 +9888,22 @@
                             <m:chr m:val="∑"/>
                             <m:limLoc m:val="undOvr"/>
                             <m:ctrlPr>
-                              <a:rPr lang="en-US" i="1"/>
+                              <a:rPr lang="en-US" i="1">
+                                <a:latin typeface="Cambria Math" panose="02040503050406030204" pitchFamily="18" charset="0"/>
+                              </a:rPr>
                             </m:ctrlPr>
                           </m:naryPr>
                           <m:sub>
                             <m:r>
-                              <a:rPr lang="en-US" i="1"/>
+                              <a:rPr lang="en-US" i="1">
+                                <a:latin typeface="Cambria Math" panose="02040503050406030204" pitchFamily="18" charset="0"/>
+                              </a:rPr>
                               <m:t>𝑖</m:t>
                             </m:r>
                             <m:r>
-                              <a:rPr lang="en-US" i="1"/>
+                              <a:rPr lang="en-US" i="1">
+                                <a:latin typeface="Cambria Math" panose="02040503050406030204" pitchFamily="18" charset="0"/>
+                              </a:rPr>
                               <m:t>=1</m:t>
                             </m:r>
                           </m:sub>
@@ -9364,18 +9911,24 @@
                             <m:sSub>
                               <m:sSubPr>
                                 <m:ctrlPr>
-                                  <a:rPr lang="en-US" i="1"/>
+                                  <a:rPr lang="en-US" i="1">
+                                    <a:latin typeface="Cambria Math" panose="02040503050406030204" pitchFamily="18" charset="0"/>
+                                  </a:rPr>
                                 </m:ctrlPr>
                               </m:sSubPr>
                               <m:e>
                                 <m:r>
-                                  <a:rPr lang="en-US" i="1"/>
+                                  <a:rPr lang="en-US" i="1">
+                                    <a:latin typeface="Cambria Math" panose="02040503050406030204" pitchFamily="18" charset="0"/>
+                                  </a:rPr>
                                   <m:t>𝑁</m:t>
                                 </m:r>
                               </m:e>
                               <m:sub>
                                 <m:r>
-                                  <a:rPr lang="en-US" i="1"/>
+                                  <a:rPr lang="en-US" i="1">
+                                    <a:latin typeface="Cambria Math" panose="02040503050406030204" pitchFamily="18" charset="0"/>
+                                  </a:rPr>
                                   <m:t>𝑑</m:t>
                                 </m:r>
                               </m:sub>
@@ -9385,12 +9938,16 @@
                             <m:sSub>
                               <m:sSubPr>
                                 <m:ctrlPr>
-                                  <a:rPr lang="en-US" i="1"/>
+                                  <a:rPr lang="en-US" i="1">
+                                    <a:latin typeface="Cambria Math" panose="02040503050406030204" pitchFamily="18" charset="0"/>
+                                  </a:rPr>
                                 </m:ctrlPr>
                               </m:sSubPr>
                               <m:e>
                                 <m:r>
-                                  <a:rPr lang="en-US" i="1"/>
+                                  <a:rPr lang="en-US" i="1">
+                                    <a:latin typeface="Cambria Math" panose="02040503050406030204" pitchFamily="18" charset="0"/>
+                                  </a:rPr>
                                   <m:t>𝐶</m:t>
                                 </m:r>
                               </m:e>
@@ -9398,18 +9955,24 @@
                                 <m:sSub>
                                   <m:sSubPr>
                                     <m:ctrlPr>
-                                      <a:rPr lang="en-US" i="1"/>
+                                      <a:rPr lang="en-US" i="1">
+                                        <a:latin typeface="Cambria Math" panose="02040503050406030204" pitchFamily="18" charset="0"/>
+                                      </a:rPr>
                                     </m:ctrlPr>
                                   </m:sSubPr>
                                   <m:e>
                                     <m:r>
-                                      <a:rPr lang="en-US" i="1"/>
+                                      <a:rPr lang="en-US" i="1">
+                                        <a:latin typeface="Cambria Math" panose="02040503050406030204" pitchFamily="18" charset="0"/>
+                                      </a:rPr>
                                       <m:t>𝑚𝑑</m:t>
                                     </m:r>
                                   </m:e>
                                   <m:sub>
                                     <m:r>
-                                      <a:rPr lang="en-US" i="1"/>
+                                      <a:rPr lang="en-US" i="1">
+                                        <a:latin typeface="Cambria Math" panose="02040503050406030204" pitchFamily="18" charset="0"/>
+                                      </a:rPr>
                                       <m:t>𝑖</m:t>
                                     </m:r>
                                   </m:sub>
@@ -9427,7 +9990,7 @@
             </p:txBody>
           </p:sp>
         </mc:Choice>
-        <mc:Fallback>
+        <mc:Fallback xmlns="">
           <p:sp>
             <p:nvSpPr>
               <p:cNvPr id="3" name="Content Placeholder 2"/>
@@ -9441,12 +10004,12 @@
             <p:spPr>
               <a:xfrm>
                 <a:off x="457199" y="1600200"/>
-                <a:ext cx="5604877" cy="4876800"/>
+                <a:ext cx="5867401" cy="4876800"/>
               </a:xfrm>
               <a:blipFill rotWithShape="0">
                 <a:blip r:embed="rId2"/>
                 <a:stretch>
-                  <a:fillRect l="-762" t="-750"/>
+                  <a:fillRect l="-727" t="-1500"/>
                 </a:stretch>
               </a:blipFill>
             </p:spPr>
@@ -9482,7 +10045,7 @@
         <p:spPr>
           <a:xfrm>
             <a:off x="4953000" y="1981200"/>
-            <a:ext cx="4351755" cy="2438400"/>
+            <a:ext cx="4215763" cy="2362200"/>
           </a:xfrm>
           <a:prstGeom prst="rect">
             <a:avLst/>
@@ -9529,10 +10092,17 @@
   <p:clrMapOvr>
     <a:masterClrMapping/>
   </p:clrMapOvr>
+  <p:timing>
+    <p:tnLst>
+      <p:par>
+        <p:cTn id="1" dur="indefinite" restart="never" nodeType="tmRoot"/>
+      </p:par>
+    </p:tnLst>
+  </p:timing>
 </p:sld>
 </file>
 
-<file path=ppt/slides/slide31.xml><?xml version="1.0" encoding="utf-8"?>
+<file path=ppt/slides/slide32.xml><?xml version="1.0" encoding="utf-8"?>
 <p:sld xmlns:a="http://schemas.openxmlformats.org/drawingml/2006/main" xmlns:r="http://schemas.openxmlformats.org/officeDocument/2006/relationships" xmlns:p="http://schemas.openxmlformats.org/presentationml/2006/main">
   <p:cSld>
     <p:spTree>
@@ -9573,8 +10143,8 @@
           </a:p>
         </p:txBody>
       </p:sp>
-      <mc:AlternateContent xmlns:mc="http://schemas.openxmlformats.org/markup-compatibility/2006">
-        <mc:Choice xmlns:a14="http://schemas.microsoft.com/office/drawing/2010/main" Requires="a14">
+      <mc:AlternateContent xmlns:mc="http://schemas.openxmlformats.org/markup-compatibility/2006" xmlns:a14="http://schemas.microsoft.com/office/drawing/2010/main">
+        <mc:Choice Requires="a14">
           <p:sp>
             <p:nvSpPr>
               <p:cNvPr id="3" name="Content Placeholder 2"/>
@@ -9619,66 +10189,90 @@
                     <m:sSub>
                       <m:sSubPr>
                         <m:ctrlPr>
-                          <a:rPr lang="en-US" i="1"/>
+                          <a:rPr lang="en-US" i="1">
+                            <a:latin typeface="Cambria Math" panose="02040503050406030204" pitchFamily="18" charset="0"/>
+                          </a:rPr>
                         </m:ctrlPr>
                       </m:sSubPr>
                       <m:e>
                         <m:r>
-                          <a:rPr lang="en-US" i="1"/>
+                          <a:rPr lang="en-US" i="1">
+                            <a:latin typeface="Cambria Math" panose="02040503050406030204" pitchFamily="18" charset="0"/>
+                          </a:rPr>
                           <m:t>𝐼</m:t>
                         </m:r>
                       </m:e>
                       <m:sub>
                         <m:r>
-                          <a:rPr lang="en-US" i="1"/>
+                          <a:rPr lang="en-US" i="1">
+                            <a:latin typeface="Cambria Math" panose="02040503050406030204" pitchFamily="18" charset="0"/>
+                          </a:rPr>
                           <m:t>𝐷</m:t>
                         </m:r>
                         <m:r>
-                          <a:rPr lang="en-US" i="1"/>
+                          <a:rPr lang="en-US" i="1">
+                            <a:latin typeface="Cambria Math" panose="02040503050406030204" pitchFamily="18" charset="0"/>
+                          </a:rPr>
                           <m:t>1</m:t>
                         </m:r>
                       </m:sub>
                     </m:sSub>
                     <m:r>
-                      <a:rPr lang="en-US" i="1"/>
+                      <a:rPr lang="en-US" i="1">
+                        <a:latin typeface="Cambria Math" panose="02040503050406030204" pitchFamily="18" charset="0"/>
+                      </a:rPr>
                       <m:t>=</m:t>
                     </m:r>
                     <m:sSub>
                       <m:sSubPr>
                         <m:ctrlPr>
-                          <a:rPr lang="en-US" i="1"/>
+                          <a:rPr lang="en-US" i="1">
+                            <a:latin typeface="Cambria Math" panose="02040503050406030204" pitchFamily="18" charset="0"/>
+                          </a:rPr>
                         </m:ctrlPr>
                       </m:sSubPr>
                       <m:e>
                         <m:r>
-                          <a:rPr lang="en-US" i="1"/>
+                          <a:rPr lang="en-US" i="1">
+                            <a:latin typeface="Cambria Math" panose="02040503050406030204" pitchFamily="18" charset="0"/>
+                          </a:rPr>
                           <m:t>𝐼</m:t>
                         </m:r>
                       </m:e>
                       <m:sub>
                         <m:r>
-                          <a:rPr lang="en-US" i="1"/>
+                          <a:rPr lang="en-US" i="1">
+                            <a:latin typeface="Cambria Math" panose="02040503050406030204" pitchFamily="18" charset="0"/>
+                          </a:rPr>
                           <m:t>𝐷</m:t>
                         </m:r>
                         <m:r>
-                          <a:rPr lang="en-US" i="1"/>
+                          <a:rPr lang="en-US" i="1">
+                            <a:latin typeface="Cambria Math" panose="02040503050406030204" pitchFamily="18" charset="0"/>
+                          </a:rPr>
                           <m:t>2</m:t>
                         </m:r>
                       </m:sub>
                     </m:sSub>
                     <m:r>
-                      <a:rPr lang="en-US" i="1"/>
+                      <a:rPr lang="en-US" i="1">
+                        <a:latin typeface="Cambria Math" panose="02040503050406030204" pitchFamily="18" charset="0"/>
+                      </a:rPr>
                       <m:t>+</m:t>
                     </m:r>
                     <m:sSub>
                       <m:sSubPr>
                         <m:ctrlPr>
-                          <a:rPr lang="en-US" i="1"/>
+                          <a:rPr lang="en-US" i="1">
+                            <a:latin typeface="Cambria Math" panose="02040503050406030204" pitchFamily="18" charset="0"/>
+                          </a:rPr>
                         </m:ctrlPr>
                       </m:sSubPr>
                       <m:e>
                         <m:r>
-                          <a:rPr lang="en-US" i="1"/>
+                          <a:rPr lang="en-US" i="1">
+                            <a:latin typeface="Cambria Math" panose="02040503050406030204" pitchFamily="18" charset="0"/>
+                          </a:rPr>
                           <m:t>𝐼</m:t>
                         </m:r>
                       </m:e>
@@ -9714,12 +10308,16 @@
                     <m:sSub>
                       <m:sSubPr>
                         <m:ctrlPr>
-                          <a:rPr lang="en-US" i="1"/>
+                          <a:rPr lang="en-US" i="1">
+                            <a:latin typeface="Cambria Math" panose="02040503050406030204" pitchFamily="18" charset="0"/>
+                          </a:rPr>
                         </m:ctrlPr>
                       </m:sSubPr>
                       <m:e>
                         <m:r>
-                          <a:rPr lang="en-US" i="1"/>
+                          <a:rPr lang="en-US" i="1">
+                            <a:latin typeface="Cambria Math" panose="02040503050406030204" pitchFamily="18" charset="0"/>
+                          </a:rPr>
                           <m:t>𝐼</m:t>
                         </m:r>
                       </m:e>
@@ -9739,31 +10337,41 @@
                       </m:sub>
                     </m:sSub>
                     <m:r>
-                      <a:rPr lang="en-US" i="1"/>
+                      <a:rPr lang="en-US" i="1">
+                        <a:latin typeface="Cambria Math" panose="02040503050406030204" pitchFamily="18" charset="0"/>
+                      </a:rPr>
                       <m:t>=</m:t>
                     </m:r>
                     <m:f>
                       <m:fPr>
                         <m:ctrlPr>
-                          <a:rPr lang="en-US" i="1"/>
+                          <a:rPr lang="en-US" i="1">
+                            <a:latin typeface="Cambria Math" panose="02040503050406030204" pitchFamily="18" charset="0"/>
+                          </a:rPr>
                         </m:ctrlPr>
                       </m:fPr>
                       <m:num>
                         <m:sSub>
                           <m:sSubPr>
                             <m:ctrlPr>
-                              <a:rPr lang="en-US" i="1"/>
+                              <a:rPr lang="en-US" i="1">
+                                <a:latin typeface="Cambria Math" panose="02040503050406030204" pitchFamily="18" charset="0"/>
+                              </a:rPr>
                             </m:ctrlPr>
                           </m:sSubPr>
                           <m:e>
                             <m:r>
-                              <a:rPr lang="en-US" i="1"/>
+                              <a:rPr lang="en-US" i="1">
+                                <a:latin typeface="Cambria Math" panose="02040503050406030204" pitchFamily="18" charset="0"/>
+                              </a:rPr>
                               <m:t>𝐶</m:t>
                             </m:r>
                           </m:e>
                           <m:sub>
                             <m:r>
-                              <a:rPr lang="en-US" i="1"/>
+                              <a:rPr lang="en-US" i="1">
+                                <a:latin typeface="Cambria Math" panose="02040503050406030204" pitchFamily="18" charset="0"/>
+                              </a:rPr>
                               <m:t>1</m:t>
                             </m:r>
                           </m:sub>
@@ -9771,19 +10379,25 @@
                         <m:d>
                           <m:dPr>
                             <m:ctrlPr>
-                              <a:rPr lang="en-US" i="1"/>
+                              <a:rPr lang="en-US" i="1">
+                                <a:latin typeface="Cambria Math" panose="02040503050406030204" pitchFamily="18" charset="0"/>
+                              </a:rPr>
                             </m:ctrlPr>
                           </m:dPr>
                           <m:e>
                             <m:sSub>
                               <m:sSubPr>
                                 <m:ctrlPr>
-                                  <a:rPr lang="en-US" i="1"/>
+                                  <a:rPr lang="en-US" i="1">
+                                    <a:latin typeface="Cambria Math" panose="02040503050406030204" pitchFamily="18" charset="0"/>
+                                  </a:rPr>
                                 </m:ctrlPr>
                               </m:sSubPr>
                               <m:e>
                                 <m:r>
-                                  <a:rPr lang="en-US" i="1"/>
+                                  <a:rPr lang="en-US" i="1">
+                                    <a:latin typeface="Cambria Math" panose="02040503050406030204" pitchFamily="18" charset="0"/>
+                                  </a:rPr>
                                   <m:t>𝑉</m:t>
                                 </m:r>
                               </m:e>
@@ -9791,18 +10405,24 @@
                                 <m:sSub>
                                   <m:sSubPr>
                                     <m:ctrlPr>
-                                      <a:rPr lang="en-US" i="1"/>
+                                      <a:rPr lang="en-US" i="1">
+                                        <a:latin typeface="Cambria Math" panose="02040503050406030204" pitchFamily="18" charset="0"/>
+                                      </a:rPr>
                                     </m:ctrlPr>
                                   </m:sSubPr>
                                   <m:e>
                                     <m:r>
-                                      <a:rPr lang="en-US" i="1"/>
+                                      <a:rPr lang="en-US" i="1">
+                                        <a:latin typeface="Cambria Math" panose="02040503050406030204" pitchFamily="18" charset="0"/>
+                                      </a:rPr>
                                       <m:t>𝑛</m:t>
                                     </m:r>
                                   </m:e>
                                   <m:sub>
                                     <m:r>
-                                      <a:rPr lang="en-US" i="1"/>
+                                      <a:rPr lang="en-US" i="1">
+                                        <a:latin typeface="Cambria Math" panose="02040503050406030204" pitchFamily="18" charset="0"/>
+                                      </a:rPr>
                                       <m:t>𝑖</m:t>
                                     </m:r>
                                   </m:sub>
@@ -9810,18 +10430,24 @@
                               </m:sub>
                             </m:sSub>
                             <m:r>
-                              <a:rPr lang="en-US" i="1"/>
+                              <a:rPr lang="en-US" i="1">
+                                <a:latin typeface="Cambria Math" panose="02040503050406030204" pitchFamily="18" charset="0"/>
+                              </a:rPr>
                               <m:t>−</m:t>
                             </m:r>
                             <m:sSub>
                               <m:sSubPr>
                                 <m:ctrlPr>
-                                  <a:rPr lang="en-US" i="1"/>
+                                  <a:rPr lang="en-US" i="1">
+                                    <a:latin typeface="Cambria Math" panose="02040503050406030204" pitchFamily="18" charset="0"/>
+                                  </a:rPr>
                                 </m:ctrlPr>
                               </m:sSubPr>
                               <m:e>
                                 <m:r>
-                                  <a:rPr lang="en-US" i="1"/>
+                                  <a:rPr lang="en-US" i="1">
+                                    <a:latin typeface="Cambria Math" panose="02040503050406030204" pitchFamily="18" charset="0"/>
+                                  </a:rPr>
                                   <m:t>𝑉</m:t>
                                 </m:r>
                               </m:e>
@@ -9829,22 +10455,30 @@
                                 <m:sSub>
                                   <m:sSubPr>
                                     <m:ctrlPr>
-                                      <a:rPr lang="en-US" i="1"/>
+                                      <a:rPr lang="en-US" i="1">
+                                        <a:latin typeface="Cambria Math" panose="02040503050406030204" pitchFamily="18" charset="0"/>
+                                      </a:rPr>
                                     </m:ctrlPr>
                                   </m:sSubPr>
                                   <m:e>
                                     <m:r>
-                                      <a:rPr lang="en-US" i="1"/>
+                                      <a:rPr lang="en-US" i="1">
+                                        <a:latin typeface="Cambria Math" panose="02040503050406030204" pitchFamily="18" charset="0"/>
+                                      </a:rPr>
                                       <m:t>𝑛</m:t>
                                     </m:r>
                                   </m:e>
                                   <m:sub>
                                     <m:r>
-                                      <a:rPr lang="en-US" i="1"/>
+                                      <a:rPr lang="en-US" i="1">
+                                        <a:latin typeface="Cambria Math" panose="02040503050406030204" pitchFamily="18" charset="0"/>
+                                      </a:rPr>
                                       <m:t>𝑖</m:t>
                                     </m:r>
                                     <m:r>
-                                      <a:rPr lang="en-US" i="1"/>
+                                      <a:rPr lang="en-US" i="1">
+                                        <a:latin typeface="Cambria Math" panose="02040503050406030204" pitchFamily="18" charset="0"/>
+                                      </a:rPr>
                                       <m:t>−1</m:t>
                                     </m:r>
                                   </m:sub>
@@ -9858,18 +10492,24 @@
                         <m:sSub>
                           <m:sSubPr>
                             <m:ctrlPr>
-                              <a:rPr lang="en-US" i="1"/>
+                              <a:rPr lang="en-US" i="1">
+                                <a:latin typeface="Cambria Math" panose="02040503050406030204" pitchFamily="18" charset="0"/>
+                              </a:rPr>
                             </m:ctrlPr>
                           </m:sSubPr>
                           <m:e>
                             <m:r>
-                              <a:rPr lang="en-US" i="1"/>
+                              <a:rPr lang="en-US" i="1">
+                                <a:latin typeface="Cambria Math" panose="02040503050406030204" pitchFamily="18" charset="0"/>
+                              </a:rPr>
                               <m:t>𝑡</m:t>
                             </m:r>
                           </m:e>
                           <m:sub>
                             <m:r>
-                              <a:rPr lang="en-US" i="1"/>
+                              <a:rPr lang="en-US" i="1">
+                                <a:latin typeface="Cambria Math" panose="02040503050406030204" pitchFamily="18" charset="0"/>
+                              </a:rPr>
                               <m:t>𝑠𝑡𝑒𝑝</m:t>
                             </m:r>
                           </m:sub>
@@ -9906,12 +10546,16 @@
                     <m:sSub>
                       <m:sSubPr>
                         <m:ctrlPr>
-                          <a:rPr lang="en-US" i="1"/>
+                          <a:rPr lang="en-US" i="1">
+                            <a:latin typeface="Cambria Math" panose="02040503050406030204" pitchFamily="18" charset="0"/>
+                          </a:rPr>
                         </m:ctrlPr>
                       </m:sSubPr>
                       <m:e>
                         <m:r>
-                          <a:rPr lang="en-US" i="1"/>
+                          <a:rPr lang="en-US" i="1">
+                            <a:latin typeface="Cambria Math" panose="02040503050406030204" pitchFamily="18" charset="0"/>
+                          </a:rPr>
                           <m:t>𝑉</m:t>
                         </m:r>
                       </m:e>
@@ -9919,18 +10563,24 @@
                         <m:sSub>
                           <m:sSubPr>
                             <m:ctrlPr>
-                              <a:rPr lang="en-US" i="1"/>
+                              <a:rPr lang="en-US" i="1">
+                                <a:latin typeface="Cambria Math" panose="02040503050406030204" pitchFamily="18" charset="0"/>
+                              </a:rPr>
                             </m:ctrlPr>
                           </m:sSubPr>
                           <m:e>
                             <m:r>
-                              <a:rPr lang="en-US" i="1"/>
+                              <a:rPr lang="en-US" i="1">
+                                <a:latin typeface="Cambria Math" panose="02040503050406030204" pitchFamily="18" charset="0"/>
+                              </a:rPr>
                               <m:t>𝑛</m:t>
                             </m:r>
                           </m:e>
                           <m:sub>
                             <m:r>
-                              <a:rPr lang="en-US" i="1"/>
+                              <a:rPr lang="en-US" i="1">
+                                <a:latin typeface="Cambria Math" panose="02040503050406030204" pitchFamily="18" charset="0"/>
+                              </a:rPr>
                               <m:t>𝑖</m:t>
                             </m:r>
                           </m:sub>
@@ -9938,69 +10588,93 @@
                       </m:sub>
                     </m:sSub>
                     <m:r>
-                      <a:rPr lang="en-US" i="1"/>
+                      <a:rPr lang="en-US" i="1">
+                        <a:latin typeface="Cambria Math" panose="02040503050406030204" pitchFamily="18" charset="0"/>
+                      </a:rPr>
                       <m:t>=</m:t>
                     </m:r>
                     <m:f>
                       <m:fPr>
                         <m:ctrlPr>
-                          <a:rPr lang="en-US" i="1"/>
+                          <a:rPr lang="en-US" i="1">
+                            <a:latin typeface="Cambria Math" panose="02040503050406030204" pitchFamily="18" charset="0"/>
+                          </a:rPr>
                         </m:ctrlPr>
                       </m:fPr>
                       <m:num>
                         <m:d>
                           <m:dPr>
                             <m:ctrlPr>
-                              <a:rPr lang="en-US" i="1"/>
+                              <a:rPr lang="en-US" i="1">
+                                <a:latin typeface="Cambria Math" panose="02040503050406030204" pitchFamily="18" charset="0"/>
+                              </a:rPr>
                             </m:ctrlPr>
                           </m:dPr>
                           <m:e>
                             <m:sSub>
                               <m:sSubPr>
                                 <m:ctrlPr>
-                                  <a:rPr lang="en-US" i="1"/>
+                                  <a:rPr lang="en-US" i="1">
+                                    <a:latin typeface="Cambria Math" panose="02040503050406030204" pitchFamily="18" charset="0"/>
+                                  </a:rPr>
                                 </m:ctrlPr>
                               </m:sSubPr>
                               <m:e>
                                 <m:r>
-                                  <a:rPr lang="en-US" i="1"/>
+                                  <a:rPr lang="en-US" i="1">
+                                    <a:latin typeface="Cambria Math" panose="02040503050406030204" pitchFamily="18" charset="0"/>
+                                  </a:rPr>
                                   <m:t>𝐼</m:t>
                                 </m:r>
                               </m:e>
                               <m:sub>
                                 <m:r>
-                                  <a:rPr lang="en-US" i="1"/>
+                                  <a:rPr lang="en-US" i="1">
+                                    <a:latin typeface="Cambria Math" panose="02040503050406030204" pitchFamily="18" charset="0"/>
+                                  </a:rPr>
                                   <m:t>𝐷</m:t>
                                 </m:r>
                                 <m:r>
-                                  <a:rPr lang="en-US" i="1"/>
+                                  <a:rPr lang="en-US" i="1">
+                                    <a:latin typeface="Cambria Math" panose="02040503050406030204" pitchFamily="18" charset="0"/>
+                                  </a:rPr>
                                   <m:t>1</m:t>
                                 </m:r>
                               </m:sub>
                             </m:sSub>
                             <m:r>
-                              <a:rPr lang="en-US" i="1"/>
+                              <a:rPr lang="en-US" i="1">
+                                <a:latin typeface="Cambria Math" panose="02040503050406030204" pitchFamily="18" charset="0"/>
+                              </a:rPr>
                               <m:t>−</m:t>
                             </m:r>
                             <m:sSub>
                               <m:sSubPr>
                                 <m:ctrlPr>
-                                  <a:rPr lang="en-US" i="1"/>
+                                  <a:rPr lang="en-US" i="1">
+                                    <a:latin typeface="Cambria Math" panose="02040503050406030204" pitchFamily="18" charset="0"/>
+                                  </a:rPr>
                                 </m:ctrlPr>
                               </m:sSubPr>
                               <m:e>
                                 <m:r>
-                                  <a:rPr lang="en-US" i="1"/>
+                                  <a:rPr lang="en-US" i="1">
+                                    <a:latin typeface="Cambria Math" panose="02040503050406030204" pitchFamily="18" charset="0"/>
+                                  </a:rPr>
                                   <m:t>𝐼</m:t>
                                 </m:r>
                               </m:e>
                               <m:sub>
                                 <m:r>
-                                  <a:rPr lang="en-US" i="1"/>
+                                  <a:rPr lang="en-US" i="1">
+                                    <a:latin typeface="Cambria Math" panose="02040503050406030204" pitchFamily="18" charset="0"/>
+                                  </a:rPr>
                                   <m:t>𝐷</m:t>
                                 </m:r>
                                 <m:r>
-                                  <a:rPr lang="en-US" i="1"/>
+                                  <a:rPr lang="en-US" i="1">
+                                    <a:latin typeface="Cambria Math" panose="02040503050406030204" pitchFamily="18" charset="0"/>
+                                  </a:rPr>
                                   <m:t>2</m:t>
                                 </m:r>
                               </m:sub>
@@ -10010,18 +10684,24 @@
                         <m:sSub>
                           <m:sSubPr>
                             <m:ctrlPr>
-                              <a:rPr lang="en-US" i="1"/>
+                              <a:rPr lang="en-US" i="1">
+                                <a:latin typeface="Cambria Math" panose="02040503050406030204" pitchFamily="18" charset="0"/>
+                              </a:rPr>
                             </m:ctrlPr>
                           </m:sSubPr>
                           <m:e>
                             <m:r>
-                              <a:rPr lang="en-US" i="1"/>
+                              <a:rPr lang="en-US" i="1">
+                                <a:latin typeface="Cambria Math" panose="02040503050406030204" pitchFamily="18" charset="0"/>
+                              </a:rPr>
                               <m:t>𝑡</m:t>
                             </m:r>
                           </m:e>
                           <m:sub>
                             <m:r>
-                              <a:rPr lang="en-US" i="1"/>
+                              <a:rPr lang="en-US" i="1">
+                                <a:latin typeface="Cambria Math" panose="02040503050406030204" pitchFamily="18" charset="0"/>
+                              </a:rPr>
                               <m:t>𝑠𝑡𝑒𝑝</m:t>
                             </m:r>
                           </m:sub>
@@ -10031,22 +10711,24 @@
                         <m:sSub>
                           <m:sSubPr>
                             <m:ctrlPr>
-                              <a:rPr lang="en-US" i="1"/>
+                              <a:rPr lang="en-US" i="1">
+                                <a:latin typeface="Cambria Math" panose="02040503050406030204" pitchFamily="18" charset="0"/>
+                              </a:rPr>
                             </m:ctrlPr>
                           </m:sSubPr>
                           <m:e>
                             <m:r>
-                              <a:rPr lang="en-US" i="1"/>
+                              <a:rPr lang="en-US" i="1">
+                                <a:latin typeface="Cambria Math" panose="02040503050406030204" pitchFamily="18" charset="0"/>
+                              </a:rPr>
                               <m:t>𝐶</m:t>
                             </m:r>
                           </m:e>
                           <m:sub>
                             <m:r>
-                              <a:rPr lang="en-US" i="1"/>
-                              <m:t>𝑚</m:t>
-                            </m:r>
-                            <m:r>
-                              <a:rPr lang="en-US" i="1"/>
+                              <a:rPr lang="en-US" i="1">
+                                <a:latin typeface="Cambria Math" panose="02040503050406030204" pitchFamily="18" charset="0"/>
+                              </a:rPr>
                               <m:t>1</m:t>
                             </m:r>
                           </m:sub>
@@ -10054,18 +10736,24 @@
                       </m:den>
                     </m:f>
                     <m:r>
-                      <a:rPr lang="en-US" i="1"/>
+                      <a:rPr lang="en-US" i="1">
+                        <a:latin typeface="Cambria Math" panose="02040503050406030204" pitchFamily="18" charset="0"/>
+                      </a:rPr>
                       <m:t>+</m:t>
                     </m:r>
                     <m:sSub>
                       <m:sSubPr>
                         <m:ctrlPr>
-                          <a:rPr lang="en-US" i="1"/>
+                          <a:rPr lang="en-US" i="1">
+                            <a:latin typeface="Cambria Math" panose="02040503050406030204" pitchFamily="18" charset="0"/>
+                          </a:rPr>
                         </m:ctrlPr>
                       </m:sSubPr>
                       <m:e>
                         <m:r>
-                          <a:rPr lang="en-US" i="1"/>
+                          <a:rPr lang="en-US" i="1">
+                            <a:latin typeface="Cambria Math" panose="02040503050406030204" pitchFamily="18" charset="0"/>
+                          </a:rPr>
                           <m:t>𝑉</m:t>
                         </m:r>
                       </m:e>
@@ -10073,22 +10761,30 @@
                         <m:sSub>
                           <m:sSubPr>
                             <m:ctrlPr>
-                              <a:rPr lang="en-US" i="1"/>
+                              <a:rPr lang="en-US" i="1">
+                                <a:latin typeface="Cambria Math" panose="02040503050406030204" pitchFamily="18" charset="0"/>
+                              </a:rPr>
                             </m:ctrlPr>
                           </m:sSubPr>
                           <m:e>
                             <m:r>
-                              <a:rPr lang="en-US" i="1"/>
+                              <a:rPr lang="en-US" i="1">
+                                <a:latin typeface="Cambria Math" panose="02040503050406030204" pitchFamily="18" charset="0"/>
+                              </a:rPr>
                               <m:t>𝑛</m:t>
                             </m:r>
                           </m:e>
                           <m:sub>
                             <m:r>
-                              <a:rPr lang="en-US" i="1"/>
+                              <a:rPr lang="en-US" i="1">
+                                <a:latin typeface="Cambria Math" panose="02040503050406030204" pitchFamily="18" charset="0"/>
+                              </a:rPr>
                               <m:t>𝑖</m:t>
                             </m:r>
                             <m:r>
-                              <a:rPr lang="en-US" i="1"/>
+                              <a:rPr lang="en-US" i="1">
+                                <a:latin typeface="Cambria Math" panose="02040503050406030204" pitchFamily="18" charset="0"/>
+                              </a:rPr>
                               <m:t>−1</m:t>
                             </m:r>
                           </m:sub>
@@ -10102,7 +10798,7 @@
             </p:txBody>
           </p:sp>
         </mc:Choice>
-        <mc:Fallback>
+        <mc:Fallback xmlns="">
           <p:sp>
             <p:nvSpPr>
               <p:cNvPr id="3" name="Content Placeholder 2"/>
@@ -10204,106 +10900,6 @@
   <p:clrMapOvr>
     <a:masterClrMapping/>
   </p:clrMapOvr>
-</p:sld>
-</file>
-
-<file path=ppt/slides/slide32.xml><?xml version="1.0" encoding="utf-8"?>
-<p:sld xmlns:a="http://schemas.openxmlformats.org/drawingml/2006/main" xmlns:r="http://schemas.openxmlformats.org/officeDocument/2006/relationships" xmlns:p="http://schemas.openxmlformats.org/presentationml/2006/main">
-  <p:cSld>
-    <p:spTree>
-      <p:nvGrpSpPr>
-        <p:cNvPr id="1" name=""/>
-        <p:cNvGrpSpPr/>
-        <p:nvPr/>
-      </p:nvGrpSpPr>
-      <p:grpSpPr>
-        <a:xfrm>
-          <a:off x="0" y="0"/>
-          <a:ext cx="0" cy="0"/>
-          <a:chOff x="0" y="0"/>
-          <a:chExt cx="0" cy="0"/>
-        </a:xfrm>
-      </p:grpSpPr>
-      <p:sp>
-        <p:nvSpPr>
-          <p:cNvPr id="2" name="Title 1"/>
-          <p:cNvSpPr>
-            <a:spLocks noGrp="1"/>
-          </p:cNvSpPr>
-          <p:nvPr>
-            <p:ph type="title"/>
-          </p:nvPr>
-        </p:nvSpPr>
-        <p:spPr/>
-        <p:txBody>
-          <a:bodyPr/>
-          <a:lstStyle/>
-          <a:p>
-            <a:pPr algn="ctr"/>
-            <a:r>
-              <a:rPr lang="en-US" dirty="0" smtClean="0"/>
-              <a:t>General Simulation Flow</a:t>
-            </a:r>
-            <a:endParaRPr lang="en-US" dirty="0"/>
-          </a:p>
-        </p:txBody>
-      </p:sp>
-      <p:sp>
-        <p:nvSpPr>
-          <p:cNvPr id="3" name="Content Placeholder 2"/>
-          <p:cNvSpPr>
-            <a:spLocks noGrp="1"/>
-          </p:cNvSpPr>
-          <p:nvPr>
-            <p:ph idx="1"/>
-          </p:nvPr>
-        </p:nvSpPr>
-        <p:spPr/>
-        <p:txBody>
-          <a:bodyPr/>
-          <a:lstStyle/>
-          <a:p>
-            <a:endParaRPr lang="en-US" dirty="0" smtClean="0"/>
-          </a:p>
-          <a:p>
-            <a:endParaRPr lang="en-US" dirty="0"/>
-          </a:p>
-        </p:txBody>
-      </p:sp>
-      <p:pic>
-        <p:nvPicPr>
-          <p:cNvPr id="4" name="Picture 3"/>
-          <p:cNvPicPr>
-            <a:picLocks noChangeAspect="1"/>
-          </p:cNvPicPr>
-          <p:nvPr/>
-        </p:nvPicPr>
-        <p:blipFill>
-          <a:blip r:embed="rId2"/>
-          <a:stretch>
-            <a:fillRect/>
-          </a:stretch>
-        </p:blipFill>
-        <p:spPr>
-          <a:xfrm>
-            <a:off x="347812" y="1618116"/>
-            <a:ext cx="8110388" cy="4614627"/>
-          </a:xfrm>
-          <a:prstGeom prst="rect">
-            <a:avLst/>
-          </a:prstGeom>
-        </p:spPr>
-      </p:pic>
-    </p:spTree>
-    <p:extLst>
-      <p:ext uri="{BB962C8B-B14F-4D97-AF65-F5344CB8AC3E}">
-        <p14:creationId xmlns:p14="http://schemas.microsoft.com/office/powerpoint/2010/main" val="4048111002"/>
-      </p:ext>
-    </p:extLst>
-  </p:cSld>
-  <p:clrMapOvr>
-    <a:masterClrMapping/>
-  </p:clrMapOvr>
   <p:timing>
     <p:tnLst>
       <p:par>
@@ -10349,7 +10945,7 @@
             <a:pPr algn="ctr"/>
             <a:r>
               <a:rPr lang="en-US" dirty="0" smtClean="0"/>
-              <a:t>Results</a:t>
+              <a:t>General Simulation Flow</a:t>
             </a:r>
             <a:endParaRPr lang="en-US" dirty="0"/>
           </a:p>
@@ -10365,76 +10961,21 @@
             <p:ph idx="1"/>
           </p:nvPr>
         </p:nvSpPr>
-        <p:spPr>
-          <a:xfrm>
-            <a:off x="457199" y="1600200"/>
-            <a:ext cx="5257801" cy="4876800"/>
-          </a:xfrm>
-        </p:spPr>
-        <p:txBody>
-          <a:bodyPr>
-            <a:normAutofit fontScale="92500" lnSpcReduction="10000"/>
-          </a:bodyPr>
+        <p:spPr/>
+        <p:txBody>
+          <a:bodyPr/>
           <a:lstStyle/>
           <a:p>
-            <a:r>
-              <a:rPr lang="en-US" dirty="0" smtClean="0"/>
-              <a:t>Proposed model tested in HSPICE with the PTM library</a:t>
-            </a:r>
-          </a:p>
-          <a:p>
-            <a:r>
-              <a:rPr lang="en-US" dirty="0" smtClean="0"/>
-              <a:t>3 test circuits created</a:t>
-            </a:r>
-          </a:p>
-          <a:p>
-            <a:pPr lvl="1"/>
-            <a:r>
-              <a:rPr lang="en-US" dirty="0" smtClean="0"/>
-              <a:t>NAND2 – 2 input NAND driven by 2, 2 input NAND gates</a:t>
-            </a:r>
-          </a:p>
-          <a:p>
-            <a:pPr lvl="1"/>
-            <a:r>
-              <a:rPr lang="en-US" dirty="0" smtClean="0"/>
-              <a:t>NOR2 – 2 input NOR driven by 2, 2 input NOR gates</a:t>
-            </a:r>
-          </a:p>
-          <a:p>
-            <a:pPr lvl="1"/>
-            <a:r>
-              <a:rPr lang="en-US" dirty="0" smtClean="0"/>
-              <a:t>NAND3 – 3 input NAND driven by 2, 2 input NAND gates</a:t>
-            </a:r>
-          </a:p>
-          <a:p>
-            <a:r>
-              <a:rPr lang="en-US" dirty="0" smtClean="0"/>
-              <a:t>Pulses were generated on both input gates and their result calculated</a:t>
-            </a:r>
-          </a:p>
-          <a:p>
-            <a:r>
-              <a:rPr lang="en-US" dirty="0" smtClean="0"/>
-              <a:t>Compared to HSPICE and existing model </a:t>
-            </a:r>
-          </a:p>
-          <a:p>
-            <a:r>
-              <a:rPr lang="en-US" dirty="0" smtClean="0"/>
-              <a:t>Existing model cannot consider multiple pulses</a:t>
-            </a:r>
-          </a:p>
-          <a:p>
             <a:endParaRPr lang="en-US" dirty="0" smtClean="0"/>
+          </a:p>
+          <a:p>
+            <a:endParaRPr lang="en-US" dirty="0"/>
           </a:p>
         </p:txBody>
       </p:sp>
       <p:pic>
         <p:nvPicPr>
-          <p:cNvPr id="4" name="Picture 3"/>
+          <p:cNvPr id="5" name="Picture 4"/>
           <p:cNvPicPr>
             <a:picLocks noChangeAspect="1"/>
           </p:cNvPicPr>
@@ -10448,48 +10989,18 @@
         </p:blipFill>
         <p:spPr>
           <a:xfrm>
-            <a:off x="5410199" y="1905000"/>
-            <a:ext cx="3616861" cy="2409825"/>
+            <a:off x="457200" y="1524000"/>
+            <a:ext cx="8114853" cy="4343400"/>
           </a:xfrm>
           <a:prstGeom prst="rect">
             <a:avLst/>
           </a:prstGeom>
         </p:spPr>
       </p:pic>
-      <p:sp>
-        <p:nvSpPr>
-          <p:cNvPr id="5" name="TextBox 4"/>
-          <p:cNvSpPr txBox="1"/>
-          <p:nvPr/>
-        </p:nvSpPr>
-        <p:spPr>
-          <a:xfrm>
-            <a:off x="6380430" y="4467225"/>
-            <a:ext cx="1676400" cy="369332"/>
-          </a:xfrm>
-          <a:prstGeom prst="rect">
-            <a:avLst/>
-          </a:prstGeom>
-          <a:noFill/>
-        </p:spPr>
-        <p:txBody>
-          <a:bodyPr wrap="square" rtlCol="0">
-            <a:spAutoFit/>
-          </a:bodyPr>
-          <a:lstStyle/>
-          <a:p>
-            <a:r>
-              <a:rPr lang="en-US" dirty="0" smtClean="0"/>
-              <a:t>NAND2 Circuit</a:t>
-            </a:r>
-            <a:endParaRPr lang="en-US" dirty="0"/>
-          </a:p>
-        </p:txBody>
-      </p:sp>
     </p:spTree>
     <p:extLst>
       <p:ext uri="{BB962C8B-B14F-4D97-AF65-F5344CB8AC3E}">
-        <p14:creationId xmlns:p14="http://schemas.microsoft.com/office/powerpoint/2010/main" val="3426673457"/>
+        <p14:creationId xmlns:p14="http://schemas.microsoft.com/office/powerpoint/2010/main" val="4048111002"/>
       </p:ext>
     </p:extLst>
   </p:cSld>
@@ -10547,6 +11058,198 @@
           </a:p>
         </p:txBody>
       </p:sp>
+      <p:sp>
+        <p:nvSpPr>
+          <p:cNvPr id="3" name="Content Placeholder 2"/>
+          <p:cNvSpPr>
+            <a:spLocks noGrp="1"/>
+          </p:cNvSpPr>
+          <p:nvPr>
+            <p:ph idx="1"/>
+          </p:nvPr>
+        </p:nvSpPr>
+        <p:spPr>
+          <a:xfrm>
+            <a:off x="457199" y="1600200"/>
+            <a:ext cx="5257801" cy="4876800"/>
+          </a:xfrm>
+        </p:spPr>
+        <p:txBody>
+          <a:bodyPr>
+            <a:normAutofit fontScale="92500" lnSpcReduction="10000"/>
+          </a:bodyPr>
+          <a:lstStyle/>
+          <a:p>
+            <a:r>
+              <a:rPr lang="en-US" dirty="0" smtClean="0"/>
+              <a:t>Proposed model tested in HSPICE with the PTM library</a:t>
+            </a:r>
+          </a:p>
+          <a:p>
+            <a:r>
+              <a:rPr lang="en-US" dirty="0" smtClean="0"/>
+              <a:t>3 test circuits created</a:t>
+            </a:r>
+          </a:p>
+          <a:p>
+            <a:pPr lvl="1"/>
+            <a:r>
+              <a:rPr lang="en-US" dirty="0" smtClean="0"/>
+              <a:t>NAND2 – 2 input NAND driven by 2, 2 input NAND gates</a:t>
+            </a:r>
+          </a:p>
+          <a:p>
+            <a:pPr lvl="1"/>
+            <a:r>
+              <a:rPr lang="en-US" dirty="0" smtClean="0"/>
+              <a:t>NOR2 – 2 input NOR driven by 2, 2 input NOR gates</a:t>
+            </a:r>
+          </a:p>
+          <a:p>
+            <a:pPr lvl="1"/>
+            <a:r>
+              <a:rPr lang="en-US" dirty="0" smtClean="0"/>
+              <a:t>NAND3 – 3 input NAND driven by 2, 2 input NAND gates</a:t>
+            </a:r>
+          </a:p>
+          <a:p>
+            <a:r>
+              <a:rPr lang="en-US" dirty="0" smtClean="0"/>
+              <a:t>Pulses were generated on both input gates and their result calculated</a:t>
+            </a:r>
+          </a:p>
+          <a:p>
+            <a:r>
+              <a:rPr lang="en-US" dirty="0" smtClean="0"/>
+              <a:t>Compared to HSPICE and an existing approximation model </a:t>
+            </a:r>
+          </a:p>
+          <a:p>
+            <a:r>
+              <a:rPr lang="en-US" dirty="0" smtClean="0"/>
+              <a:t>Existing model cannot consider multiple pulses</a:t>
+            </a:r>
+          </a:p>
+          <a:p>
+            <a:endParaRPr lang="en-US" dirty="0" smtClean="0"/>
+          </a:p>
+        </p:txBody>
+      </p:sp>
+      <p:pic>
+        <p:nvPicPr>
+          <p:cNvPr id="4" name="Picture 3"/>
+          <p:cNvPicPr>
+            <a:picLocks noChangeAspect="1"/>
+          </p:cNvPicPr>
+          <p:nvPr/>
+        </p:nvPicPr>
+        <p:blipFill>
+          <a:blip r:embed="rId2"/>
+          <a:stretch>
+            <a:fillRect/>
+          </a:stretch>
+        </p:blipFill>
+        <p:spPr>
+          <a:xfrm>
+            <a:off x="5410199" y="1905000"/>
+            <a:ext cx="3616861" cy="2409825"/>
+          </a:xfrm>
+          <a:prstGeom prst="rect">
+            <a:avLst/>
+          </a:prstGeom>
+        </p:spPr>
+      </p:pic>
+      <p:sp>
+        <p:nvSpPr>
+          <p:cNvPr id="5" name="TextBox 4"/>
+          <p:cNvSpPr txBox="1"/>
+          <p:nvPr/>
+        </p:nvSpPr>
+        <p:spPr>
+          <a:xfrm>
+            <a:off x="6380430" y="4467225"/>
+            <a:ext cx="1676400" cy="369332"/>
+          </a:xfrm>
+          <a:prstGeom prst="rect">
+            <a:avLst/>
+          </a:prstGeom>
+          <a:noFill/>
+        </p:spPr>
+        <p:txBody>
+          <a:bodyPr wrap="square" rtlCol="0">
+            <a:spAutoFit/>
+          </a:bodyPr>
+          <a:lstStyle/>
+          <a:p>
+            <a:r>
+              <a:rPr lang="en-US" dirty="0" smtClean="0"/>
+              <a:t>NAND2 Circuit</a:t>
+            </a:r>
+            <a:endParaRPr lang="en-US" dirty="0"/>
+          </a:p>
+        </p:txBody>
+      </p:sp>
+    </p:spTree>
+    <p:extLst>
+      <p:ext uri="{BB962C8B-B14F-4D97-AF65-F5344CB8AC3E}">
+        <p14:creationId xmlns:p14="http://schemas.microsoft.com/office/powerpoint/2010/main" val="3426673457"/>
+      </p:ext>
+    </p:extLst>
+  </p:cSld>
+  <p:clrMapOvr>
+    <a:masterClrMapping/>
+  </p:clrMapOvr>
+  <p:timing>
+    <p:tnLst>
+      <p:par>
+        <p:cTn id="1" dur="indefinite" restart="never" nodeType="tmRoot"/>
+      </p:par>
+    </p:tnLst>
+  </p:timing>
+</p:sld>
+</file>
+
+<file path=ppt/slides/slide35.xml><?xml version="1.0" encoding="utf-8"?>
+<p:sld xmlns:a="http://schemas.openxmlformats.org/drawingml/2006/main" xmlns:r="http://schemas.openxmlformats.org/officeDocument/2006/relationships" xmlns:p="http://schemas.openxmlformats.org/presentationml/2006/main">
+  <p:cSld>
+    <p:spTree>
+      <p:nvGrpSpPr>
+        <p:cNvPr id="1" name=""/>
+        <p:cNvGrpSpPr/>
+        <p:nvPr/>
+      </p:nvGrpSpPr>
+      <p:grpSpPr>
+        <a:xfrm>
+          <a:off x="0" y="0"/>
+          <a:ext cx="0" cy="0"/>
+          <a:chOff x="0" y="0"/>
+          <a:chExt cx="0" cy="0"/>
+        </a:xfrm>
+      </p:grpSpPr>
+      <p:sp>
+        <p:nvSpPr>
+          <p:cNvPr id="2" name="Title 1"/>
+          <p:cNvSpPr>
+            <a:spLocks noGrp="1"/>
+          </p:cNvSpPr>
+          <p:nvPr>
+            <p:ph type="title"/>
+          </p:nvPr>
+        </p:nvSpPr>
+        <p:spPr/>
+        <p:txBody>
+          <a:bodyPr/>
+          <a:lstStyle/>
+          <a:p>
+            <a:pPr algn="ctr"/>
+            <a:r>
+              <a:rPr lang="en-US" dirty="0" smtClean="0"/>
+              <a:t>Results</a:t>
+            </a:r>
+            <a:endParaRPr lang="en-US" dirty="0"/>
+          </a:p>
+        </p:txBody>
+      </p:sp>
       <p:pic>
         <p:nvPicPr>
           <p:cNvPr id="4" name="Content Placeholder 3"/>
@@ -10573,6 +11276,452 @@
           </a:prstGeom>
         </p:spPr>
       </p:pic>
+      <mc:AlternateContent xmlns:mc="http://schemas.openxmlformats.org/markup-compatibility/2006" xmlns:a14="http://schemas.microsoft.com/office/drawing/2010/main">
+        <mc:Choice Requires="a14">
+          <p:sp>
+            <p:nvSpPr>
+              <p:cNvPr id="3" name="TextBox 2"/>
+              <p:cNvSpPr txBox="1"/>
+              <p:nvPr/>
+            </p:nvSpPr>
+            <p:spPr>
+              <a:xfrm>
+                <a:off x="457200" y="5105400"/>
+                <a:ext cx="2514600" cy="956993"/>
+              </a:xfrm>
+              <a:prstGeom prst="rect">
+                <a:avLst/>
+              </a:prstGeom>
+              <a:noFill/>
+            </p:spPr>
+            <p:txBody>
+              <a:bodyPr wrap="square" rtlCol="0">
+                <a:spAutoFit/>
+              </a:bodyPr>
+              <a:lstStyle/>
+              <a:p>
+                <a14:m>
+                  <m:oMath xmlns:m="http://schemas.openxmlformats.org/officeDocument/2006/math">
+                    <m:sSubSup>
+                      <m:sSubSupPr>
+                        <m:ctrlPr>
+                          <a:rPr lang="en-US" i="1">
+                            <a:latin typeface="Cambria Math" panose="02040503050406030204" pitchFamily="18" charset="0"/>
+                          </a:rPr>
+                        </m:ctrlPr>
+                      </m:sSubSupPr>
+                      <m:e>
+                        <m:r>
+                          <a:rPr lang="en-US" i="1">
+                            <a:latin typeface="Cambria Math" panose="02040503050406030204" pitchFamily="18" charset="0"/>
+                          </a:rPr>
+                          <m:t>𝑉</m:t>
+                        </m:r>
+                      </m:e>
+                      <m:sub>
+                        <m:r>
+                          <a:rPr lang="en-US" i="1">
+                            <a:latin typeface="Cambria Math" panose="02040503050406030204" pitchFamily="18" charset="0"/>
+                          </a:rPr>
+                          <m:t>𝑖</m:t>
+                        </m:r>
+                      </m:sub>
+                      <m:sup>
+                        <m:r>
+                          <a:rPr lang="en-US" i="1">
+                            <a:latin typeface="Cambria Math" panose="02040503050406030204" pitchFamily="18" charset="0"/>
+                          </a:rPr>
+                          <m:t>𝐻</m:t>
+                        </m:r>
+                      </m:sup>
+                    </m:sSubSup>
+                  </m:oMath>
+                </a14:m>
+                <a:r>
+                  <a:rPr lang="en-US" b="0" i="1" dirty="0" smtClean="0">
+                    <a:latin typeface="Cambria Math" panose="02040503050406030204" pitchFamily="18" charset="0"/>
+                  </a:rPr>
+                  <a:t>- </a:t>
+                </a:r>
+                <a:r>
+                  <a:rPr lang="en-US" b="0" dirty="0" smtClean="0">
+                    <a:latin typeface="Cambria Math" panose="02040503050406030204" pitchFamily="18" charset="0"/>
+                  </a:rPr>
+                  <a:t>Voltag</a:t>
+                </a:r>
+                <a:r>
+                  <a:rPr lang="en-US" dirty="0" smtClean="0">
+                    <a:latin typeface="Cambria Math" panose="02040503050406030204" pitchFamily="18" charset="0"/>
+                  </a:rPr>
+                  <a:t>e in HSPICE</a:t>
+                </a:r>
+              </a:p>
+              <a:p>
+                <a14:m>
+                  <m:oMath xmlns:m="http://schemas.openxmlformats.org/officeDocument/2006/math">
+                    <m:sSubSup>
+                      <m:sSubSupPr>
+                        <m:ctrlPr>
+                          <a:rPr lang="en-US" i="1">
+                            <a:latin typeface="Cambria Math" panose="02040503050406030204" pitchFamily="18" charset="0"/>
+                          </a:rPr>
+                        </m:ctrlPr>
+                      </m:sSubSupPr>
+                      <m:e>
+                        <m:r>
+                          <a:rPr lang="en-US" i="1">
+                            <a:latin typeface="Cambria Math" panose="02040503050406030204" pitchFamily="18" charset="0"/>
+                          </a:rPr>
+                          <m:t>𝑉</m:t>
+                        </m:r>
+                      </m:e>
+                      <m:sub>
+                        <m:r>
+                          <a:rPr lang="en-US" i="1">
+                            <a:latin typeface="Cambria Math" panose="02040503050406030204" pitchFamily="18" charset="0"/>
+                          </a:rPr>
+                          <m:t>𝑖</m:t>
+                        </m:r>
+                      </m:sub>
+                      <m:sup>
+                        <m:r>
+                          <a:rPr lang="en-US" i="1">
+                            <a:latin typeface="Cambria Math" panose="02040503050406030204" pitchFamily="18" charset="0"/>
+                          </a:rPr>
+                          <m:t>𝐶</m:t>
+                        </m:r>
+                      </m:sup>
+                    </m:sSubSup>
+                  </m:oMath>
+                </a14:m>
+                <a:r>
+                  <a:rPr lang="en-US" b="0" i="1" dirty="0" smtClean="0">
+                    <a:latin typeface="Cambria Math" panose="02040503050406030204" pitchFamily="18" charset="0"/>
+                  </a:rPr>
+                  <a:t>- </a:t>
+                </a:r>
+                <a:r>
+                  <a:rPr lang="en-US" dirty="0" smtClean="0">
+                    <a:latin typeface="Cambria Math" panose="02040503050406030204" pitchFamily="18" charset="0"/>
+                  </a:rPr>
+                  <a:t>Calculated Voltage</a:t>
+                </a:r>
+              </a:p>
+              <a:p>
+                <a14:m>
+                  <m:oMath xmlns:m="http://schemas.openxmlformats.org/officeDocument/2006/math">
+                    <m:r>
+                      <a:rPr lang="en-US" i="1">
+                        <a:latin typeface="Cambria Math" panose="02040503050406030204" pitchFamily="18" charset="0"/>
+                      </a:rPr>
+                      <m:t>𝑁</m:t>
+                    </m:r>
+                  </m:oMath>
+                </a14:m>
+                <a:r>
+                  <a:rPr lang="en-US" b="0" i="1" dirty="0" smtClean="0">
+                    <a:latin typeface="Cambria Math" panose="02040503050406030204" pitchFamily="18" charset="0"/>
+                  </a:rPr>
+                  <a:t> – </a:t>
+                </a:r>
+                <a:r>
+                  <a:rPr lang="en-US" b="0" dirty="0" smtClean="0">
+                    <a:latin typeface="Cambria Math" panose="02040503050406030204" pitchFamily="18" charset="0"/>
+                  </a:rPr>
+                  <a:t>Number of points</a:t>
+                </a:r>
+              </a:p>
+            </p:txBody>
+          </p:sp>
+        </mc:Choice>
+        <mc:Fallback xmlns="">
+          <p:sp>
+            <p:nvSpPr>
+              <p:cNvPr id="3" name="TextBox 2"/>
+              <p:cNvSpPr txBox="1">
+                <a:spLocks noRot="1" noChangeAspect="1" noMove="1" noResize="1" noEditPoints="1" noAdjustHandles="1" noChangeArrowheads="1" noChangeShapeType="1" noTextEdit="1"/>
+              </p:cNvSpPr>
+              <p:nvPr/>
+            </p:nvSpPr>
+            <p:spPr>
+              <a:xfrm>
+                <a:off x="457200" y="5105400"/>
+                <a:ext cx="2514600" cy="956993"/>
+              </a:xfrm>
+              <a:prstGeom prst="rect">
+                <a:avLst/>
+              </a:prstGeom>
+              <a:blipFill rotWithShape="0">
+                <a:blip r:embed="rId3"/>
+                <a:stretch>
+                  <a:fillRect t="-3205" b="-8974"/>
+                </a:stretch>
+              </a:blipFill>
+            </p:spPr>
+            <p:txBody>
+              <a:bodyPr/>
+              <a:lstStyle/>
+              <a:p>
+                <a:r>
+                  <a:rPr lang="en-US">
+                    <a:noFill/>
+                  </a:rPr>
+                  <a:t> </a:t>
+                </a:r>
+              </a:p>
+            </p:txBody>
+          </p:sp>
+        </mc:Fallback>
+      </mc:AlternateContent>
+      <mc:AlternateContent xmlns:mc="http://schemas.openxmlformats.org/markup-compatibility/2006" xmlns:a14="http://schemas.microsoft.com/office/drawing/2010/main">
+        <mc:Choice Requires="a14">
+          <p:sp>
+            <p:nvSpPr>
+              <p:cNvPr id="5" name="TextBox 4"/>
+              <p:cNvSpPr txBox="1"/>
+              <p:nvPr/>
+            </p:nvSpPr>
+            <p:spPr>
+              <a:xfrm>
+                <a:off x="3200399" y="5254799"/>
+                <a:ext cx="2743200" cy="658194"/>
+              </a:xfrm>
+              <a:prstGeom prst="rect">
+                <a:avLst/>
+              </a:prstGeom>
+              <a:noFill/>
+            </p:spPr>
+            <p:txBody>
+              <a:bodyPr wrap="square" rtlCol="0">
+                <a:spAutoFit/>
+              </a:bodyPr>
+              <a:lstStyle/>
+              <a:p>
+                <a:pPr/>
+                <a14:m>
+                  <m:oMathPara xmlns:m="http://schemas.openxmlformats.org/officeDocument/2006/math">
+                    <m:oMathParaPr>
+                      <m:jc m:val="centerGroup"/>
+                    </m:oMathParaPr>
+                    <m:oMath xmlns:m="http://schemas.openxmlformats.org/officeDocument/2006/math">
+                      <m:r>
+                        <a:rPr lang="en-US" i="1">
+                          <a:latin typeface="Cambria Math" panose="02040503050406030204" pitchFamily="18" charset="0"/>
+                        </a:rPr>
+                        <m:t>𝑀𝑆𝐸</m:t>
+                      </m:r>
+                      <m:r>
+                        <a:rPr lang="en-US" i="1">
+                          <a:latin typeface="Cambria Math" panose="02040503050406030204" pitchFamily="18" charset="0"/>
+                        </a:rPr>
+                        <m:t>=</m:t>
+                      </m:r>
+                      <m:f>
+                        <m:fPr>
+                          <m:ctrlPr>
+                            <a:rPr lang="en-US" i="1">
+                              <a:latin typeface="Cambria Math" panose="02040503050406030204" pitchFamily="18" charset="0"/>
+                            </a:rPr>
+                          </m:ctrlPr>
+                        </m:fPr>
+                        <m:num>
+                          <m:nary>
+                            <m:naryPr>
+                              <m:chr m:val="∑"/>
+                              <m:ctrlPr>
+                                <a:rPr lang="en-US" i="1">
+                                  <a:latin typeface="Cambria Math" panose="02040503050406030204" pitchFamily="18" charset="0"/>
+                                </a:rPr>
+                              </m:ctrlPr>
+                            </m:naryPr>
+                            <m:sub>
+                              <m:r>
+                                <m:rPr>
+                                  <m:brk m:alnAt="23"/>
+                                </m:rPr>
+                                <a:rPr lang="en-US" i="1">
+                                  <a:latin typeface="Cambria Math" panose="02040503050406030204" pitchFamily="18" charset="0"/>
+                                </a:rPr>
+                                <m:t>𝑖</m:t>
+                              </m:r>
+                              <m:r>
+                                <a:rPr lang="en-US" i="1">
+                                  <a:latin typeface="Cambria Math" panose="02040503050406030204" pitchFamily="18" charset="0"/>
+                                </a:rPr>
+                                <m:t>=0</m:t>
+                              </m:r>
+                            </m:sub>
+                            <m:sup>
+                              <m:r>
+                                <a:rPr lang="en-US" i="1">
+                                  <a:latin typeface="Cambria Math" panose="02040503050406030204" pitchFamily="18" charset="0"/>
+                                </a:rPr>
+                                <m:t>𝑁</m:t>
+                              </m:r>
+                            </m:sup>
+                            <m:e>
+                              <m:sSup>
+                                <m:sSupPr>
+                                  <m:ctrlPr>
+                                    <a:rPr lang="en-US" i="1">
+                                      <a:latin typeface="Cambria Math" panose="02040503050406030204" pitchFamily="18" charset="0"/>
+                                    </a:rPr>
+                                  </m:ctrlPr>
+                                </m:sSupPr>
+                                <m:e>
+                                  <m:r>
+                                    <a:rPr lang="en-US" i="1">
+                                      <a:latin typeface="Cambria Math" panose="02040503050406030204" pitchFamily="18" charset="0"/>
+                                    </a:rPr>
+                                    <m:t>(</m:t>
+                                  </m:r>
+                                  <m:sSubSup>
+                                    <m:sSubSupPr>
+                                      <m:ctrlPr>
+                                        <a:rPr lang="en-US" i="1">
+                                          <a:latin typeface="Cambria Math" panose="02040503050406030204" pitchFamily="18" charset="0"/>
+                                        </a:rPr>
+                                      </m:ctrlPr>
+                                    </m:sSubSupPr>
+                                    <m:e>
+                                      <m:r>
+                                        <a:rPr lang="en-US" i="1">
+                                          <a:latin typeface="Cambria Math" panose="02040503050406030204" pitchFamily="18" charset="0"/>
+                                        </a:rPr>
+                                        <m:t>𝑉</m:t>
+                                      </m:r>
+                                    </m:e>
+                                    <m:sub>
+                                      <m:r>
+                                        <a:rPr lang="en-US" i="1">
+                                          <a:latin typeface="Cambria Math" panose="02040503050406030204" pitchFamily="18" charset="0"/>
+                                        </a:rPr>
+                                        <m:t>𝑖</m:t>
+                                      </m:r>
+                                    </m:sub>
+                                    <m:sup>
+                                      <m:r>
+                                        <a:rPr lang="en-US" i="1">
+                                          <a:latin typeface="Cambria Math" panose="02040503050406030204" pitchFamily="18" charset="0"/>
+                                        </a:rPr>
+                                        <m:t>𝐻</m:t>
+                                      </m:r>
+                                    </m:sup>
+                                  </m:sSubSup>
+                                  <m:r>
+                                    <a:rPr lang="en-US" i="1">
+                                      <a:latin typeface="Cambria Math" panose="02040503050406030204" pitchFamily="18" charset="0"/>
+                                    </a:rPr>
+                                    <m:t>−</m:t>
+                                  </m:r>
+                                  <m:sSubSup>
+                                    <m:sSubSupPr>
+                                      <m:ctrlPr>
+                                        <a:rPr lang="en-US" i="1">
+                                          <a:latin typeface="Cambria Math" panose="02040503050406030204" pitchFamily="18" charset="0"/>
+                                        </a:rPr>
+                                      </m:ctrlPr>
+                                    </m:sSubSupPr>
+                                    <m:e>
+                                      <m:r>
+                                        <a:rPr lang="en-US" i="1">
+                                          <a:latin typeface="Cambria Math" panose="02040503050406030204" pitchFamily="18" charset="0"/>
+                                        </a:rPr>
+                                        <m:t>𝑉</m:t>
+                                      </m:r>
+                                    </m:e>
+                                    <m:sub>
+                                      <m:r>
+                                        <a:rPr lang="en-US" i="1">
+                                          <a:latin typeface="Cambria Math" panose="02040503050406030204" pitchFamily="18" charset="0"/>
+                                        </a:rPr>
+                                        <m:t>𝑖</m:t>
+                                      </m:r>
+                                    </m:sub>
+                                    <m:sup>
+                                      <m:r>
+                                        <a:rPr lang="en-US" i="1">
+                                          <a:latin typeface="Cambria Math" panose="02040503050406030204" pitchFamily="18" charset="0"/>
+                                        </a:rPr>
+                                        <m:t>𝐶</m:t>
+                                      </m:r>
+                                    </m:sup>
+                                  </m:sSubSup>
+                                  <m:r>
+                                    <a:rPr lang="en-US" i="1">
+                                      <a:latin typeface="Cambria Math" panose="02040503050406030204" pitchFamily="18" charset="0"/>
+                                    </a:rPr>
+                                    <m:t>)</m:t>
+                                  </m:r>
+                                </m:e>
+                                <m:sup>
+                                  <m:r>
+                                    <a:rPr lang="en-US" i="1">
+                                      <a:latin typeface="Cambria Math" panose="02040503050406030204" pitchFamily="18" charset="0"/>
+                                    </a:rPr>
+                                    <m:t>2</m:t>
+                                  </m:r>
+                                </m:sup>
+                              </m:sSup>
+                            </m:e>
+                          </m:nary>
+                        </m:num>
+                        <m:den>
+                          <m:r>
+                            <a:rPr lang="en-US" i="1">
+                              <a:latin typeface="Cambria Math" panose="02040503050406030204" pitchFamily="18" charset="0"/>
+                            </a:rPr>
+                            <m:t>𝑁</m:t>
+                          </m:r>
+                        </m:den>
+                      </m:f>
+                    </m:oMath>
+                  </m:oMathPara>
+                </a14:m>
+                <a:endParaRPr lang="en-US" dirty="0"/>
+              </a:p>
+            </p:txBody>
+          </p:sp>
+        </mc:Choice>
+        <mc:Fallback xmlns="">
+          <p:sp>
+            <p:nvSpPr>
+              <p:cNvPr id="5" name="TextBox 4"/>
+              <p:cNvSpPr txBox="1">
+                <a:spLocks noRot="1" noChangeAspect="1" noMove="1" noResize="1" noEditPoints="1" noAdjustHandles="1" noChangeArrowheads="1" noChangeShapeType="1" noTextEdit="1"/>
+              </p:cNvSpPr>
+              <p:nvPr/>
+            </p:nvSpPr>
+            <p:spPr>
+              <a:xfrm>
+                <a:off x="3200399" y="5254799"/>
+                <a:ext cx="2743200" cy="658194"/>
+              </a:xfrm>
+              <a:prstGeom prst="rect">
+                <a:avLst/>
+              </a:prstGeom>
+              <a:blipFill rotWithShape="0">
+                <a:blip r:embed="rId4"/>
+                <a:stretch>
+                  <a:fillRect/>
+                </a:stretch>
+              </a:blipFill>
+            </p:spPr>
+            <p:txBody>
+              <a:bodyPr/>
+              <a:lstStyle/>
+              <a:p>
+                <a:r>
+                  <a:rPr lang="en-US">
+                    <a:noFill/>
+                  </a:rPr>
+                  <a:t> </a:t>
+                </a:r>
+              </a:p>
+            </p:txBody>
+          </p:sp>
+        </mc:Fallback>
+      </mc:AlternateContent>
     </p:spTree>
     <p:extLst>
       <p:ext uri="{BB962C8B-B14F-4D97-AF65-F5344CB8AC3E}">
@@ -10593,7 +11742,7 @@
 </p:sld>
 </file>
 
-<file path=ppt/slides/slide35.xml><?xml version="1.0" encoding="utf-8"?>
+<file path=ppt/slides/slide36.xml><?xml version="1.0" encoding="utf-8"?>
 <p:sld xmlns:a="http://schemas.openxmlformats.org/drawingml/2006/main" xmlns:r="http://schemas.openxmlformats.org/officeDocument/2006/relationships" xmlns:p="http://schemas.openxmlformats.org/presentationml/2006/main">
   <p:cSld>
     <p:spTree>
@@ -10668,10 +11817,17 @@
   <p:clrMapOvr>
     <a:masterClrMapping/>
   </p:clrMapOvr>
+  <p:timing>
+    <p:tnLst>
+      <p:par>
+        <p:cTn id="1" dur="indefinite" restart="never" nodeType="tmRoot"/>
+      </p:par>
+    </p:tnLst>
+  </p:timing>
 </p:sld>
 </file>
 
-<file path=ppt/slides/slide36.xml><?xml version="1.0" encoding="utf-8"?>
+<file path=ppt/slides/slide37.xml><?xml version="1.0" encoding="utf-8"?>
 <p:sld xmlns:a="http://schemas.openxmlformats.org/drawingml/2006/main" xmlns:r="http://schemas.openxmlformats.org/officeDocument/2006/relationships" xmlns:p="http://schemas.openxmlformats.org/presentationml/2006/main">
   <p:cSld>
     <p:spTree>
@@ -10811,110 +11967,6 @@
   <p:clrMapOvr>
     <a:masterClrMapping/>
   </p:clrMapOvr>
-</p:sld>
-</file>
-
-<file path=ppt/slides/slide37.xml><?xml version="1.0" encoding="utf-8"?>
-<p:sld xmlns:a="http://schemas.openxmlformats.org/drawingml/2006/main" xmlns:r="http://schemas.openxmlformats.org/officeDocument/2006/relationships" xmlns:p="http://schemas.openxmlformats.org/presentationml/2006/main">
-  <p:cSld>
-    <p:spTree>
-      <p:nvGrpSpPr>
-        <p:cNvPr id="1" name=""/>
-        <p:cNvGrpSpPr/>
-        <p:nvPr/>
-      </p:nvGrpSpPr>
-      <p:grpSpPr>
-        <a:xfrm>
-          <a:off x="0" y="0"/>
-          <a:ext cx="0" cy="0"/>
-          <a:chOff x="0" y="0"/>
-          <a:chExt cx="0" cy="0"/>
-        </a:xfrm>
-      </p:grpSpPr>
-      <p:sp>
-        <p:nvSpPr>
-          <p:cNvPr id="3" name="Title 2"/>
-          <p:cNvSpPr>
-            <a:spLocks noGrp="1"/>
-          </p:cNvSpPr>
-          <p:nvPr>
-            <p:ph type="title"/>
-          </p:nvPr>
-        </p:nvSpPr>
-        <p:spPr/>
-        <p:txBody>
-          <a:bodyPr/>
-          <a:lstStyle/>
-          <a:p>
-            <a:pPr algn="ctr"/>
-            <a:r>
-              <a:rPr lang="en-US" dirty="0" smtClean="0"/>
-              <a:t>Outline</a:t>
-            </a:r>
-            <a:endParaRPr lang="en-US" dirty="0"/>
-          </a:p>
-        </p:txBody>
-      </p:sp>
-      <p:sp>
-        <p:nvSpPr>
-          <p:cNvPr id="2" name="Content Placeholder 1"/>
-          <p:cNvSpPr>
-            <a:spLocks noGrp="1"/>
-          </p:cNvSpPr>
-          <p:nvPr>
-            <p:ph idx="1"/>
-          </p:nvPr>
-        </p:nvSpPr>
-        <p:spPr/>
-        <p:txBody>
-          <a:bodyPr/>
-          <a:lstStyle/>
-          <a:p>
-            <a:r>
-              <a:rPr lang="en-US" dirty="0" smtClean="0"/>
-              <a:t>Introduction</a:t>
-            </a:r>
-          </a:p>
-          <a:p>
-            <a:r>
-              <a:rPr lang="en-US" dirty="0" smtClean="0"/>
-              <a:t>Robust Latch for Multiple Node Upsets</a:t>
-            </a:r>
-          </a:p>
-          <a:p>
-            <a:r>
-              <a:rPr lang="en-US" dirty="0" smtClean="0"/>
-              <a:t>Analytical Approximation Model for Multiple Transients</a:t>
-            </a:r>
-          </a:p>
-          <a:p>
-            <a:r>
-              <a:rPr lang="en-US" b="1" dirty="0" smtClean="0">
-                <a:solidFill>
-                  <a:srgbClr val="FF0000"/>
-                </a:solidFill>
-              </a:rPr>
-              <a:t>Accurate Soft Error Simulation Using Partitioning</a:t>
-            </a:r>
-          </a:p>
-          <a:p>
-            <a:r>
-              <a:rPr lang="en-US" dirty="0" smtClean="0"/>
-              <a:t>Conclusion</a:t>
-            </a:r>
-          </a:p>
-        </p:txBody>
-      </p:sp>
-    </p:spTree>
-    <p:extLst>
-      <p:ext uri="{BB962C8B-B14F-4D97-AF65-F5344CB8AC3E}">
-        <p14:creationId xmlns:p14="http://schemas.microsoft.com/office/powerpoint/2010/main" val="2123113271"/>
-      </p:ext>
-    </p:extLst>
-  </p:cSld>
-  <p:clrMapOvr>
-    <a:masterClrMapping/>
-  </p:clrMapOvr>
   <p:timing>
     <p:tnLst>
       <p:par>
@@ -10960,6 +12012,415 @@
             <a:pPr algn="ctr"/>
             <a:r>
               <a:rPr lang="en-US" dirty="0" smtClean="0"/>
+              <a:t>Pulse Approximation - Conclusion</a:t>
+            </a:r>
+            <a:endParaRPr lang="en-US" dirty="0"/>
+          </a:p>
+        </p:txBody>
+      </p:sp>
+      <p:sp>
+        <p:nvSpPr>
+          <p:cNvPr id="3" name="Content Placeholder 2"/>
+          <p:cNvSpPr>
+            <a:spLocks noGrp="1"/>
+          </p:cNvSpPr>
+          <p:nvPr>
+            <p:ph idx="1"/>
+          </p:nvPr>
+        </p:nvSpPr>
+        <p:spPr/>
+        <p:txBody>
+          <a:bodyPr>
+            <a:normAutofit/>
+          </a:bodyPr>
+          <a:lstStyle/>
+          <a:p>
+            <a:r>
+              <a:rPr lang="en-US" dirty="0"/>
+              <a:t>A</a:t>
+            </a:r>
+            <a:r>
+              <a:rPr lang="en-US" dirty="0" smtClean="0"/>
+              <a:t> </a:t>
+            </a:r>
+            <a:r>
+              <a:rPr lang="en-US" dirty="0"/>
+              <a:t>new method to </a:t>
+            </a:r>
+            <a:r>
+              <a:rPr lang="en-US" dirty="0" smtClean="0"/>
+              <a:t>approximate the pulse shape with multiple input pulses was proposed</a:t>
+            </a:r>
+            <a:endParaRPr lang="en-US" dirty="0"/>
+          </a:p>
+          <a:p>
+            <a:r>
+              <a:rPr lang="en-US" dirty="0" smtClean="0"/>
+              <a:t>Achieves a </a:t>
+            </a:r>
+            <a:r>
+              <a:rPr lang="en-US" dirty="0"/>
+              <a:t>speed-up of up to 15X compared to </a:t>
+            </a:r>
+            <a:r>
+              <a:rPr lang="en-US" dirty="0" smtClean="0"/>
+              <a:t>HSPICE while </a:t>
+            </a:r>
+            <a:r>
+              <a:rPr lang="en-US" dirty="0"/>
+              <a:t>also maintaining high </a:t>
+            </a:r>
+            <a:r>
+              <a:rPr lang="en-US" dirty="0" smtClean="0"/>
+              <a:t>accuracy</a:t>
+            </a:r>
+            <a:endParaRPr lang="en-US" dirty="0"/>
+          </a:p>
+          <a:p>
+            <a:r>
+              <a:rPr lang="en-US" dirty="0" smtClean="0"/>
+              <a:t>Designed to be </a:t>
+            </a:r>
+            <a:r>
+              <a:rPr lang="en-US" dirty="0"/>
+              <a:t>used </a:t>
+            </a:r>
+            <a:r>
+              <a:rPr lang="en-US" dirty="0" smtClean="0"/>
+              <a:t>in simulators for improved soft error rate estimation</a:t>
+            </a:r>
+            <a:endParaRPr lang="en-US" dirty="0"/>
+          </a:p>
+        </p:txBody>
+      </p:sp>
+    </p:spTree>
+    <p:extLst>
+      <p:ext uri="{BB962C8B-B14F-4D97-AF65-F5344CB8AC3E}">
+        <p14:creationId xmlns:p14="http://schemas.microsoft.com/office/powerpoint/2010/main" val="1197928016"/>
+      </p:ext>
+    </p:extLst>
+  </p:cSld>
+  <p:clrMapOvr>
+    <a:masterClrMapping/>
+  </p:clrMapOvr>
+  <p:timing>
+    <p:tnLst>
+      <p:par>
+        <p:cTn id="1" dur="indefinite" restart="never" nodeType="tmRoot"/>
+      </p:par>
+    </p:tnLst>
+  </p:timing>
+</p:sld>
+</file>
+
+<file path=ppt/slides/slide39.xml><?xml version="1.0" encoding="utf-8"?>
+<p:sld xmlns:a="http://schemas.openxmlformats.org/drawingml/2006/main" xmlns:r="http://schemas.openxmlformats.org/officeDocument/2006/relationships" xmlns:p="http://schemas.openxmlformats.org/presentationml/2006/main">
+  <p:cSld>
+    <p:spTree>
+      <p:nvGrpSpPr>
+        <p:cNvPr id="1" name=""/>
+        <p:cNvGrpSpPr/>
+        <p:nvPr/>
+      </p:nvGrpSpPr>
+      <p:grpSpPr>
+        <a:xfrm>
+          <a:off x="0" y="0"/>
+          <a:ext cx="0" cy="0"/>
+          <a:chOff x="0" y="0"/>
+          <a:chExt cx="0" cy="0"/>
+        </a:xfrm>
+      </p:grpSpPr>
+      <p:sp>
+        <p:nvSpPr>
+          <p:cNvPr id="3" name="Title 2"/>
+          <p:cNvSpPr>
+            <a:spLocks noGrp="1"/>
+          </p:cNvSpPr>
+          <p:nvPr>
+            <p:ph type="title"/>
+          </p:nvPr>
+        </p:nvSpPr>
+        <p:spPr/>
+        <p:txBody>
+          <a:bodyPr/>
+          <a:lstStyle/>
+          <a:p>
+            <a:pPr algn="ctr"/>
+            <a:r>
+              <a:rPr lang="en-US" dirty="0" smtClean="0"/>
+              <a:t>Outline</a:t>
+            </a:r>
+            <a:endParaRPr lang="en-US" dirty="0"/>
+          </a:p>
+        </p:txBody>
+      </p:sp>
+      <p:sp>
+        <p:nvSpPr>
+          <p:cNvPr id="2" name="Content Placeholder 1"/>
+          <p:cNvSpPr>
+            <a:spLocks noGrp="1"/>
+          </p:cNvSpPr>
+          <p:nvPr>
+            <p:ph idx="1"/>
+          </p:nvPr>
+        </p:nvSpPr>
+        <p:spPr/>
+        <p:txBody>
+          <a:bodyPr/>
+          <a:lstStyle/>
+          <a:p>
+            <a:r>
+              <a:rPr lang="en-US" dirty="0" smtClean="0"/>
+              <a:t>Introduction</a:t>
+            </a:r>
+          </a:p>
+          <a:p>
+            <a:r>
+              <a:rPr lang="en-US" dirty="0" smtClean="0"/>
+              <a:t>Robust Latch for Multiple Node Upsets</a:t>
+            </a:r>
+          </a:p>
+          <a:p>
+            <a:r>
+              <a:rPr lang="en-US" dirty="0" smtClean="0"/>
+              <a:t>Analytical Approximation Model for Multiple Transients</a:t>
+            </a:r>
+          </a:p>
+          <a:p>
+            <a:r>
+              <a:rPr lang="en-US" b="1" dirty="0" smtClean="0">
+                <a:solidFill>
+                  <a:srgbClr val="FF0000"/>
+                </a:solidFill>
+              </a:rPr>
+              <a:t>Accurate Soft Error Simulation Using Partitioning</a:t>
+            </a:r>
+          </a:p>
+          <a:p>
+            <a:r>
+              <a:rPr lang="en-US" dirty="0" smtClean="0"/>
+              <a:t>Conclusion</a:t>
+            </a:r>
+          </a:p>
+        </p:txBody>
+      </p:sp>
+    </p:spTree>
+    <p:extLst>
+      <p:ext uri="{BB962C8B-B14F-4D97-AF65-F5344CB8AC3E}">
+        <p14:creationId xmlns:p14="http://schemas.microsoft.com/office/powerpoint/2010/main" val="2123113271"/>
+      </p:ext>
+    </p:extLst>
+  </p:cSld>
+  <p:clrMapOvr>
+    <a:masterClrMapping/>
+  </p:clrMapOvr>
+  <p:timing>
+    <p:tnLst>
+      <p:par>
+        <p:cTn id="1" dur="indefinite" restart="never" nodeType="tmRoot"/>
+      </p:par>
+    </p:tnLst>
+  </p:timing>
+</p:sld>
+</file>
+
+<file path=ppt/slides/slide4.xml><?xml version="1.0" encoding="utf-8"?>
+<p:sld xmlns:a="http://schemas.openxmlformats.org/drawingml/2006/main" xmlns:r="http://schemas.openxmlformats.org/officeDocument/2006/relationships" xmlns:p="http://schemas.openxmlformats.org/presentationml/2006/main">
+  <p:cSld>
+    <p:spTree>
+      <p:nvGrpSpPr>
+        <p:cNvPr id="1" name=""/>
+        <p:cNvGrpSpPr/>
+        <p:nvPr/>
+      </p:nvGrpSpPr>
+      <p:grpSpPr>
+        <a:xfrm>
+          <a:off x="0" y="0"/>
+          <a:ext cx="0" cy="0"/>
+          <a:chOff x="0" y="0"/>
+          <a:chExt cx="0" cy="0"/>
+        </a:xfrm>
+      </p:grpSpPr>
+      <p:sp>
+        <p:nvSpPr>
+          <p:cNvPr id="3" name="Title 2"/>
+          <p:cNvSpPr>
+            <a:spLocks noGrp="1"/>
+          </p:cNvSpPr>
+          <p:nvPr>
+            <p:ph type="title"/>
+          </p:nvPr>
+        </p:nvSpPr>
+        <p:spPr/>
+        <p:txBody>
+          <a:bodyPr/>
+          <a:lstStyle/>
+          <a:p>
+            <a:pPr algn="ctr"/>
+            <a:r>
+              <a:rPr lang="en-US" dirty="0" smtClean="0"/>
+              <a:t>Introduction</a:t>
+            </a:r>
+            <a:endParaRPr lang="en-US" dirty="0"/>
+          </a:p>
+        </p:txBody>
+      </p:sp>
+      <p:sp>
+        <p:nvSpPr>
+          <p:cNvPr id="2" name="Content Placeholder 1"/>
+          <p:cNvSpPr>
+            <a:spLocks noGrp="1"/>
+          </p:cNvSpPr>
+          <p:nvPr>
+            <p:ph idx="1"/>
+          </p:nvPr>
+        </p:nvSpPr>
+        <p:spPr>
+          <a:xfrm>
+            <a:off x="304800" y="1524000"/>
+            <a:ext cx="8534400" cy="4495800"/>
+          </a:xfrm>
+        </p:spPr>
+        <p:txBody>
+          <a:bodyPr>
+            <a:noAutofit/>
+          </a:bodyPr>
+          <a:lstStyle/>
+          <a:p>
+            <a:r>
+              <a:rPr lang="en-US" dirty="0" smtClean="0"/>
+              <a:t>3 novel mitigation and estimation approaches proposed</a:t>
+            </a:r>
+          </a:p>
+          <a:p>
+            <a:r>
+              <a:rPr lang="en-US" dirty="0" smtClean="0"/>
+              <a:t>Chapter 1</a:t>
+            </a:r>
+          </a:p>
+          <a:p>
+            <a:pPr lvl="1"/>
+            <a:r>
+              <a:rPr lang="en-US" dirty="0" smtClean="0"/>
+              <a:t>A soft error tolerant latch suitable for clock gating</a:t>
+            </a:r>
+          </a:p>
+          <a:p>
+            <a:pPr lvl="1"/>
+            <a:r>
+              <a:rPr lang="en-US" dirty="0" smtClean="0"/>
+              <a:t>Capable of tolerating double node upsets (DNUs)</a:t>
+            </a:r>
+          </a:p>
+          <a:p>
+            <a:pPr lvl="1"/>
+            <a:r>
+              <a:rPr lang="en-US" dirty="0" smtClean="0"/>
+              <a:t>A study on a triple node upset (TNU) tolerant latch is conducted</a:t>
+            </a:r>
+          </a:p>
+          <a:p>
+            <a:r>
+              <a:rPr lang="en-US" dirty="0" smtClean="0"/>
+              <a:t>Chapter 2</a:t>
+            </a:r>
+          </a:p>
+          <a:p>
+            <a:pPr lvl="1"/>
+            <a:r>
+              <a:rPr lang="en-US" dirty="0" smtClean="0"/>
+              <a:t>Accurate pulse shape approximation method </a:t>
+            </a:r>
+          </a:p>
+          <a:p>
+            <a:pPr lvl="1"/>
+            <a:r>
+              <a:rPr lang="en-US" dirty="0" smtClean="0"/>
+              <a:t>Considers multiple pulses on the gate input</a:t>
+            </a:r>
+          </a:p>
+          <a:p>
+            <a:r>
+              <a:rPr lang="en-US" dirty="0" smtClean="0"/>
+              <a:t>Chapter 3</a:t>
+            </a:r>
+          </a:p>
+          <a:p>
+            <a:pPr lvl="1"/>
+            <a:r>
+              <a:rPr lang="en-US" dirty="0" smtClean="0"/>
+              <a:t>FAST_MET simulation tool - calculates the soft error rate (SER)</a:t>
+            </a:r>
+          </a:p>
+          <a:p>
+            <a:pPr lvl="1"/>
+            <a:r>
+              <a:rPr lang="en-US" dirty="0" smtClean="0"/>
+              <a:t>Uses partitioning, Boolean functions and accurate pulse shape approximation</a:t>
+            </a:r>
+            <a:endParaRPr lang="en-US" dirty="0"/>
+          </a:p>
+          <a:p>
+            <a:pPr lvl="1"/>
+            <a:endParaRPr lang="en-US" dirty="0" smtClean="0"/>
+          </a:p>
+        </p:txBody>
+      </p:sp>
+    </p:spTree>
+    <p:extLst>
+      <p:ext uri="{BB962C8B-B14F-4D97-AF65-F5344CB8AC3E}">
+        <p14:creationId xmlns:p14="http://schemas.microsoft.com/office/powerpoint/2010/main" val="3601536149"/>
+      </p:ext>
+    </p:extLst>
+  </p:cSld>
+  <p:clrMapOvr>
+    <a:masterClrMapping/>
+  </p:clrMapOvr>
+  <p:timing>
+    <p:tnLst>
+      <p:par>
+        <p:cTn id="1" dur="indefinite" restart="never" nodeType="tmRoot"/>
+      </p:par>
+    </p:tnLst>
+  </p:timing>
+</p:sld>
+</file>
+
+<file path=ppt/slides/slide40.xml><?xml version="1.0" encoding="utf-8"?>
+<p:sld xmlns:a="http://schemas.openxmlformats.org/drawingml/2006/main" xmlns:r="http://schemas.openxmlformats.org/officeDocument/2006/relationships" xmlns:p="http://schemas.openxmlformats.org/presentationml/2006/main">
+  <p:cSld>
+    <p:spTree>
+      <p:nvGrpSpPr>
+        <p:cNvPr id="1" name=""/>
+        <p:cNvGrpSpPr/>
+        <p:nvPr/>
+      </p:nvGrpSpPr>
+      <p:grpSpPr>
+        <a:xfrm>
+          <a:off x="0" y="0"/>
+          <a:ext cx="0" cy="0"/>
+          <a:chOff x="0" y="0"/>
+          <a:chExt cx="0" cy="0"/>
+        </a:xfrm>
+      </p:grpSpPr>
+      <p:sp>
+        <p:nvSpPr>
+          <p:cNvPr id="2" name="Title 1"/>
+          <p:cNvSpPr>
+            <a:spLocks noGrp="1"/>
+          </p:cNvSpPr>
+          <p:nvPr>
+            <p:ph type="title"/>
+          </p:nvPr>
+        </p:nvSpPr>
+        <p:spPr/>
+        <p:txBody>
+          <a:bodyPr/>
+          <a:lstStyle/>
+          <a:p>
+            <a:pPr algn="ctr"/>
+            <a:r>
+              <a:rPr lang="en-US" dirty="0" smtClean="0"/>
               <a:t>Accurate Soft Error Simulation</a:t>
             </a:r>
             <a:endParaRPr lang="en-US" dirty="0"/>
@@ -11109,10 +12570,17 @@
   <p:clrMapOvr>
     <a:masterClrMapping/>
   </p:clrMapOvr>
+  <p:timing>
+    <p:tnLst>
+      <p:par>
+        <p:cTn id="1" dur="indefinite" restart="never" nodeType="tmRoot"/>
+      </p:par>
+    </p:tnLst>
+  </p:timing>
 </p:sld>
 </file>
 
-<file path=ppt/slides/slide39.xml><?xml version="1.0" encoding="utf-8"?>
+<file path=ppt/slides/slide41.xml><?xml version="1.0" encoding="utf-8"?>
 <p:sld xmlns:a="http://schemas.openxmlformats.org/drawingml/2006/main" xmlns:r="http://schemas.openxmlformats.org/officeDocument/2006/relationships" xmlns:p="http://schemas.openxmlformats.org/presentationml/2006/main">
   <p:cSld>
     <p:spTree>
@@ -11192,14 +12660,19 @@
             <p:ph idx="1"/>
           </p:nvPr>
         </p:nvSpPr>
-        <p:spPr/>
+        <p:spPr>
+          <a:xfrm>
+            <a:off x="457200" y="1447800"/>
+            <a:ext cx="8229600" cy="4876800"/>
+          </a:xfrm>
+        </p:spPr>
         <p:txBody>
           <a:bodyPr/>
           <a:lstStyle/>
           <a:p>
             <a:r>
               <a:rPr lang="en-US" dirty="0" smtClean="0"/>
-              <a:t>Soft error simulation consists of 3 parts</a:t>
+              <a:t>Soft error simulation on combinational circuits consists of 3 parts</a:t>
             </a:r>
           </a:p>
           <a:p>
@@ -11289,7 +12762,7 @@
 </p:sld>
 </file>
 
-<file path=ppt/slides/slide4.xml><?xml version="1.0" encoding="utf-8"?>
+<file path=ppt/slides/slide42.xml><?xml version="1.0" encoding="utf-8"?>
 <p:sld xmlns:a="http://schemas.openxmlformats.org/drawingml/2006/main" xmlns:r="http://schemas.openxmlformats.org/officeDocument/2006/relationships" xmlns:p="http://schemas.openxmlformats.org/presentationml/2006/main">
   <p:cSld>
     <p:spTree>
@@ -11308,7 +12781,7 @@
       </p:grpSpPr>
       <p:sp>
         <p:nvSpPr>
-          <p:cNvPr id="3" name="Title 2"/>
+          <p:cNvPr id="2" name="Title 1"/>
           <p:cNvSpPr>
             <a:spLocks noGrp="1"/>
           </p:cNvSpPr>
@@ -11324,7 +12797,7 @@
             <a:pPr algn="ctr"/>
             <a:r>
               <a:rPr lang="en-US" dirty="0" smtClean="0"/>
-              <a:t>Introduction</a:t>
+              <a:t>Accurate Soft Error Simulation</a:t>
             </a:r>
             <a:endParaRPr lang="en-US" dirty="0"/>
           </a:p>
@@ -11332,7 +12805,7 @@
       </p:sp>
       <p:sp>
         <p:nvSpPr>
-          <p:cNvPr id="2" name="Content Placeholder 1"/>
+          <p:cNvPr id="3" name="Content Placeholder 2"/>
           <p:cNvSpPr>
             <a:spLocks noGrp="1"/>
           </p:cNvSpPr>
@@ -11340,94 +12813,93 @@
             <p:ph idx="1"/>
           </p:nvPr>
         </p:nvSpPr>
-        <p:spPr>
-          <a:xfrm>
-            <a:off x="304800" y="1524000"/>
-            <a:ext cx="8534400" cy="4495800"/>
-          </a:xfrm>
-        </p:spPr>
-        <p:txBody>
-          <a:bodyPr>
-            <a:noAutofit/>
-          </a:bodyPr>
+        <p:spPr/>
+        <p:txBody>
+          <a:bodyPr/>
           <a:lstStyle/>
           <a:p>
             <a:r>
               <a:rPr lang="en-US" dirty="0" smtClean="0"/>
-              <a:t>3 novel mitigation and estimation approaches proposed</a:t>
-            </a:r>
-          </a:p>
-          <a:p>
-            <a:r>
-              <a:rPr lang="en-US" dirty="0" smtClean="0"/>
-              <a:t>Chapter 1</a:t>
+              <a:t>Existing simulators </a:t>
             </a:r>
           </a:p>
           <a:p>
             <a:pPr lvl="1"/>
             <a:r>
-              <a:rPr lang="en-US" dirty="0" smtClean="0"/>
-              <a:t>A soft error tolerant latch suitable for clock gating</a:t>
+              <a:rPr lang="en-US" dirty="0"/>
+              <a:t>U</a:t>
+            </a:r>
+            <a:r>
+              <a:rPr lang="en-US" dirty="0" smtClean="0"/>
+              <a:t>se inaccurate or slow methods to find logical masking effects</a:t>
             </a:r>
           </a:p>
           <a:p>
             <a:pPr lvl="1"/>
             <a:r>
-              <a:rPr lang="en-US" dirty="0" smtClean="0"/>
-              <a:t>Capable of tolerating double node upsets (DNUs)</a:t>
-            </a:r>
-          </a:p>
-          <a:p>
-            <a:r>
-              <a:rPr lang="en-US" dirty="0" smtClean="0"/>
-              <a:t>Chapter 2</a:t>
+              <a:rPr lang="en-US" dirty="0"/>
+              <a:t>U</a:t>
+            </a:r>
+            <a:r>
+              <a:rPr lang="en-US" dirty="0" smtClean="0"/>
+              <a:t>se simple electrical masking models</a:t>
+            </a:r>
+          </a:p>
+          <a:p>
+            <a:r>
+              <a:rPr lang="en-US" dirty="0" smtClean="0"/>
+              <a:t>Most do not consider multiple event transients (METs)</a:t>
+            </a:r>
+          </a:p>
+          <a:p>
+            <a:r>
+              <a:rPr lang="en-US" dirty="0" smtClean="0"/>
+              <a:t>None use an accurate masking model for METs</a:t>
+            </a:r>
+          </a:p>
+          <a:p>
+            <a:r>
+              <a:rPr lang="en-US" dirty="0" smtClean="0"/>
+              <a:t>Proposed simulator uses binary decision diagrams (BDDs) for exact logical masking determination</a:t>
+            </a:r>
+          </a:p>
+          <a:p>
+            <a:r>
+              <a:rPr lang="en-US" dirty="0" smtClean="0"/>
+              <a:t>Uses previously proposed electrical masking model</a:t>
+            </a:r>
+          </a:p>
+          <a:p>
+            <a:r>
+              <a:rPr lang="en-US" dirty="0" smtClean="0"/>
+              <a:t>Called the FAST_MET simulator</a:t>
             </a:r>
           </a:p>
           <a:p>
             <a:pPr lvl="1"/>
             <a:r>
               <a:rPr lang="en-US" dirty="0" smtClean="0"/>
-              <a:t>Accurate pulse shape approximation method </a:t>
-            </a:r>
-          </a:p>
-          <a:p>
-            <a:pPr lvl="1"/>
-            <a:r>
-              <a:rPr lang="en-US" dirty="0" smtClean="0"/>
-              <a:t>Considers multiple pulses on the gate input</a:t>
-            </a:r>
-          </a:p>
-          <a:p>
-            <a:r>
-              <a:rPr lang="en-US" dirty="0" smtClean="0"/>
-              <a:t>Chapter 3</a:t>
-            </a:r>
-          </a:p>
-          <a:p>
-            <a:pPr lvl="1"/>
-            <a:r>
-              <a:rPr lang="en-US" dirty="0" smtClean="0"/>
-              <a:t>FAST_MET simulation tool - calculates the soft error rate (SER)</a:t>
-            </a:r>
-          </a:p>
-          <a:p>
-            <a:pPr lvl="1"/>
-            <a:r>
-              <a:rPr lang="en-US" dirty="0" smtClean="0"/>
-              <a:t>Uses partitioning, Boolean functions and accurate pulse shape approximation</a:t>
-            </a:r>
-            <a:endParaRPr lang="en-US" dirty="0"/>
-          </a:p>
-          <a:p>
-            <a:pPr lvl="1"/>
-            <a:endParaRPr lang="en-US" dirty="0" smtClean="0"/>
+              <a:t>Fast </a:t>
+            </a:r>
+            <a:r>
+              <a:rPr lang="en-US" dirty="0"/>
+              <a:t>and Accurate </a:t>
+            </a:r>
+            <a:r>
+              <a:rPr lang="en-US" dirty="0" smtClean="0"/>
+              <a:t>Simulation Tool </a:t>
+            </a:r>
+            <a:r>
+              <a:rPr lang="en-US" dirty="0"/>
+              <a:t>for Multiple Event Transients</a:t>
+            </a:r>
           </a:p>
         </p:txBody>
       </p:sp>
     </p:spTree>
     <p:extLst>
       <p:ext uri="{BB962C8B-B14F-4D97-AF65-F5344CB8AC3E}">
-        <p14:creationId xmlns:p14="http://schemas.microsoft.com/office/powerpoint/2010/main" val="3601536149"/>
+        <p14:creationId xmlns:p14="http://schemas.microsoft.com/office/powerpoint/2010/main" val="885172887"/>
       </p:ext>
     </p:extLst>
   </p:cSld>
@@ -11444,155 +12916,7 @@
 </p:sld>
 </file>
 
-<file path=ppt/slides/slide40.xml><?xml version="1.0" encoding="utf-8"?>
-<p:sld xmlns:a="http://schemas.openxmlformats.org/drawingml/2006/main" xmlns:r="http://schemas.openxmlformats.org/officeDocument/2006/relationships" xmlns:p="http://schemas.openxmlformats.org/presentationml/2006/main">
-  <p:cSld>
-    <p:spTree>
-      <p:nvGrpSpPr>
-        <p:cNvPr id="1" name=""/>
-        <p:cNvGrpSpPr/>
-        <p:nvPr/>
-      </p:nvGrpSpPr>
-      <p:grpSpPr>
-        <a:xfrm>
-          <a:off x="0" y="0"/>
-          <a:ext cx="0" cy="0"/>
-          <a:chOff x="0" y="0"/>
-          <a:chExt cx="0" cy="0"/>
-        </a:xfrm>
-      </p:grpSpPr>
-      <p:sp>
-        <p:nvSpPr>
-          <p:cNvPr id="2" name="Title 1"/>
-          <p:cNvSpPr>
-            <a:spLocks noGrp="1"/>
-          </p:cNvSpPr>
-          <p:nvPr>
-            <p:ph type="title"/>
-          </p:nvPr>
-        </p:nvSpPr>
-        <p:spPr/>
-        <p:txBody>
-          <a:bodyPr/>
-          <a:lstStyle/>
-          <a:p>
-            <a:pPr algn="ctr"/>
-            <a:r>
-              <a:rPr lang="en-US" dirty="0" smtClean="0"/>
-              <a:t>Accurate Soft Error Simulation</a:t>
-            </a:r>
-            <a:endParaRPr lang="en-US" dirty="0"/>
-          </a:p>
-        </p:txBody>
-      </p:sp>
-      <p:sp>
-        <p:nvSpPr>
-          <p:cNvPr id="3" name="Content Placeholder 2"/>
-          <p:cNvSpPr>
-            <a:spLocks noGrp="1"/>
-          </p:cNvSpPr>
-          <p:nvPr>
-            <p:ph idx="1"/>
-          </p:nvPr>
-        </p:nvSpPr>
-        <p:spPr/>
-        <p:txBody>
-          <a:bodyPr/>
-          <a:lstStyle/>
-          <a:p>
-            <a:r>
-              <a:rPr lang="en-US" dirty="0" smtClean="0"/>
-              <a:t>Existing simulators </a:t>
-            </a:r>
-          </a:p>
-          <a:p>
-            <a:pPr lvl="1"/>
-            <a:r>
-              <a:rPr lang="en-US" dirty="0"/>
-              <a:t>U</a:t>
-            </a:r>
-            <a:r>
-              <a:rPr lang="en-US" dirty="0" smtClean="0"/>
-              <a:t>se inaccurate or slow methods to find logical masking effects</a:t>
-            </a:r>
-          </a:p>
-          <a:p>
-            <a:pPr lvl="1"/>
-            <a:r>
-              <a:rPr lang="en-US" dirty="0"/>
-              <a:t>U</a:t>
-            </a:r>
-            <a:r>
-              <a:rPr lang="en-US" dirty="0" smtClean="0"/>
-              <a:t>se simple electrical masking models</a:t>
-            </a:r>
-          </a:p>
-          <a:p>
-            <a:r>
-              <a:rPr lang="en-US" dirty="0" smtClean="0"/>
-              <a:t>Most do not consider multiple event transients (METs)</a:t>
-            </a:r>
-          </a:p>
-          <a:p>
-            <a:r>
-              <a:rPr lang="en-US" dirty="0" smtClean="0"/>
-              <a:t>None use an accurate masking model for METs</a:t>
-            </a:r>
-          </a:p>
-          <a:p>
-            <a:r>
-              <a:rPr lang="en-US" dirty="0" smtClean="0"/>
-              <a:t>Proposed simulator uses binary decision diagrams (BDDs) for exact logical masking</a:t>
-            </a:r>
-          </a:p>
-          <a:p>
-            <a:r>
-              <a:rPr lang="en-US" dirty="0" smtClean="0"/>
-              <a:t>Uses previously proposed electrical masking model</a:t>
-            </a:r>
-          </a:p>
-          <a:p>
-            <a:r>
-              <a:rPr lang="en-US" dirty="0" smtClean="0"/>
-              <a:t>Called the FAST_MET simulator</a:t>
-            </a:r>
-          </a:p>
-          <a:p>
-            <a:pPr lvl="1"/>
-            <a:r>
-              <a:rPr lang="en-US" dirty="0" smtClean="0"/>
-              <a:t>Fast </a:t>
-            </a:r>
-            <a:r>
-              <a:rPr lang="en-US" dirty="0"/>
-              <a:t>and Accurate </a:t>
-            </a:r>
-            <a:r>
-              <a:rPr lang="en-US" dirty="0" smtClean="0"/>
-              <a:t>Simulation Tool </a:t>
-            </a:r>
-            <a:r>
-              <a:rPr lang="en-US" dirty="0"/>
-              <a:t>for Multiple Event Transients</a:t>
-            </a:r>
-            <a:endParaRPr lang="en-US" dirty="0"/>
-          </a:p>
-        </p:txBody>
-      </p:sp>
-    </p:spTree>
-    <p:extLst>
-      <p:ext uri="{BB962C8B-B14F-4D97-AF65-F5344CB8AC3E}">
-        <p14:creationId xmlns:p14="http://schemas.microsoft.com/office/powerpoint/2010/main" val="885172887"/>
-      </p:ext>
-    </p:extLst>
-  </p:cSld>
-  <p:clrMapOvr>
-    <a:masterClrMapping/>
-  </p:clrMapOvr>
-</p:sld>
-</file>
-
-<file path=ppt/slides/slide41.xml><?xml version="1.0" encoding="utf-8"?>
+<file path=ppt/slides/slide43.xml><?xml version="1.0" encoding="utf-8"?>
 <p:sld xmlns:a="http://schemas.openxmlformats.org/drawingml/2006/main" xmlns:r="http://schemas.openxmlformats.org/officeDocument/2006/relationships" xmlns:p="http://schemas.openxmlformats.org/presentationml/2006/main">
   <p:cSld>
     <p:spTree>
@@ -11781,10 +13105,17 @@
   <p:clrMapOvr>
     <a:masterClrMapping/>
   </p:clrMapOvr>
+  <p:timing>
+    <p:tnLst>
+      <p:par>
+        <p:cTn id="1" dur="indefinite" restart="never" nodeType="tmRoot"/>
+      </p:par>
+    </p:tnLst>
+  </p:timing>
 </p:sld>
 </file>
 
-<file path=ppt/slides/slide42.xml><?xml version="1.0" encoding="utf-8"?>
+<file path=ppt/slides/slide44.xml><?xml version="1.0" encoding="utf-8"?>
 <p:sld xmlns:a="http://schemas.openxmlformats.org/drawingml/2006/main" xmlns:r="http://schemas.openxmlformats.org/officeDocument/2006/relationships" xmlns:p="http://schemas.openxmlformats.org/presentationml/2006/main">
   <p:cSld>
     <p:spTree>
@@ -11908,12 +13239,6 @@
             </a:r>
           </a:p>
           <a:p>
-            <a:r>
-              <a:rPr lang="en-US" dirty="0" smtClean="0"/>
-              <a:t>Simulator can consider METs</a:t>
-            </a:r>
-          </a:p>
-          <a:p>
             <a:endParaRPr lang="en-US" dirty="0" smtClean="0"/>
           </a:p>
         </p:txBody>
@@ -11928,10 +13253,200 @@
   <p:clrMapOvr>
     <a:masterClrMapping/>
   </p:clrMapOvr>
+  <p:timing>
+    <p:tnLst>
+      <p:par>
+        <p:cTn id="1" dur="indefinite" restart="never" nodeType="tmRoot"/>
+      </p:par>
+    </p:tnLst>
+  </p:timing>
 </p:sld>
 </file>
 
-<file path=ppt/slides/slide43.xml><?xml version="1.0" encoding="utf-8"?>
+<file path=ppt/slides/slide45.xml><?xml version="1.0" encoding="utf-8"?>
+<p:sld xmlns:a="http://schemas.openxmlformats.org/drawingml/2006/main" xmlns:r="http://schemas.openxmlformats.org/officeDocument/2006/relationships" xmlns:p="http://schemas.openxmlformats.org/presentationml/2006/main">
+  <p:cSld>
+    <p:spTree>
+      <p:nvGrpSpPr>
+        <p:cNvPr id="1" name=""/>
+        <p:cNvGrpSpPr/>
+        <p:nvPr/>
+      </p:nvGrpSpPr>
+      <p:grpSpPr>
+        <a:xfrm>
+          <a:off x="0" y="0"/>
+          <a:ext cx="0" cy="0"/>
+          <a:chOff x="0" y="0"/>
+          <a:chExt cx="0" cy="0"/>
+        </a:xfrm>
+      </p:grpSpPr>
+      <p:sp>
+        <p:nvSpPr>
+          <p:cNvPr id="2" name="Title 1"/>
+          <p:cNvSpPr>
+            <a:spLocks noGrp="1"/>
+          </p:cNvSpPr>
+          <p:nvPr>
+            <p:ph type="title"/>
+          </p:nvPr>
+        </p:nvSpPr>
+        <p:spPr/>
+        <p:txBody>
+          <a:bodyPr/>
+          <a:lstStyle/>
+          <a:p>
+            <a:pPr algn="ctr"/>
+            <a:r>
+              <a:rPr lang="en-US" dirty="0" smtClean="0"/>
+              <a:t>Pulse Generation</a:t>
+            </a:r>
+            <a:endParaRPr lang="en-US" dirty="0"/>
+          </a:p>
+        </p:txBody>
+      </p:sp>
+      <p:sp>
+        <p:nvSpPr>
+          <p:cNvPr id="3" name="Content Placeholder 2"/>
+          <p:cNvSpPr>
+            <a:spLocks noGrp="1"/>
+          </p:cNvSpPr>
+          <p:nvPr>
+            <p:ph idx="1"/>
+          </p:nvPr>
+        </p:nvSpPr>
+        <p:spPr>
+          <a:xfrm>
+            <a:off x="457200" y="1600200"/>
+            <a:ext cx="4800600" cy="4876800"/>
+          </a:xfrm>
+        </p:spPr>
+        <p:txBody>
+          <a:bodyPr/>
+          <a:lstStyle/>
+          <a:p>
+            <a:r>
+              <a:rPr lang="en-US" dirty="0" smtClean="0"/>
+              <a:t>The input functions represent the logic values on the inputs</a:t>
+            </a:r>
+          </a:p>
+          <a:p>
+            <a:r>
+              <a:rPr lang="en-US" dirty="0" smtClean="0"/>
+              <a:t>Top example</a:t>
+            </a:r>
+          </a:p>
+          <a:p>
+            <a:pPr lvl="1"/>
+            <a:r>
+              <a:rPr lang="en-US" dirty="0" smtClean="0"/>
+              <a:t>Output must be “0”</a:t>
+            </a:r>
+          </a:p>
+          <a:p>
+            <a:pPr lvl="1"/>
+            <a:r>
+              <a:rPr lang="en-US" dirty="0" smtClean="0"/>
+              <a:t>All paths to “0” on </a:t>
+            </a:r>
+            <a:r>
+              <a:rPr lang="en-US" i="1" dirty="0" err="1" smtClean="0"/>
+              <a:t>Fo</a:t>
+            </a:r>
+            <a:r>
+              <a:rPr lang="en-US" dirty="0" smtClean="0"/>
+              <a:t> represent cases were the pulse is generated</a:t>
+            </a:r>
+          </a:p>
+          <a:p>
+            <a:pPr lvl="1"/>
+            <a:r>
+              <a:rPr lang="en-US" dirty="0" smtClean="0"/>
+              <a:t>BDD is inverted, all paths to “1” represent pulse generation</a:t>
+            </a:r>
+          </a:p>
+          <a:p>
+            <a:r>
+              <a:rPr lang="en-US" dirty="0" smtClean="0"/>
+              <a:t>Bottom Example</a:t>
+            </a:r>
+          </a:p>
+          <a:p>
+            <a:pPr lvl="1"/>
+            <a:r>
+              <a:rPr lang="en-US" dirty="0" smtClean="0"/>
+              <a:t>Output must be “1”</a:t>
+            </a:r>
+          </a:p>
+          <a:p>
+            <a:pPr lvl="1"/>
+            <a:r>
+              <a:rPr lang="en-US" dirty="0" smtClean="0"/>
+              <a:t>All paths to “1” on </a:t>
+            </a:r>
+            <a:r>
+              <a:rPr lang="en-US" i="1" dirty="0" err="1" smtClean="0"/>
+              <a:t>Fo</a:t>
+            </a:r>
+            <a:r>
+              <a:rPr lang="en-US" dirty="0" smtClean="0"/>
+              <a:t> represent cases were the pulse is generated</a:t>
+            </a:r>
+          </a:p>
+          <a:p>
+            <a:pPr lvl="1"/>
+            <a:r>
+              <a:rPr lang="en-US" dirty="0" smtClean="0"/>
+              <a:t>BDD is not inverted</a:t>
+            </a:r>
+            <a:endParaRPr lang="en-US" dirty="0"/>
+          </a:p>
+        </p:txBody>
+      </p:sp>
+      <p:pic>
+        <p:nvPicPr>
+          <p:cNvPr id="6" name="Picture 5"/>
+          <p:cNvPicPr>
+            <a:picLocks noChangeAspect="1"/>
+          </p:cNvPicPr>
+          <p:nvPr/>
+        </p:nvPicPr>
+        <p:blipFill>
+          <a:blip r:embed="rId2"/>
+          <a:stretch>
+            <a:fillRect/>
+          </a:stretch>
+        </p:blipFill>
+        <p:spPr>
+          <a:xfrm>
+            <a:off x="6019800" y="1219200"/>
+            <a:ext cx="2971800" cy="5096490"/>
+          </a:xfrm>
+          <a:prstGeom prst="rect">
+            <a:avLst/>
+          </a:prstGeom>
+        </p:spPr>
+      </p:pic>
+    </p:spTree>
+    <p:extLst>
+      <p:ext uri="{BB962C8B-B14F-4D97-AF65-F5344CB8AC3E}">
+        <p14:creationId xmlns:p14="http://schemas.microsoft.com/office/powerpoint/2010/main" val="4108502329"/>
+      </p:ext>
+    </p:extLst>
+  </p:cSld>
+  <p:clrMapOvr>
+    <a:masterClrMapping/>
+  </p:clrMapOvr>
+  <p:timing>
+    <p:tnLst>
+      <p:par>
+        <p:cTn id="1" dur="indefinite" restart="never" nodeType="tmRoot"/>
+      </p:par>
+    </p:tnLst>
+  </p:timing>
+</p:sld>
+</file>
+
+<file path=ppt/slides/slide46.xml><?xml version="1.0" encoding="utf-8"?>
 <p:sld xmlns:a="http://schemas.openxmlformats.org/drawingml/2006/main" xmlns:r="http://schemas.openxmlformats.org/officeDocument/2006/relationships" xmlns:p="http://schemas.openxmlformats.org/presentationml/2006/main">
   <p:cSld>
     <p:spTree>
@@ -12062,10 +13577,17 @@
   <p:clrMapOvr>
     <a:masterClrMapping/>
   </p:clrMapOvr>
+  <p:timing>
+    <p:tnLst>
+      <p:par>
+        <p:cTn id="1" dur="indefinite" restart="never" nodeType="tmRoot"/>
+      </p:par>
+    </p:tnLst>
+  </p:timing>
 </p:sld>
 </file>
 
-<file path=ppt/slides/slide44.xml><?xml version="1.0" encoding="utf-8"?>
+<file path=ppt/slides/slide47.xml><?xml version="1.0" encoding="utf-8"?>
 <p:sld xmlns:a="http://schemas.openxmlformats.org/drawingml/2006/main" xmlns:r="http://schemas.openxmlformats.org/officeDocument/2006/relationships" xmlns:p="http://schemas.openxmlformats.org/presentationml/2006/main">
   <p:cSld>
     <p:spTree>
@@ -12202,7 +13724,7 @@
           <a:p>
             <a:r>
               <a:rPr lang="en-US" dirty="0" smtClean="0"/>
-              <a:t>For example, a 2 struck gates have the following</a:t>
+              <a:t>For example, 2 struck gates have the following</a:t>
             </a:r>
           </a:p>
           <a:p>
@@ -12245,10 +13767,17 @@
   <p:clrMapOvr>
     <a:masterClrMapping/>
   </p:clrMapOvr>
+  <p:timing>
+    <p:tnLst>
+      <p:par>
+        <p:cTn id="1" dur="indefinite" restart="never" nodeType="tmRoot"/>
+      </p:par>
+    </p:tnLst>
+  </p:timing>
 </p:sld>
 </file>
 
-<file path=ppt/slides/slide45.xml><?xml version="1.0" encoding="utf-8"?>
+<file path=ppt/slides/slide48.xml><?xml version="1.0" encoding="utf-8"?>
 <p:sld xmlns:a="http://schemas.openxmlformats.org/drawingml/2006/main" xmlns:r="http://schemas.openxmlformats.org/officeDocument/2006/relationships" xmlns:p="http://schemas.openxmlformats.org/presentationml/2006/main">
   <p:cSld>
     <p:spTree>
@@ -12332,7 +13861,7 @@
             <a:pPr lvl="1"/>
             <a:r>
               <a:rPr lang="en-US" dirty="0" smtClean="0"/>
-              <a:t>Sensitization BDD – BDD that holds that represents all patterns that propagate the pulse</a:t>
+              <a:t>Sensitization BDD – BDD that represents all patterns that propagate the pulse</a:t>
             </a:r>
           </a:p>
           <a:p>
@@ -12495,566 +14024,13 @@
   <p:clrMapOvr>
     <a:masterClrMapping/>
   </p:clrMapOvr>
-</p:sld>
-</file>
-
-<file path=ppt/slides/slide46.xml><?xml version="1.0" encoding="utf-8"?>
-<p:sld xmlns:a="http://schemas.openxmlformats.org/drawingml/2006/main" xmlns:r="http://schemas.openxmlformats.org/officeDocument/2006/relationships" xmlns:p="http://schemas.openxmlformats.org/presentationml/2006/main">
-  <p:cSld>
-    <p:spTree>
-      <p:nvGrpSpPr>
-        <p:cNvPr id="1" name=""/>
-        <p:cNvGrpSpPr/>
-        <p:nvPr/>
-      </p:nvGrpSpPr>
-      <p:grpSpPr>
-        <a:xfrm>
-          <a:off x="0" y="0"/>
-          <a:ext cx="0" cy="0"/>
-          <a:chOff x="0" y="0"/>
-          <a:chExt cx="0" cy="0"/>
-        </a:xfrm>
-      </p:grpSpPr>
-      <p:sp>
-        <p:nvSpPr>
-          <p:cNvPr id="2" name="Title 1"/>
-          <p:cNvSpPr>
-            <a:spLocks noGrp="1"/>
-          </p:cNvSpPr>
-          <p:nvPr>
-            <p:ph type="title"/>
-          </p:nvPr>
-        </p:nvSpPr>
-        <p:spPr/>
-        <p:txBody>
-          <a:bodyPr/>
-          <a:lstStyle/>
-          <a:p>
-            <a:pPr algn="ctr"/>
-            <a:r>
-              <a:rPr lang="en-US" dirty="0" smtClean="0"/>
-              <a:t>Pulse Propagation</a:t>
-            </a:r>
-            <a:endParaRPr lang="en-US" dirty="0"/>
-          </a:p>
-        </p:txBody>
-      </p:sp>
-      <p:sp>
-        <p:nvSpPr>
-          <p:cNvPr id="3" name="Content Placeholder 2"/>
-          <p:cNvSpPr>
-            <a:spLocks noGrp="1"/>
-          </p:cNvSpPr>
-          <p:nvPr>
-            <p:ph idx="1"/>
-          </p:nvPr>
-        </p:nvSpPr>
-        <p:spPr>
-          <a:xfrm>
-            <a:off x="457200" y="1600200"/>
-            <a:ext cx="4953000" cy="4876800"/>
-          </a:xfrm>
-        </p:spPr>
-        <p:txBody>
-          <a:bodyPr/>
-          <a:lstStyle/>
-          <a:p>
-            <a:r>
-              <a:rPr lang="en-US" dirty="0" smtClean="0"/>
-              <a:t>BDDs are oriented such that a “1” represents the cases where the pulse propagates</a:t>
-            </a:r>
-          </a:p>
-          <a:p>
-            <a:r>
-              <a:rPr lang="en-US" dirty="0" smtClean="0"/>
-              <a:t>Resulting function becomes the output pulse’s sensitization function</a:t>
-            </a:r>
-          </a:p>
-          <a:p>
-            <a:r>
-              <a:rPr lang="en-US" dirty="0" smtClean="0"/>
-              <a:t>If on an output, the BDD is solved to find the probability</a:t>
-            </a:r>
-          </a:p>
-          <a:p>
-            <a:r>
-              <a:rPr lang="en-US" dirty="0" smtClean="0"/>
-              <a:t>Each node represents a primary input</a:t>
-            </a:r>
-          </a:p>
-          <a:p>
-            <a:pPr lvl="1"/>
-            <a:r>
-              <a:rPr lang="en-US" dirty="0" smtClean="0"/>
-              <a:t>Input probability values are assigned to the nodes</a:t>
-            </a:r>
-            <a:endParaRPr lang="en-US" dirty="0"/>
-          </a:p>
-        </p:txBody>
-      </p:sp>
-      <p:pic>
-        <p:nvPicPr>
-          <p:cNvPr id="5" name="Picture 4"/>
-          <p:cNvPicPr>
-            <a:picLocks noChangeAspect="1"/>
-          </p:cNvPicPr>
-          <p:nvPr/>
-        </p:nvPicPr>
-        <p:blipFill>
-          <a:blip r:embed="rId2"/>
-          <a:stretch>
-            <a:fillRect/>
-          </a:stretch>
-        </p:blipFill>
-        <p:spPr>
-          <a:xfrm>
-            <a:off x="6019800" y="1295400"/>
-            <a:ext cx="2841409" cy="4941832"/>
-          </a:xfrm>
-          <a:prstGeom prst="rect">
-            <a:avLst/>
-          </a:prstGeom>
-        </p:spPr>
-      </p:pic>
-    </p:spTree>
-    <p:extLst>
-      <p:ext uri="{BB962C8B-B14F-4D97-AF65-F5344CB8AC3E}">
-        <p14:creationId xmlns:p14="http://schemas.microsoft.com/office/powerpoint/2010/main" val="2839477491"/>
-      </p:ext>
-    </p:extLst>
-  </p:cSld>
-  <p:clrMapOvr>
-    <a:masterClrMapping/>
-  </p:clrMapOvr>
-</p:sld>
-</file>
-
-<file path=ppt/slides/slide47.xml><?xml version="1.0" encoding="utf-8"?>
-<p:sld xmlns:a="http://schemas.openxmlformats.org/drawingml/2006/main" xmlns:r="http://schemas.openxmlformats.org/officeDocument/2006/relationships" xmlns:p="http://schemas.openxmlformats.org/presentationml/2006/main">
-  <p:cSld>
-    <p:spTree>
-      <p:nvGrpSpPr>
-        <p:cNvPr id="1" name=""/>
-        <p:cNvGrpSpPr/>
-        <p:nvPr/>
-      </p:nvGrpSpPr>
-      <p:grpSpPr>
-        <a:xfrm>
-          <a:off x="0" y="0"/>
-          <a:ext cx="0" cy="0"/>
-          <a:chOff x="0" y="0"/>
-          <a:chExt cx="0" cy="0"/>
-        </a:xfrm>
-      </p:grpSpPr>
-      <p:sp>
-        <p:nvSpPr>
-          <p:cNvPr id="2" name="Title 1"/>
-          <p:cNvSpPr>
-            <a:spLocks noGrp="1"/>
-          </p:cNvSpPr>
-          <p:nvPr>
-            <p:ph type="title"/>
-          </p:nvPr>
-        </p:nvSpPr>
-        <p:spPr/>
-        <p:txBody>
-          <a:bodyPr/>
-          <a:lstStyle/>
-          <a:p>
-            <a:pPr algn="ctr"/>
-            <a:r>
-              <a:rPr lang="en-US" dirty="0" smtClean="0"/>
-              <a:t>Propagation of METs</a:t>
-            </a:r>
-            <a:endParaRPr lang="en-US" dirty="0"/>
-          </a:p>
-        </p:txBody>
-      </p:sp>
-      <p:sp>
-        <p:nvSpPr>
-          <p:cNvPr id="3" name="Content Placeholder 2"/>
-          <p:cNvSpPr>
-            <a:spLocks noGrp="1"/>
-          </p:cNvSpPr>
-          <p:nvPr>
-            <p:ph idx="1"/>
-          </p:nvPr>
-        </p:nvSpPr>
-        <p:spPr>
-          <a:xfrm>
-            <a:off x="457200" y="1600200"/>
-            <a:ext cx="4800600" cy="4876800"/>
-          </a:xfrm>
-        </p:spPr>
-        <p:txBody>
-          <a:bodyPr>
-            <a:normAutofit lnSpcReduction="10000"/>
-          </a:bodyPr>
-          <a:lstStyle/>
-          <a:p>
-            <a:r>
-              <a:rPr lang="en-US" dirty="0" smtClean="0"/>
-              <a:t>A MET is represented as event E</a:t>
-            </a:r>
-            <a:r>
-              <a:rPr lang="en-US" baseline="-25000" dirty="0" smtClean="0"/>
-              <a:t>k</a:t>
-            </a:r>
-          </a:p>
-          <a:p>
-            <a:r>
-              <a:rPr lang="en-US" dirty="0" smtClean="0"/>
-              <a:t>Increases the likelihood of multiple pulse from the same event arriving on gate input</a:t>
-            </a:r>
-          </a:p>
-          <a:p>
-            <a:r>
-              <a:rPr lang="en-US" dirty="0" smtClean="0"/>
-              <a:t>If two pulses arrive, 3 cases</a:t>
-            </a:r>
-          </a:p>
-          <a:p>
-            <a:pPr lvl="1"/>
-            <a:r>
-              <a:rPr lang="en-US" dirty="0" smtClean="0"/>
-              <a:t>Pulse on </a:t>
-            </a:r>
-            <a:r>
-              <a:rPr lang="en-US" i="1" dirty="0" smtClean="0"/>
-              <a:t>a</a:t>
-            </a:r>
-            <a:r>
-              <a:rPr lang="en-US" dirty="0" smtClean="0"/>
-              <a:t> arrives</a:t>
-            </a:r>
-          </a:p>
-          <a:p>
-            <a:pPr lvl="1"/>
-            <a:r>
-              <a:rPr lang="en-US" dirty="0" smtClean="0"/>
-              <a:t>Pulse on </a:t>
-            </a:r>
-            <a:r>
-              <a:rPr lang="en-US" i="1" dirty="0" smtClean="0"/>
-              <a:t>b </a:t>
-            </a:r>
-            <a:r>
-              <a:rPr lang="en-US" dirty="0" smtClean="0"/>
-              <a:t>arrives</a:t>
-            </a:r>
-          </a:p>
-          <a:p>
-            <a:pPr lvl="1"/>
-            <a:r>
-              <a:rPr lang="en-US" dirty="0" smtClean="0"/>
-              <a:t>Pulses on </a:t>
-            </a:r>
-            <a:r>
-              <a:rPr lang="en-US" i="1" dirty="0" smtClean="0"/>
-              <a:t>a</a:t>
-            </a:r>
-            <a:r>
-              <a:rPr lang="en-US" dirty="0" smtClean="0"/>
-              <a:t> and </a:t>
-            </a:r>
-            <a:r>
-              <a:rPr lang="en-US" i="1" dirty="0" smtClean="0"/>
-              <a:t>b</a:t>
-            </a:r>
-            <a:r>
-              <a:rPr lang="en-US" dirty="0" smtClean="0"/>
-              <a:t> arrive simultaneously</a:t>
-            </a:r>
-          </a:p>
-          <a:p>
-            <a:r>
-              <a:rPr lang="en-US" dirty="0" smtClean="0"/>
-              <a:t>All cases must be considered</a:t>
-            </a:r>
-          </a:p>
-          <a:p>
-            <a:r>
-              <a:rPr lang="en-US" dirty="0" smtClean="0"/>
-              <a:t>Each case has a different propagation function</a:t>
-            </a:r>
-            <a:endParaRPr lang="en-US" dirty="0"/>
-          </a:p>
-        </p:txBody>
-      </p:sp>
-      <p:pic>
-        <p:nvPicPr>
-          <p:cNvPr id="4" name="Picture 3"/>
-          <p:cNvPicPr>
-            <a:picLocks noChangeAspect="1"/>
-          </p:cNvPicPr>
-          <p:nvPr/>
-        </p:nvPicPr>
-        <p:blipFill>
-          <a:blip r:embed="rId2"/>
-          <a:stretch>
-            <a:fillRect/>
-          </a:stretch>
-        </p:blipFill>
-        <p:spPr>
-          <a:xfrm>
-            <a:off x="4985170" y="1524000"/>
-            <a:ext cx="4105763" cy="2209800"/>
-          </a:xfrm>
-          <a:prstGeom prst="rect">
-            <a:avLst/>
-          </a:prstGeom>
-        </p:spPr>
-      </p:pic>
-      <p:sp>
-        <p:nvSpPr>
-          <p:cNvPr id="5" name="TextBox 4"/>
-          <p:cNvSpPr txBox="1"/>
-          <p:nvPr/>
-        </p:nvSpPr>
-        <p:spPr>
-          <a:xfrm>
-            <a:off x="5623152" y="3848100"/>
-            <a:ext cx="2743200" cy="381000"/>
-          </a:xfrm>
-          <a:prstGeom prst="rect">
-            <a:avLst/>
-          </a:prstGeom>
-          <a:noFill/>
-        </p:spPr>
-        <p:txBody>
-          <a:bodyPr wrap="square" rtlCol="0">
-            <a:spAutoFit/>
-          </a:bodyPr>
-          <a:lstStyle/>
-          <a:p>
-            <a:r>
-              <a:rPr lang="en-US" dirty="0" smtClean="0"/>
-              <a:t>Three propagation cases</a:t>
-            </a:r>
-            <a:endParaRPr lang="en-US" dirty="0"/>
-          </a:p>
-        </p:txBody>
-      </p:sp>
-      <p:pic>
-        <p:nvPicPr>
-          <p:cNvPr id="7" name="Picture 6"/>
-          <p:cNvPicPr>
-            <a:picLocks noChangeAspect="1"/>
-          </p:cNvPicPr>
-          <p:nvPr/>
-        </p:nvPicPr>
-        <p:blipFill>
-          <a:blip r:embed="rId3"/>
-          <a:stretch>
-            <a:fillRect/>
-          </a:stretch>
-        </p:blipFill>
-        <p:spPr>
-          <a:xfrm>
-            <a:off x="4855029" y="4295503"/>
-            <a:ext cx="4235904" cy="1302673"/>
-          </a:xfrm>
-          <a:prstGeom prst="rect">
-            <a:avLst/>
-          </a:prstGeom>
-        </p:spPr>
-      </p:pic>
-      <p:sp>
-        <p:nvSpPr>
-          <p:cNvPr id="8" name="TextBox 7"/>
-          <p:cNvSpPr txBox="1"/>
-          <p:nvPr/>
-        </p:nvSpPr>
-        <p:spPr>
-          <a:xfrm>
-            <a:off x="5666450" y="5550824"/>
-            <a:ext cx="3020349" cy="369332"/>
-          </a:xfrm>
-          <a:prstGeom prst="rect">
-            <a:avLst/>
-          </a:prstGeom>
-          <a:noFill/>
-        </p:spPr>
-        <p:txBody>
-          <a:bodyPr wrap="square" rtlCol="0">
-            <a:spAutoFit/>
-          </a:bodyPr>
-          <a:lstStyle/>
-          <a:p>
-            <a:r>
-              <a:rPr lang="en-US" dirty="0" smtClean="0"/>
-              <a:t>MET propagation functions</a:t>
-            </a:r>
-            <a:endParaRPr lang="en-US" dirty="0"/>
-          </a:p>
-        </p:txBody>
-      </p:sp>
-    </p:spTree>
-    <p:extLst>
-      <p:ext uri="{BB962C8B-B14F-4D97-AF65-F5344CB8AC3E}">
-        <p14:creationId xmlns:p14="http://schemas.microsoft.com/office/powerpoint/2010/main" val="409777279"/>
-      </p:ext>
-    </p:extLst>
-  </p:cSld>
-  <p:clrMapOvr>
-    <a:masterClrMapping/>
-  </p:clrMapOvr>
-</p:sld>
-</file>
-
-<file path=ppt/slides/slide48.xml><?xml version="1.0" encoding="utf-8"?>
-<p:sld xmlns:a="http://schemas.openxmlformats.org/drawingml/2006/main" xmlns:r="http://schemas.openxmlformats.org/officeDocument/2006/relationships" xmlns:p="http://schemas.openxmlformats.org/presentationml/2006/main">
-  <p:cSld>
-    <p:spTree>
-      <p:nvGrpSpPr>
-        <p:cNvPr id="1" name=""/>
-        <p:cNvGrpSpPr/>
-        <p:nvPr/>
-      </p:nvGrpSpPr>
-      <p:grpSpPr>
-        <a:xfrm>
-          <a:off x="0" y="0"/>
-          <a:ext cx="0" cy="0"/>
-          <a:chOff x="0" y="0"/>
-          <a:chExt cx="0" cy="0"/>
-        </a:xfrm>
-      </p:grpSpPr>
-      <p:sp>
-        <p:nvSpPr>
-          <p:cNvPr id="2" name="Title 1"/>
-          <p:cNvSpPr>
-            <a:spLocks noGrp="1"/>
-          </p:cNvSpPr>
-          <p:nvPr>
-            <p:ph type="title"/>
-          </p:nvPr>
-        </p:nvSpPr>
-        <p:spPr/>
-        <p:txBody>
-          <a:bodyPr/>
-          <a:lstStyle/>
-          <a:p>
-            <a:pPr algn="ctr"/>
-            <a:r>
-              <a:rPr lang="en-US" dirty="0" smtClean="0"/>
-              <a:t>FAST_MET Partitioning</a:t>
-            </a:r>
-            <a:endParaRPr lang="en-US" dirty="0"/>
-          </a:p>
-        </p:txBody>
-      </p:sp>
-      <p:sp>
-        <p:nvSpPr>
-          <p:cNvPr id="3" name="Content Placeholder 2"/>
-          <p:cNvSpPr>
-            <a:spLocks noGrp="1"/>
-          </p:cNvSpPr>
-          <p:nvPr>
-            <p:ph idx="1"/>
-          </p:nvPr>
-        </p:nvSpPr>
-        <p:spPr/>
-        <p:txBody>
-          <a:bodyPr/>
-          <a:lstStyle/>
-          <a:p>
-            <a:r>
-              <a:rPr lang="en-US" dirty="0" smtClean="0"/>
-              <a:t>FAST_MET employs partitioning to prevent BDD blow up</a:t>
-            </a:r>
-          </a:p>
-          <a:p>
-            <a:r>
-              <a:rPr lang="en-US" dirty="0" smtClean="0"/>
-              <a:t>In this work the </a:t>
-            </a:r>
-            <a:r>
-              <a:rPr lang="en-US" dirty="0"/>
-              <a:t>Fiduccia and </a:t>
-            </a:r>
-            <a:r>
-              <a:rPr lang="en-US" dirty="0" err="1" smtClean="0"/>
-              <a:t>Mattheyses</a:t>
-            </a:r>
-            <a:r>
-              <a:rPr lang="en-US" dirty="0" smtClean="0"/>
-              <a:t> algorithm was used</a:t>
-            </a:r>
-          </a:p>
-          <a:p>
-            <a:pPr lvl="1"/>
-            <a:r>
-              <a:rPr lang="en-US" dirty="0" smtClean="0"/>
-              <a:t>Easily implemented and integrated</a:t>
-            </a:r>
-          </a:p>
-          <a:p>
-            <a:pPr lvl="1"/>
-            <a:r>
-              <a:rPr lang="en-US" dirty="0" smtClean="0"/>
-              <a:t>Partitions into 2 parts</a:t>
-            </a:r>
-          </a:p>
-          <a:p>
-            <a:pPr lvl="1"/>
-            <a:r>
-              <a:rPr lang="en-US" dirty="0" smtClean="0"/>
-              <a:t>Can be ran recursively for k-1 times for k parts</a:t>
-            </a:r>
-          </a:p>
-          <a:p>
-            <a:r>
-              <a:rPr lang="en-US" dirty="0" smtClean="0"/>
-              <a:t>Partitioning allows faster simulation at a cost of accuracy</a:t>
-            </a:r>
-          </a:p>
-          <a:p>
-            <a:r>
-              <a:rPr lang="en-US" dirty="0" smtClean="0"/>
-              <a:t>At a partition edge</a:t>
-            </a:r>
-          </a:p>
-          <a:p>
-            <a:pPr lvl="1"/>
-            <a:r>
-              <a:rPr lang="en-US" dirty="0" smtClean="0"/>
-              <a:t>All logic and pulse sensitization functions are solved</a:t>
-            </a:r>
-          </a:p>
-          <a:p>
-            <a:pPr lvl="1"/>
-            <a:r>
-              <a:rPr lang="en-US" dirty="0" smtClean="0"/>
-              <a:t>Solved probabilities and pulses are propagated between partitions</a:t>
-            </a:r>
-          </a:p>
-          <a:p>
-            <a:pPr lvl="1"/>
-            <a:r>
-              <a:rPr lang="en-US" dirty="0" smtClean="0"/>
-              <a:t>Virtual inputs are created for missing gate inputs</a:t>
-            </a:r>
-          </a:p>
-          <a:p>
-            <a:pPr lvl="2"/>
-            <a:r>
-              <a:rPr lang="en-US" dirty="0" smtClean="0"/>
-              <a:t>Probability is set to the logic function probability</a:t>
-            </a:r>
-            <a:endParaRPr lang="en-US" dirty="0"/>
-          </a:p>
-        </p:txBody>
-      </p:sp>
-    </p:spTree>
-    <p:extLst>
-      <p:ext uri="{BB962C8B-B14F-4D97-AF65-F5344CB8AC3E}">
-        <p14:creationId xmlns:p14="http://schemas.microsoft.com/office/powerpoint/2010/main" val="3509610063"/>
-      </p:ext>
-    </p:extLst>
-  </p:cSld>
-  <p:clrMapOvr>
-    <a:masterClrMapping/>
-  </p:clrMapOvr>
+  <p:timing>
+    <p:tnLst>
+      <p:par>
+        <p:cTn id="1" dur="indefinite" restart="never" nodeType="tmRoot"/>
+      </p:par>
+    </p:tnLst>
+  </p:timing>
 </p:sld>
 </file>
 
@@ -13093,21 +14069,110 @@
             <a:pPr algn="ctr"/>
             <a:r>
               <a:rPr lang="en-US" dirty="0" smtClean="0"/>
-              <a:t>FAST_MET Partitioning</a:t>
+              <a:t>Pulse Propagation</a:t>
             </a:r>
             <a:endParaRPr lang="en-US" dirty="0"/>
           </a:p>
         </p:txBody>
       </p:sp>
-      <p:pic>
-        <p:nvPicPr>
-          <p:cNvPr id="4" name="Content Placeholder 3"/>
-          <p:cNvPicPr>
-            <a:picLocks noGrp="1" noChangeAspect="1"/>
-          </p:cNvPicPr>
+      <p:sp>
+        <p:nvSpPr>
+          <p:cNvPr id="3" name="Content Placeholder 2"/>
+          <p:cNvSpPr>
+            <a:spLocks noGrp="1"/>
+          </p:cNvSpPr>
           <p:nvPr>
             <p:ph idx="1"/>
           </p:nvPr>
+        </p:nvSpPr>
+        <p:spPr>
+          <a:xfrm>
+            <a:off x="457200" y="1600200"/>
+            <a:ext cx="5334000" cy="4876800"/>
+          </a:xfrm>
+        </p:spPr>
+        <p:txBody>
+          <a:bodyPr/>
+          <a:lstStyle/>
+          <a:p>
+            <a:r>
+              <a:rPr lang="en-US" dirty="0" smtClean="0"/>
+              <a:t>Pulse propagation depends on the off-inputs</a:t>
+            </a:r>
+          </a:p>
+          <a:p>
+            <a:r>
+              <a:rPr lang="en-US" dirty="0" smtClean="0"/>
+              <a:t>Top example</a:t>
+            </a:r>
+          </a:p>
+          <a:p>
+            <a:pPr lvl="1"/>
+            <a:r>
+              <a:rPr lang="en-US" dirty="0" smtClean="0"/>
+              <a:t>Non-controlling value is a 1 – F1 is unchanged</a:t>
+            </a:r>
+          </a:p>
+          <a:p>
+            <a:pPr lvl="1"/>
+            <a:r>
+              <a:rPr lang="en-US" dirty="0" smtClean="0"/>
+              <a:t>F2 is the sensitization function</a:t>
+            </a:r>
+          </a:p>
+          <a:p>
+            <a:pPr lvl="1"/>
+            <a:r>
+              <a:rPr lang="en-US" dirty="0" smtClean="0"/>
+              <a:t>F1 and F2 are </a:t>
+            </a:r>
+            <a:r>
+              <a:rPr lang="en-US" dirty="0" err="1" smtClean="0"/>
+              <a:t>AND’d</a:t>
+            </a:r>
+            <a:r>
+              <a:rPr lang="en-US" dirty="0" smtClean="0"/>
+              <a:t> since both cases must be true for the pulse to propagate</a:t>
+            </a:r>
+          </a:p>
+          <a:p>
+            <a:r>
+              <a:rPr lang="en-US" dirty="0" smtClean="0"/>
+              <a:t>Bottom example</a:t>
+            </a:r>
+          </a:p>
+          <a:p>
+            <a:pPr lvl="1"/>
+            <a:r>
+              <a:rPr lang="en-US" dirty="0" smtClean="0"/>
+              <a:t>Non-controlling value is a 0 – F1 must be flipped</a:t>
+            </a:r>
+          </a:p>
+          <a:p>
+            <a:pPr lvl="1"/>
+            <a:r>
+              <a:rPr lang="en-US" dirty="0" smtClean="0"/>
+              <a:t>Both ~F1 and F2 are </a:t>
+            </a:r>
+            <a:r>
+              <a:rPr lang="en-US" dirty="0" err="1" smtClean="0"/>
+              <a:t>AND’d</a:t>
+            </a:r>
+            <a:r>
+              <a:rPr lang="en-US" dirty="0" smtClean="0"/>
+              <a:t> since both must be true</a:t>
+            </a:r>
+            <a:endParaRPr lang="en-US" dirty="0"/>
+          </a:p>
+        </p:txBody>
+      </p:sp>
+      <p:pic>
+        <p:nvPicPr>
+          <p:cNvPr id="4" name="Picture 3"/>
+          <p:cNvPicPr>
+            <a:picLocks noChangeAspect="1"/>
+          </p:cNvPicPr>
+          <p:nvPr/>
         </p:nvPicPr>
         <p:blipFill>
           <a:blip r:embed="rId2"/>
@@ -13117,8 +14182,8 @@
         </p:blipFill>
         <p:spPr>
           <a:xfrm>
-            <a:off x="1195303" y="1371600"/>
-            <a:ext cx="6753394" cy="5051230"/>
+            <a:off x="6019800" y="1295400"/>
+            <a:ext cx="2971800" cy="4992006"/>
           </a:xfrm>
           <a:prstGeom prst="rect">
             <a:avLst/>
@@ -13128,7 +14193,7 @@
     </p:spTree>
     <p:extLst>
       <p:ext uri="{BB962C8B-B14F-4D97-AF65-F5344CB8AC3E}">
-        <p14:creationId xmlns:p14="http://schemas.microsoft.com/office/powerpoint/2010/main" val="3152305334"/>
+        <p14:creationId xmlns:p14="http://schemas.microsoft.com/office/powerpoint/2010/main" val="2839477491"/>
       </p:ext>
     </p:extLst>
   </p:cSld>
@@ -13299,14 +14364,548 @@
             <a:pPr algn="ctr"/>
             <a:r>
               <a:rPr lang="en-US" dirty="0" smtClean="0"/>
+              <a:t>Propagation of </a:t>
+            </a:r>
+            <a:r>
+              <a:rPr lang="en-US" smtClean="0"/>
+              <a:t>Multiple Pulses</a:t>
+            </a:r>
+            <a:endParaRPr lang="en-US" dirty="0"/>
+          </a:p>
+        </p:txBody>
+      </p:sp>
+      <p:sp>
+        <p:nvSpPr>
+          <p:cNvPr id="3" name="Content Placeholder 2"/>
+          <p:cNvSpPr>
+            <a:spLocks noGrp="1"/>
+          </p:cNvSpPr>
+          <p:nvPr>
+            <p:ph idx="1"/>
+          </p:nvPr>
+        </p:nvSpPr>
+        <p:spPr>
+          <a:xfrm>
+            <a:off x="457200" y="1600200"/>
+            <a:ext cx="4800600" cy="4876800"/>
+          </a:xfrm>
+        </p:spPr>
+        <p:txBody>
+          <a:bodyPr>
+            <a:normAutofit lnSpcReduction="10000"/>
+          </a:bodyPr>
+          <a:lstStyle/>
+          <a:p>
+            <a:r>
+              <a:rPr lang="en-US" dirty="0" smtClean="0"/>
+              <a:t>A MET is represented as event E</a:t>
+            </a:r>
+            <a:r>
+              <a:rPr lang="en-US" baseline="-25000" dirty="0" smtClean="0"/>
+              <a:t>k</a:t>
+            </a:r>
+          </a:p>
+          <a:p>
+            <a:r>
+              <a:rPr lang="en-US" dirty="0" smtClean="0"/>
+              <a:t>Increases the likelihood of multiple pulses from the same event arriving on gate input</a:t>
+            </a:r>
+          </a:p>
+          <a:p>
+            <a:r>
+              <a:rPr lang="en-US" dirty="0" smtClean="0"/>
+              <a:t>If two pulses arrive, 3 cases</a:t>
+            </a:r>
+          </a:p>
+          <a:p>
+            <a:pPr lvl="1"/>
+            <a:r>
+              <a:rPr lang="en-US" dirty="0" smtClean="0"/>
+              <a:t>Pulse on </a:t>
+            </a:r>
+            <a:r>
+              <a:rPr lang="en-US" i="1" dirty="0" smtClean="0"/>
+              <a:t>a</a:t>
+            </a:r>
+            <a:r>
+              <a:rPr lang="en-US" dirty="0" smtClean="0"/>
+              <a:t> arrives</a:t>
+            </a:r>
+          </a:p>
+          <a:p>
+            <a:pPr lvl="1"/>
+            <a:r>
+              <a:rPr lang="en-US" dirty="0" smtClean="0"/>
+              <a:t>Pulse on </a:t>
+            </a:r>
+            <a:r>
+              <a:rPr lang="en-US" i="1" dirty="0" smtClean="0"/>
+              <a:t>b </a:t>
+            </a:r>
+            <a:r>
+              <a:rPr lang="en-US" dirty="0" smtClean="0"/>
+              <a:t>arrives</a:t>
+            </a:r>
+          </a:p>
+          <a:p>
+            <a:pPr lvl="1"/>
+            <a:r>
+              <a:rPr lang="en-US" dirty="0" smtClean="0"/>
+              <a:t>Pulses on </a:t>
+            </a:r>
+            <a:r>
+              <a:rPr lang="en-US" i="1" dirty="0" smtClean="0"/>
+              <a:t>a</a:t>
+            </a:r>
+            <a:r>
+              <a:rPr lang="en-US" dirty="0" smtClean="0"/>
+              <a:t> and </a:t>
+            </a:r>
+            <a:r>
+              <a:rPr lang="en-US" i="1" dirty="0" smtClean="0"/>
+              <a:t>b</a:t>
+            </a:r>
+            <a:r>
+              <a:rPr lang="en-US" dirty="0" smtClean="0"/>
+              <a:t> arrive simultaneously</a:t>
+            </a:r>
+          </a:p>
+          <a:p>
+            <a:r>
+              <a:rPr lang="en-US" dirty="0" smtClean="0"/>
+              <a:t>All cases must be considered</a:t>
+            </a:r>
+          </a:p>
+          <a:p>
+            <a:r>
+              <a:rPr lang="en-US" dirty="0" smtClean="0"/>
+              <a:t>Each case has a different propagation function</a:t>
+            </a:r>
+            <a:endParaRPr lang="en-US" dirty="0"/>
+          </a:p>
+        </p:txBody>
+      </p:sp>
+      <p:pic>
+        <p:nvPicPr>
+          <p:cNvPr id="4" name="Picture 3"/>
+          <p:cNvPicPr>
+            <a:picLocks noChangeAspect="1"/>
+          </p:cNvPicPr>
+          <p:nvPr/>
+        </p:nvPicPr>
+        <p:blipFill>
+          <a:blip r:embed="rId2"/>
+          <a:stretch>
+            <a:fillRect/>
+          </a:stretch>
+        </p:blipFill>
+        <p:spPr>
+          <a:xfrm>
+            <a:off x="4985170" y="1524000"/>
+            <a:ext cx="4105763" cy="2209800"/>
+          </a:xfrm>
+          <a:prstGeom prst="rect">
+            <a:avLst/>
+          </a:prstGeom>
+        </p:spPr>
+      </p:pic>
+      <p:sp>
+        <p:nvSpPr>
+          <p:cNvPr id="5" name="TextBox 4"/>
+          <p:cNvSpPr txBox="1"/>
+          <p:nvPr/>
+        </p:nvSpPr>
+        <p:spPr>
+          <a:xfrm>
+            <a:off x="5623152" y="3848100"/>
+            <a:ext cx="2743200" cy="381000"/>
+          </a:xfrm>
+          <a:prstGeom prst="rect">
+            <a:avLst/>
+          </a:prstGeom>
+          <a:noFill/>
+        </p:spPr>
+        <p:txBody>
+          <a:bodyPr wrap="square" rtlCol="0">
+            <a:spAutoFit/>
+          </a:bodyPr>
+          <a:lstStyle/>
+          <a:p>
+            <a:r>
+              <a:rPr lang="en-US" dirty="0" smtClean="0"/>
+              <a:t>Three propagation cases</a:t>
+            </a:r>
+            <a:endParaRPr lang="en-US" dirty="0"/>
+          </a:p>
+        </p:txBody>
+      </p:sp>
+      <p:pic>
+        <p:nvPicPr>
+          <p:cNvPr id="7" name="Picture 6"/>
+          <p:cNvPicPr>
+            <a:picLocks noChangeAspect="1"/>
+          </p:cNvPicPr>
+          <p:nvPr/>
+        </p:nvPicPr>
+        <p:blipFill>
+          <a:blip r:embed="rId3"/>
+          <a:stretch>
+            <a:fillRect/>
+          </a:stretch>
+        </p:blipFill>
+        <p:spPr>
+          <a:xfrm>
+            <a:off x="4855029" y="4295503"/>
+            <a:ext cx="4235904" cy="1302673"/>
+          </a:xfrm>
+          <a:prstGeom prst="rect">
+            <a:avLst/>
+          </a:prstGeom>
+        </p:spPr>
+      </p:pic>
+      <p:sp>
+        <p:nvSpPr>
+          <p:cNvPr id="8" name="TextBox 7"/>
+          <p:cNvSpPr txBox="1"/>
+          <p:nvPr/>
+        </p:nvSpPr>
+        <p:spPr>
+          <a:xfrm>
+            <a:off x="5666450" y="5550824"/>
+            <a:ext cx="3020349" cy="369332"/>
+          </a:xfrm>
+          <a:prstGeom prst="rect">
+            <a:avLst/>
+          </a:prstGeom>
+          <a:noFill/>
+        </p:spPr>
+        <p:txBody>
+          <a:bodyPr wrap="square" rtlCol="0">
+            <a:spAutoFit/>
+          </a:bodyPr>
+          <a:lstStyle/>
+          <a:p>
+            <a:r>
+              <a:rPr lang="en-US" dirty="0" smtClean="0"/>
+              <a:t>MET propagation functions</a:t>
+            </a:r>
+            <a:endParaRPr lang="en-US" dirty="0"/>
+          </a:p>
+        </p:txBody>
+      </p:sp>
+    </p:spTree>
+    <p:extLst>
+      <p:ext uri="{BB962C8B-B14F-4D97-AF65-F5344CB8AC3E}">
+        <p14:creationId xmlns:p14="http://schemas.microsoft.com/office/powerpoint/2010/main" val="409777279"/>
+      </p:ext>
+    </p:extLst>
+  </p:cSld>
+  <p:clrMapOvr>
+    <a:masterClrMapping/>
+  </p:clrMapOvr>
+  <p:timing>
+    <p:tnLst>
+      <p:par>
+        <p:cTn id="1" dur="indefinite" restart="never" nodeType="tmRoot"/>
+      </p:par>
+    </p:tnLst>
+  </p:timing>
+</p:sld>
+</file>
+
+<file path=ppt/slides/slide51.xml><?xml version="1.0" encoding="utf-8"?>
+<p:sld xmlns:a="http://schemas.openxmlformats.org/drawingml/2006/main" xmlns:r="http://schemas.openxmlformats.org/officeDocument/2006/relationships" xmlns:p="http://schemas.openxmlformats.org/presentationml/2006/main">
+  <p:cSld>
+    <p:spTree>
+      <p:nvGrpSpPr>
+        <p:cNvPr id="1" name=""/>
+        <p:cNvGrpSpPr/>
+        <p:nvPr/>
+      </p:nvGrpSpPr>
+      <p:grpSpPr>
+        <a:xfrm>
+          <a:off x="0" y="0"/>
+          <a:ext cx="0" cy="0"/>
+          <a:chOff x="0" y="0"/>
+          <a:chExt cx="0" cy="0"/>
+        </a:xfrm>
+      </p:grpSpPr>
+      <p:sp>
+        <p:nvSpPr>
+          <p:cNvPr id="2" name="Title 1"/>
+          <p:cNvSpPr>
+            <a:spLocks noGrp="1"/>
+          </p:cNvSpPr>
+          <p:nvPr>
+            <p:ph type="title"/>
+          </p:nvPr>
+        </p:nvSpPr>
+        <p:spPr/>
+        <p:txBody>
+          <a:bodyPr/>
+          <a:lstStyle/>
+          <a:p>
+            <a:pPr algn="ctr"/>
+            <a:r>
+              <a:rPr lang="en-US" dirty="0" smtClean="0"/>
+              <a:t>FAST_MET Partitioning</a:t>
+            </a:r>
+            <a:endParaRPr lang="en-US" dirty="0"/>
+          </a:p>
+        </p:txBody>
+      </p:sp>
+      <p:sp>
+        <p:nvSpPr>
+          <p:cNvPr id="3" name="Content Placeholder 2"/>
+          <p:cNvSpPr>
+            <a:spLocks noGrp="1"/>
+          </p:cNvSpPr>
+          <p:nvPr>
+            <p:ph idx="1"/>
+          </p:nvPr>
+        </p:nvSpPr>
+        <p:spPr/>
+        <p:txBody>
+          <a:bodyPr/>
+          <a:lstStyle/>
+          <a:p>
+            <a:r>
+              <a:rPr lang="en-US" dirty="0" smtClean="0"/>
+              <a:t>FAST_MET employs partitioning to prevent BDD blow up</a:t>
+            </a:r>
+          </a:p>
+          <a:p>
+            <a:r>
+              <a:rPr lang="en-US" dirty="0" smtClean="0"/>
+              <a:t>In this work the </a:t>
+            </a:r>
+            <a:r>
+              <a:rPr lang="en-US" dirty="0"/>
+              <a:t>Fiduccia and </a:t>
+            </a:r>
+            <a:r>
+              <a:rPr lang="en-US" dirty="0" err="1" smtClean="0"/>
+              <a:t>Mattheyses</a:t>
+            </a:r>
+            <a:r>
+              <a:rPr lang="en-US" dirty="0" smtClean="0"/>
+              <a:t> algorithm was used</a:t>
+            </a:r>
+          </a:p>
+          <a:p>
+            <a:pPr lvl="1"/>
+            <a:r>
+              <a:rPr lang="en-US" dirty="0" smtClean="0"/>
+              <a:t>Easily implemented and integrated</a:t>
+            </a:r>
+          </a:p>
+          <a:p>
+            <a:pPr lvl="1"/>
+            <a:r>
+              <a:rPr lang="en-US" dirty="0" smtClean="0"/>
+              <a:t>Partitions into 2 parts</a:t>
+            </a:r>
+          </a:p>
+          <a:p>
+            <a:pPr lvl="1"/>
+            <a:r>
+              <a:rPr lang="en-US" dirty="0" smtClean="0"/>
+              <a:t>Can be ran recursively for k-1 times for k parts</a:t>
+            </a:r>
+          </a:p>
+          <a:p>
+            <a:r>
+              <a:rPr lang="en-US" dirty="0" smtClean="0"/>
+              <a:t>Partitioning allows faster simulation at a cost of accuracy</a:t>
+            </a:r>
+          </a:p>
+          <a:p>
+            <a:r>
+              <a:rPr lang="en-US" dirty="0" smtClean="0"/>
+              <a:t>At a partition edge</a:t>
+            </a:r>
+          </a:p>
+          <a:p>
+            <a:pPr lvl="1"/>
+            <a:r>
+              <a:rPr lang="en-US" dirty="0" smtClean="0"/>
+              <a:t>All logic and pulse sensitization functions are solved</a:t>
+            </a:r>
+          </a:p>
+          <a:p>
+            <a:pPr lvl="1"/>
+            <a:r>
+              <a:rPr lang="en-US" dirty="0" smtClean="0"/>
+              <a:t>Solved probabilities and pulses are propagated between partitions</a:t>
+            </a:r>
+          </a:p>
+          <a:p>
+            <a:pPr lvl="1"/>
+            <a:r>
+              <a:rPr lang="en-US" dirty="0" smtClean="0"/>
+              <a:t>Virtual inputs are created for missing gate inputs</a:t>
+            </a:r>
+          </a:p>
+          <a:p>
+            <a:pPr lvl="2"/>
+            <a:r>
+              <a:rPr lang="en-US" dirty="0" smtClean="0"/>
+              <a:t>Probability is set to the logic function probability</a:t>
+            </a:r>
+            <a:endParaRPr lang="en-US" dirty="0"/>
+          </a:p>
+        </p:txBody>
+      </p:sp>
+    </p:spTree>
+    <p:extLst>
+      <p:ext uri="{BB962C8B-B14F-4D97-AF65-F5344CB8AC3E}">
+        <p14:creationId xmlns:p14="http://schemas.microsoft.com/office/powerpoint/2010/main" val="3509610063"/>
+      </p:ext>
+    </p:extLst>
+  </p:cSld>
+  <p:clrMapOvr>
+    <a:masterClrMapping/>
+  </p:clrMapOvr>
+  <p:timing>
+    <p:tnLst>
+      <p:par>
+        <p:cTn id="1" dur="indefinite" restart="never" nodeType="tmRoot"/>
+      </p:par>
+    </p:tnLst>
+  </p:timing>
+</p:sld>
+</file>
+
+<file path=ppt/slides/slide52.xml><?xml version="1.0" encoding="utf-8"?>
+<p:sld xmlns:a="http://schemas.openxmlformats.org/drawingml/2006/main" xmlns:r="http://schemas.openxmlformats.org/officeDocument/2006/relationships" xmlns:p="http://schemas.openxmlformats.org/presentationml/2006/main">
+  <p:cSld>
+    <p:spTree>
+      <p:nvGrpSpPr>
+        <p:cNvPr id="1" name=""/>
+        <p:cNvGrpSpPr/>
+        <p:nvPr/>
+      </p:nvGrpSpPr>
+      <p:grpSpPr>
+        <a:xfrm>
+          <a:off x="0" y="0"/>
+          <a:ext cx="0" cy="0"/>
+          <a:chOff x="0" y="0"/>
+          <a:chExt cx="0" cy="0"/>
+        </a:xfrm>
+      </p:grpSpPr>
+      <p:sp>
+        <p:nvSpPr>
+          <p:cNvPr id="2" name="Title 1"/>
+          <p:cNvSpPr>
+            <a:spLocks noGrp="1"/>
+          </p:cNvSpPr>
+          <p:nvPr>
+            <p:ph type="title"/>
+          </p:nvPr>
+        </p:nvSpPr>
+        <p:spPr/>
+        <p:txBody>
+          <a:bodyPr/>
+          <a:lstStyle/>
+          <a:p>
+            <a:pPr algn="ctr"/>
+            <a:r>
+              <a:rPr lang="en-US" dirty="0" smtClean="0"/>
+              <a:t>FAST_MET Partitioning</a:t>
+            </a:r>
+            <a:endParaRPr lang="en-US" dirty="0"/>
+          </a:p>
+        </p:txBody>
+      </p:sp>
+      <p:pic>
+        <p:nvPicPr>
+          <p:cNvPr id="5" name="Content Placeholder 4"/>
+          <p:cNvPicPr>
+            <a:picLocks noGrp="1" noChangeAspect="1"/>
+          </p:cNvPicPr>
+          <p:nvPr>
+            <p:ph idx="1"/>
+          </p:nvPr>
+        </p:nvPicPr>
+        <p:blipFill>
+          <a:blip r:embed="rId2"/>
+          <a:stretch>
+            <a:fillRect/>
+          </a:stretch>
+        </p:blipFill>
+        <p:spPr>
+          <a:xfrm>
+            <a:off x="1373943" y="1609099"/>
+            <a:ext cx="6396113" cy="4859001"/>
+          </a:xfrm>
+          <a:prstGeom prst="rect">
+            <a:avLst/>
+          </a:prstGeom>
+        </p:spPr>
+      </p:pic>
+    </p:spTree>
+    <p:extLst>
+      <p:ext uri="{BB962C8B-B14F-4D97-AF65-F5344CB8AC3E}">
+        <p14:creationId xmlns:p14="http://schemas.microsoft.com/office/powerpoint/2010/main" val="3152305334"/>
+      </p:ext>
+    </p:extLst>
+  </p:cSld>
+  <p:clrMapOvr>
+    <a:masterClrMapping/>
+  </p:clrMapOvr>
+  <p:timing>
+    <p:tnLst>
+      <p:par>
+        <p:cTn id="1" dur="indefinite" restart="never" nodeType="tmRoot"/>
+      </p:par>
+    </p:tnLst>
+  </p:timing>
+</p:sld>
+</file>
+
+<file path=ppt/slides/slide53.xml><?xml version="1.0" encoding="utf-8"?>
+<p:sld xmlns:a="http://schemas.openxmlformats.org/drawingml/2006/main" xmlns:r="http://schemas.openxmlformats.org/officeDocument/2006/relationships" xmlns:p="http://schemas.openxmlformats.org/presentationml/2006/main">
+  <p:cSld>
+    <p:spTree>
+      <p:nvGrpSpPr>
+        <p:cNvPr id="1" name=""/>
+        <p:cNvGrpSpPr/>
+        <p:nvPr/>
+      </p:nvGrpSpPr>
+      <p:grpSpPr>
+        <a:xfrm>
+          <a:off x="0" y="0"/>
+          <a:ext cx="0" cy="0"/>
+          <a:chOff x="0" y="0"/>
+          <a:chExt cx="0" cy="0"/>
+        </a:xfrm>
+      </p:grpSpPr>
+      <p:sp>
+        <p:nvSpPr>
+          <p:cNvPr id="2" name="Title 1"/>
+          <p:cNvSpPr>
+            <a:spLocks noGrp="1"/>
+          </p:cNvSpPr>
+          <p:nvPr>
+            <p:ph type="title"/>
+          </p:nvPr>
+        </p:nvSpPr>
+        <p:spPr/>
+        <p:txBody>
+          <a:bodyPr/>
+          <a:lstStyle/>
+          <a:p>
+            <a:pPr algn="ctr"/>
+            <a:r>
+              <a:rPr lang="en-US" dirty="0" smtClean="0"/>
               <a:t>FAST_MET Output Calculation</a:t>
             </a:r>
             <a:endParaRPr lang="en-US" dirty="0"/>
           </a:p>
         </p:txBody>
       </p:sp>
-      <mc:AlternateContent xmlns:mc="http://schemas.openxmlformats.org/markup-compatibility/2006">
-        <mc:Choice xmlns:a14="http://schemas.microsoft.com/office/drawing/2010/main" Requires="a14">
+      <mc:AlternateContent xmlns:mc="http://schemas.openxmlformats.org/markup-compatibility/2006" xmlns:a14="http://schemas.microsoft.com/office/drawing/2010/main">
+        <mc:Choice Requires="a14">
           <p:sp>
             <p:nvSpPr>
               <p:cNvPr id="3" name="Content Placeholder 2"/>
@@ -13549,8 +15148,8 @@
                   <a:t> being latched on output </a:t>
                 </a:r>
                 <a:r>
-                  <a:rPr lang="en-US" i="1" dirty="0" smtClean="0"/>
-                  <a:t>I</a:t>
+                  <a:rPr lang="en-US" i="1" dirty="0"/>
+                  <a:t>i</a:t>
                 </a:r>
                 <a:endParaRPr lang="en-US" dirty="0" smtClean="0"/>
               </a:p>
@@ -13865,7 +15464,7 @@
                 </a:r>
                 <a:r>
                   <a:rPr lang="en-US" dirty="0" smtClean="0"/>
-                  <a:t> – Number of primary output with a pulse belonging to event </a:t>
+                  <a:t> – Number of primary outputs with a pulse belonging to event </a:t>
                 </a:r>
                 <a14:m>
                   <m:oMath xmlns:m="http://schemas.openxmlformats.org/officeDocument/2006/math">
@@ -13901,7 +15500,7 @@
             </p:txBody>
           </p:sp>
         </mc:Choice>
-        <mc:Fallback>
+        <mc:Fallback xmlns="">
           <p:sp>
             <p:nvSpPr>
               <p:cNvPr id="3" name="Content Placeholder 2"/>
@@ -13945,10 +15544,17 @@
   <p:clrMapOvr>
     <a:masterClrMapping/>
   </p:clrMapOvr>
+  <p:timing>
+    <p:tnLst>
+      <p:par>
+        <p:cTn id="1" dur="indefinite" restart="never" nodeType="tmRoot"/>
+      </p:par>
+    </p:tnLst>
+  </p:timing>
 </p:sld>
 </file>
 
-<file path=ppt/slides/slide51.xml><?xml version="1.0" encoding="utf-8"?>
+<file path=ppt/slides/slide54.xml><?xml version="1.0" encoding="utf-8"?>
 <p:sld xmlns:a="http://schemas.openxmlformats.org/drawingml/2006/main" xmlns:r="http://schemas.openxmlformats.org/officeDocument/2006/relationships" xmlns:p="http://schemas.openxmlformats.org/presentationml/2006/main">
   <p:cSld>
     <p:spTree>
@@ -13988,8 +15594,8 @@
           </a:p>
         </p:txBody>
       </p:sp>
-      <mc:AlternateContent xmlns:mc="http://schemas.openxmlformats.org/markup-compatibility/2006">
-        <mc:Choice xmlns:a14="http://schemas.microsoft.com/office/drawing/2010/main" Requires="a14">
+      <mc:AlternateContent xmlns:mc="http://schemas.openxmlformats.org/markup-compatibility/2006" xmlns:a14="http://schemas.microsoft.com/office/drawing/2010/main">
+        <mc:Choice Requires="a14">
           <p:sp>
             <p:nvSpPr>
               <p:cNvPr id="3" name="Content Placeholder 2"/>
@@ -14291,7 +15897,7 @@
             </p:txBody>
           </p:sp>
         </mc:Choice>
-        <mc:Fallback>
+        <mc:Fallback xmlns="">
           <p:sp>
             <p:nvSpPr>
               <p:cNvPr id="3" name="Content Placeholder 2"/>
@@ -14335,10 +15941,17 @@
   <p:clrMapOvr>
     <a:masterClrMapping/>
   </p:clrMapOvr>
+  <p:timing>
+    <p:tnLst>
+      <p:par>
+        <p:cTn id="1" dur="indefinite" restart="never" nodeType="tmRoot"/>
+      </p:par>
+    </p:tnLst>
+  </p:timing>
 </p:sld>
 </file>
 
-<file path=ppt/slides/slide52.xml><?xml version="1.0" encoding="utf-8"?>
+<file path=ppt/slides/slide55.xml><?xml version="1.0" encoding="utf-8"?>
 <p:sld xmlns:a="http://schemas.openxmlformats.org/drawingml/2006/main" xmlns:r="http://schemas.openxmlformats.org/officeDocument/2006/relationships" xmlns:p="http://schemas.openxmlformats.org/presentationml/2006/main">
   <p:cSld>
     <p:spTree>
@@ -14381,13 +15994,11 @@
       </p:sp>
       <p:pic>
         <p:nvPicPr>
-          <p:cNvPr id="4" name="Content Placeholder 3"/>
+          <p:cNvPr id="5" name="Picture 4"/>
           <p:cNvPicPr>
-            <a:picLocks noGrp="1" noChangeAspect="1"/>
+            <a:picLocks noChangeAspect="1"/>
           </p:cNvPicPr>
-          <p:nvPr>
-            <p:ph idx="1"/>
-          </p:nvPr>
+          <p:nvPr/>
         </p:nvPicPr>
         <p:blipFill>
           <a:blip r:embed="rId2"/>
@@ -14397,56 +16008,8 @@
         </p:blipFill>
         <p:spPr>
           <a:xfrm>
-            <a:off x="304800" y="1524000"/>
-            <a:ext cx="3604282" cy="4876800"/>
-          </a:xfrm>
-          <a:prstGeom prst="rect">
-            <a:avLst/>
-          </a:prstGeom>
-        </p:spPr>
-      </p:pic>
-      <p:pic>
-        <p:nvPicPr>
-          <p:cNvPr id="5" name="Picture 4"/>
-          <p:cNvPicPr>
-            <a:picLocks noChangeAspect="1"/>
-          </p:cNvPicPr>
-          <p:nvPr/>
-        </p:nvPicPr>
-        <p:blipFill>
-          <a:blip r:embed="rId3"/>
-          <a:stretch>
-            <a:fillRect/>
-          </a:stretch>
-        </p:blipFill>
-        <p:spPr>
-          <a:xfrm>
-            <a:off x="5126583" y="1358757"/>
+            <a:off x="5029200" y="1397996"/>
             <a:ext cx="2514600" cy="1154931"/>
-          </a:xfrm>
-          <a:prstGeom prst="rect">
-            <a:avLst/>
-          </a:prstGeom>
-        </p:spPr>
-      </p:pic>
-      <p:pic>
-        <p:nvPicPr>
-          <p:cNvPr id="6" name="Picture 5"/>
-          <p:cNvPicPr>
-            <a:picLocks noChangeAspect="1"/>
-          </p:cNvPicPr>
-          <p:nvPr/>
-        </p:nvPicPr>
-        <p:blipFill>
-          <a:blip r:embed="rId4"/>
-          <a:stretch>
-            <a:fillRect/>
-          </a:stretch>
-        </p:blipFill>
-        <p:spPr>
-          <a:xfrm>
-            <a:off x="4665428" y="2537637"/>
-            <a:ext cx="3436910" cy="1637326"/>
           </a:xfrm>
           <a:prstGeom prst="rect">
             <a:avLst/>
@@ -14462,7 +16025,7 @@
           <p:nvPr/>
         </p:nvPicPr>
         <p:blipFill>
-          <a:blip r:embed="rId5"/>
+          <a:blip r:embed="rId3"/>
           <a:stretch>
             <a:fillRect/>
           </a:stretch>
@@ -14471,6 +16034,54 @@
           <a:xfrm>
             <a:off x="4795312" y="4154039"/>
             <a:ext cx="3313557" cy="2069122"/>
+          </a:xfrm>
+          <a:prstGeom prst="rect">
+            <a:avLst/>
+          </a:prstGeom>
+        </p:spPr>
+      </p:pic>
+      <p:pic>
+        <p:nvPicPr>
+          <p:cNvPr id="3" name="Picture 2"/>
+          <p:cNvPicPr>
+            <a:picLocks noChangeAspect="1"/>
+          </p:cNvPicPr>
+          <p:nvPr/>
+        </p:nvPicPr>
+        <p:blipFill>
+          <a:blip r:embed="rId4"/>
+          <a:stretch>
+            <a:fillRect/>
+          </a:stretch>
+        </p:blipFill>
+        <p:spPr>
+          <a:xfrm>
+            <a:off x="152400" y="1358757"/>
+            <a:ext cx="4170611" cy="5194443"/>
+          </a:xfrm>
+          <a:prstGeom prst="rect">
+            <a:avLst/>
+          </a:prstGeom>
+        </p:spPr>
+      </p:pic>
+      <p:pic>
+        <p:nvPicPr>
+          <p:cNvPr id="9" name="Picture 8"/>
+          <p:cNvPicPr>
+            <a:picLocks noChangeAspect="1"/>
+          </p:cNvPicPr>
+          <p:nvPr/>
+        </p:nvPicPr>
+        <p:blipFill>
+          <a:blip r:embed="rId5"/>
+          <a:stretch>
+            <a:fillRect/>
+          </a:stretch>
+        </p:blipFill>
+        <p:spPr>
+          <a:xfrm>
+            <a:off x="4812729" y="2552927"/>
+            <a:ext cx="3161632" cy="1601112"/>
           </a:xfrm>
           <a:prstGeom prst="rect">
             <a:avLst/>
@@ -14497,7 +16108,7 @@
 </p:sld>
 </file>
 
-<file path=ppt/slides/slide53.xml><?xml version="1.0" encoding="utf-8"?>
+<file path=ppt/slides/slide56.xml><?xml version="1.0" encoding="utf-8"?>
 <p:sld xmlns:a="http://schemas.openxmlformats.org/drawingml/2006/main" xmlns:r="http://schemas.openxmlformats.org/officeDocument/2006/relationships" xmlns:p="http://schemas.openxmlformats.org/presentationml/2006/main">
   <p:cSld>
     <p:spTree>
@@ -14538,8 +16149,8 @@
           </a:p>
         </p:txBody>
       </p:sp>
-      <mc:AlternateContent xmlns:mc="http://schemas.openxmlformats.org/markup-compatibility/2006">
-        <mc:Choice xmlns:a14="http://schemas.microsoft.com/office/drawing/2010/main" Requires="a14">
+      <mc:AlternateContent xmlns:mc="http://schemas.openxmlformats.org/markup-compatibility/2006" xmlns:a14="http://schemas.microsoft.com/office/drawing/2010/main">
+        <mc:Choice Requires="a14">
           <p:sp>
             <p:nvSpPr>
               <p:cNvPr id="3" name="Content Placeholder 2"/>
@@ -14885,7 +16496,7 @@
             </p:txBody>
           </p:sp>
         </mc:Choice>
-        <mc:Fallback>
+        <mc:Fallback xmlns="">
           <p:sp>
             <p:nvSpPr>
               <p:cNvPr id="3" name="Content Placeholder 2"/>
@@ -14963,7 +16574,7 @@
 </p:sld>
 </file>
 
-<file path=ppt/slides/slide54.xml><?xml version="1.0" encoding="utf-8"?>
+<file path=ppt/slides/slide57.xml><?xml version="1.0" encoding="utf-8"?>
 <p:sld xmlns:a="http://schemas.openxmlformats.org/drawingml/2006/main" xmlns:r="http://schemas.openxmlformats.org/officeDocument/2006/relationships" xmlns:p="http://schemas.openxmlformats.org/presentationml/2006/main">
   <p:cSld>
     <p:spTree>
@@ -15053,7 +16664,7 @@
       </p:sp>
       <p:pic>
         <p:nvPicPr>
-          <p:cNvPr id="4" name="Picture 3"/>
+          <p:cNvPr id="5" name="Picture 4"/>
           <p:cNvPicPr>
             <a:picLocks noChangeAspect="1"/>
           </p:cNvPicPr>
@@ -15067,8 +16678,8 @@
         </p:blipFill>
         <p:spPr>
           <a:xfrm>
-            <a:off x="1371600" y="3810000"/>
-            <a:ext cx="6462859" cy="2438400"/>
+            <a:off x="1643682" y="3733800"/>
+            <a:ext cx="5856636" cy="2514600"/>
           </a:xfrm>
           <a:prstGeom prst="rect">
             <a:avLst/>
@@ -15085,10 +16696,17 @@
   <p:clrMapOvr>
     <a:masterClrMapping/>
   </p:clrMapOvr>
+  <p:timing>
+    <p:tnLst>
+      <p:par>
+        <p:cTn id="1" dur="indefinite" restart="never" nodeType="tmRoot"/>
+      </p:par>
+    </p:tnLst>
+  </p:timing>
 </p:sld>
 </file>
 
-<file path=ppt/slides/slide55.xml><?xml version="1.0" encoding="utf-8"?>
+<file path=ppt/slides/slide58.xml><?xml version="1.0" encoding="utf-8"?>
 <p:sld xmlns:a="http://schemas.openxmlformats.org/drawingml/2006/main" xmlns:r="http://schemas.openxmlformats.org/officeDocument/2006/relationships" xmlns:p="http://schemas.openxmlformats.org/presentationml/2006/main">
   <p:cSld>
     <p:spTree>
@@ -15123,7 +16741,7 @@
             <a:pPr algn="ctr"/>
             <a:r>
               <a:rPr lang="en-US" dirty="0" smtClean="0"/>
-              <a:t>Conclusion</a:t>
+              <a:t>FAST_MET - Conclusion</a:t>
             </a:r>
             <a:endParaRPr lang="en-US" dirty="0"/>
           </a:p>
@@ -15146,6 +16764,128 @@
           <a:p>
             <a:r>
               <a:rPr lang="en-US" dirty="0" smtClean="0"/>
+              <a:t>FAST_MET is a novel simulator that calculates the SER</a:t>
+            </a:r>
+          </a:p>
+          <a:p>
+            <a:r>
+              <a:rPr lang="en-US" dirty="0" smtClean="0"/>
+              <a:t>Can calculate the effects of METs</a:t>
+            </a:r>
+          </a:p>
+          <a:p>
+            <a:r>
+              <a:rPr lang="en-US" dirty="0" smtClean="0"/>
+              <a:t>Is fast due to the use of partitioning</a:t>
+            </a:r>
+          </a:p>
+          <a:p>
+            <a:r>
+              <a:rPr lang="en-US" dirty="0" smtClean="0"/>
+              <a:t>Accurate since an enhanced electrical masking model is used</a:t>
+            </a:r>
+          </a:p>
+          <a:p>
+            <a:r>
+              <a:rPr lang="en-US" dirty="0" smtClean="0"/>
+              <a:t>Only tested with ideal parameters</a:t>
+            </a:r>
+          </a:p>
+          <a:p>
+            <a:pPr lvl="1"/>
+            <a:r>
+              <a:rPr lang="en-US" dirty="0" smtClean="0"/>
+              <a:t>Process variations can be considered using multiple circuit instances</a:t>
+            </a:r>
+          </a:p>
+          <a:p>
+            <a:pPr lvl="1"/>
+            <a:r>
+              <a:rPr lang="en-US" dirty="0" smtClean="0"/>
+              <a:t>The variations can be randomly inserted</a:t>
+            </a:r>
+            <a:endParaRPr lang="en-US" dirty="0"/>
+          </a:p>
+        </p:txBody>
+      </p:sp>
+    </p:spTree>
+    <p:extLst>
+      <p:ext uri="{BB962C8B-B14F-4D97-AF65-F5344CB8AC3E}">
+        <p14:creationId xmlns:p14="http://schemas.microsoft.com/office/powerpoint/2010/main" val="2534745230"/>
+      </p:ext>
+    </p:extLst>
+  </p:cSld>
+  <p:clrMapOvr>
+    <a:masterClrMapping/>
+  </p:clrMapOvr>
+  <p:timing>
+    <p:tnLst>
+      <p:par>
+        <p:cTn id="1" dur="indefinite" restart="never" nodeType="tmRoot"/>
+      </p:par>
+    </p:tnLst>
+  </p:timing>
+</p:sld>
+</file>
+
+<file path=ppt/slides/slide59.xml><?xml version="1.0" encoding="utf-8"?>
+<p:sld xmlns:a="http://schemas.openxmlformats.org/drawingml/2006/main" xmlns:r="http://schemas.openxmlformats.org/officeDocument/2006/relationships" xmlns:p="http://schemas.openxmlformats.org/presentationml/2006/main">
+  <p:cSld>
+    <p:spTree>
+      <p:nvGrpSpPr>
+        <p:cNvPr id="1" name=""/>
+        <p:cNvGrpSpPr/>
+        <p:nvPr/>
+      </p:nvGrpSpPr>
+      <p:grpSpPr>
+        <a:xfrm>
+          <a:off x="0" y="0"/>
+          <a:ext cx="0" cy="0"/>
+          <a:chOff x="0" y="0"/>
+          <a:chExt cx="0" cy="0"/>
+        </a:xfrm>
+      </p:grpSpPr>
+      <p:sp>
+        <p:nvSpPr>
+          <p:cNvPr id="2" name="Title 1"/>
+          <p:cNvSpPr>
+            <a:spLocks noGrp="1"/>
+          </p:cNvSpPr>
+          <p:nvPr>
+            <p:ph type="title"/>
+          </p:nvPr>
+        </p:nvSpPr>
+        <p:spPr/>
+        <p:txBody>
+          <a:bodyPr/>
+          <a:lstStyle/>
+          <a:p>
+            <a:pPr algn="ctr"/>
+            <a:r>
+              <a:rPr lang="en-US" dirty="0" smtClean="0"/>
+              <a:t>Conclusion</a:t>
+            </a:r>
+            <a:endParaRPr lang="en-US" dirty="0"/>
+          </a:p>
+        </p:txBody>
+      </p:sp>
+      <p:sp>
+        <p:nvSpPr>
+          <p:cNvPr id="3" name="Content Placeholder 2"/>
+          <p:cNvSpPr>
+            <a:spLocks noGrp="1"/>
+          </p:cNvSpPr>
+          <p:nvPr>
+            <p:ph idx="1"/>
+          </p:nvPr>
+        </p:nvSpPr>
+        <p:spPr/>
+        <p:txBody>
+          <a:bodyPr/>
+          <a:lstStyle/>
+          <a:p>
+            <a:r>
+              <a:rPr lang="en-US" dirty="0" smtClean="0"/>
               <a:t>Soft errors are a concern in circuit design</a:t>
             </a:r>
           </a:p>
@@ -15158,13 +16898,8 @@
           <a:p>
             <a:r>
               <a:rPr lang="en-US" dirty="0" smtClean="0"/>
-              <a:t>For the </a:t>
-            </a:r>
-            <a:r>
-              <a:rPr lang="en-US" dirty="0" smtClean="0"/>
-              <a:t>defense the following were discussed</a:t>
-            </a:r>
-            <a:endParaRPr lang="en-US" dirty="0" smtClean="0"/>
+              <a:t>For the defense the following were discussed</a:t>
+            </a:r>
           </a:p>
           <a:p>
             <a:pPr lvl="1"/>
@@ -15177,18 +16912,33 @@
             <a:pPr lvl="1"/>
             <a:r>
               <a:rPr lang="en-US" dirty="0" smtClean="0"/>
+              <a:t>A promising TNU tolerant latch and the associated overheads</a:t>
+            </a:r>
+          </a:p>
+          <a:p>
+            <a:pPr lvl="1"/>
+            <a:r>
+              <a:rPr lang="en-US" dirty="0" smtClean="0"/>
+              <a:t>An enhanced pulse filtering circuit</a:t>
+            </a:r>
+          </a:p>
+          <a:p>
+            <a:pPr lvl="1"/>
+            <a:r>
+              <a:rPr lang="en-US" dirty="0"/>
+              <a:t>An accurate equivalent circuit model for determining the pulse </a:t>
+            </a:r>
+            <a:r>
+              <a:rPr lang="en-US" dirty="0" smtClean="0"/>
+              <a:t>shape</a:t>
+            </a:r>
+          </a:p>
+          <a:p>
+            <a:pPr lvl="1"/>
+            <a:r>
+              <a:rPr lang="en-US" dirty="0" smtClean="0"/>
               <a:t>A simulation tool that calculates the SER using BDDs and an accurate electrical masking model</a:t>
             </a:r>
-          </a:p>
-          <a:p>
-            <a:pPr lvl="1"/>
-            <a:r>
-              <a:rPr lang="en-US" dirty="0" smtClean="0"/>
-              <a:t>An accurate equivalent circuit model for determining the pulse shape</a:t>
-            </a:r>
-          </a:p>
-          <a:p>
-            <a:endParaRPr lang="en-US" dirty="0"/>
           </a:p>
         </p:txBody>
       </p:sp>
@@ -15277,12 +17027,6 @@
           <a:p>
             <a:r>
               <a:rPr lang="en-US" dirty="0" smtClean="0"/>
-              <a:t>Proposed design can tolerate DNUs</a:t>
-            </a:r>
-          </a:p>
-          <a:p>
-            <a:r>
-              <a:rPr lang="en-US" dirty="0" smtClean="0"/>
               <a:t>Existing designs can tolerate single node upsets (SNUs) and DNUs</a:t>
             </a:r>
           </a:p>
@@ -15314,6 +17058,17 @@
             <a:r>
               <a:rPr lang="en-US" dirty="0" smtClean="0"/>
               <a:t>Is DNU robust</a:t>
+            </a:r>
+          </a:p>
+          <a:p>
+            <a:pPr lvl="1"/>
+            <a:r>
+              <a:rPr lang="en-US" dirty="0"/>
+              <a:t>Is DNU </a:t>
+            </a:r>
+            <a:r>
+              <a:rPr lang="en-US" dirty="0" smtClean="0"/>
+              <a:t>tolerant</a:t>
             </a:r>
           </a:p>
           <a:p>
@@ -15392,6 +17147,13 @@
   <p:clrMapOvr>
     <a:masterClrMapping/>
   </p:clrMapOvr>
+  <p:timing>
+    <p:tnLst>
+      <p:par>
+        <p:cTn id="1" dur="indefinite" restart="never" nodeType="tmRoot"/>
+      </p:par>
+    </p:tnLst>
+  </p:timing>
 </p:sld>
 </file>
 
@@ -15599,6 +17361,13 @@
   <p:clrMapOvr>
     <a:masterClrMapping/>
   </p:clrMapOvr>
+  <p:timing>
+    <p:tnLst>
+      <p:par>
+        <p:cTn id="1" dur="indefinite" restart="never" nodeType="tmRoot"/>
+      </p:par>
+    </p:tnLst>
+  </p:timing>
 </p:sld>
 </file>
 
@@ -15797,6 +17566,13 @@
   <p:clrMapOvr>
     <a:masterClrMapping/>
   </p:clrMapOvr>
+  <p:timing>
+    <p:tnLst>
+      <p:par>
+        <p:cTn id="1" dur="indefinite" restart="never" nodeType="tmRoot"/>
+      </p:par>
+    </p:tnLst>
+  </p:timing>
 </p:sld>
 </file>
 
@@ -15983,6 +17759,13 @@
   <p:clrMapOvr>
     <a:masterClrMapping/>
   </p:clrMapOvr>
+  <p:timing>
+    <p:tnLst>
+      <p:par>
+        <p:cTn id="1" dur="indefinite" restart="never" nodeType="tmRoot"/>
+      </p:par>
+    </p:tnLst>
+  </p:timing>
 </p:sld>
 </file>
 
